--- a/docs/diagrams/Diagrams(CS2103T - V0.3).pptx
+++ b/docs/diagrams/Diagrams(CS2103T - V0.3).pptx
@@ -216,7 +216,7 @@
           <a:p>
             <a:fld id="{F5CC4B3F-88C1-4FFA-B1B6-F41C21DC6924}" type="datetimeFigureOut">
               <a:rPr lang="en-US" smtClean="0"/>
-              <a:t>10/30/16</a:t>
+              <a:t>11/6/16</a:t>
             </a:fld>
             <a:endParaRPr lang="en-US"/>
           </a:p>
@@ -665,7 +665,7 @@
           <a:p>
             <a:fld id="{78C97017-6FC3-485B-9764-EAC9E56C1D49}" type="datetimeFigureOut">
               <a:rPr lang="en-US" smtClean="0"/>
-              <a:t>10/30/16</a:t>
+              <a:t>11/6/16</a:t>
             </a:fld>
             <a:endParaRPr lang="en-US"/>
           </a:p>
@@ -835,7 +835,7 @@
           <a:p>
             <a:fld id="{78C97017-6FC3-485B-9764-EAC9E56C1D49}" type="datetimeFigureOut">
               <a:rPr lang="en-US" smtClean="0"/>
-              <a:t>10/30/16</a:t>
+              <a:t>11/6/16</a:t>
             </a:fld>
             <a:endParaRPr lang="en-US"/>
           </a:p>
@@ -1015,7 +1015,7 @@
           <a:p>
             <a:fld id="{78C97017-6FC3-485B-9764-EAC9E56C1D49}" type="datetimeFigureOut">
               <a:rPr lang="en-US" smtClean="0"/>
-              <a:t>10/30/16</a:t>
+              <a:t>11/6/16</a:t>
             </a:fld>
             <a:endParaRPr lang="en-US"/>
           </a:p>
@@ -1185,7 +1185,7 @@
           <a:p>
             <a:fld id="{78C97017-6FC3-485B-9764-EAC9E56C1D49}" type="datetimeFigureOut">
               <a:rPr lang="en-US" smtClean="0"/>
-              <a:t>10/30/16</a:t>
+              <a:t>11/6/16</a:t>
             </a:fld>
             <a:endParaRPr lang="en-US"/>
           </a:p>
@@ -1431,7 +1431,7 @@
           <a:p>
             <a:fld id="{78C97017-6FC3-485B-9764-EAC9E56C1D49}" type="datetimeFigureOut">
               <a:rPr lang="en-US" smtClean="0"/>
-              <a:t>10/30/16</a:t>
+              <a:t>11/6/16</a:t>
             </a:fld>
             <a:endParaRPr lang="en-US"/>
           </a:p>
@@ -1719,7 +1719,7 @@
           <a:p>
             <a:fld id="{78C97017-6FC3-485B-9764-EAC9E56C1D49}" type="datetimeFigureOut">
               <a:rPr lang="en-US" smtClean="0"/>
-              <a:t>10/30/16</a:t>
+              <a:t>11/6/16</a:t>
             </a:fld>
             <a:endParaRPr lang="en-US"/>
           </a:p>
@@ -2141,7 +2141,7 @@
           <a:p>
             <a:fld id="{78C97017-6FC3-485B-9764-EAC9E56C1D49}" type="datetimeFigureOut">
               <a:rPr lang="en-US" smtClean="0"/>
-              <a:t>10/30/16</a:t>
+              <a:t>11/6/16</a:t>
             </a:fld>
             <a:endParaRPr lang="en-US"/>
           </a:p>
@@ -2259,7 +2259,7 @@
           <a:p>
             <a:fld id="{78C97017-6FC3-485B-9764-EAC9E56C1D49}" type="datetimeFigureOut">
               <a:rPr lang="en-US" smtClean="0"/>
-              <a:t>10/30/16</a:t>
+              <a:t>11/6/16</a:t>
             </a:fld>
             <a:endParaRPr lang="en-US"/>
           </a:p>
@@ -2354,7 +2354,7 @@
           <a:p>
             <a:fld id="{78C97017-6FC3-485B-9764-EAC9E56C1D49}" type="datetimeFigureOut">
               <a:rPr lang="en-US" smtClean="0"/>
-              <a:t>10/30/16</a:t>
+              <a:t>11/6/16</a:t>
             </a:fld>
             <a:endParaRPr lang="en-US"/>
           </a:p>
@@ -2631,7 +2631,7 @@
           <a:p>
             <a:fld id="{78C97017-6FC3-485B-9764-EAC9E56C1D49}" type="datetimeFigureOut">
               <a:rPr lang="en-US" smtClean="0"/>
-              <a:t>10/30/16</a:t>
+              <a:t>11/6/16</a:t>
             </a:fld>
             <a:endParaRPr lang="en-US"/>
           </a:p>
@@ -2884,7 +2884,7 @@
           <a:p>
             <a:fld id="{78C97017-6FC3-485B-9764-EAC9E56C1D49}" type="datetimeFigureOut">
               <a:rPr lang="en-US" smtClean="0"/>
-              <a:t>10/30/16</a:t>
+              <a:t>11/6/16</a:t>
             </a:fld>
             <a:endParaRPr lang="en-US"/>
           </a:p>
@@ -3097,7 +3097,7 @@
           <a:p>
             <a:fld id="{78C97017-6FC3-485B-9764-EAC9E56C1D49}" type="datetimeFigureOut">
               <a:rPr lang="en-US" smtClean="0"/>
-              <a:t>10/30/16</a:t>
+              <a:t>11/6/16</a:t>
             </a:fld>
             <a:endParaRPr lang="en-US"/>
           </a:p>
@@ -17777,15 +17777,7 @@
                   <a:srgbClr val="0070C0"/>
                 </a:solidFill>
               </a:rPr>
-              <a:t>execute</a:t>
-            </a:r>
-            <a:r>
-              <a:rPr lang="en-US" sz="1400" dirty="0" smtClean="0">
-                <a:solidFill>
-                  <a:srgbClr val="0070C0"/>
-                </a:solidFill>
-              </a:rPr>
-              <a:t>(“modify storage/</a:t>
+              <a:t>execute(“modify storage/</a:t>
             </a:r>
             <a:r>
               <a:rPr lang="en-US" sz="1400" dirty="0" err="1" smtClean="0">
@@ -17942,11 +17934,7 @@
             <a:pPr algn="l"/>
             <a:r>
               <a:rPr lang="en-US" dirty="0" smtClean="0"/>
-              <a:t>parse</a:t>
-            </a:r>
-            <a:r>
-              <a:rPr lang="en-US" dirty="0" smtClean="0"/>
-              <a:t>(“</a:t>
+              <a:t>parse(“</a:t>
             </a:r>
             <a:r>
               <a:rPr lang="en-US" dirty="0"/>
@@ -18423,7 +18411,6 @@
               <a:rPr lang="en-US" dirty="0"/>
               <a:t>m</a:t>
             </a:r>
-            <a:endParaRPr lang="en-US" dirty="0"/>
           </a:p>
         </p:txBody>
       </p:sp>
@@ -18735,24 +18722,34 @@
               <a:t>post(</a:t>
             </a:r>
             <a:r>
-              <a:rPr lang="en-US" sz="1400" dirty="0" err="1" smtClean="0">
+              <a:rPr lang="en-US" sz="1400" dirty="0" err="1">
                 <a:solidFill>
                   <a:schemeClr val="accent5">
                     <a:lumMod val="75000"/>
                   </a:schemeClr>
                 </a:solidFill>
               </a:rPr>
-              <a:t>ActivityManagerChangedEvent</a:t>
-            </a:r>
-            <a:r>
-              <a:rPr lang="en-US" sz="1400" dirty="0" smtClean="0">
+              <a:t>M</a:t>
+            </a:r>
+            <a:r>
+              <a:rPr lang="en-US" sz="1400" dirty="0" err="1" smtClean="0">
                 <a:solidFill>
                   <a:schemeClr val="accent5">
                     <a:lumMod val="75000"/>
                   </a:schemeClr>
                 </a:solidFill>
               </a:rPr>
-              <a:t>()</a:t>
+              <a:t>odifyStorageEvent</a:t>
+            </a:r>
+            <a:r>
+              <a:rPr lang="en-US" sz="1400" dirty="0" smtClean="0">
+                <a:solidFill>
+                  <a:schemeClr val="accent5">
+                    <a:lumMod val="75000"/>
+                  </a:schemeClr>
+                </a:solidFill>
+              </a:rPr>
+              <a:t>())</a:t>
             </a:r>
             <a:endParaRPr lang="en-US" sz="1400" dirty="0">
               <a:solidFill>
@@ -18808,8 +18805,8 @@
         </p:nvSpPr>
         <p:spPr>
           <a:xfrm>
-            <a:off x="66246" y="4814292"/>
-            <a:ext cx="929422" cy="430887"/>
+            <a:off x="66245" y="4814292"/>
+            <a:ext cx="993459" cy="861774"/>
           </a:xfrm>
           <a:prstGeom prst="rect">
             <a:avLst/>
@@ -18822,14 +18819,14 @@
           </a:bodyPr>
           <a:lstStyle/>
           <a:p>
-            <a:pPr algn="r"/>
+            <a:pPr algn="ctr"/>
             <a:r>
               <a:rPr lang="en-US" sz="1400" dirty="0" smtClean="0">
                 <a:solidFill>
                   <a:srgbClr val="00B050"/>
                 </a:solidFill>
               </a:rPr>
-              <a:t>Show pop up message</a:t>
+              <a:t>Update status bar to reflect new storage path</a:t>
             </a:r>
             <a:endParaRPr lang="en-US" sz="1400" dirty="0">
               <a:solidFill>

--- a/docs/diagrams/Diagrams(CS2103T - V0.3).pptx
+++ b/docs/diagrams/Diagrams(CS2103T - V0.3).pptx
@@ -5,7 +5,7 @@
     <p:sldMasterId id="2147483648" r:id="rId1"/>
   </p:sldMasterIdLst>
   <p:notesMasterIdLst>
-    <p:notesMasterId r:id="rId12"/>
+    <p:notesMasterId r:id="rId13"/>
   </p:notesMasterIdLst>
   <p:sldIdLst>
     <p:sldId id="256" r:id="rId2"/>
@@ -15,9 +15,10 @@
     <p:sldId id="260" r:id="rId6"/>
     <p:sldId id="261" r:id="rId7"/>
     <p:sldId id="267" r:id="rId8"/>
-    <p:sldId id="263" r:id="rId9"/>
-    <p:sldId id="264" r:id="rId10"/>
-    <p:sldId id="265" r:id="rId11"/>
+    <p:sldId id="269" r:id="rId9"/>
+    <p:sldId id="263" r:id="rId10"/>
+    <p:sldId id="264" r:id="rId11"/>
+    <p:sldId id="265" r:id="rId12"/>
   </p:sldIdLst>
   <p:sldSz cx="9144000" cy="6858000" type="screen4x3"/>
   <p:notesSz cx="6858000" cy="9144000"/>
@@ -3551,6 +3552,1594 @@
       </p:grpSpPr>
       <p:sp>
         <p:nvSpPr>
+          <p:cNvPr id="118" name="Rectangle 65"/>
+          <p:cNvSpPr/>
+          <p:nvPr/>
+        </p:nvSpPr>
+        <p:spPr>
+          <a:xfrm>
+            <a:off x="609600" y="1524000"/>
+            <a:ext cx="9356122" cy="2409418"/>
+          </a:xfrm>
+          <a:prstGeom prst="roundRect">
+            <a:avLst>
+              <a:gd name="adj" fmla="val 3484"/>
+            </a:avLst>
+          </a:prstGeom>
+          <a:solidFill>
+            <a:schemeClr val="accent6">
+              <a:lumMod val="20000"/>
+              <a:lumOff val="80000"/>
+            </a:schemeClr>
+          </a:solidFill>
+          <a:ln w="19050">
+            <a:noFill/>
+          </a:ln>
+          <a:effectLst/>
+        </p:spPr>
+        <p:style>
+          <a:lnRef idx="1">
+            <a:schemeClr val="accent2"/>
+          </a:lnRef>
+          <a:fillRef idx="2">
+            <a:schemeClr val="accent2"/>
+          </a:fillRef>
+          <a:effectRef idx="1">
+            <a:schemeClr val="accent2"/>
+          </a:effectRef>
+          <a:fontRef idx="minor">
+            <a:schemeClr val="dk1"/>
+          </a:fontRef>
+        </p:style>
+        <p:txBody>
+          <a:bodyPr rtlCol="0" anchor="t"/>
+          <a:lstStyle/>
+          <a:p>
+            <a:r>
+              <a:rPr lang="en-US" sz="1200" b="1" dirty="0" smtClean="0">
+                <a:solidFill>
+                  <a:schemeClr val="accent6">
+                    <a:lumMod val="75000"/>
+                  </a:schemeClr>
+                </a:solidFill>
+              </a:rPr>
+              <a:t>Storage</a:t>
+            </a:r>
+            <a:endParaRPr lang="en-SG" sz="1200" b="1" dirty="0">
+              <a:solidFill>
+                <a:schemeClr val="accent6">
+                  <a:lumMod val="75000"/>
+                </a:schemeClr>
+              </a:solidFill>
+            </a:endParaRPr>
+          </a:p>
+        </p:txBody>
+      </p:sp>
+      <p:sp>
+        <p:nvSpPr>
+          <p:cNvPr id="2" name="Rectangle 8"/>
+          <p:cNvSpPr/>
+          <p:nvPr/>
+        </p:nvSpPr>
+        <p:spPr>
+          <a:xfrm>
+            <a:off x="2702871" y="3158440"/>
+            <a:ext cx="1516409" cy="346760"/>
+          </a:xfrm>
+          <a:prstGeom prst="rect">
+            <a:avLst/>
+          </a:prstGeom>
+          <a:solidFill>
+            <a:schemeClr val="accent6">
+              <a:lumMod val="75000"/>
+            </a:schemeClr>
+          </a:solidFill>
+          <a:ln w="19050">
+            <a:solidFill>
+              <a:schemeClr val="accent6">
+                <a:lumMod val="75000"/>
+              </a:schemeClr>
+            </a:solidFill>
+          </a:ln>
+          <a:effectLst/>
+        </p:spPr>
+        <p:style>
+          <a:lnRef idx="1">
+            <a:schemeClr val="accent2"/>
+          </a:lnRef>
+          <a:fillRef idx="2">
+            <a:schemeClr val="accent2"/>
+          </a:fillRef>
+          <a:effectRef idx="1">
+            <a:schemeClr val="accent2"/>
+          </a:effectRef>
+          <a:fontRef idx="minor">
+            <a:schemeClr val="dk1"/>
+          </a:fontRef>
+        </p:style>
+        <p:txBody>
+          <a:bodyPr rtlCol="0" anchor="ctr"/>
+          <a:lstStyle/>
+          <a:p>
+            <a:pPr algn="ctr"/>
+            <a:r>
+              <a:rPr lang="en-US" sz="1050" dirty="0" smtClean="0">
+                <a:solidFill>
+                  <a:schemeClr val="bg1"/>
+                </a:solidFill>
+              </a:rPr>
+              <a:t>&lt;&lt;interface&gt;&gt;</a:t>
+            </a:r>
+            <a:br>
+              <a:rPr lang="en-US" sz="1050" dirty="0" smtClean="0">
+                <a:solidFill>
+                  <a:schemeClr val="bg1"/>
+                </a:solidFill>
+              </a:rPr>
+            </a:br>
+            <a:r>
+              <a:rPr lang="en-US" sz="1050" dirty="0" err="1" smtClean="0">
+                <a:solidFill>
+                  <a:schemeClr val="bg1"/>
+                </a:solidFill>
+              </a:rPr>
+              <a:t>ActivityManagerStorage</a:t>
+            </a:r>
+            <a:endParaRPr lang="en-SG" sz="1050" dirty="0">
+              <a:solidFill>
+                <a:schemeClr val="bg1"/>
+              </a:solidFill>
+            </a:endParaRPr>
+          </a:p>
+        </p:txBody>
+      </p:sp>
+      <p:sp>
+        <p:nvSpPr>
+          <p:cNvPr id="9" name="Rectangle 62"/>
+          <p:cNvSpPr/>
+          <p:nvPr/>
+        </p:nvSpPr>
+        <p:spPr>
+          <a:xfrm rot="16200000">
+            <a:off x="1610243" y="2868687"/>
+            <a:ext cx="1093635" cy="346760"/>
+          </a:xfrm>
+          <a:prstGeom prst="rect">
+            <a:avLst/>
+          </a:prstGeom>
+          <a:solidFill>
+            <a:schemeClr val="accent6">
+              <a:lumMod val="75000"/>
+            </a:schemeClr>
+          </a:solidFill>
+          <a:ln w="19050">
+            <a:solidFill>
+              <a:schemeClr val="accent6">
+                <a:lumMod val="75000"/>
+              </a:schemeClr>
+            </a:solidFill>
+          </a:ln>
+          <a:effectLst/>
+        </p:spPr>
+        <p:style>
+          <a:lnRef idx="1">
+            <a:schemeClr val="accent2"/>
+          </a:lnRef>
+          <a:fillRef idx="2">
+            <a:schemeClr val="accent2"/>
+          </a:fillRef>
+          <a:effectRef idx="1">
+            <a:schemeClr val="accent2"/>
+          </a:effectRef>
+          <a:fontRef idx="minor">
+            <a:schemeClr val="dk1"/>
+          </a:fontRef>
+        </p:style>
+        <p:txBody>
+          <a:bodyPr rtlCol="0" anchor="ctr"/>
+          <a:lstStyle/>
+          <a:p>
+            <a:pPr algn="ctr"/>
+            <a:r>
+              <a:rPr lang="en-US" sz="1050" dirty="0" err="1" smtClean="0">
+                <a:solidFill>
+                  <a:schemeClr val="bg1"/>
+                </a:solidFill>
+              </a:rPr>
+              <a:t>StorageManager</a:t>
+            </a:r>
+            <a:endParaRPr lang="en-SG" sz="1050" dirty="0">
+              <a:solidFill>
+                <a:schemeClr val="bg1"/>
+              </a:solidFill>
+            </a:endParaRPr>
+          </a:p>
+        </p:txBody>
+      </p:sp>
+      <p:sp>
+        <p:nvSpPr>
+          <p:cNvPr id="119" name="Rectangle 62"/>
+          <p:cNvSpPr/>
+          <p:nvPr/>
+        </p:nvSpPr>
+        <p:spPr>
+          <a:xfrm rot="16200000">
+            <a:off x="882939" y="2868687"/>
+            <a:ext cx="1093635" cy="346760"/>
+          </a:xfrm>
+          <a:prstGeom prst="rect">
+            <a:avLst/>
+          </a:prstGeom>
+          <a:solidFill>
+            <a:schemeClr val="accent6">
+              <a:lumMod val="75000"/>
+            </a:schemeClr>
+          </a:solidFill>
+          <a:ln w="19050">
+            <a:solidFill>
+              <a:schemeClr val="accent6">
+                <a:lumMod val="75000"/>
+              </a:schemeClr>
+            </a:solidFill>
+          </a:ln>
+          <a:effectLst/>
+        </p:spPr>
+        <p:style>
+          <a:lnRef idx="1">
+            <a:schemeClr val="accent2"/>
+          </a:lnRef>
+          <a:fillRef idx="2">
+            <a:schemeClr val="accent2"/>
+          </a:fillRef>
+          <a:effectRef idx="1">
+            <a:schemeClr val="accent2"/>
+          </a:effectRef>
+          <a:fontRef idx="minor">
+            <a:schemeClr val="dk1"/>
+          </a:fontRef>
+        </p:style>
+        <p:txBody>
+          <a:bodyPr rtlCol="0" anchor="ctr"/>
+          <a:lstStyle/>
+          <a:p>
+            <a:pPr algn="ctr"/>
+            <a:r>
+              <a:rPr lang="en-US" sz="1050" dirty="0">
+                <a:solidFill>
+                  <a:schemeClr val="bg1"/>
+                </a:solidFill>
+              </a:rPr>
+              <a:t>&lt;&lt;interface&gt;&gt;</a:t>
+            </a:r>
+          </a:p>
+          <a:p>
+            <a:pPr algn="ctr"/>
+            <a:r>
+              <a:rPr lang="en-US" sz="1050" dirty="0" smtClean="0">
+                <a:solidFill>
+                  <a:schemeClr val="bg1"/>
+                </a:solidFill>
+              </a:rPr>
+              <a:t>Storage</a:t>
+            </a:r>
+            <a:endParaRPr lang="en-SG" sz="1050" dirty="0">
+              <a:solidFill>
+                <a:schemeClr val="bg1"/>
+              </a:solidFill>
+            </a:endParaRPr>
+          </a:p>
+        </p:txBody>
+      </p:sp>
+      <p:sp>
+        <p:nvSpPr>
+          <p:cNvPr id="120" name="Isosceles Triangle 102"/>
+          <p:cNvSpPr/>
+          <p:nvPr/>
+        </p:nvSpPr>
+        <p:spPr>
+          <a:xfrm rot="16200000">
+            <a:off x="1554728" y="2952291"/>
+            <a:ext cx="270504" cy="175523"/>
+          </a:xfrm>
+          <a:prstGeom prst="triangle">
+            <a:avLst/>
+          </a:prstGeom>
+          <a:solidFill>
+            <a:schemeClr val="accent6">
+              <a:lumMod val="75000"/>
+            </a:schemeClr>
+          </a:solidFill>
+          <a:ln w="19050">
+            <a:solidFill>
+              <a:schemeClr val="accent6">
+                <a:lumMod val="75000"/>
+              </a:schemeClr>
+            </a:solidFill>
+          </a:ln>
+          <a:effectLst/>
+        </p:spPr>
+        <p:style>
+          <a:lnRef idx="1">
+            <a:schemeClr val="accent2"/>
+          </a:lnRef>
+          <a:fillRef idx="2">
+            <a:schemeClr val="accent2"/>
+          </a:fillRef>
+          <a:effectRef idx="1">
+            <a:schemeClr val="accent2"/>
+          </a:effectRef>
+          <a:fontRef idx="minor">
+            <a:schemeClr val="dk1"/>
+          </a:fontRef>
+        </p:style>
+        <p:txBody>
+          <a:bodyPr rtlCol="0" anchor="ctr"/>
+          <a:lstStyle/>
+          <a:p>
+            <a:pPr algn="ctr"/>
+            <a:endParaRPr lang="en-SG" sz="1050">
+              <a:solidFill>
+                <a:schemeClr val="bg1"/>
+              </a:solidFill>
+            </a:endParaRPr>
+          </a:p>
+        </p:txBody>
+      </p:sp>
+      <p:cxnSp>
+        <p:nvCxnSpPr>
+          <p:cNvPr id="58" name="Straight Arrow Connector 57"/>
+          <p:cNvCxnSpPr>
+            <a:stCxn id="42" idx="3"/>
+            <a:endCxn id="2" idx="1"/>
+          </p:cNvCxnSpPr>
+          <p:nvPr/>
+        </p:nvCxnSpPr>
+        <p:spPr>
+          <a:xfrm flipV="1">
+            <a:off x="2571901" y="3331820"/>
+            <a:ext cx="130970" cy="14838"/>
+          </a:xfrm>
+          <a:prstGeom prst="straightConnector1">
+            <a:avLst/>
+          </a:prstGeom>
+          <a:ln w="19050">
+            <a:solidFill>
+              <a:schemeClr val="accent6">
+                <a:lumMod val="75000"/>
+              </a:schemeClr>
+            </a:solidFill>
+            <a:headEnd type="none" w="med" len="med"/>
+            <a:tailEnd type="arrow" w="med" len="med"/>
+          </a:ln>
+          <a:effectLst/>
+        </p:spPr>
+        <p:style>
+          <a:lnRef idx="1">
+            <a:schemeClr val="accent2"/>
+          </a:lnRef>
+          <a:fillRef idx="2">
+            <a:schemeClr val="accent2"/>
+          </a:fillRef>
+          <a:effectRef idx="1">
+            <a:schemeClr val="accent2"/>
+          </a:effectRef>
+          <a:fontRef idx="minor">
+            <a:schemeClr val="dk1"/>
+          </a:fontRef>
+        </p:style>
+      </p:cxnSp>
+      <p:cxnSp>
+        <p:nvCxnSpPr>
+          <p:cNvPr id="75" name="Elbow Connector 122"/>
+          <p:cNvCxnSpPr/>
+          <p:nvPr/>
+        </p:nvCxnSpPr>
+        <p:spPr>
+          <a:xfrm>
+            <a:off x="910091" y="3040053"/>
+            <a:ext cx="419548" cy="2860"/>
+          </a:xfrm>
+          <a:prstGeom prst="bentConnector3">
+            <a:avLst>
+              <a:gd name="adj1" fmla="val 50000"/>
+            </a:avLst>
+          </a:prstGeom>
+          <a:ln w="19050">
+            <a:solidFill>
+              <a:schemeClr val="bg1">
+                <a:lumMod val="75000"/>
+              </a:schemeClr>
+            </a:solidFill>
+            <a:prstDash val="sysDot"/>
+            <a:headEnd type="none" w="med" len="med"/>
+            <a:tailEnd type="arrow" w="med" len="med"/>
+          </a:ln>
+          <a:effectLst/>
+        </p:spPr>
+        <p:style>
+          <a:lnRef idx="1">
+            <a:schemeClr val="accent2"/>
+          </a:lnRef>
+          <a:fillRef idx="2">
+            <a:schemeClr val="accent2"/>
+          </a:fillRef>
+          <a:effectRef idx="1">
+            <a:schemeClr val="accent2"/>
+          </a:effectRef>
+          <a:fontRef idx="minor">
+            <a:schemeClr val="dk1"/>
+          </a:fontRef>
+        </p:style>
+      </p:cxnSp>
+      <p:cxnSp>
+        <p:nvCxnSpPr>
+          <p:cNvPr id="21" name="Straight Connector 20"/>
+          <p:cNvCxnSpPr>
+            <a:stCxn id="120" idx="3"/>
+          </p:cNvCxnSpPr>
+          <p:nvPr/>
+        </p:nvCxnSpPr>
+        <p:spPr>
+          <a:xfrm flipV="1">
+            <a:off x="1777742" y="3040052"/>
+            <a:ext cx="216105" cy="1"/>
+          </a:xfrm>
+          <a:prstGeom prst="line">
+            <a:avLst/>
+          </a:prstGeom>
+          <a:ln w="19050">
+            <a:solidFill>
+              <a:schemeClr val="accent6">
+                <a:lumMod val="75000"/>
+              </a:schemeClr>
+            </a:solidFill>
+            <a:prstDash val="sysDot"/>
+            <a:headEnd type="none" w="med" len="med"/>
+            <a:tailEnd type="none" w="med" len="med"/>
+          </a:ln>
+          <a:effectLst/>
+        </p:spPr>
+        <p:style>
+          <a:lnRef idx="1">
+            <a:schemeClr val="accent2"/>
+          </a:lnRef>
+          <a:fillRef idx="2">
+            <a:schemeClr val="accent2"/>
+          </a:fillRef>
+          <a:effectRef idx="1">
+            <a:schemeClr val="accent2"/>
+          </a:effectRef>
+          <a:fontRef idx="minor">
+            <a:schemeClr val="dk1"/>
+          </a:fontRef>
+        </p:style>
+      </p:cxnSp>
+      <p:sp>
+        <p:nvSpPr>
+          <p:cNvPr id="42" name="Flowchart: Decision 96"/>
+          <p:cNvSpPr/>
+          <p:nvPr/>
+        </p:nvSpPr>
+        <p:spPr>
+          <a:xfrm>
+            <a:off x="2335853" y="3259968"/>
+            <a:ext cx="236048" cy="173380"/>
+          </a:xfrm>
+          <a:prstGeom prst="flowChartDecision">
+            <a:avLst/>
+          </a:prstGeom>
+          <a:noFill/>
+          <a:ln w="19050">
+            <a:solidFill>
+              <a:schemeClr val="accent6">
+                <a:lumMod val="75000"/>
+              </a:schemeClr>
+            </a:solidFill>
+          </a:ln>
+          <a:effectLst/>
+        </p:spPr>
+        <p:style>
+          <a:lnRef idx="1">
+            <a:schemeClr val="accent2"/>
+          </a:lnRef>
+          <a:fillRef idx="2">
+            <a:schemeClr val="accent2"/>
+          </a:fillRef>
+          <a:effectRef idx="1">
+            <a:schemeClr val="accent2"/>
+          </a:effectRef>
+          <a:fontRef idx="minor">
+            <a:schemeClr val="dk1"/>
+          </a:fontRef>
+        </p:style>
+        <p:txBody>
+          <a:bodyPr rtlCol="0" anchor="ctr"/>
+          <a:lstStyle/>
+          <a:p>
+            <a:pPr algn="ctr"/>
+            <a:endParaRPr lang="en-US" sz="1050">
+              <a:solidFill>
+                <a:schemeClr val="bg1"/>
+              </a:solidFill>
+            </a:endParaRPr>
+          </a:p>
+        </p:txBody>
+      </p:sp>
+      <p:cxnSp>
+        <p:nvCxnSpPr>
+          <p:cNvPr id="97" name="Elbow Connector 63"/>
+          <p:cNvCxnSpPr>
+            <a:stCxn id="99" idx="3"/>
+            <a:endCxn id="50" idx="1"/>
+          </p:cNvCxnSpPr>
+          <p:nvPr/>
+        </p:nvCxnSpPr>
+        <p:spPr>
+          <a:xfrm flipV="1">
+            <a:off x="4398041" y="3331820"/>
+            <a:ext cx="100898" cy="1"/>
+          </a:xfrm>
+          <a:prstGeom prst="bentConnector3">
+            <a:avLst>
+              <a:gd name="adj1" fmla="val 50000"/>
+            </a:avLst>
+          </a:prstGeom>
+          <a:ln w="19050">
+            <a:solidFill>
+              <a:schemeClr val="accent6">
+                <a:lumMod val="75000"/>
+              </a:schemeClr>
+            </a:solidFill>
+            <a:prstDash val="sysDot"/>
+            <a:headEnd type="none" w="med" len="med"/>
+            <a:tailEnd type="none" w="med" len="med"/>
+          </a:ln>
+          <a:effectLst/>
+        </p:spPr>
+        <p:style>
+          <a:lnRef idx="1">
+            <a:schemeClr val="accent2"/>
+          </a:lnRef>
+          <a:fillRef idx="2">
+            <a:schemeClr val="accent2"/>
+          </a:fillRef>
+          <a:effectRef idx="1">
+            <a:schemeClr val="accent2"/>
+          </a:effectRef>
+          <a:fontRef idx="minor">
+            <a:schemeClr val="dk1"/>
+          </a:fontRef>
+        </p:style>
+      </p:cxnSp>
+      <p:sp>
+        <p:nvSpPr>
+          <p:cNvPr id="99" name="Isosceles Triangle 102"/>
+          <p:cNvSpPr/>
+          <p:nvPr/>
+        </p:nvSpPr>
+        <p:spPr>
+          <a:xfrm rot="5400000" flipV="1">
+            <a:off x="4175027" y="3244059"/>
+            <a:ext cx="270504" cy="175523"/>
+          </a:xfrm>
+          <a:prstGeom prst="triangle">
+            <a:avLst/>
+          </a:prstGeom>
+          <a:solidFill>
+            <a:schemeClr val="accent6">
+              <a:lumMod val="75000"/>
+            </a:schemeClr>
+          </a:solidFill>
+          <a:ln w="19050">
+            <a:solidFill>
+              <a:schemeClr val="accent6">
+                <a:lumMod val="75000"/>
+              </a:schemeClr>
+            </a:solidFill>
+          </a:ln>
+          <a:effectLst/>
+        </p:spPr>
+        <p:style>
+          <a:lnRef idx="1">
+            <a:schemeClr val="accent2"/>
+          </a:lnRef>
+          <a:fillRef idx="2">
+            <a:schemeClr val="accent2"/>
+          </a:fillRef>
+          <a:effectRef idx="1">
+            <a:schemeClr val="accent2"/>
+          </a:effectRef>
+          <a:fontRef idx="minor">
+            <a:schemeClr val="dk1"/>
+          </a:fontRef>
+        </p:style>
+        <p:txBody>
+          <a:bodyPr rtlCol="0" anchor="ctr"/>
+          <a:lstStyle/>
+          <a:p>
+            <a:pPr algn="ctr"/>
+            <a:endParaRPr lang="en-SG" sz="1050">
+              <a:solidFill>
+                <a:schemeClr val="bg1"/>
+              </a:solidFill>
+            </a:endParaRPr>
+          </a:p>
+        </p:txBody>
+      </p:sp>
+      <p:cxnSp>
+        <p:nvCxnSpPr>
+          <p:cNvPr id="124" name="Elbow Connector 122"/>
+          <p:cNvCxnSpPr>
+            <a:stCxn id="50" idx="3"/>
+            <a:endCxn id="66" idx="1"/>
+          </p:cNvCxnSpPr>
+          <p:nvPr/>
+        </p:nvCxnSpPr>
+        <p:spPr>
+          <a:xfrm>
+            <a:off x="5819670" y="3331820"/>
+            <a:ext cx="200130" cy="1970"/>
+          </a:xfrm>
+          <a:prstGeom prst="bentConnector3">
+            <a:avLst>
+              <a:gd name="adj1" fmla="val 50000"/>
+            </a:avLst>
+          </a:prstGeom>
+          <a:ln w="19050">
+            <a:solidFill>
+              <a:schemeClr val="accent6">
+                <a:lumMod val="75000"/>
+              </a:schemeClr>
+            </a:solidFill>
+            <a:prstDash val="sysDot"/>
+            <a:headEnd type="none" w="med" len="med"/>
+            <a:tailEnd type="arrow" w="med" len="med"/>
+          </a:ln>
+          <a:effectLst/>
+        </p:spPr>
+        <p:style>
+          <a:lnRef idx="1">
+            <a:schemeClr val="accent2"/>
+          </a:lnRef>
+          <a:fillRef idx="2">
+            <a:schemeClr val="accent2"/>
+          </a:fillRef>
+          <a:effectRef idx="1">
+            <a:schemeClr val="accent2"/>
+          </a:effectRef>
+          <a:fontRef idx="minor">
+            <a:schemeClr val="dk1"/>
+          </a:fontRef>
+        </p:style>
+      </p:cxnSp>
+      <p:sp>
+        <p:nvSpPr>
+          <p:cNvPr id="50" name="Rectangle 8"/>
+          <p:cNvSpPr/>
+          <p:nvPr/>
+        </p:nvSpPr>
+        <p:spPr>
+          <a:xfrm>
+            <a:off x="4498939" y="3158440"/>
+            <a:ext cx="1320731" cy="346760"/>
+          </a:xfrm>
+          <a:prstGeom prst="rect">
+            <a:avLst/>
+          </a:prstGeom>
+          <a:ln w="19050"/>
+          <a:effectLst/>
+        </p:spPr>
+        <p:style>
+          <a:lnRef idx="1">
+            <a:schemeClr val="accent6"/>
+          </a:lnRef>
+          <a:fillRef idx="2">
+            <a:schemeClr val="accent6"/>
+          </a:fillRef>
+          <a:effectRef idx="1">
+            <a:schemeClr val="accent6"/>
+          </a:effectRef>
+          <a:fontRef idx="minor">
+            <a:schemeClr val="dk1"/>
+          </a:fontRef>
+        </p:style>
+        <p:txBody>
+          <a:bodyPr rtlCol="0" anchor="ctr"/>
+          <a:lstStyle/>
+          <a:p>
+            <a:pPr algn="ctr"/>
+            <a:r>
+              <a:rPr lang="en-US" sz="1050" b="1" dirty="0" err="1" smtClean="0">
+                <a:solidFill>
+                  <a:schemeClr val="accent6">
+                    <a:lumMod val="75000"/>
+                  </a:schemeClr>
+                </a:solidFill>
+              </a:rPr>
+              <a:t>XmlActivityManager</a:t>
+            </a:r>
+            <a:r>
+              <a:rPr lang="en-US" sz="1050" b="1" dirty="0" smtClean="0">
+                <a:solidFill>
+                  <a:schemeClr val="accent6">
+                    <a:lumMod val="75000"/>
+                  </a:schemeClr>
+                </a:solidFill>
+              </a:rPr>
+              <a:t> Storage</a:t>
+            </a:r>
+            <a:endParaRPr lang="en-SG" sz="1050" b="1" dirty="0">
+              <a:solidFill>
+                <a:schemeClr val="accent6">
+                  <a:lumMod val="75000"/>
+                </a:schemeClr>
+              </a:solidFill>
+            </a:endParaRPr>
+          </a:p>
+        </p:txBody>
+      </p:sp>
+      <p:sp>
+        <p:nvSpPr>
+          <p:cNvPr id="52" name="Rectangle 8"/>
+          <p:cNvSpPr/>
+          <p:nvPr/>
+        </p:nvSpPr>
+        <p:spPr>
+          <a:xfrm>
+            <a:off x="2873943" y="2558040"/>
+            <a:ext cx="1323049" cy="346760"/>
+          </a:xfrm>
+          <a:prstGeom prst="rect">
+            <a:avLst/>
+          </a:prstGeom>
+          <a:solidFill>
+            <a:schemeClr val="accent6">
+              <a:lumMod val="75000"/>
+            </a:schemeClr>
+          </a:solidFill>
+          <a:ln w="19050">
+            <a:solidFill>
+              <a:schemeClr val="accent6">
+                <a:lumMod val="75000"/>
+              </a:schemeClr>
+            </a:solidFill>
+          </a:ln>
+          <a:effectLst/>
+        </p:spPr>
+        <p:style>
+          <a:lnRef idx="1">
+            <a:schemeClr val="accent2"/>
+          </a:lnRef>
+          <a:fillRef idx="2">
+            <a:schemeClr val="accent2"/>
+          </a:fillRef>
+          <a:effectRef idx="1">
+            <a:schemeClr val="accent2"/>
+          </a:effectRef>
+          <a:fontRef idx="minor">
+            <a:schemeClr val="dk1"/>
+          </a:fontRef>
+        </p:style>
+        <p:txBody>
+          <a:bodyPr rtlCol="0" anchor="ctr"/>
+          <a:lstStyle/>
+          <a:p>
+            <a:pPr algn="ctr"/>
+            <a:r>
+              <a:rPr lang="en-US" sz="1050" dirty="0" smtClean="0">
+                <a:solidFill>
+                  <a:schemeClr val="bg1"/>
+                </a:solidFill>
+              </a:rPr>
+              <a:t>&lt;&lt;interface&gt;&gt;</a:t>
+            </a:r>
+            <a:br>
+              <a:rPr lang="en-US" sz="1050" dirty="0" smtClean="0">
+                <a:solidFill>
+                  <a:schemeClr val="bg1"/>
+                </a:solidFill>
+              </a:rPr>
+            </a:br>
+            <a:r>
+              <a:rPr lang="en-US" sz="1050" dirty="0" err="1" smtClean="0">
+                <a:solidFill>
+                  <a:schemeClr val="bg1"/>
+                </a:solidFill>
+              </a:rPr>
+              <a:t>UserPrefsStorage</a:t>
+            </a:r>
+            <a:endParaRPr lang="en-SG" sz="1050" dirty="0">
+              <a:solidFill>
+                <a:schemeClr val="bg1"/>
+              </a:solidFill>
+            </a:endParaRPr>
+          </a:p>
+        </p:txBody>
+      </p:sp>
+      <p:cxnSp>
+        <p:nvCxnSpPr>
+          <p:cNvPr id="54" name="Straight Arrow Connector 53"/>
+          <p:cNvCxnSpPr>
+            <a:stCxn id="56" idx="3"/>
+            <a:endCxn id="52" idx="1"/>
+          </p:cNvCxnSpPr>
+          <p:nvPr/>
+        </p:nvCxnSpPr>
+        <p:spPr>
+          <a:xfrm>
+            <a:off x="2560163" y="2726136"/>
+            <a:ext cx="313780" cy="5284"/>
+          </a:xfrm>
+          <a:prstGeom prst="straightConnector1">
+            <a:avLst/>
+          </a:prstGeom>
+          <a:ln w="19050">
+            <a:solidFill>
+              <a:schemeClr val="accent6">
+                <a:lumMod val="75000"/>
+              </a:schemeClr>
+            </a:solidFill>
+            <a:headEnd type="none" w="med" len="med"/>
+            <a:tailEnd type="arrow" w="med" len="med"/>
+          </a:ln>
+          <a:effectLst/>
+        </p:spPr>
+        <p:style>
+          <a:lnRef idx="1">
+            <a:schemeClr val="accent2"/>
+          </a:lnRef>
+          <a:fillRef idx="2">
+            <a:schemeClr val="accent2"/>
+          </a:fillRef>
+          <a:effectRef idx="1">
+            <a:schemeClr val="accent2"/>
+          </a:effectRef>
+          <a:fontRef idx="minor">
+            <a:schemeClr val="dk1"/>
+          </a:fontRef>
+        </p:style>
+      </p:cxnSp>
+      <p:sp>
+        <p:nvSpPr>
+          <p:cNvPr id="56" name="Flowchart: Decision 96"/>
+          <p:cNvSpPr/>
+          <p:nvPr/>
+        </p:nvSpPr>
+        <p:spPr>
+          <a:xfrm>
+            <a:off x="2324115" y="2639446"/>
+            <a:ext cx="236048" cy="173380"/>
+          </a:xfrm>
+          <a:prstGeom prst="flowChartDecision">
+            <a:avLst/>
+          </a:prstGeom>
+          <a:noFill/>
+          <a:ln w="19050">
+            <a:solidFill>
+              <a:schemeClr val="accent6">
+                <a:lumMod val="75000"/>
+              </a:schemeClr>
+            </a:solidFill>
+          </a:ln>
+          <a:effectLst/>
+        </p:spPr>
+        <p:style>
+          <a:lnRef idx="1">
+            <a:schemeClr val="accent2"/>
+          </a:lnRef>
+          <a:fillRef idx="2">
+            <a:schemeClr val="accent2"/>
+          </a:fillRef>
+          <a:effectRef idx="1">
+            <a:schemeClr val="accent2"/>
+          </a:effectRef>
+          <a:fontRef idx="minor">
+            <a:schemeClr val="dk1"/>
+          </a:fontRef>
+        </p:style>
+        <p:txBody>
+          <a:bodyPr rtlCol="0" anchor="ctr"/>
+          <a:lstStyle/>
+          <a:p>
+            <a:pPr algn="ctr"/>
+            <a:endParaRPr lang="en-US" sz="1050">
+              <a:solidFill>
+                <a:schemeClr val="bg1"/>
+              </a:solidFill>
+            </a:endParaRPr>
+          </a:p>
+        </p:txBody>
+      </p:sp>
+      <p:cxnSp>
+        <p:nvCxnSpPr>
+          <p:cNvPr id="60" name="Elbow Connector 63"/>
+          <p:cNvCxnSpPr>
+            <a:stCxn id="61" idx="3"/>
+            <a:endCxn id="65" idx="1"/>
+          </p:cNvCxnSpPr>
+          <p:nvPr/>
+        </p:nvCxnSpPr>
+        <p:spPr>
+          <a:xfrm flipV="1">
+            <a:off x="4394804" y="2731420"/>
+            <a:ext cx="223324" cy="1"/>
+          </a:xfrm>
+          <a:prstGeom prst="bentConnector3">
+            <a:avLst>
+              <a:gd name="adj1" fmla="val 50000"/>
+            </a:avLst>
+          </a:prstGeom>
+          <a:ln w="19050">
+            <a:solidFill>
+              <a:schemeClr val="accent6">
+                <a:lumMod val="75000"/>
+              </a:schemeClr>
+            </a:solidFill>
+            <a:prstDash val="sysDot"/>
+            <a:headEnd type="none" w="med" len="med"/>
+            <a:tailEnd type="none" w="med" len="med"/>
+          </a:ln>
+          <a:effectLst/>
+        </p:spPr>
+        <p:style>
+          <a:lnRef idx="1">
+            <a:schemeClr val="accent2"/>
+          </a:lnRef>
+          <a:fillRef idx="2">
+            <a:schemeClr val="accent2"/>
+          </a:fillRef>
+          <a:effectRef idx="1">
+            <a:schemeClr val="accent2"/>
+          </a:effectRef>
+          <a:fontRef idx="minor">
+            <a:schemeClr val="dk1"/>
+          </a:fontRef>
+        </p:style>
+      </p:cxnSp>
+      <p:sp>
+        <p:nvSpPr>
+          <p:cNvPr id="61" name="Isosceles Triangle 102"/>
+          <p:cNvSpPr/>
+          <p:nvPr/>
+        </p:nvSpPr>
+        <p:spPr>
+          <a:xfrm rot="5400000" flipV="1">
+            <a:off x="4171790" y="2643659"/>
+            <a:ext cx="270504" cy="175523"/>
+          </a:xfrm>
+          <a:prstGeom prst="triangle">
+            <a:avLst/>
+          </a:prstGeom>
+          <a:solidFill>
+            <a:schemeClr val="accent6">
+              <a:lumMod val="75000"/>
+            </a:schemeClr>
+          </a:solidFill>
+          <a:ln w="19050">
+            <a:solidFill>
+              <a:schemeClr val="accent6">
+                <a:lumMod val="75000"/>
+              </a:schemeClr>
+            </a:solidFill>
+          </a:ln>
+          <a:effectLst/>
+        </p:spPr>
+        <p:style>
+          <a:lnRef idx="1">
+            <a:schemeClr val="accent2"/>
+          </a:lnRef>
+          <a:fillRef idx="2">
+            <a:schemeClr val="accent2"/>
+          </a:fillRef>
+          <a:effectRef idx="1">
+            <a:schemeClr val="accent2"/>
+          </a:effectRef>
+          <a:fontRef idx="minor">
+            <a:schemeClr val="dk1"/>
+          </a:fontRef>
+        </p:style>
+        <p:txBody>
+          <a:bodyPr rtlCol="0" anchor="ctr"/>
+          <a:lstStyle/>
+          <a:p>
+            <a:pPr algn="ctr"/>
+            <a:endParaRPr lang="en-SG" sz="1050">
+              <a:solidFill>
+                <a:schemeClr val="bg1"/>
+              </a:solidFill>
+            </a:endParaRPr>
+          </a:p>
+        </p:txBody>
+      </p:sp>
+      <p:sp>
+        <p:nvSpPr>
+          <p:cNvPr id="65" name="Rectangle 8"/>
+          <p:cNvSpPr/>
+          <p:nvPr/>
+        </p:nvSpPr>
+        <p:spPr>
+          <a:xfrm>
+            <a:off x="4618128" y="2558040"/>
+            <a:ext cx="1093635" cy="346760"/>
+          </a:xfrm>
+          <a:prstGeom prst="rect">
+            <a:avLst/>
+          </a:prstGeom>
+          <a:solidFill>
+            <a:schemeClr val="accent6">
+              <a:lumMod val="75000"/>
+            </a:schemeClr>
+          </a:solidFill>
+          <a:ln w="19050">
+            <a:solidFill>
+              <a:schemeClr val="accent6">
+                <a:lumMod val="75000"/>
+              </a:schemeClr>
+            </a:solidFill>
+          </a:ln>
+          <a:effectLst/>
+        </p:spPr>
+        <p:style>
+          <a:lnRef idx="1">
+            <a:schemeClr val="accent2"/>
+          </a:lnRef>
+          <a:fillRef idx="2">
+            <a:schemeClr val="accent2"/>
+          </a:fillRef>
+          <a:effectRef idx="1">
+            <a:schemeClr val="accent2"/>
+          </a:effectRef>
+          <a:fontRef idx="minor">
+            <a:schemeClr val="dk1"/>
+          </a:fontRef>
+        </p:style>
+        <p:txBody>
+          <a:bodyPr rtlCol="0" anchor="ctr"/>
+          <a:lstStyle/>
+          <a:p>
+            <a:pPr algn="ctr"/>
+            <a:r>
+              <a:rPr lang="en-US" sz="1050" dirty="0" err="1" smtClean="0">
+                <a:solidFill>
+                  <a:schemeClr val="bg1"/>
+                </a:solidFill>
+              </a:rPr>
+              <a:t>JsonUserPrefs</a:t>
+            </a:r>
+            <a:r>
+              <a:rPr lang="en-US" sz="1050" dirty="0" smtClean="0">
+                <a:solidFill>
+                  <a:schemeClr val="bg1"/>
+                </a:solidFill>
+              </a:rPr>
+              <a:t/>
+            </a:r>
+            <a:br>
+              <a:rPr lang="en-US" sz="1050" dirty="0" smtClean="0">
+                <a:solidFill>
+                  <a:schemeClr val="bg1"/>
+                </a:solidFill>
+              </a:rPr>
+            </a:br>
+            <a:r>
+              <a:rPr lang="en-US" sz="1050" dirty="0" smtClean="0">
+                <a:solidFill>
+                  <a:schemeClr val="bg1"/>
+                </a:solidFill>
+              </a:rPr>
+              <a:t>Storage</a:t>
+            </a:r>
+            <a:endParaRPr lang="en-SG" sz="1050" dirty="0">
+              <a:solidFill>
+                <a:schemeClr val="bg1"/>
+              </a:solidFill>
+            </a:endParaRPr>
+          </a:p>
+        </p:txBody>
+      </p:sp>
+      <p:sp>
+        <p:nvSpPr>
+          <p:cNvPr id="66" name="Rectangle 8"/>
+          <p:cNvSpPr/>
+          <p:nvPr/>
+        </p:nvSpPr>
+        <p:spPr>
+          <a:xfrm>
+            <a:off x="6019800" y="3160410"/>
+            <a:ext cx="1200707" cy="346760"/>
+          </a:xfrm>
+          <a:prstGeom prst="rect">
+            <a:avLst/>
+          </a:prstGeom>
+          <a:ln w="19050"/>
+          <a:effectLst/>
+        </p:spPr>
+        <p:style>
+          <a:lnRef idx="1">
+            <a:schemeClr val="accent6"/>
+          </a:lnRef>
+          <a:fillRef idx="2">
+            <a:schemeClr val="accent6"/>
+          </a:fillRef>
+          <a:effectRef idx="1">
+            <a:schemeClr val="accent6"/>
+          </a:effectRef>
+          <a:fontRef idx="minor">
+            <a:schemeClr val="dk1"/>
+          </a:fontRef>
+        </p:style>
+        <p:txBody>
+          <a:bodyPr rtlCol="0" anchor="ctr"/>
+          <a:lstStyle/>
+          <a:p>
+            <a:pPr algn="ctr"/>
+            <a:r>
+              <a:rPr lang="en-US" sz="1050" b="1" dirty="0" err="1" smtClean="0">
+                <a:solidFill>
+                  <a:schemeClr val="accent6">
+                    <a:lumMod val="75000"/>
+                  </a:schemeClr>
+                </a:solidFill>
+              </a:rPr>
+              <a:t>XmlSerializable</a:t>
+            </a:r>
+            <a:r>
+              <a:rPr lang="en-US" sz="1050" b="1" dirty="0" smtClean="0">
+                <a:solidFill>
+                  <a:schemeClr val="accent6">
+                    <a:lumMod val="75000"/>
+                  </a:schemeClr>
+                </a:solidFill>
+              </a:rPr>
+              <a:t/>
+            </a:r>
+            <a:br>
+              <a:rPr lang="en-US" sz="1050" b="1" dirty="0" smtClean="0">
+                <a:solidFill>
+                  <a:schemeClr val="accent6">
+                    <a:lumMod val="75000"/>
+                  </a:schemeClr>
+                </a:solidFill>
+              </a:rPr>
+            </a:br>
+            <a:r>
+              <a:rPr lang="en-US" sz="1050" b="1" dirty="0" err="1" smtClean="0">
+                <a:solidFill>
+                  <a:schemeClr val="accent6">
+                    <a:lumMod val="75000"/>
+                  </a:schemeClr>
+                </a:solidFill>
+              </a:rPr>
+              <a:t>ActivityManager</a:t>
+            </a:r>
+            <a:endParaRPr lang="en-SG" sz="1050" b="1" dirty="0">
+              <a:solidFill>
+                <a:schemeClr val="accent6">
+                  <a:lumMod val="75000"/>
+                </a:schemeClr>
+              </a:solidFill>
+            </a:endParaRPr>
+          </a:p>
+        </p:txBody>
+      </p:sp>
+      <p:cxnSp>
+        <p:nvCxnSpPr>
+          <p:cNvPr id="70" name="Elbow Connector 122"/>
+          <p:cNvCxnSpPr/>
+          <p:nvPr/>
+        </p:nvCxnSpPr>
+        <p:spPr>
+          <a:xfrm rot="16200000" flipV="1">
+            <a:off x="7332727" y="2573273"/>
+            <a:ext cx="346798" cy="839052"/>
+          </a:xfrm>
+          <a:prstGeom prst="bentConnector3">
+            <a:avLst>
+              <a:gd name="adj1" fmla="val 50000"/>
+            </a:avLst>
+          </a:prstGeom>
+          <a:ln w="19050">
+            <a:prstDash val="sysDot"/>
+            <a:headEnd type="none" w="med" len="med"/>
+            <a:tailEnd type="arrow" w="med" len="med"/>
+          </a:ln>
+          <a:effectLst/>
+        </p:spPr>
+        <p:style>
+          <a:lnRef idx="1">
+            <a:schemeClr val="accent6"/>
+          </a:lnRef>
+          <a:fillRef idx="2">
+            <a:schemeClr val="accent6"/>
+          </a:fillRef>
+          <a:effectRef idx="1">
+            <a:schemeClr val="accent6"/>
+          </a:effectRef>
+          <a:fontRef idx="minor">
+            <a:schemeClr val="dk1"/>
+          </a:fontRef>
+        </p:style>
+      </p:cxnSp>
+      <p:sp>
+        <p:nvSpPr>
+          <p:cNvPr id="73" name="Rectangle 8"/>
+          <p:cNvSpPr/>
+          <p:nvPr/>
+        </p:nvSpPr>
+        <p:spPr>
+          <a:xfrm flipH="1">
+            <a:off x="6781800" y="1752600"/>
+            <a:ext cx="914400" cy="1060226"/>
+          </a:xfrm>
+          <a:prstGeom prst="rect">
+            <a:avLst/>
+          </a:prstGeom>
+          <a:ln w="19050"/>
+          <a:effectLst/>
+        </p:spPr>
+        <p:style>
+          <a:lnRef idx="1">
+            <a:schemeClr val="accent6"/>
+          </a:lnRef>
+          <a:fillRef idx="2">
+            <a:schemeClr val="accent6"/>
+          </a:fillRef>
+          <a:effectRef idx="1">
+            <a:schemeClr val="accent6"/>
+          </a:effectRef>
+          <a:fontRef idx="minor">
+            <a:schemeClr val="dk1"/>
+          </a:fontRef>
+        </p:style>
+        <p:txBody>
+          <a:bodyPr rtlCol="0" anchor="ctr"/>
+          <a:lstStyle/>
+          <a:p>
+            <a:pPr algn="ctr"/>
+            <a:r>
+              <a:rPr lang="en-US" sz="1050" b="1" dirty="0" err="1" smtClean="0">
+                <a:solidFill>
+                  <a:schemeClr val="accent6">
+                    <a:lumMod val="75000"/>
+                  </a:schemeClr>
+                </a:solidFill>
+              </a:rPr>
+              <a:t>XmlAdaptedTask</a:t>
+            </a:r>
+            <a:endParaRPr lang="en-SG" sz="1050" b="1" dirty="0">
+              <a:solidFill>
+                <a:schemeClr val="accent6">
+                  <a:lumMod val="75000"/>
+                </a:schemeClr>
+              </a:solidFill>
+            </a:endParaRPr>
+          </a:p>
+        </p:txBody>
+      </p:sp>
+      <p:sp>
+        <p:nvSpPr>
+          <p:cNvPr id="74" name="Rectangle 8"/>
+          <p:cNvSpPr/>
+          <p:nvPr/>
+        </p:nvSpPr>
+        <p:spPr>
+          <a:xfrm>
+            <a:off x="7615738" y="3159624"/>
+            <a:ext cx="1424340" cy="346760"/>
+          </a:xfrm>
+          <a:prstGeom prst="rect">
+            <a:avLst/>
+          </a:prstGeom>
+          <a:ln w="19050"/>
+          <a:effectLst/>
+        </p:spPr>
+        <p:style>
+          <a:lnRef idx="1">
+            <a:schemeClr val="accent6"/>
+          </a:lnRef>
+          <a:fillRef idx="2">
+            <a:schemeClr val="accent6"/>
+          </a:fillRef>
+          <a:effectRef idx="1">
+            <a:schemeClr val="accent6"/>
+          </a:effectRef>
+          <a:fontRef idx="minor">
+            <a:schemeClr val="dk1"/>
+          </a:fontRef>
+        </p:style>
+        <p:txBody>
+          <a:bodyPr rtlCol="0" anchor="ctr"/>
+          <a:lstStyle/>
+          <a:p>
+            <a:pPr algn="ctr"/>
+            <a:r>
+              <a:rPr lang="en-US" sz="1050" b="1" dirty="0" err="1" smtClean="0">
+                <a:solidFill>
+                  <a:schemeClr val="accent6">
+                    <a:lumMod val="75000"/>
+                  </a:schemeClr>
+                </a:solidFill>
+              </a:rPr>
+              <a:t>XmlAdaptedActivity</a:t>
+            </a:r>
+            <a:endParaRPr lang="en-SG" sz="1050" b="1" dirty="0">
+              <a:solidFill>
+                <a:schemeClr val="accent6">
+                  <a:lumMod val="75000"/>
+                </a:schemeClr>
+              </a:solidFill>
+            </a:endParaRPr>
+          </a:p>
+        </p:txBody>
+      </p:sp>
+      <p:cxnSp>
+        <p:nvCxnSpPr>
+          <p:cNvPr id="77" name="Elbow Connector 122"/>
+          <p:cNvCxnSpPr>
+            <a:stCxn id="66" idx="3"/>
+            <a:endCxn id="74" idx="1"/>
+          </p:cNvCxnSpPr>
+          <p:nvPr/>
+        </p:nvCxnSpPr>
+        <p:spPr>
+          <a:xfrm flipV="1">
+            <a:off x="7220507" y="3333004"/>
+            <a:ext cx="395231" cy="786"/>
+          </a:xfrm>
+          <a:prstGeom prst="bentConnector3">
+            <a:avLst>
+              <a:gd name="adj1" fmla="val 50000"/>
+            </a:avLst>
+          </a:prstGeom>
+          <a:ln w="19050">
+            <a:prstDash val="sysDot"/>
+            <a:headEnd type="none" w="med" len="med"/>
+            <a:tailEnd type="arrow" w="med" len="med"/>
+          </a:ln>
+          <a:effectLst/>
+        </p:spPr>
+        <p:style>
+          <a:lnRef idx="1">
+            <a:schemeClr val="accent6"/>
+          </a:lnRef>
+          <a:fillRef idx="2">
+            <a:schemeClr val="accent6"/>
+          </a:fillRef>
+          <a:effectRef idx="1">
+            <a:schemeClr val="accent6"/>
+          </a:effectRef>
+          <a:fontRef idx="minor">
+            <a:schemeClr val="dk1"/>
+          </a:fontRef>
+        </p:style>
+      </p:cxnSp>
+      <p:cxnSp>
+        <p:nvCxnSpPr>
+          <p:cNvPr id="26" name="Elbow Connector 122"/>
+          <p:cNvCxnSpPr/>
+          <p:nvPr/>
+        </p:nvCxnSpPr>
+        <p:spPr>
+          <a:xfrm rot="5400000" flipH="1" flipV="1">
+            <a:off x="8136661" y="2988539"/>
+            <a:ext cx="346798" cy="8519"/>
+          </a:xfrm>
+          <a:prstGeom prst="bentConnector3">
+            <a:avLst>
+              <a:gd name="adj1" fmla="val 50000"/>
+            </a:avLst>
+          </a:prstGeom>
+          <a:ln w="19050">
+            <a:prstDash val="sysDot"/>
+            <a:headEnd type="none" w="med" len="med"/>
+            <a:tailEnd type="arrow" w="med" len="med"/>
+          </a:ln>
+          <a:effectLst/>
+        </p:spPr>
+        <p:style>
+          <a:lnRef idx="1">
+            <a:schemeClr val="accent6"/>
+          </a:lnRef>
+          <a:fillRef idx="2">
+            <a:schemeClr val="accent6"/>
+          </a:fillRef>
+          <a:effectRef idx="1">
+            <a:schemeClr val="accent6"/>
+          </a:effectRef>
+          <a:fontRef idx="minor">
+            <a:schemeClr val="dk1"/>
+          </a:fontRef>
+        </p:style>
+      </p:cxnSp>
+      <p:sp>
+        <p:nvSpPr>
+          <p:cNvPr id="35" name="Rectangle 8"/>
+          <p:cNvSpPr/>
+          <p:nvPr/>
+        </p:nvSpPr>
+        <p:spPr>
+          <a:xfrm flipH="1">
+            <a:off x="8763000" y="1752600"/>
+            <a:ext cx="914400" cy="1060226"/>
+          </a:xfrm>
+          <a:prstGeom prst="rect">
+            <a:avLst/>
+          </a:prstGeom>
+          <a:ln w="19050"/>
+          <a:effectLst/>
+        </p:spPr>
+        <p:style>
+          <a:lnRef idx="1">
+            <a:schemeClr val="accent6"/>
+          </a:lnRef>
+          <a:fillRef idx="2">
+            <a:schemeClr val="accent6"/>
+          </a:fillRef>
+          <a:effectRef idx="1">
+            <a:schemeClr val="accent6"/>
+          </a:effectRef>
+          <a:fontRef idx="minor">
+            <a:schemeClr val="dk1"/>
+          </a:fontRef>
+        </p:style>
+        <p:txBody>
+          <a:bodyPr rtlCol="0" anchor="ctr"/>
+          <a:lstStyle/>
+          <a:p>
+            <a:pPr algn="ctr"/>
+            <a:r>
+              <a:rPr lang="en-US" sz="1050" b="1" dirty="0" err="1" smtClean="0">
+                <a:solidFill>
+                  <a:schemeClr val="accent6">
+                    <a:lumMod val="75000"/>
+                  </a:schemeClr>
+                </a:solidFill>
+              </a:rPr>
+              <a:t>XmlAdaptedFloatingTask</a:t>
+            </a:r>
+            <a:endParaRPr lang="en-SG" sz="1050" b="1" dirty="0">
+              <a:solidFill>
+                <a:schemeClr val="accent6">
+                  <a:lumMod val="75000"/>
+                </a:schemeClr>
+              </a:solidFill>
+            </a:endParaRPr>
+          </a:p>
+        </p:txBody>
+      </p:sp>
+      <p:sp>
+        <p:nvSpPr>
+          <p:cNvPr id="36" name="Rectangle 8"/>
+          <p:cNvSpPr/>
+          <p:nvPr/>
+        </p:nvSpPr>
+        <p:spPr>
+          <a:xfrm flipH="1">
+            <a:off x="7772400" y="1752600"/>
+            <a:ext cx="914400" cy="1060226"/>
+          </a:xfrm>
+          <a:prstGeom prst="rect">
+            <a:avLst/>
+          </a:prstGeom>
+          <a:ln w="19050"/>
+          <a:effectLst/>
+        </p:spPr>
+        <p:style>
+          <a:lnRef idx="1">
+            <a:schemeClr val="accent6"/>
+          </a:lnRef>
+          <a:fillRef idx="2">
+            <a:schemeClr val="accent6"/>
+          </a:fillRef>
+          <a:effectRef idx="1">
+            <a:schemeClr val="accent6"/>
+          </a:effectRef>
+          <a:fontRef idx="minor">
+            <a:schemeClr val="dk1"/>
+          </a:fontRef>
+        </p:style>
+        <p:txBody>
+          <a:bodyPr rtlCol="0" anchor="ctr"/>
+          <a:lstStyle/>
+          <a:p>
+            <a:pPr algn="ctr"/>
+            <a:r>
+              <a:rPr lang="en-US" sz="1050" b="1" dirty="0" err="1" smtClean="0">
+                <a:solidFill>
+                  <a:schemeClr val="accent6">
+                    <a:lumMod val="75000"/>
+                  </a:schemeClr>
+                </a:solidFill>
+              </a:rPr>
+              <a:t>XmlAdaptedEvent</a:t>
+            </a:r>
+            <a:endParaRPr lang="en-SG" sz="1050" b="1" dirty="0">
+              <a:solidFill>
+                <a:schemeClr val="accent6">
+                  <a:lumMod val="75000"/>
+                </a:schemeClr>
+              </a:solidFill>
+            </a:endParaRPr>
+          </a:p>
+        </p:txBody>
+      </p:sp>
+      <p:cxnSp>
+        <p:nvCxnSpPr>
+          <p:cNvPr id="41" name="Elbow Connector 122"/>
+          <p:cNvCxnSpPr/>
+          <p:nvPr/>
+        </p:nvCxnSpPr>
+        <p:spPr>
+          <a:xfrm rot="5400000" flipH="1" flipV="1">
+            <a:off x="8746261" y="2988539"/>
+            <a:ext cx="346798" cy="8519"/>
+          </a:xfrm>
+          <a:prstGeom prst="bentConnector3">
+            <a:avLst>
+              <a:gd name="adj1" fmla="val 74979"/>
+            </a:avLst>
+          </a:prstGeom>
+          <a:ln w="19050">
+            <a:prstDash val="sysDot"/>
+            <a:headEnd type="none" w="med" len="med"/>
+            <a:tailEnd type="arrow" w="med" len="med"/>
+          </a:ln>
+          <a:effectLst/>
+        </p:spPr>
+        <p:style>
+          <a:lnRef idx="1">
+            <a:schemeClr val="accent6"/>
+          </a:lnRef>
+          <a:fillRef idx="2">
+            <a:schemeClr val="accent6"/>
+          </a:fillRef>
+          <a:effectRef idx="1">
+            <a:schemeClr val="accent6"/>
+          </a:effectRef>
+          <a:fontRef idx="minor">
+            <a:schemeClr val="dk1"/>
+          </a:fontRef>
+        </p:style>
+      </p:cxnSp>
+    </p:spTree>
+    <p:extLst>
+      <p:ext uri="{BB962C8B-B14F-4D97-AF65-F5344CB8AC3E}">
+        <p14:creationId xmlns:p14="http://schemas.microsoft.com/office/powerpoint/2010/main" val="1478832369"/>
+      </p:ext>
+    </p:extLst>
+  </p:cSld>
+  <p:clrMapOvr>
+    <a:masterClrMapping/>
+  </p:clrMapOvr>
+  <p:timing>
+    <p:tnLst>
+      <p:par>
+        <p:cTn id="1" dur="indefinite" restart="never" nodeType="tmRoot"/>
+      </p:par>
+    </p:tnLst>
+  </p:timing>
+</p:sld>
+</file>
+
+<file path=ppt/slides/slide11.xml><?xml version="1.0" encoding="utf-8"?>
+<p:sld xmlns:a="http://schemas.openxmlformats.org/drawingml/2006/main" xmlns:r="http://schemas.openxmlformats.org/officeDocument/2006/relationships" xmlns:p="http://schemas.openxmlformats.org/presentationml/2006/main">
+  <p:cSld>
+    <p:spTree>
+      <p:nvGrpSpPr>
+        <p:cNvPr id="1" name=""/>
+        <p:cNvGrpSpPr/>
+        <p:nvPr/>
+      </p:nvGrpSpPr>
+      <p:grpSpPr>
+        <a:xfrm>
+          <a:off x="0" y="0"/>
+          <a:ext cx="0" cy="0"/>
+          <a:chOff x="0" y="0"/>
+          <a:chExt cx="0" cy="0"/>
+        </a:xfrm>
+      </p:grpSpPr>
+      <p:sp>
+        <p:nvSpPr>
           <p:cNvPr id="7" name="Rectangle 62"/>
           <p:cNvSpPr/>
           <p:nvPr/>
@@ -9520,7 +11109,7 @@
           <a:lstStyle/>
           <a:p>
             <a:r>
-              <a:rPr lang="en-SG" sz="1200" b="1" smtClean="0">
+              <a:rPr lang="en-SG" sz="1200" b="1" dirty="0" err="1" smtClean="0">
                 <a:solidFill>
                   <a:schemeClr val="tx1"/>
                 </a:solidFill>
@@ -16562,14 +18151,14 @@
       </p:grpSpPr>
       <p:sp>
         <p:nvSpPr>
-          <p:cNvPr id="118" name="Rectangle 65"/>
+          <p:cNvPr id="2" name="Rectangle 65"/>
           <p:cNvSpPr/>
           <p:nvPr/>
         </p:nvSpPr>
         <p:spPr>
           <a:xfrm>
-            <a:off x="762000" y="1741246"/>
-            <a:ext cx="8100335" cy="2997200"/>
+            <a:off x="302704" y="2070958"/>
+            <a:ext cx="7772400" cy="4000286"/>
           </a:xfrm>
           <a:prstGeom prst="roundRect">
             <a:avLst>
@@ -16577,7 +18166,7 @@
             </a:avLst>
           </a:prstGeom>
           <a:solidFill>
-            <a:schemeClr val="accent4">
+            <a:schemeClr val="accent1">
               <a:lumMod val="20000"/>
               <a:lumOff val="80000"/>
             </a:schemeClr>
@@ -16606,14 +18195,1209 @@
           <a:lstStyle/>
           <a:p>
             <a:r>
-              <a:rPr lang="en-US" sz="1200" b="1" dirty="0" smtClean="0">
+              <a:rPr lang="en-US" sz="1200" b="1" smtClean="0">
+                <a:solidFill>
+                  <a:srgbClr val="0070C0"/>
+                </a:solidFill>
+              </a:rPr>
+              <a:t>Logic</a:t>
+            </a:r>
+            <a:endParaRPr lang="en-SG" sz="1200" b="1" dirty="0">
+              <a:solidFill>
+                <a:srgbClr val="0070C0"/>
+              </a:solidFill>
+            </a:endParaRPr>
+          </a:p>
+        </p:txBody>
+      </p:sp>
+      <p:sp>
+        <p:nvSpPr>
+          <p:cNvPr id="3" name="Rectangle 62"/>
+          <p:cNvSpPr/>
+          <p:nvPr/>
+        </p:nvSpPr>
+        <p:spPr>
+          <a:xfrm>
+            <a:off x="1007063" y="2296546"/>
+            <a:ext cx="1455629" cy="346760"/>
+          </a:xfrm>
+          <a:prstGeom prst="rect">
+            <a:avLst/>
+          </a:prstGeom>
+          <a:solidFill>
+            <a:srgbClr val="0070C0"/>
+          </a:solidFill>
+          <a:ln w="19050">
+            <a:solidFill>
+              <a:srgbClr val="0070C0"/>
+            </a:solidFill>
+          </a:ln>
+          <a:effectLst/>
+        </p:spPr>
+        <p:style>
+          <a:lnRef idx="1">
+            <a:schemeClr val="accent2"/>
+          </a:lnRef>
+          <a:fillRef idx="2">
+            <a:schemeClr val="accent2"/>
+          </a:fillRef>
+          <a:effectRef idx="1">
+            <a:schemeClr val="accent2"/>
+          </a:effectRef>
+          <a:fontRef idx="minor">
+            <a:schemeClr val="dk1"/>
+          </a:fontRef>
+        </p:style>
+        <p:txBody>
+          <a:bodyPr rtlCol="0" anchor="ctr"/>
+          <a:lstStyle/>
+          <a:p>
+            <a:pPr algn="ctr"/>
+            <a:r>
+              <a:rPr lang="en-US" sz="1600" dirty="0">
+                <a:solidFill>
+                  <a:schemeClr val="bg1"/>
+                </a:solidFill>
+              </a:rPr>
+              <a:t>:</a:t>
+            </a:r>
+            <a:r>
+              <a:rPr lang="en-US" sz="1600" dirty="0" err="1">
+                <a:solidFill>
+                  <a:schemeClr val="bg1"/>
+                </a:solidFill>
+              </a:rPr>
+              <a:t>LogicManager</a:t>
+            </a:r>
+            <a:endParaRPr lang="en-SG" sz="1600" dirty="0">
+              <a:solidFill>
+                <a:schemeClr val="bg1"/>
+              </a:solidFill>
+            </a:endParaRPr>
+          </a:p>
+        </p:txBody>
+      </p:sp>
+      <p:cxnSp>
+        <p:nvCxnSpPr>
+          <p:cNvPr id="4" name="Straight Connector 3"/>
+          <p:cNvCxnSpPr/>
+          <p:nvPr/>
+        </p:nvCxnSpPr>
+        <p:spPr>
+          <a:xfrm>
+            <a:off x="1734877" y="2660217"/>
+            <a:ext cx="0" cy="2597583"/>
+          </a:xfrm>
+          <a:prstGeom prst="line">
+            <a:avLst/>
+          </a:prstGeom>
+          <a:ln w="19050">
+            <a:solidFill>
+              <a:srgbClr val="0070C0"/>
+            </a:solidFill>
+            <a:prstDash val="sysDash"/>
+          </a:ln>
+          <a:effectLst/>
+        </p:spPr>
+        <p:style>
+          <a:lnRef idx="1">
+            <a:schemeClr val="accent1"/>
+          </a:lnRef>
+          <a:fillRef idx="2">
+            <a:schemeClr val="accent1"/>
+          </a:fillRef>
+          <a:effectRef idx="1">
+            <a:schemeClr val="accent1"/>
+          </a:effectRef>
+          <a:fontRef idx="minor">
+            <a:schemeClr val="dk1"/>
+          </a:fontRef>
+        </p:style>
+      </p:cxnSp>
+      <p:sp>
+        <p:nvSpPr>
+          <p:cNvPr id="5" name="Rectangle 4"/>
+          <p:cNvSpPr/>
+          <p:nvPr/>
+        </p:nvSpPr>
+        <p:spPr>
+          <a:xfrm>
+            <a:off x="1662869" y="3010911"/>
+            <a:ext cx="152400" cy="2780287"/>
+          </a:xfrm>
+          <a:prstGeom prst="rect">
+            <a:avLst/>
+          </a:prstGeom>
+          <a:solidFill>
+            <a:srgbClr val="0070C0"/>
+          </a:solidFill>
+          <a:ln>
+            <a:solidFill>
+              <a:srgbClr val="0070C0"/>
+            </a:solidFill>
+          </a:ln>
+          <a:effectLst/>
+        </p:spPr>
+        <p:style>
+          <a:lnRef idx="1">
+            <a:schemeClr val="accent3"/>
+          </a:lnRef>
+          <a:fillRef idx="2">
+            <a:schemeClr val="accent3"/>
+          </a:fillRef>
+          <a:effectRef idx="1">
+            <a:schemeClr val="accent3"/>
+          </a:effectRef>
+          <a:fontRef idx="minor">
+            <a:schemeClr val="dk1"/>
+          </a:fontRef>
+        </p:style>
+        <p:txBody>
+          <a:bodyPr rtlCol="0" anchor="ctr"/>
+          <a:lstStyle/>
+          <a:p>
+            <a:pPr algn="ctr"/>
+            <a:endParaRPr lang="en-SG" sz="1400"/>
+          </a:p>
+        </p:txBody>
+      </p:sp>
+      <p:sp>
+        <p:nvSpPr>
+          <p:cNvPr id="6" name="Rectangle 62"/>
+          <p:cNvSpPr/>
+          <p:nvPr/>
+        </p:nvSpPr>
+        <p:spPr>
+          <a:xfrm>
+            <a:off x="3411783" y="2300233"/>
+            <a:ext cx="1093635" cy="346760"/>
+          </a:xfrm>
+          <a:prstGeom prst="rect">
+            <a:avLst/>
+          </a:prstGeom>
+          <a:solidFill>
+            <a:srgbClr val="0070C0"/>
+          </a:solidFill>
+          <a:ln w="19050">
+            <a:solidFill>
+              <a:srgbClr val="0070C0"/>
+            </a:solidFill>
+          </a:ln>
+          <a:effectLst/>
+        </p:spPr>
+        <p:style>
+          <a:lnRef idx="1">
+            <a:schemeClr val="accent2"/>
+          </a:lnRef>
+          <a:fillRef idx="2">
+            <a:schemeClr val="accent2"/>
+          </a:fillRef>
+          <a:effectRef idx="1">
+            <a:schemeClr val="accent2"/>
+          </a:effectRef>
+          <a:fontRef idx="minor">
+            <a:schemeClr val="dk1"/>
+          </a:fontRef>
+        </p:style>
+        <p:txBody>
+          <a:bodyPr rtlCol="0" anchor="ctr"/>
+          <a:lstStyle/>
+          <a:p>
+            <a:pPr algn="ctr"/>
+            <a:r>
+              <a:rPr lang="en-US" sz="1600" dirty="0" smtClean="0">
+                <a:solidFill>
+                  <a:schemeClr val="bg1"/>
+                </a:solidFill>
+              </a:rPr>
+              <a:t>:Parser</a:t>
+            </a:r>
+            <a:endParaRPr lang="en-SG" sz="1600" dirty="0">
+              <a:solidFill>
+                <a:schemeClr val="bg1"/>
+              </a:solidFill>
+            </a:endParaRPr>
+          </a:p>
+        </p:txBody>
+      </p:sp>
+      <p:cxnSp>
+        <p:nvCxnSpPr>
+          <p:cNvPr id="7" name="Straight Connector 6"/>
+          <p:cNvCxnSpPr/>
+          <p:nvPr/>
+        </p:nvCxnSpPr>
+        <p:spPr>
+          <a:xfrm>
+            <a:off x="3958600" y="2663904"/>
+            <a:ext cx="0" cy="1587652"/>
+          </a:xfrm>
+          <a:prstGeom prst="line">
+            <a:avLst/>
+          </a:prstGeom>
+          <a:ln w="19050">
+            <a:solidFill>
+              <a:srgbClr val="0070C0"/>
+            </a:solidFill>
+            <a:prstDash val="sysDash"/>
+          </a:ln>
+          <a:effectLst/>
+        </p:spPr>
+        <p:style>
+          <a:lnRef idx="1">
+            <a:schemeClr val="accent1"/>
+          </a:lnRef>
+          <a:fillRef idx="2">
+            <a:schemeClr val="accent1"/>
+          </a:fillRef>
+          <a:effectRef idx="1">
+            <a:schemeClr val="accent1"/>
+          </a:effectRef>
+          <a:fontRef idx="minor">
+            <a:schemeClr val="dk1"/>
+          </a:fontRef>
+        </p:style>
+      </p:cxnSp>
+      <p:sp>
+        <p:nvSpPr>
+          <p:cNvPr id="8" name="Rectangle 7"/>
+          <p:cNvSpPr/>
+          <p:nvPr/>
+        </p:nvSpPr>
+        <p:spPr>
+          <a:xfrm>
+            <a:off x="3886592" y="3122097"/>
+            <a:ext cx="144016" cy="832525"/>
+          </a:xfrm>
+          <a:prstGeom prst="rect">
+            <a:avLst/>
+          </a:prstGeom>
+          <a:solidFill>
+            <a:srgbClr val="0070C0"/>
+          </a:solidFill>
+          <a:ln>
+            <a:solidFill>
+              <a:srgbClr val="0070C0"/>
+            </a:solidFill>
+          </a:ln>
+          <a:effectLst/>
+        </p:spPr>
+        <p:style>
+          <a:lnRef idx="1">
+            <a:schemeClr val="accent3"/>
+          </a:lnRef>
+          <a:fillRef idx="2">
+            <a:schemeClr val="accent3"/>
+          </a:fillRef>
+          <a:effectRef idx="1">
+            <a:schemeClr val="accent3"/>
+          </a:effectRef>
+          <a:fontRef idx="minor">
+            <a:schemeClr val="dk1"/>
+          </a:fontRef>
+        </p:style>
+        <p:txBody>
+          <a:bodyPr rtlCol="0" anchor="ctr"/>
+          <a:lstStyle/>
+          <a:p>
+            <a:pPr algn="ctr"/>
+            <a:endParaRPr lang="en-SG" sz="1400">
+              <a:solidFill>
+                <a:schemeClr val="dk1"/>
+              </a:solidFill>
+            </a:endParaRPr>
+          </a:p>
+        </p:txBody>
+      </p:sp>
+      <p:sp>
+        <p:nvSpPr>
+          <p:cNvPr id="9" name="Rectangle 62"/>
+          <p:cNvSpPr/>
+          <p:nvPr/>
+        </p:nvSpPr>
+        <p:spPr>
+          <a:xfrm>
+            <a:off x="5756322" y="2912248"/>
+            <a:ext cx="1093635" cy="461538"/>
+          </a:xfrm>
+          <a:prstGeom prst="rect">
+            <a:avLst/>
+          </a:prstGeom>
+          <a:solidFill>
+            <a:srgbClr val="0070C0"/>
+          </a:solidFill>
+          <a:ln w="19050">
+            <a:solidFill>
+              <a:srgbClr val="0070C0"/>
+            </a:solidFill>
+          </a:ln>
+          <a:effectLst/>
+        </p:spPr>
+        <p:style>
+          <a:lnRef idx="1">
+            <a:schemeClr val="accent2"/>
+          </a:lnRef>
+          <a:fillRef idx="2">
+            <a:schemeClr val="accent2"/>
+          </a:fillRef>
+          <a:effectRef idx="1">
+            <a:schemeClr val="accent2"/>
+          </a:effectRef>
+          <a:fontRef idx="minor">
+            <a:schemeClr val="dk1"/>
+          </a:fontRef>
+        </p:style>
+        <p:txBody>
+          <a:bodyPr rtlCol="0" anchor="ctr"/>
+          <a:lstStyle/>
+          <a:p>
+            <a:pPr algn="ctr"/>
+            <a:r>
+              <a:rPr lang="en-US" sz="1600" dirty="0" smtClean="0">
+                <a:solidFill>
+                  <a:schemeClr val="bg1"/>
+                </a:solidFill>
+              </a:rPr>
+              <a:t>add</a:t>
+            </a:r>
+            <a:r>
+              <a:rPr lang="en-US" sz="1600" dirty="0">
+                <a:solidFill>
+                  <a:schemeClr val="bg1"/>
+                </a:solidFill>
+              </a:rPr>
+              <a:t/>
+            </a:r>
+            <a:br>
+              <a:rPr lang="en-US" sz="1600" dirty="0">
+                <a:solidFill>
+                  <a:schemeClr val="bg1"/>
+                </a:solidFill>
+              </a:rPr>
+            </a:br>
+            <a:r>
+              <a:rPr lang="en-US" sz="1600" dirty="0">
+                <a:solidFill>
+                  <a:schemeClr val="bg1"/>
+                </a:solidFill>
+              </a:rPr>
+              <a:t>Command</a:t>
+            </a:r>
+            <a:endParaRPr lang="en-SG" sz="1600" dirty="0">
+              <a:solidFill>
+                <a:schemeClr val="bg1"/>
+              </a:solidFill>
+            </a:endParaRPr>
+          </a:p>
+        </p:txBody>
+      </p:sp>
+      <p:cxnSp>
+        <p:nvCxnSpPr>
+          <p:cNvPr id="10" name="Straight Connector 9"/>
+          <p:cNvCxnSpPr>
+            <a:endCxn id="22" idx="2"/>
+          </p:cNvCxnSpPr>
+          <p:nvPr/>
+        </p:nvCxnSpPr>
+        <p:spPr>
+          <a:xfrm flipH="1">
+            <a:off x="6272073" y="3324963"/>
+            <a:ext cx="22377" cy="2288425"/>
+          </a:xfrm>
+          <a:prstGeom prst="line">
+            <a:avLst/>
+          </a:prstGeom>
+          <a:ln w="19050">
+            <a:solidFill>
+              <a:srgbClr val="0070C0"/>
+            </a:solidFill>
+            <a:prstDash val="sysDash"/>
+          </a:ln>
+          <a:effectLst/>
+        </p:spPr>
+        <p:style>
+          <a:lnRef idx="1">
+            <a:schemeClr val="accent1"/>
+          </a:lnRef>
+          <a:fillRef idx="2">
+            <a:schemeClr val="accent1"/>
+          </a:fillRef>
+          <a:effectRef idx="1">
+            <a:schemeClr val="accent1"/>
+          </a:effectRef>
+          <a:fontRef idx="minor">
+            <a:schemeClr val="dk1"/>
+          </a:fontRef>
+        </p:style>
+      </p:cxnSp>
+      <p:sp>
+        <p:nvSpPr>
+          <p:cNvPr id="11" name="Rectangle 10"/>
+          <p:cNvSpPr/>
+          <p:nvPr/>
+        </p:nvSpPr>
+        <p:spPr>
+          <a:xfrm>
+            <a:off x="6195873" y="3384612"/>
+            <a:ext cx="152400" cy="276003"/>
+          </a:xfrm>
+          <a:prstGeom prst="rect">
+            <a:avLst/>
+          </a:prstGeom>
+          <a:solidFill>
+            <a:srgbClr val="0070C0"/>
+          </a:solidFill>
+          <a:ln>
+            <a:solidFill>
+              <a:srgbClr val="0070C0"/>
+            </a:solidFill>
+          </a:ln>
+          <a:effectLst/>
+        </p:spPr>
+        <p:style>
+          <a:lnRef idx="1">
+            <a:schemeClr val="accent3"/>
+          </a:lnRef>
+          <a:fillRef idx="2">
+            <a:schemeClr val="accent3"/>
+          </a:fillRef>
+          <a:effectRef idx="1">
+            <a:schemeClr val="accent3"/>
+          </a:effectRef>
+          <a:fontRef idx="minor">
+            <a:schemeClr val="dk1"/>
+          </a:fontRef>
+        </p:style>
+        <p:txBody>
+          <a:bodyPr rtlCol="0" anchor="ctr"/>
+          <a:lstStyle/>
+          <a:p>
+            <a:pPr algn="ctr"/>
+            <a:endParaRPr lang="en-SG" sz="1400"/>
+          </a:p>
+        </p:txBody>
+      </p:sp>
+      <p:cxnSp>
+        <p:nvCxnSpPr>
+          <p:cNvPr id="12" name="Straight Arrow Connector 11"/>
+          <p:cNvCxnSpPr/>
+          <p:nvPr/>
+        </p:nvCxnSpPr>
+        <p:spPr>
+          <a:xfrm>
+            <a:off x="543018" y="3014599"/>
+            <a:ext cx="1119851" cy="0"/>
+          </a:xfrm>
+          <a:prstGeom prst="straightConnector1">
+            <a:avLst/>
+          </a:prstGeom>
+          <a:ln w="19050">
+            <a:solidFill>
+              <a:srgbClr val="00B050"/>
+            </a:solidFill>
+            <a:tailEnd type="arrow"/>
+          </a:ln>
+        </p:spPr>
+        <p:style>
+          <a:lnRef idx="1">
+            <a:schemeClr val="accent1"/>
+          </a:lnRef>
+          <a:fillRef idx="0">
+            <a:schemeClr val="accent1"/>
+          </a:fillRef>
+          <a:effectRef idx="0">
+            <a:schemeClr val="accent1"/>
+          </a:effectRef>
+          <a:fontRef idx="minor">
+            <a:schemeClr val="tx1"/>
+          </a:fontRef>
+        </p:style>
+      </p:cxnSp>
+      <p:cxnSp>
+        <p:nvCxnSpPr>
+          <p:cNvPr id="13" name="Straight Arrow Connector 12"/>
+          <p:cNvCxnSpPr/>
+          <p:nvPr/>
+        </p:nvCxnSpPr>
+        <p:spPr>
+          <a:xfrm flipV="1">
+            <a:off x="1866331" y="3222529"/>
+            <a:ext cx="2007056" cy="4501"/>
+          </a:xfrm>
+          <a:prstGeom prst="straightConnector1">
+            <a:avLst/>
+          </a:prstGeom>
+          <a:ln w="19050">
+            <a:solidFill>
+              <a:srgbClr val="0070C0"/>
+            </a:solidFill>
+            <a:tailEnd type="arrow"/>
+          </a:ln>
+        </p:spPr>
+        <p:style>
+          <a:lnRef idx="1">
+            <a:schemeClr val="accent1"/>
+          </a:lnRef>
+          <a:fillRef idx="0">
+            <a:schemeClr val="accent1"/>
+          </a:fillRef>
+          <a:effectRef idx="0">
+            <a:schemeClr val="accent1"/>
+          </a:effectRef>
+          <a:fontRef idx="minor">
+            <a:schemeClr val="tx1"/>
+          </a:fontRef>
+        </p:style>
+      </p:cxnSp>
+      <p:sp>
+        <p:nvSpPr>
+          <p:cNvPr id="14" name="TextBox 13"/>
+          <p:cNvSpPr txBox="1"/>
+          <p:nvPr/>
+        </p:nvSpPr>
+        <p:spPr>
+          <a:xfrm>
+            <a:off x="302703" y="3067874"/>
+            <a:ext cx="1189327" cy="338554"/>
+          </a:xfrm>
+          <a:prstGeom prst="rect">
+            <a:avLst/>
+          </a:prstGeom>
+          <a:noFill/>
+        </p:spPr>
+        <p:txBody>
+          <a:bodyPr wrap="square" lIns="0" tIns="0" rIns="0" bIns="0" rtlCol="0">
+            <a:spAutoFit/>
+          </a:bodyPr>
+          <a:lstStyle/>
+          <a:p>
+            <a:pPr algn="r"/>
+            <a:r>
+              <a:rPr lang="en-US" sz="1100" dirty="0" smtClean="0">
+                <a:solidFill>
+                  <a:srgbClr val="0070C0"/>
+                </a:solidFill>
+              </a:rPr>
+              <a:t>execute</a:t>
+            </a:r>
+            <a:r>
+              <a:rPr lang="en-US" sz="1100" dirty="0" smtClean="0">
+                <a:solidFill>
+                  <a:srgbClr val="0070C0"/>
+                </a:solidFill>
+              </a:rPr>
+              <a:t>(“add task by:  tomorrow”)</a:t>
+            </a:r>
+            <a:endParaRPr lang="en-US" sz="1100" dirty="0">
+              <a:solidFill>
+                <a:srgbClr val="0070C0"/>
+              </a:solidFill>
+            </a:endParaRPr>
+          </a:p>
+        </p:txBody>
+      </p:sp>
+      <p:cxnSp>
+        <p:nvCxnSpPr>
+          <p:cNvPr id="15" name="Straight Arrow Connector 14"/>
+          <p:cNvCxnSpPr/>
+          <p:nvPr/>
+        </p:nvCxnSpPr>
+        <p:spPr>
+          <a:xfrm>
+            <a:off x="4877929" y="3214034"/>
+            <a:ext cx="887113" cy="2643"/>
+          </a:xfrm>
+          <a:prstGeom prst="straightConnector1">
+            <a:avLst/>
+          </a:prstGeom>
+          <a:ln w="19050">
+            <a:solidFill>
+              <a:srgbClr val="0070C0"/>
+            </a:solidFill>
+            <a:tailEnd type="arrow"/>
+          </a:ln>
+        </p:spPr>
+        <p:style>
+          <a:lnRef idx="1">
+            <a:schemeClr val="accent1"/>
+          </a:lnRef>
+          <a:fillRef idx="0">
+            <a:schemeClr val="accent1"/>
+          </a:fillRef>
+          <a:effectRef idx="0">
+            <a:schemeClr val="accent1"/>
+          </a:effectRef>
+          <a:fontRef idx="minor">
+            <a:schemeClr val="tx1"/>
+          </a:fontRef>
+        </p:style>
+      </p:cxnSp>
+      <p:sp>
+        <p:nvSpPr>
+          <p:cNvPr id="16" name="TextBox 15"/>
+          <p:cNvSpPr txBox="1"/>
+          <p:nvPr/>
+        </p:nvSpPr>
+        <p:spPr>
+          <a:xfrm>
+            <a:off x="4892181" y="4314260"/>
+            <a:ext cx="855809" cy="215444"/>
+          </a:xfrm>
+          <a:prstGeom prst="rect">
+            <a:avLst/>
+          </a:prstGeom>
+          <a:noFill/>
+        </p:spPr>
+        <p:txBody>
+          <a:bodyPr wrap="square" lIns="0" tIns="0" rIns="0" bIns="0" rtlCol="0">
+            <a:spAutoFit/>
+          </a:bodyPr>
+          <a:lstStyle>
+            <a:defPPr>
+              <a:defRPr lang="en-US"/>
+            </a:defPPr>
+            <a:lvl1pPr algn="r">
+              <a:defRPr sz="1400">
+                <a:solidFill>
+                  <a:srgbClr val="0070C0"/>
+                </a:solidFill>
+              </a:defRPr>
+            </a:lvl1pPr>
+          </a:lstStyle>
+          <a:p>
+            <a:r>
+              <a:rPr lang="en-US" dirty="0"/>
+              <a:t>execute()</a:t>
+            </a:r>
+          </a:p>
+        </p:txBody>
+      </p:sp>
+      <p:cxnSp>
+        <p:nvCxnSpPr>
+          <p:cNvPr id="17" name="Straight Arrow Connector 16"/>
+          <p:cNvCxnSpPr>
+            <a:stCxn id="52" idx="3"/>
+            <a:endCxn id="11" idx="1"/>
+          </p:cNvCxnSpPr>
+          <p:nvPr/>
+        </p:nvCxnSpPr>
+        <p:spPr>
+          <a:xfrm flipV="1">
+            <a:off x="4894402" y="3522614"/>
+            <a:ext cx="1301471" cy="15746"/>
+          </a:xfrm>
+          <a:prstGeom prst="straightConnector1">
+            <a:avLst/>
+          </a:prstGeom>
+          <a:ln w="19050">
+            <a:solidFill>
+              <a:srgbClr val="0070C0"/>
+            </a:solidFill>
+            <a:prstDash val="sysDash"/>
+            <a:headEnd type="arrow" w="med" len="med"/>
+            <a:tailEnd type="none" w="med" len="med"/>
+          </a:ln>
+        </p:spPr>
+        <p:style>
+          <a:lnRef idx="1">
+            <a:schemeClr val="accent1"/>
+          </a:lnRef>
+          <a:fillRef idx="0">
+            <a:schemeClr val="accent1"/>
+          </a:fillRef>
+          <a:effectRef idx="0">
+            <a:schemeClr val="accent1"/>
+          </a:effectRef>
+          <a:fontRef idx="minor">
+            <a:schemeClr val="tx1"/>
+          </a:fontRef>
+        </p:style>
+      </p:cxnSp>
+      <p:cxnSp>
+        <p:nvCxnSpPr>
+          <p:cNvPr id="18" name="Straight Arrow Connector 17"/>
+          <p:cNvCxnSpPr/>
+          <p:nvPr/>
+        </p:nvCxnSpPr>
+        <p:spPr>
+          <a:xfrm>
+            <a:off x="1815269" y="3954622"/>
+            <a:ext cx="2058118" cy="0"/>
+          </a:xfrm>
+          <a:prstGeom prst="straightConnector1">
+            <a:avLst/>
+          </a:prstGeom>
+          <a:ln w="19050">
+            <a:solidFill>
+              <a:srgbClr val="0070C0"/>
+            </a:solidFill>
+            <a:prstDash val="sysDash"/>
+            <a:headEnd type="arrow" w="med" len="med"/>
+            <a:tailEnd type="none" w="med" len="med"/>
+          </a:ln>
+        </p:spPr>
+        <p:style>
+          <a:lnRef idx="1">
+            <a:schemeClr val="accent1"/>
+          </a:lnRef>
+          <a:fillRef idx="0">
+            <a:schemeClr val="accent1"/>
+          </a:fillRef>
+          <a:effectRef idx="0">
+            <a:schemeClr val="accent1"/>
+          </a:effectRef>
+          <a:fontRef idx="minor">
+            <a:schemeClr val="tx1"/>
+          </a:fontRef>
+        </p:style>
+      </p:cxnSp>
+      <p:cxnSp>
+        <p:nvCxnSpPr>
+          <p:cNvPr id="19" name="Straight Arrow Connector 18"/>
+          <p:cNvCxnSpPr/>
+          <p:nvPr/>
+        </p:nvCxnSpPr>
+        <p:spPr>
+          <a:xfrm>
+            <a:off x="466818" y="5791200"/>
+            <a:ext cx="1196051" cy="0"/>
+          </a:xfrm>
+          <a:prstGeom prst="straightConnector1">
+            <a:avLst/>
+          </a:prstGeom>
+          <a:ln w="19050">
+            <a:solidFill>
+              <a:schemeClr val="accent1"/>
+            </a:solidFill>
+            <a:prstDash val="sysDash"/>
+            <a:headEnd type="arrow" w="med" len="med"/>
+            <a:tailEnd type="none" w="med" len="med"/>
+          </a:ln>
+        </p:spPr>
+        <p:style>
+          <a:lnRef idx="1">
+            <a:schemeClr val="accent1"/>
+          </a:lnRef>
+          <a:fillRef idx="0">
+            <a:schemeClr val="accent1"/>
+          </a:fillRef>
+          <a:effectRef idx="0">
+            <a:schemeClr val="accent1"/>
+          </a:effectRef>
+          <a:fontRef idx="minor">
+            <a:schemeClr val="tx1"/>
+          </a:fontRef>
+        </p:style>
+      </p:cxnSp>
+      <p:sp>
+        <p:nvSpPr>
+          <p:cNvPr id="20" name="Rectangle 62"/>
+          <p:cNvSpPr/>
+          <p:nvPr/>
+        </p:nvSpPr>
+        <p:spPr>
+          <a:xfrm>
+            <a:off x="7938756" y="2317144"/>
+            <a:ext cx="1030504" cy="346760"/>
+          </a:xfrm>
+          <a:prstGeom prst="rect">
+            <a:avLst/>
+          </a:prstGeom>
+          <a:solidFill>
+            <a:schemeClr val="accent4">
+              <a:lumMod val="60000"/>
+              <a:lumOff val="40000"/>
+            </a:schemeClr>
+          </a:solidFill>
+          <a:ln w="19050">
+            <a:solidFill>
+              <a:schemeClr val="accent4">
+                <a:lumMod val="60000"/>
+                <a:lumOff val="40000"/>
+              </a:schemeClr>
+            </a:solidFill>
+          </a:ln>
+          <a:effectLst/>
+        </p:spPr>
+        <p:style>
+          <a:lnRef idx="1">
+            <a:schemeClr val="accent2"/>
+          </a:lnRef>
+          <a:fillRef idx="2">
+            <a:schemeClr val="accent2"/>
+          </a:fillRef>
+          <a:effectRef idx="1">
+            <a:schemeClr val="accent2"/>
+          </a:effectRef>
+          <a:fontRef idx="minor">
+            <a:schemeClr val="dk1"/>
+          </a:fontRef>
+        </p:style>
+        <p:txBody>
+          <a:bodyPr rtlCol="0" anchor="ctr"/>
+          <a:lstStyle/>
+          <a:p>
+            <a:pPr algn="ctr"/>
+            <a:r>
+              <a:rPr lang="en-US" sz="1600" dirty="0">
+                <a:solidFill>
+                  <a:schemeClr val="bg1"/>
+                </a:solidFill>
+              </a:rPr>
+              <a:t>:Model</a:t>
+            </a:r>
+            <a:endParaRPr lang="en-SG" sz="1600" dirty="0">
+              <a:solidFill>
+                <a:schemeClr val="bg1"/>
+              </a:solidFill>
+            </a:endParaRPr>
+          </a:p>
+        </p:txBody>
+      </p:sp>
+      <p:cxnSp>
+        <p:nvCxnSpPr>
+          <p:cNvPr id="21" name="Straight Arrow Connector 20"/>
+          <p:cNvCxnSpPr/>
+          <p:nvPr/>
+        </p:nvCxnSpPr>
+        <p:spPr>
+          <a:xfrm flipV="1">
+            <a:off x="1830085" y="4516457"/>
+            <a:ext cx="4376629" cy="13702"/>
+          </a:xfrm>
+          <a:prstGeom prst="straightConnector1">
+            <a:avLst/>
+          </a:prstGeom>
+          <a:ln w="19050">
+            <a:solidFill>
+              <a:srgbClr val="0070C0"/>
+            </a:solidFill>
+            <a:tailEnd type="arrow"/>
+          </a:ln>
+        </p:spPr>
+        <p:style>
+          <a:lnRef idx="1">
+            <a:schemeClr val="accent1"/>
+          </a:lnRef>
+          <a:fillRef idx="0">
+            <a:schemeClr val="accent1"/>
+          </a:fillRef>
+          <a:effectRef idx="0">
+            <a:schemeClr val="accent1"/>
+          </a:effectRef>
+          <a:fontRef idx="minor">
+            <a:schemeClr val="tx1"/>
+          </a:fontRef>
+        </p:style>
+      </p:cxnSp>
+      <p:sp>
+        <p:nvSpPr>
+          <p:cNvPr id="22" name="Rectangle 21"/>
+          <p:cNvSpPr/>
+          <p:nvPr/>
+        </p:nvSpPr>
+        <p:spPr>
+          <a:xfrm>
+            <a:off x="6195873" y="4422132"/>
+            <a:ext cx="152400" cy="1191256"/>
+          </a:xfrm>
+          <a:prstGeom prst="rect">
+            <a:avLst/>
+          </a:prstGeom>
+          <a:solidFill>
+            <a:srgbClr val="0070C0"/>
+          </a:solidFill>
+          <a:ln>
+            <a:solidFill>
+              <a:srgbClr val="0070C0"/>
+            </a:solidFill>
+          </a:ln>
+          <a:effectLst/>
+        </p:spPr>
+        <p:style>
+          <a:lnRef idx="1">
+            <a:schemeClr val="accent3"/>
+          </a:lnRef>
+          <a:fillRef idx="2">
+            <a:schemeClr val="accent3"/>
+          </a:fillRef>
+          <a:effectRef idx="1">
+            <a:schemeClr val="accent3"/>
+          </a:effectRef>
+          <a:fontRef idx="minor">
+            <a:schemeClr val="dk1"/>
+          </a:fontRef>
+        </p:style>
+        <p:txBody>
+          <a:bodyPr rtlCol="0" anchor="ctr"/>
+          <a:lstStyle/>
+          <a:p>
+            <a:pPr algn="ctr"/>
+            <a:endParaRPr lang="en-SG" sz="1400"/>
+          </a:p>
+        </p:txBody>
+      </p:sp>
+      <p:cxnSp>
+        <p:nvCxnSpPr>
+          <p:cNvPr id="23" name="Straight Connector 22"/>
+          <p:cNvCxnSpPr/>
+          <p:nvPr/>
+        </p:nvCxnSpPr>
+        <p:spPr>
+          <a:xfrm>
+            <a:off x="8454008" y="2655802"/>
+            <a:ext cx="0" cy="2830598"/>
+          </a:xfrm>
+          <a:prstGeom prst="line">
+            <a:avLst/>
+          </a:prstGeom>
+          <a:ln w="19050">
+            <a:solidFill>
+              <a:schemeClr val="accent4">
+                <a:lumMod val="60000"/>
+                <a:lumOff val="40000"/>
+              </a:schemeClr>
+            </a:solidFill>
+            <a:prstDash val="sysDash"/>
+          </a:ln>
+          <a:effectLst/>
+        </p:spPr>
+        <p:style>
+          <a:lnRef idx="1">
+            <a:schemeClr val="accent1"/>
+          </a:lnRef>
+          <a:fillRef idx="2">
+            <a:schemeClr val="accent1"/>
+          </a:fillRef>
+          <a:effectRef idx="1">
+            <a:schemeClr val="accent1"/>
+          </a:effectRef>
+          <a:fontRef idx="minor">
+            <a:schemeClr val="dk1"/>
+          </a:fontRef>
+        </p:style>
+      </p:cxnSp>
+      <p:sp>
+        <p:nvSpPr>
+          <p:cNvPr id="24" name="Rectangle 23"/>
+          <p:cNvSpPr/>
+          <p:nvPr/>
+        </p:nvSpPr>
+        <p:spPr>
+          <a:xfrm>
+            <a:off x="8382000" y="4524597"/>
+            <a:ext cx="152400" cy="276003"/>
+          </a:xfrm>
+          <a:prstGeom prst="rect">
+            <a:avLst/>
+          </a:prstGeom>
+          <a:solidFill>
+            <a:schemeClr val="accent4">
+              <a:lumMod val="60000"/>
+              <a:lumOff val="40000"/>
+            </a:schemeClr>
+          </a:solidFill>
+          <a:ln>
+            <a:solidFill>
+              <a:schemeClr val="accent4">
+                <a:lumMod val="60000"/>
+                <a:lumOff val="40000"/>
+              </a:schemeClr>
+            </a:solidFill>
+          </a:ln>
+          <a:effectLst/>
+        </p:spPr>
+        <p:style>
+          <a:lnRef idx="1">
+            <a:schemeClr val="accent3"/>
+          </a:lnRef>
+          <a:fillRef idx="2">
+            <a:schemeClr val="accent3"/>
+          </a:fillRef>
+          <a:effectRef idx="1">
+            <a:schemeClr val="accent3"/>
+          </a:effectRef>
+          <a:fontRef idx="minor">
+            <a:schemeClr val="dk1"/>
+          </a:fontRef>
+        </p:style>
+        <p:txBody>
+          <a:bodyPr rtlCol="0" anchor="ctr"/>
+          <a:lstStyle/>
+          <a:p>
+            <a:pPr algn="ctr"/>
+            <a:endParaRPr lang="en-SG" sz="1400">
+              <a:solidFill>
+                <a:schemeClr val="dk1"/>
+              </a:solidFill>
+            </a:endParaRPr>
+          </a:p>
+        </p:txBody>
+      </p:sp>
+      <p:cxnSp>
+        <p:nvCxnSpPr>
+          <p:cNvPr id="25" name="Straight Arrow Connector 24"/>
+          <p:cNvCxnSpPr/>
+          <p:nvPr/>
+        </p:nvCxnSpPr>
+        <p:spPr>
+          <a:xfrm flipV="1">
+            <a:off x="6348273" y="4542759"/>
+            <a:ext cx="2019310" cy="3675"/>
+          </a:xfrm>
+          <a:prstGeom prst="straightConnector1">
+            <a:avLst/>
+          </a:prstGeom>
+          <a:ln w="19050">
+            <a:solidFill>
+              <a:srgbClr val="0070C0"/>
+            </a:solidFill>
+            <a:tailEnd type="arrow"/>
+          </a:ln>
+        </p:spPr>
+        <p:style>
+          <a:lnRef idx="1">
+            <a:schemeClr val="accent1"/>
+          </a:lnRef>
+          <a:fillRef idx="0">
+            <a:schemeClr val="accent1"/>
+          </a:fillRef>
+          <a:effectRef idx="0">
+            <a:schemeClr val="accent1"/>
+          </a:effectRef>
+          <a:fontRef idx="minor">
+            <a:schemeClr val="tx1"/>
+          </a:fontRef>
+        </p:style>
+      </p:cxnSp>
+      <p:cxnSp>
+        <p:nvCxnSpPr>
+          <p:cNvPr id="26" name="Straight Arrow Connector 25"/>
+          <p:cNvCxnSpPr/>
+          <p:nvPr/>
+        </p:nvCxnSpPr>
+        <p:spPr>
+          <a:xfrm>
+            <a:off x="6348273" y="4800600"/>
+            <a:ext cx="2105735" cy="0"/>
+          </a:xfrm>
+          <a:prstGeom prst="straightConnector1">
+            <a:avLst/>
+          </a:prstGeom>
+          <a:ln w="19050">
+            <a:solidFill>
+              <a:schemeClr val="accent4">
+                <a:lumMod val="60000"/>
+                <a:lumOff val="40000"/>
+              </a:schemeClr>
+            </a:solidFill>
+            <a:prstDash val="sysDash"/>
+            <a:headEnd type="arrow" w="med" len="med"/>
+            <a:tailEnd type="none" w="med" len="med"/>
+          </a:ln>
+        </p:spPr>
+        <p:style>
+          <a:lnRef idx="1">
+            <a:schemeClr val="accent1"/>
+          </a:lnRef>
+          <a:fillRef idx="0">
+            <a:schemeClr val="accent1"/>
+          </a:fillRef>
+          <a:effectRef idx="0">
+            <a:schemeClr val="accent1"/>
+          </a:effectRef>
+          <a:fontRef idx="minor">
+            <a:schemeClr val="tx1"/>
+          </a:fontRef>
+        </p:style>
+      </p:cxnSp>
+      <p:cxnSp>
+        <p:nvCxnSpPr>
+          <p:cNvPr id="27" name="Straight Arrow Connector 26"/>
+          <p:cNvCxnSpPr/>
+          <p:nvPr/>
+        </p:nvCxnSpPr>
+        <p:spPr>
+          <a:xfrm flipV="1">
+            <a:off x="1866331" y="5427717"/>
+            <a:ext cx="4313208" cy="26323"/>
+          </a:xfrm>
+          <a:prstGeom prst="straightConnector1">
+            <a:avLst/>
+          </a:prstGeom>
+          <a:ln w="19050">
+            <a:solidFill>
+              <a:srgbClr val="0070C0"/>
+            </a:solidFill>
+            <a:prstDash val="sysDash"/>
+            <a:headEnd type="arrow" w="med" len="med"/>
+            <a:tailEnd type="none" w="med" len="med"/>
+          </a:ln>
+        </p:spPr>
+        <p:style>
+          <a:lnRef idx="1">
+            <a:schemeClr val="accent1"/>
+          </a:lnRef>
+          <a:fillRef idx="0">
+            <a:schemeClr val="accent1"/>
+          </a:fillRef>
+          <a:effectRef idx="0">
+            <a:schemeClr val="accent1"/>
+          </a:effectRef>
+          <a:fontRef idx="minor">
+            <a:schemeClr val="tx1"/>
+          </a:fontRef>
+        </p:style>
+      </p:cxnSp>
+      <p:sp>
+        <p:nvSpPr>
+          <p:cNvPr id="28" name="TextBox 27"/>
+          <p:cNvSpPr txBox="1"/>
+          <p:nvPr/>
+        </p:nvSpPr>
+        <p:spPr>
+          <a:xfrm>
+            <a:off x="6858000" y="4278848"/>
+            <a:ext cx="1424846" cy="215444"/>
+          </a:xfrm>
+          <a:prstGeom prst="rect">
+            <a:avLst/>
+          </a:prstGeom>
+          <a:noFill/>
+        </p:spPr>
+        <p:txBody>
+          <a:bodyPr wrap="square" lIns="0" tIns="0" rIns="0" bIns="0" rtlCol="0">
+            <a:spAutoFit/>
+          </a:bodyPr>
+          <a:lstStyle>
+            <a:defPPr>
+              <a:defRPr lang="en-US"/>
+            </a:defPPr>
+            <a:lvl1pPr algn="r">
+              <a:defRPr sz="1400">
+                <a:solidFill>
+                  <a:srgbClr val="0070C0"/>
+                </a:solidFill>
+              </a:defRPr>
+            </a:lvl1pPr>
+          </a:lstStyle>
+          <a:p>
+            <a:r>
+              <a:rPr lang="en-US" dirty="0" err="1" smtClean="0">
                 <a:solidFill>
                   <a:srgbClr val="7030A0"/>
                 </a:solidFill>
               </a:rPr>
-              <a:t>Model</a:t>
-            </a:r>
-            <a:endParaRPr lang="en-SG" sz="1200" b="1" dirty="0">
+              <a:t>addTask</a:t>
+            </a:r>
+            <a:r>
+              <a:rPr lang="en-US" dirty="0" smtClean="0">
+                <a:solidFill>
+                  <a:srgbClr val="7030A0"/>
+                </a:solidFill>
+              </a:rPr>
+              <a:t>()</a:t>
+            </a:r>
+            <a:endParaRPr lang="en-US" dirty="0">
               <a:solidFill>
                 <a:srgbClr val="7030A0"/>
               </a:solidFill>
@@ -16623,24 +19407,200 @@
       </p:sp>
       <p:sp>
         <p:nvSpPr>
-          <p:cNvPr id="2" name="Rectangle 8"/>
+          <p:cNvPr id="29" name="TextBox 28"/>
+          <p:cNvSpPr txBox="1"/>
+          <p:nvPr/>
+        </p:nvSpPr>
+        <p:spPr>
+          <a:xfrm>
+            <a:off x="5030379" y="2957677"/>
+            <a:ext cx="640023" cy="215444"/>
+          </a:xfrm>
+          <a:prstGeom prst="rect">
+            <a:avLst/>
+          </a:prstGeom>
+          <a:noFill/>
+        </p:spPr>
+        <p:txBody>
+          <a:bodyPr wrap="square" lIns="0" tIns="0" rIns="0" bIns="0" rtlCol="0">
+            <a:spAutoFit/>
+          </a:bodyPr>
+          <a:lstStyle>
+            <a:defPPr>
+              <a:defRPr lang="en-US"/>
+            </a:defPPr>
+            <a:lvl1pPr algn="r">
+              <a:defRPr sz="1400">
+                <a:solidFill>
+                  <a:srgbClr val="0070C0"/>
+                </a:solidFill>
+              </a:defRPr>
+            </a:lvl1pPr>
+          </a:lstStyle>
+          <a:p>
+            <a:r>
+              <a:rPr lang="en-US" dirty="0" smtClean="0"/>
+              <a:t>create()</a:t>
+            </a:r>
+            <a:endParaRPr lang="en-US" dirty="0"/>
+          </a:p>
+        </p:txBody>
+      </p:sp>
+      <p:sp>
+        <p:nvSpPr>
+          <p:cNvPr id="30" name="TextBox 29"/>
+          <p:cNvSpPr txBox="1"/>
+          <p:nvPr/>
+        </p:nvSpPr>
+        <p:spPr>
+          <a:xfrm>
+            <a:off x="1926630" y="2726150"/>
+            <a:ext cx="1830495" cy="430887"/>
+          </a:xfrm>
+          <a:prstGeom prst="rect">
+            <a:avLst/>
+          </a:prstGeom>
+          <a:noFill/>
+        </p:spPr>
+        <p:txBody>
+          <a:bodyPr wrap="square" lIns="0" tIns="0" rIns="0" bIns="0" rtlCol="0">
+            <a:spAutoFit/>
+          </a:bodyPr>
+          <a:lstStyle>
+            <a:defPPr>
+              <a:defRPr lang="en-US"/>
+            </a:defPPr>
+            <a:lvl1pPr algn="r">
+              <a:defRPr sz="1400">
+                <a:solidFill>
+                  <a:srgbClr val="0070C0"/>
+                </a:solidFill>
+              </a:defRPr>
+            </a:lvl1pPr>
+          </a:lstStyle>
+          <a:p>
+            <a:r>
+              <a:rPr lang="en-US" dirty="0" smtClean="0"/>
+              <a:t>parse</a:t>
+            </a:r>
+            <a:r>
+              <a:rPr lang="en-US" dirty="0" smtClean="0"/>
+              <a:t>(“</a:t>
+            </a:r>
+            <a:r>
+              <a:rPr lang="en-US" dirty="0" smtClean="0"/>
+              <a:t>add task by: tomorrow</a:t>
+            </a:r>
+            <a:r>
+              <a:rPr lang="en-US" dirty="0" smtClean="0"/>
+              <a:t>”)</a:t>
+            </a:r>
+            <a:endParaRPr lang="en-US" dirty="0"/>
+          </a:p>
+        </p:txBody>
+      </p:sp>
+      <p:sp>
+        <p:nvSpPr>
+          <p:cNvPr id="31" name="TextBox 30"/>
+          <p:cNvSpPr txBox="1"/>
+          <p:nvPr/>
+        </p:nvSpPr>
+        <p:spPr>
+          <a:xfrm>
+            <a:off x="3319076" y="5212273"/>
+            <a:ext cx="621216" cy="215444"/>
+          </a:xfrm>
+          <a:prstGeom prst="rect">
+            <a:avLst/>
+          </a:prstGeom>
+          <a:noFill/>
+        </p:spPr>
+        <p:txBody>
+          <a:bodyPr wrap="square" lIns="0" tIns="0" rIns="0" bIns="0" rtlCol="0">
+            <a:spAutoFit/>
+          </a:bodyPr>
+          <a:lstStyle>
+            <a:defPPr>
+              <a:defRPr lang="en-US"/>
+            </a:defPPr>
+            <a:lvl1pPr algn="r">
+              <a:defRPr sz="1400">
+                <a:solidFill>
+                  <a:srgbClr val="0070C0"/>
+                </a:solidFill>
+              </a:defRPr>
+            </a:lvl1pPr>
+          </a:lstStyle>
+          <a:p>
+            <a:r>
+              <a:rPr lang="en-US" dirty="0" smtClean="0"/>
+              <a:t>result</a:t>
+            </a:r>
+            <a:endParaRPr lang="en-US" dirty="0"/>
+          </a:p>
+        </p:txBody>
+      </p:sp>
+      <p:sp>
+        <p:nvSpPr>
+          <p:cNvPr id="32" name="TextBox 31"/>
+          <p:cNvSpPr txBox="1"/>
+          <p:nvPr/>
+        </p:nvSpPr>
+        <p:spPr>
+          <a:xfrm>
+            <a:off x="762001" y="5538488"/>
+            <a:ext cx="762000" cy="215444"/>
+          </a:xfrm>
+          <a:prstGeom prst="rect">
+            <a:avLst/>
+          </a:prstGeom>
+          <a:noFill/>
+        </p:spPr>
+        <p:txBody>
+          <a:bodyPr wrap="square" lIns="0" tIns="0" rIns="0" bIns="0" rtlCol="0">
+            <a:spAutoFit/>
+          </a:bodyPr>
+          <a:lstStyle>
+            <a:defPPr>
+              <a:defRPr lang="en-US"/>
+            </a:defPPr>
+            <a:lvl1pPr algn="r">
+              <a:defRPr sz="1400">
+                <a:solidFill>
+                  <a:srgbClr val="0070C0"/>
+                </a:solidFill>
+              </a:defRPr>
+            </a:lvl1pPr>
+          </a:lstStyle>
+          <a:p>
+            <a:r>
+              <a:rPr lang="en-US" dirty="0" smtClean="0"/>
+              <a:t>result</a:t>
+            </a:r>
+            <a:endParaRPr lang="en-US" dirty="0"/>
+          </a:p>
+        </p:txBody>
+      </p:sp>
+      <p:sp>
+        <p:nvSpPr>
+          <p:cNvPr id="33" name="Rectangle 62"/>
           <p:cNvSpPr/>
           <p:nvPr/>
         </p:nvSpPr>
         <p:spPr>
           <a:xfrm>
-            <a:off x="2877180" y="3158440"/>
-            <a:ext cx="1093635" cy="346760"/>
+            <a:off x="6858000" y="4903721"/>
+            <a:ext cx="1196202" cy="461538"/>
           </a:xfrm>
           <a:prstGeom prst="rect">
             <a:avLst/>
           </a:prstGeom>
           <a:solidFill>
-            <a:srgbClr val="7030A0"/>
+            <a:srgbClr val="0070C0"/>
           </a:solidFill>
           <a:ln w="19050">
             <a:solidFill>
-              <a:srgbClr val="7030A0"/>
+              <a:srgbClr val="0070C0"/>
             </a:solidFill>
           </a:ln>
           <a:effectLst/>
@@ -16665,14 +19625,29 @@
           <a:p>
             <a:pPr algn="ctr"/>
             <a:r>
-              <a:rPr lang="en-US" sz="1050" dirty="0" err="1" smtClean="0">
+              <a:rPr lang="en-US" sz="1100" dirty="0" smtClean="0">
                 <a:solidFill>
                   <a:schemeClr val="bg1"/>
                 </a:solidFill>
               </a:rPr>
-              <a:t>UserPref</a:t>
-            </a:r>
-            <a:endParaRPr lang="en-SG" sz="1050" dirty="0">
+              <a:t>result:</a:t>
+            </a:r>
+            <a:br>
+              <a:rPr lang="en-US" sz="1100" dirty="0" smtClean="0">
+                <a:solidFill>
+                  <a:schemeClr val="bg1"/>
+                </a:solidFill>
+              </a:rPr>
+            </a:br>
+            <a:r>
+              <a:rPr lang="en-US" sz="1100" dirty="0" err="1" smtClean="0">
+                <a:solidFill>
+                  <a:schemeClr val="bg1"/>
+                </a:solidFill>
+              </a:rPr>
+              <a:t>CommandResult</a:t>
+            </a:r>
+            <a:endParaRPr lang="en-SG" sz="1100" dirty="0">
               <a:solidFill>
                 <a:schemeClr val="bg1"/>
               </a:solidFill>
@@ -16682,37 +19657,37 @@
       </p:sp>
       <p:sp>
         <p:nvSpPr>
-          <p:cNvPr id="9" name="Rectangle 62"/>
+          <p:cNvPr id="34" name="Rectangle 33"/>
           <p:cNvSpPr/>
           <p:nvPr/>
         </p:nvSpPr>
         <p:spPr>
-          <a:xfrm rot="16200000">
-            <a:off x="1683963" y="2868687"/>
-            <a:ext cx="1093635" cy="346760"/>
+          <a:xfrm>
+            <a:off x="7436018" y="5387269"/>
+            <a:ext cx="230906" cy="220655"/>
           </a:xfrm>
           <a:prstGeom prst="rect">
             <a:avLst/>
           </a:prstGeom>
           <a:solidFill>
-            <a:srgbClr val="7030A0"/>
+            <a:srgbClr val="0070C0"/>
           </a:solidFill>
-          <a:ln w="19050">
-            <a:solidFill>
-              <a:srgbClr val="7030A0"/>
-            </a:solidFill>
-          </a:ln>
-          <a:effectLst/>
-        </p:spPr>
-        <p:style>
-          <a:lnRef idx="1">
-            <a:schemeClr val="accent2"/>
-          </a:lnRef>
-          <a:fillRef idx="2">
-            <a:schemeClr val="accent2"/>
-          </a:fillRef>
-          <a:effectRef idx="1">
-            <a:schemeClr val="accent2"/>
+          <a:ln>
+            <a:solidFill>
+              <a:srgbClr val="0070C0"/>
+            </a:solidFill>
+          </a:ln>
+          <a:effectLst/>
+        </p:spPr>
+        <p:style>
+          <a:lnRef idx="1">
+            <a:schemeClr val="accent3"/>
+          </a:lnRef>
+          <a:fillRef idx="2">
+            <a:schemeClr val="accent3"/>
+          </a:fillRef>
+          <a:effectRef idx="1">
+            <a:schemeClr val="accent3"/>
           </a:effectRef>
           <a:fontRef idx="minor">
             <a:schemeClr val="dk1"/>
@@ -16723,15 +19698,187 @@
           <a:lstStyle/>
           <a:p>
             <a:pPr algn="ctr"/>
-            <a:r>
-              <a:rPr lang="en-US" sz="1050" dirty="0" err="1" smtClean="0">
+            <a:endParaRPr lang="en-SG" sz="1400"/>
+          </a:p>
+        </p:txBody>
+      </p:sp>
+      <p:cxnSp>
+        <p:nvCxnSpPr>
+          <p:cNvPr id="35" name="Straight Arrow Connector 34"/>
+          <p:cNvCxnSpPr/>
+          <p:nvPr/>
+        </p:nvCxnSpPr>
+        <p:spPr>
+          <a:xfrm>
+            <a:off x="6377906" y="5107866"/>
+            <a:ext cx="447975" cy="0"/>
+          </a:xfrm>
+          <a:prstGeom prst="straightConnector1">
+            <a:avLst/>
+          </a:prstGeom>
+          <a:ln w="19050">
+            <a:solidFill>
+              <a:srgbClr val="0070C0"/>
+            </a:solidFill>
+            <a:tailEnd type="arrow"/>
+          </a:ln>
+        </p:spPr>
+        <p:style>
+          <a:lnRef idx="1">
+            <a:schemeClr val="accent1"/>
+          </a:lnRef>
+          <a:fillRef idx="0">
+            <a:schemeClr val="accent1"/>
+          </a:fillRef>
+          <a:effectRef idx="0">
+            <a:schemeClr val="accent1"/>
+          </a:effectRef>
+          <a:fontRef idx="minor">
+            <a:schemeClr val="tx1"/>
+          </a:fontRef>
+        </p:style>
+      </p:cxnSp>
+      <p:cxnSp>
+        <p:nvCxnSpPr>
+          <p:cNvPr id="36" name="Straight Arrow Connector 35"/>
+          <p:cNvCxnSpPr>
+            <a:endCxn id="34" idx="1"/>
+          </p:cNvCxnSpPr>
+          <p:nvPr/>
+        </p:nvCxnSpPr>
+        <p:spPr>
+          <a:xfrm flipV="1">
+            <a:off x="6348273" y="5497597"/>
+            <a:ext cx="1087745" cy="12885"/>
+          </a:xfrm>
+          <a:prstGeom prst="straightConnector1">
+            <a:avLst/>
+          </a:prstGeom>
+          <a:ln w="19050">
+            <a:solidFill>
+              <a:srgbClr val="0070C0"/>
+            </a:solidFill>
+            <a:prstDash val="sysDash"/>
+            <a:headEnd type="arrow" w="med" len="med"/>
+            <a:tailEnd type="none" w="med" len="med"/>
+          </a:ln>
+        </p:spPr>
+        <p:style>
+          <a:lnRef idx="1">
+            <a:schemeClr val="accent1"/>
+          </a:lnRef>
+          <a:fillRef idx="0">
+            <a:schemeClr val="accent1"/>
+          </a:fillRef>
+          <a:effectRef idx="0">
+            <a:schemeClr val="accent1"/>
+          </a:effectRef>
+          <a:fontRef idx="minor">
+            <a:schemeClr val="tx1"/>
+          </a:fontRef>
+        </p:style>
+      </p:cxnSp>
+      <p:sp>
+        <p:nvSpPr>
+          <p:cNvPr id="37" name="TextBox 36"/>
+          <p:cNvSpPr txBox="1"/>
+          <p:nvPr/>
+        </p:nvSpPr>
+        <p:spPr>
+          <a:xfrm>
+            <a:off x="2818928" y="3733800"/>
+            <a:ext cx="220343" cy="215444"/>
+          </a:xfrm>
+          <a:prstGeom prst="rect">
+            <a:avLst/>
+          </a:prstGeom>
+          <a:noFill/>
+        </p:spPr>
+        <p:txBody>
+          <a:bodyPr wrap="square" lIns="0" tIns="0" rIns="0" bIns="0" rtlCol="0">
+            <a:spAutoFit/>
+          </a:bodyPr>
+          <a:lstStyle>
+            <a:defPPr>
+              <a:defRPr lang="en-US"/>
+            </a:defPPr>
+            <a:lvl1pPr algn="r">
+              <a:defRPr sz="1400">
+                <a:solidFill>
+                  <a:srgbClr val="0070C0"/>
+                </a:solidFill>
+              </a:defRPr>
+            </a:lvl1pPr>
+          </a:lstStyle>
+          <a:p>
+            <a:r>
+              <a:rPr lang="en-US" dirty="0" smtClean="0"/>
+              <a:t>d</a:t>
+            </a:r>
+            <a:endParaRPr lang="en-US" dirty="0"/>
+          </a:p>
+        </p:txBody>
+      </p:sp>
+      <p:sp>
+        <p:nvSpPr>
+          <p:cNvPr id="50" name="Rectangle 62"/>
+          <p:cNvSpPr/>
+          <p:nvPr/>
+        </p:nvSpPr>
+        <p:spPr>
+          <a:xfrm>
+            <a:off x="4630002" y="2311162"/>
+            <a:ext cx="1093635" cy="346760"/>
+          </a:xfrm>
+          <a:prstGeom prst="rect">
+            <a:avLst/>
+          </a:prstGeom>
+          <a:solidFill>
+            <a:srgbClr val="0070C0"/>
+          </a:solidFill>
+          <a:ln w="19050">
+            <a:solidFill>
+              <a:srgbClr val="0070C0"/>
+            </a:solidFill>
+          </a:ln>
+          <a:effectLst/>
+        </p:spPr>
+        <p:style>
+          <a:lnRef idx="1">
+            <a:schemeClr val="accent2"/>
+          </a:lnRef>
+          <a:fillRef idx="2">
+            <a:schemeClr val="accent2"/>
+          </a:fillRef>
+          <a:effectRef idx="1">
+            <a:schemeClr val="accent2"/>
+          </a:effectRef>
+          <a:fontRef idx="minor">
+            <a:schemeClr val="dk1"/>
+          </a:fontRef>
+        </p:style>
+        <p:txBody>
+          <a:bodyPr rtlCol="0" anchor="ctr"/>
+          <a:lstStyle/>
+          <a:p>
+            <a:pPr algn="ctr"/>
+            <a:r>
+              <a:rPr lang="en-US" sz="1600" dirty="0" smtClean="0">
                 <a:solidFill>
                   <a:schemeClr val="bg1"/>
                 </a:solidFill>
               </a:rPr>
-              <a:t>ModelManager</a:t>
-            </a:r>
-            <a:endParaRPr lang="en-SG" sz="1050" dirty="0">
+              <a:t>:</a:t>
+            </a:r>
+            <a:r>
+              <a:rPr lang="en-US" sz="1600" dirty="0" err="1" smtClean="0">
+                <a:solidFill>
+                  <a:schemeClr val="bg1"/>
+                </a:solidFill>
+              </a:rPr>
+              <a:t>AddParser</a:t>
+            </a:r>
+            <a:endParaRPr lang="en-SG" sz="1600" dirty="0">
               <a:solidFill>
                 <a:schemeClr val="bg1"/>
               </a:solidFill>
@@ -16741,1727 +19888,229 @@
       </p:sp>
       <p:cxnSp>
         <p:nvCxnSpPr>
-          <p:cNvPr id="53" name="Elbow Connector 63"/>
-          <p:cNvCxnSpPr>
-            <a:stCxn id="71" idx="3"/>
-            <a:endCxn id="62" idx="2"/>
-          </p:cNvCxnSpPr>
+          <p:cNvPr id="51" name="Straight Connector 50"/>
+          <p:cNvCxnSpPr/>
           <p:nvPr/>
         </p:nvCxnSpPr>
         <p:spPr>
+          <a:xfrm>
+            <a:off x="4857767" y="2691196"/>
+            <a:ext cx="0" cy="1587652"/>
+          </a:xfrm>
+          <a:prstGeom prst="line">
+            <a:avLst/>
+          </a:prstGeom>
+          <a:ln w="19050">
+            <a:solidFill>
+              <a:srgbClr val="0070C0"/>
+            </a:solidFill>
+            <a:prstDash val="sysDash"/>
+          </a:ln>
+          <a:effectLst/>
+        </p:spPr>
+        <p:style>
+          <a:lnRef idx="1">
+            <a:schemeClr val="accent1"/>
+          </a:lnRef>
+          <a:fillRef idx="2">
+            <a:schemeClr val="accent1"/>
+          </a:fillRef>
+          <a:effectRef idx="1">
+            <a:schemeClr val="accent1"/>
+          </a:effectRef>
+          <a:fontRef idx="minor">
+            <a:schemeClr val="dk1"/>
+          </a:fontRef>
+        </p:style>
+      </p:cxnSp>
+      <p:sp>
+        <p:nvSpPr>
+          <p:cNvPr id="52" name="Rectangle 51"/>
+          <p:cNvSpPr/>
+          <p:nvPr/>
+        </p:nvSpPr>
+        <p:spPr>
+          <a:xfrm>
+            <a:off x="4750386" y="3122097"/>
+            <a:ext cx="144016" cy="832525"/>
+          </a:xfrm>
+          <a:prstGeom prst="rect">
+            <a:avLst/>
+          </a:prstGeom>
+          <a:solidFill>
+            <a:srgbClr val="0070C0"/>
+          </a:solidFill>
+          <a:ln>
+            <a:solidFill>
+              <a:srgbClr val="0070C0"/>
+            </a:solidFill>
+          </a:ln>
+          <a:effectLst/>
+        </p:spPr>
+        <p:style>
+          <a:lnRef idx="1">
+            <a:schemeClr val="accent3"/>
+          </a:lnRef>
+          <a:fillRef idx="2">
+            <a:schemeClr val="accent3"/>
+          </a:fillRef>
+          <a:effectRef idx="1">
+            <a:schemeClr val="accent3"/>
+          </a:effectRef>
+          <a:fontRef idx="minor">
+            <a:schemeClr val="dk1"/>
+          </a:fontRef>
+        </p:style>
+        <p:txBody>
+          <a:bodyPr rtlCol="0" anchor="ctr"/>
+          <a:lstStyle/>
+          <a:p>
+            <a:pPr algn="ctr"/>
+            <a:endParaRPr lang="en-SG" sz="1400">
+              <a:solidFill>
+                <a:schemeClr val="dk1"/>
+              </a:solidFill>
+            </a:endParaRPr>
+          </a:p>
+        </p:txBody>
+      </p:sp>
+      <p:cxnSp>
+        <p:nvCxnSpPr>
+          <p:cNvPr id="55" name="Straight Arrow Connector 54"/>
+          <p:cNvCxnSpPr/>
+          <p:nvPr/>
+        </p:nvCxnSpPr>
+        <p:spPr>
           <a:xfrm flipV="1">
-            <a:off x="6477000" y="3204826"/>
-            <a:ext cx="190770" cy="405819"/>
-          </a:xfrm>
-          <a:prstGeom prst="bentConnector2">
-            <a:avLst/>
-          </a:prstGeom>
-          <a:ln w="19050">
-            <a:solidFill>
-              <a:srgbClr val="7030A0"/>
-            </a:solidFill>
-            <a:prstDash val="sysDot"/>
-            <a:headEnd type="none" w="med" len="med"/>
-            <a:tailEnd type="none" w="med" len="med"/>
-          </a:ln>
-          <a:effectLst/>
-        </p:spPr>
-        <p:style>
-          <a:lnRef idx="1">
-            <a:schemeClr val="accent2"/>
-          </a:lnRef>
-          <a:fillRef idx="2">
-            <a:schemeClr val="accent2"/>
-          </a:fillRef>
-          <a:effectRef idx="1">
-            <a:schemeClr val="accent2"/>
-          </a:effectRef>
-          <a:fontRef idx="minor">
-            <a:schemeClr val="dk1"/>
+            <a:off x="4037111" y="3229154"/>
+            <a:ext cx="703601" cy="23027"/>
+          </a:xfrm>
+          <a:prstGeom prst="straightConnector1">
+            <a:avLst/>
+          </a:prstGeom>
+          <a:ln w="19050">
+            <a:solidFill>
+              <a:srgbClr val="0070C0"/>
+            </a:solidFill>
+            <a:tailEnd type="arrow"/>
+          </a:ln>
+        </p:spPr>
+        <p:style>
+          <a:lnRef idx="1">
+            <a:schemeClr val="accent1"/>
+          </a:lnRef>
+          <a:fillRef idx="0">
+            <a:schemeClr val="accent1"/>
+          </a:fillRef>
+          <a:effectRef idx="0">
+            <a:schemeClr val="accent1"/>
+          </a:effectRef>
+          <a:fontRef idx="minor">
+            <a:schemeClr val="tx1"/>
           </a:fontRef>
         </p:style>
       </p:cxnSp>
       <p:cxnSp>
         <p:nvCxnSpPr>
-          <p:cNvPr id="107" name="Elbow Connector 106"/>
-          <p:cNvCxnSpPr>
-            <a:stCxn id="9" idx="1"/>
-          </p:cNvCxnSpPr>
+          <p:cNvPr id="56" name="Straight Arrow Connector 55"/>
+          <p:cNvCxnSpPr/>
           <p:nvPr/>
         </p:nvCxnSpPr>
         <p:spPr>
-          <a:xfrm rot="5400000" flipH="1" flipV="1">
-            <a:off x="4360065" y="1080909"/>
-            <a:ext cx="378691" cy="4637261"/>
-          </a:xfrm>
-          <a:prstGeom prst="bentConnector4">
-            <a:avLst>
-              <a:gd name="adj1" fmla="val -101829"/>
-              <a:gd name="adj2" fmla="val 99976"/>
-            </a:avLst>
-          </a:prstGeom>
-          <a:ln w="19050">
-            <a:solidFill>
-              <a:srgbClr val="7030A0"/>
-            </a:solidFill>
-            <a:prstDash val="solid"/>
-            <a:headEnd type="none" w="med" len="med"/>
-            <a:tailEnd type="arrow" w="med" len="med"/>
-          </a:ln>
-          <a:effectLst/>
-        </p:spPr>
-        <p:style>
-          <a:lnRef idx="1">
-            <a:schemeClr val="accent2"/>
-          </a:lnRef>
-          <a:fillRef idx="2">
-            <a:schemeClr val="accent2"/>
-          </a:fillRef>
-          <a:effectRef idx="1">
-            <a:schemeClr val="accent2"/>
-          </a:effectRef>
-          <a:fontRef idx="minor">
-            <a:schemeClr val="dk1"/>
+          <a:xfrm flipV="1">
+            <a:off x="4031622" y="3881802"/>
+            <a:ext cx="718764" cy="5378"/>
+          </a:xfrm>
+          <a:prstGeom prst="straightConnector1">
+            <a:avLst/>
+          </a:prstGeom>
+          <a:ln w="19050">
+            <a:solidFill>
+              <a:srgbClr val="0070C0"/>
+            </a:solidFill>
+            <a:prstDash val="sysDash"/>
+            <a:headEnd type="arrow" w="med" len="med"/>
+            <a:tailEnd type="none" w="med" len="med"/>
+          </a:ln>
+        </p:spPr>
+        <p:style>
+          <a:lnRef idx="1">
+            <a:schemeClr val="accent1"/>
+          </a:lnRef>
+          <a:fillRef idx="0">
+            <a:schemeClr val="accent1"/>
+          </a:fillRef>
+          <a:effectRef idx="0">
+            <a:schemeClr val="accent1"/>
+          </a:effectRef>
+          <a:fontRef idx="minor">
+            <a:schemeClr val="tx1"/>
           </a:fontRef>
         </p:style>
       </p:cxnSp>
       <p:sp>
         <p:nvSpPr>
-          <p:cNvPr id="119" name="Rectangle 62"/>
-          <p:cNvSpPr/>
-          <p:nvPr/>
-        </p:nvSpPr>
-        <p:spPr>
-          <a:xfrm rot="16200000">
-            <a:off x="956202" y="2861202"/>
-            <a:ext cx="1093635" cy="346760"/>
+          <p:cNvPr id="59" name="TextBox 58"/>
+          <p:cNvSpPr txBox="1"/>
+          <p:nvPr/>
+        </p:nvSpPr>
+        <p:spPr>
+          <a:xfrm>
+            <a:off x="3952997" y="2811824"/>
+            <a:ext cx="808335" cy="276999"/>
           </a:xfrm>
           <a:prstGeom prst="rect">
             <a:avLst/>
           </a:prstGeom>
-          <a:solidFill>
-            <a:srgbClr val="7030A0"/>
-          </a:solidFill>
-          <a:ln w="19050">
-            <a:solidFill>
-              <a:srgbClr val="7030A0"/>
-            </a:solidFill>
-          </a:ln>
-          <a:effectLst/>
-        </p:spPr>
-        <p:style>
-          <a:lnRef idx="1">
-            <a:schemeClr val="accent2"/>
-          </a:lnRef>
-          <a:fillRef idx="2">
-            <a:schemeClr val="accent2"/>
-          </a:fillRef>
-          <a:effectRef idx="1">
-            <a:schemeClr val="accent2"/>
-          </a:effectRef>
-          <a:fontRef idx="minor">
-            <a:schemeClr val="dk1"/>
-          </a:fontRef>
-        </p:style>
-        <p:txBody>
-          <a:bodyPr rtlCol="0" anchor="ctr"/>
-          <a:lstStyle/>
-          <a:p>
-            <a:pPr algn="ctr"/>
-            <a:r>
-              <a:rPr lang="en-US" sz="1050" dirty="0">
-                <a:solidFill>
-                  <a:schemeClr val="bg1"/>
-                </a:solidFill>
-              </a:rPr>
-              <a:t>&lt;&lt;interface&gt;&gt;</a:t>
-            </a:r>
-          </a:p>
-          <a:p>
-            <a:pPr algn="ctr"/>
-            <a:r>
-              <a:rPr lang="en-US" sz="1050" dirty="0" smtClean="0">
-                <a:solidFill>
-                  <a:schemeClr val="bg1"/>
-                </a:solidFill>
-              </a:rPr>
-              <a:t>Model</a:t>
-            </a:r>
-            <a:endParaRPr lang="en-SG" sz="1050" dirty="0">
-              <a:solidFill>
-                <a:schemeClr val="bg1"/>
-              </a:solidFill>
-            </a:endParaRPr>
-          </a:p>
-        </p:txBody>
-      </p:sp>
-      <p:sp>
-        <p:nvSpPr>
-          <p:cNvPr id="120" name="Isosceles Triangle 102"/>
-          <p:cNvSpPr/>
-          <p:nvPr/>
-        </p:nvSpPr>
-        <p:spPr>
-          <a:xfrm rot="16200000">
-            <a:off x="1626910" y="2952291"/>
-            <a:ext cx="270504" cy="175523"/>
-          </a:xfrm>
-          <a:prstGeom prst="triangle">
-            <a:avLst/>
-          </a:prstGeom>
-          <a:solidFill>
-            <a:srgbClr val="7030A0"/>
-          </a:solidFill>
-          <a:ln w="19050">
-            <a:solidFill>
-              <a:srgbClr val="7030A0"/>
-            </a:solidFill>
-          </a:ln>
-          <a:effectLst/>
-        </p:spPr>
-        <p:style>
-          <a:lnRef idx="1">
-            <a:schemeClr val="accent6"/>
-          </a:lnRef>
-          <a:fillRef idx="2">
-            <a:schemeClr val="accent6"/>
-          </a:fillRef>
-          <a:effectRef idx="1">
-            <a:schemeClr val="accent6"/>
-          </a:effectRef>
-          <a:fontRef idx="minor">
-            <a:schemeClr val="dk1"/>
-          </a:fontRef>
-        </p:style>
-        <p:txBody>
-          <a:bodyPr rtlCol="0" anchor="ctr"/>
-          <a:lstStyle/>
-          <a:p>
-            <a:pPr algn="ctr"/>
-            <a:endParaRPr lang="en-SG" sz="1050"/>
-          </a:p>
-        </p:txBody>
-      </p:sp>
-      <p:cxnSp>
-        <p:nvCxnSpPr>
-          <p:cNvPr id="58" name="Straight Arrow Connector 57"/>
-          <p:cNvCxnSpPr>
-            <a:stCxn id="42" idx="3"/>
-            <a:endCxn id="2" idx="1"/>
-          </p:cNvCxnSpPr>
-          <p:nvPr/>
-        </p:nvCxnSpPr>
-        <p:spPr>
-          <a:xfrm>
-            <a:off x="2656370" y="3326536"/>
-            <a:ext cx="220810" cy="5284"/>
-          </a:xfrm>
-          <a:prstGeom prst="straightConnector1">
-            <a:avLst/>
-          </a:prstGeom>
-          <a:ln w="19050">
-            <a:solidFill>
-              <a:srgbClr val="7030A0"/>
-            </a:solidFill>
-            <a:headEnd type="none" w="med" len="med"/>
-            <a:tailEnd type="arrow" w="med" len="med"/>
-          </a:ln>
-          <a:effectLst/>
-        </p:spPr>
-        <p:style>
-          <a:lnRef idx="1">
-            <a:schemeClr val="accent2"/>
-          </a:lnRef>
-          <a:fillRef idx="2">
-            <a:schemeClr val="accent2"/>
-          </a:fillRef>
-          <a:effectRef idx="1">
-            <a:schemeClr val="accent2"/>
-          </a:effectRef>
-          <a:fontRef idx="minor">
-            <a:schemeClr val="dk1"/>
-          </a:fontRef>
-        </p:style>
-      </p:cxnSp>
-      <p:sp>
-        <p:nvSpPr>
-          <p:cNvPr id="71" name="Isosceles Triangle 102"/>
-          <p:cNvSpPr/>
-          <p:nvPr/>
-        </p:nvSpPr>
-        <p:spPr>
-          <a:xfrm rot="5400000" flipV="1">
-            <a:off x="6253986" y="3522883"/>
-            <a:ext cx="270504" cy="175523"/>
-          </a:xfrm>
-          <a:prstGeom prst="triangle">
-            <a:avLst/>
-          </a:prstGeom>
-          <a:solidFill>
-            <a:srgbClr val="7030A0"/>
-          </a:solidFill>
-          <a:ln w="19050">
-            <a:solidFill>
-              <a:srgbClr val="7030A0"/>
-            </a:solidFill>
-          </a:ln>
-          <a:effectLst/>
-        </p:spPr>
-        <p:style>
-          <a:lnRef idx="1">
-            <a:schemeClr val="accent4"/>
-          </a:lnRef>
-          <a:fillRef idx="2">
-            <a:schemeClr val="accent4"/>
-          </a:fillRef>
-          <a:effectRef idx="1">
-            <a:schemeClr val="accent4"/>
-          </a:effectRef>
-          <a:fontRef idx="minor">
-            <a:schemeClr val="dk1"/>
-          </a:fontRef>
-        </p:style>
-        <p:txBody>
-          <a:bodyPr rtlCol="0" anchor="ctr"/>
-          <a:lstStyle/>
-          <a:p>
-            <a:pPr algn="ctr"/>
-            <a:endParaRPr lang="en-SG" sz="1050" b="1">
-              <a:solidFill>
-                <a:srgbClr val="92D050"/>
-              </a:solidFill>
-            </a:endParaRPr>
-          </a:p>
-        </p:txBody>
-      </p:sp>
-      <p:cxnSp>
-        <p:nvCxnSpPr>
-          <p:cNvPr id="75" name="Elbow Connector 122"/>
-          <p:cNvCxnSpPr/>
-          <p:nvPr/>
-        </p:nvCxnSpPr>
-        <p:spPr>
-          <a:xfrm>
-            <a:off x="910091" y="3040053"/>
-            <a:ext cx="419548" cy="2860"/>
-          </a:xfrm>
-          <a:prstGeom prst="bentConnector3">
-            <a:avLst>
-              <a:gd name="adj1" fmla="val 50000"/>
-            </a:avLst>
-          </a:prstGeom>
-          <a:ln w="19050">
-            <a:solidFill>
-              <a:schemeClr val="bg1">
-                <a:lumMod val="75000"/>
-              </a:schemeClr>
-            </a:solidFill>
-            <a:prstDash val="sysDot"/>
-            <a:headEnd type="none" w="med" len="med"/>
-            <a:tailEnd type="arrow" w="med" len="med"/>
-          </a:ln>
-          <a:effectLst/>
-        </p:spPr>
-        <p:style>
-          <a:lnRef idx="1">
-            <a:schemeClr val="accent2"/>
-          </a:lnRef>
-          <a:fillRef idx="2">
-            <a:schemeClr val="accent2"/>
-          </a:fillRef>
-          <a:effectRef idx="1">
-            <a:schemeClr val="accent2"/>
-          </a:effectRef>
-          <a:fontRef idx="minor">
-            <a:schemeClr val="dk1"/>
-          </a:fontRef>
-        </p:style>
-      </p:cxnSp>
-      <p:cxnSp>
-        <p:nvCxnSpPr>
-          <p:cNvPr id="21" name="Straight Connector 20"/>
-          <p:cNvCxnSpPr>
-            <a:stCxn id="120" idx="3"/>
-          </p:cNvCxnSpPr>
-          <p:nvPr/>
-        </p:nvCxnSpPr>
-        <p:spPr>
-          <a:xfrm flipV="1">
-            <a:off x="1849924" y="3040052"/>
-            <a:ext cx="216105" cy="1"/>
-          </a:xfrm>
-          <a:prstGeom prst="line">
-            <a:avLst/>
-          </a:prstGeom>
-          <a:ln w="19050">
-            <a:solidFill>
-              <a:srgbClr val="7030A0"/>
-            </a:solidFill>
-            <a:prstDash val="sysDot"/>
-            <a:headEnd type="none" w="med" len="med"/>
-            <a:tailEnd type="none" w="med" len="med"/>
-          </a:ln>
-          <a:effectLst/>
-        </p:spPr>
-        <p:style>
-          <a:lnRef idx="1">
-            <a:schemeClr val="accent2"/>
-          </a:lnRef>
-          <a:fillRef idx="2">
-            <a:schemeClr val="accent2"/>
-          </a:fillRef>
-          <a:effectRef idx="1">
-            <a:schemeClr val="accent2"/>
-          </a:effectRef>
-          <a:fontRef idx="minor">
-            <a:schemeClr val="dk1"/>
-          </a:fontRef>
-        </p:style>
-      </p:cxnSp>
-      <p:sp>
-        <p:nvSpPr>
-          <p:cNvPr id="42" name="Flowchart: Decision 96"/>
-          <p:cNvSpPr/>
-          <p:nvPr/>
-        </p:nvSpPr>
-        <p:spPr>
-          <a:xfrm>
-            <a:off x="2420322" y="3239846"/>
-            <a:ext cx="236048" cy="173380"/>
-          </a:xfrm>
-          <a:prstGeom prst="flowChartDecision">
-            <a:avLst/>
-          </a:prstGeom>
           <a:noFill/>
-          <a:ln w="19050">
-            <a:solidFill>
-              <a:srgbClr val="7030A0"/>
-            </a:solidFill>
-          </a:ln>
-          <a:effectLst/>
-        </p:spPr>
-        <p:style>
-          <a:lnRef idx="1">
-            <a:schemeClr val="accent6"/>
-          </a:lnRef>
-          <a:fillRef idx="2">
-            <a:schemeClr val="accent6"/>
-          </a:fillRef>
-          <a:effectRef idx="1">
-            <a:schemeClr val="accent6"/>
-          </a:effectRef>
-          <a:fontRef idx="minor">
-            <a:schemeClr val="dk1"/>
-          </a:fontRef>
-        </p:style>
-        <p:txBody>
-          <a:bodyPr rtlCol="0" anchor="ctr"/>
-          <a:lstStyle/>
-          <a:p>
-            <a:pPr algn="ctr"/>
-            <a:endParaRPr lang="en-US" sz="1050"/>
-          </a:p>
-        </p:txBody>
-      </p:sp>
-      <p:sp>
-        <p:nvSpPr>
-          <p:cNvPr id="46" name="Rectangle 8"/>
-          <p:cNvSpPr/>
-          <p:nvPr/>
-        </p:nvSpPr>
-        <p:spPr>
-          <a:xfrm>
-            <a:off x="2879490" y="2627420"/>
-            <a:ext cx="1093635" cy="346760"/>
-          </a:xfrm>
-          <a:prstGeom prst="rect">
-            <a:avLst/>
-          </a:prstGeom>
-          <a:ln w="19050">
-            <a:solidFill>
-              <a:srgbClr val="7030A0"/>
-            </a:solidFill>
-          </a:ln>
-          <a:effectLst/>
-        </p:spPr>
-        <p:style>
-          <a:lnRef idx="1">
-            <a:schemeClr val="accent4"/>
-          </a:lnRef>
-          <a:fillRef idx="2">
-            <a:schemeClr val="accent4"/>
-          </a:fillRef>
-          <a:effectRef idx="1">
-            <a:schemeClr val="accent4"/>
-          </a:effectRef>
-          <a:fontRef idx="minor">
-            <a:schemeClr val="dk1"/>
-          </a:fontRef>
-        </p:style>
-        <p:txBody>
-          <a:bodyPr rtlCol="0" anchor="ctr"/>
-          <a:lstStyle/>
-          <a:p>
-            <a:pPr algn="ctr"/>
-            <a:endParaRPr lang="en-SG" sz="1050" dirty="0">
-              <a:solidFill>
-                <a:srgbClr val="7030A0"/>
-              </a:solidFill>
-            </a:endParaRPr>
-          </a:p>
-        </p:txBody>
-      </p:sp>
-      <p:cxnSp>
-        <p:nvCxnSpPr>
-          <p:cNvPr id="47" name="Straight Arrow Connector 46"/>
-          <p:cNvCxnSpPr>
-            <a:stCxn id="48" idx="3"/>
-            <a:endCxn id="46" idx="1"/>
-          </p:cNvCxnSpPr>
-          <p:nvPr/>
-        </p:nvCxnSpPr>
-        <p:spPr>
-          <a:xfrm>
-            <a:off x="2658680" y="2795516"/>
-            <a:ext cx="220810" cy="5284"/>
-          </a:xfrm>
-          <a:prstGeom prst="straightConnector1">
-            <a:avLst/>
-          </a:prstGeom>
-          <a:ln w="19050">
-            <a:solidFill>
-              <a:srgbClr val="7030A0"/>
-            </a:solidFill>
-            <a:headEnd type="none" w="med" len="med"/>
-            <a:tailEnd type="arrow" w="med" len="med"/>
-          </a:ln>
-          <a:effectLst/>
-        </p:spPr>
-        <p:style>
-          <a:lnRef idx="1">
-            <a:schemeClr val="accent2"/>
-          </a:lnRef>
-          <a:fillRef idx="2">
-            <a:schemeClr val="accent2"/>
-          </a:fillRef>
-          <a:effectRef idx="1">
-            <a:schemeClr val="accent2"/>
-          </a:effectRef>
-          <a:fontRef idx="minor">
-            <a:schemeClr val="dk1"/>
-          </a:fontRef>
-        </p:style>
-      </p:cxnSp>
-      <p:sp>
-        <p:nvSpPr>
-          <p:cNvPr id="48" name="Flowchart: Decision 96"/>
-          <p:cNvSpPr/>
-          <p:nvPr/>
-        </p:nvSpPr>
-        <p:spPr>
-          <a:xfrm>
-            <a:off x="2422632" y="2708826"/>
-            <a:ext cx="236048" cy="173380"/>
-          </a:xfrm>
-          <a:prstGeom prst="flowChartDecision">
-            <a:avLst/>
-          </a:prstGeom>
-          <a:noFill/>
-          <a:ln w="19050">
-            <a:solidFill>
-              <a:srgbClr val="7030A0"/>
-            </a:solidFill>
-          </a:ln>
-          <a:effectLst/>
-        </p:spPr>
-        <p:style>
-          <a:lnRef idx="1">
-            <a:schemeClr val="accent6"/>
-          </a:lnRef>
-          <a:fillRef idx="2">
-            <a:schemeClr val="accent6"/>
-          </a:fillRef>
-          <a:effectRef idx="1">
-            <a:schemeClr val="accent6"/>
-          </a:effectRef>
-          <a:fontRef idx="minor">
-            <a:schemeClr val="dk1"/>
-          </a:fontRef>
-        </p:style>
-        <p:txBody>
-          <a:bodyPr rtlCol="0" anchor="ctr"/>
-          <a:lstStyle/>
-          <a:p>
-            <a:pPr algn="ctr"/>
-            <a:endParaRPr lang="en-US" sz="1050"/>
-          </a:p>
-        </p:txBody>
-      </p:sp>
-      <p:sp>
-        <p:nvSpPr>
-          <p:cNvPr id="49" name="Rectangle 8"/>
-          <p:cNvSpPr/>
-          <p:nvPr/>
-        </p:nvSpPr>
-        <p:spPr>
-          <a:xfrm>
-            <a:off x="4487017" y="2847371"/>
-            <a:ext cx="1229307" cy="346760"/>
-          </a:xfrm>
-          <a:prstGeom prst="rect">
-            <a:avLst/>
-          </a:prstGeom>
-          <a:ln w="19050">
-            <a:solidFill>
-              <a:srgbClr val="7030A0"/>
-            </a:solidFill>
-          </a:ln>
-          <a:effectLst/>
-        </p:spPr>
-        <p:style>
-          <a:lnRef idx="1">
-            <a:schemeClr val="accent4"/>
-          </a:lnRef>
-          <a:fillRef idx="2">
-            <a:schemeClr val="accent4"/>
-          </a:fillRef>
-          <a:effectRef idx="1">
-            <a:schemeClr val="accent4"/>
-          </a:effectRef>
-          <a:fontRef idx="minor">
-            <a:schemeClr val="dk1"/>
-          </a:fontRef>
-        </p:style>
-        <p:txBody>
-          <a:bodyPr rtlCol="0" anchor="ctr"/>
-          <a:lstStyle/>
-          <a:p>
-            <a:pPr algn="ctr"/>
-            <a:r>
-              <a:rPr lang="en-US" sz="1050" dirty="0" err="1" smtClean="0">
-                <a:solidFill>
-                  <a:srgbClr val="7030A0"/>
-                </a:solidFill>
-              </a:rPr>
-              <a:t>UniqueActivityList</a:t>
-            </a:r>
-            <a:endParaRPr lang="en-SG" sz="1050" dirty="0">
-              <a:solidFill>
-                <a:srgbClr val="7030A0"/>
-              </a:solidFill>
-            </a:endParaRPr>
-          </a:p>
-        </p:txBody>
-      </p:sp>
-      <p:sp>
-        <p:nvSpPr>
-          <p:cNvPr id="51" name="Flowchart: Decision 96"/>
-          <p:cNvSpPr/>
-          <p:nvPr/>
-        </p:nvSpPr>
-        <p:spPr>
-          <a:xfrm>
-            <a:off x="3984303" y="2673991"/>
-            <a:ext cx="236048" cy="173380"/>
-          </a:xfrm>
-          <a:prstGeom prst="flowChartDecision">
-            <a:avLst/>
-          </a:prstGeom>
-          <a:solidFill>
-            <a:srgbClr val="7030A0"/>
-          </a:solidFill>
-          <a:ln w="19050">
-            <a:solidFill>
-              <a:srgbClr val="7030A0"/>
-            </a:solidFill>
-          </a:ln>
-          <a:effectLst/>
-        </p:spPr>
-        <p:style>
-          <a:lnRef idx="1">
-            <a:schemeClr val="accent6"/>
-          </a:lnRef>
-          <a:fillRef idx="2">
-            <a:schemeClr val="accent6"/>
-          </a:fillRef>
-          <a:effectRef idx="1">
-            <a:schemeClr val="accent6"/>
-          </a:effectRef>
-          <a:fontRef idx="minor">
-            <a:schemeClr val="dk1"/>
-          </a:fontRef>
-        </p:style>
-        <p:txBody>
-          <a:bodyPr rtlCol="0" anchor="ctr"/>
-          <a:lstStyle/>
-          <a:p>
-            <a:pPr algn="ctr"/>
-            <a:endParaRPr lang="en-US" sz="1050"/>
-          </a:p>
-        </p:txBody>
-      </p:sp>
-      <p:cxnSp>
-        <p:nvCxnSpPr>
-          <p:cNvPr id="30" name="Elbow Connector 29"/>
-          <p:cNvCxnSpPr>
-            <a:stCxn id="51" idx="3"/>
-            <a:endCxn id="49" idx="1"/>
-          </p:cNvCxnSpPr>
-          <p:nvPr/>
-        </p:nvCxnSpPr>
-        <p:spPr>
-          <a:xfrm>
-            <a:off x="4220351" y="2760681"/>
-            <a:ext cx="266666" cy="260070"/>
-          </a:xfrm>
-          <a:prstGeom prst="bentConnector3">
-            <a:avLst/>
-          </a:prstGeom>
-          <a:ln w="19050">
-            <a:solidFill>
-              <a:srgbClr val="7030A0"/>
-            </a:solidFill>
-            <a:headEnd type="none" w="med" len="med"/>
-            <a:tailEnd type="arrow" w="med" len="med"/>
-          </a:ln>
-          <a:effectLst/>
-        </p:spPr>
-        <p:style>
-          <a:lnRef idx="1">
-            <a:schemeClr val="accent2"/>
-          </a:lnRef>
-          <a:fillRef idx="2">
-            <a:schemeClr val="accent2"/>
-          </a:fillRef>
-          <a:effectRef idx="1">
-            <a:schemeClr val="accent2"/>
-          </a:effectRef>
-          <a:fontRef idx="minor">
-            <a:schemeClr val="dk1"/>
-          </a:fontRef>
-        </p:style>
-      </p:cxnSp>
-      <p:sp>
-        <p:nvSpPr>
-          <p:cNvPr id="62" name="Rectangle 8"/>
-          <p:cNvSpPr/>
-          <p:nvPr/>
-        </p:nvSpPr>
-        <p:spPr>
-          <a:xfrm>
-            <a:off x="6313677" y="2858066"/>
-            <a:ext cx="708186" cy="346760"/>
-          </a:xfrm>
-          <a:prstGeom prst="rect">
-            <a:avLst/>
-          </a:prstGeom>
-          <a:ln w="19050">
-            <a:solidFill>
-              <a:srgbClr val="7030A0"/>
-            </a:solidFill>
-          </a:ln>
-          <a:effectLst/>
-        </p:spPr>
-        <p:style>
-          <a:lnRef idx="1">
-            <a:schemeClr val="accent4"/>
-          </a:lnRef>
-          <a:fillRef idx="2">
-            <a:schemeClr val="accent4"/>
-          </a:fillRef>
-          <a:effectRef idx="1">
-            <a:schemeClr val="accent4"/>
-          </a:effectRef>
-          <a:fontRef idx="minor">
-            <a:schemeClr val="dk1"/>
-          </a:fontRef>
-        </p:style>
-        <p:txBody>
-          <a:bodyPr rtlCol="0" anchor="ctr"/>
-          <a:lstStyle/>
-          <a:p>
-            <a:pPr algn="ctr"/>
-            <a:r>
-              <a:rPr lang="en-US" sz="1050" dirty="0" smtClean="0">
-                <a:solidFill>
-                  <a:srgbClr val="7030A0"/>
-                </a:solidFill>
-              </a:rPr>
-              <a:t>Activity</a:t>
-            </a:r>
-            <a:endParaRPr lang="en-SG" sz="1050" dirty="0">
-              <a:solidFill>
-                <a:srgbClr val="7030A0"/>
-              </a:solidFill>
-            </a:endParaRPr>
-          </a:p>
-        </p:txBody>
-      </p:sp>
-      <p:sp>
-        <p:nvSpPr>
-          <p:cNvPr id="63" name="Flowchart: Decision 96"/>
-          <p:cNvSpPr/>
-          <p:nvPr/>
-        </p:nvSpPr>
-        <p:spPr>
-          <a:xfrm>
-            <a:off x="5723627" y="2942093"/>
-            <a:ext cx="236048" cy="173380"/>
-          </a:xfrm>
-          <a:prstGeom prst="flowChartDecision">
-            <a:avLst/>
-          </a:prstGeom>
-          <a:noFill/>
-          <a:ln w="19050">
-            <a:solidFill>
-              <a:srgbClr val="7030A0"/>
-            </a:solidFill>
-          </a:ln>
-          <a:effectLst/>
-        </p:spPr>
-        <p:style>
-          <a:lnRef idx="1">
-            <a:schemeClr val="accent6"/>
-          </a:lnRef>
-          <a:fillRef idx="2">
-            <a:schemeClr val="accent6"/>
-          </a:fillRef>
-          <a:effectRef idx="1">
-            <a:schemeClr val="accent6"/>
-          </a:effectRef>
-          <a:fontRef idx="minor">
-            <a:schemeClr val="dk1"/>
-          </a:fontRef>
-        </p:style>
-        <p:txBody>
-          <a:bodyPr rtlCol="0" anchor="ctr"/>
-          <a:lstStyle/>
-          <a:p>
-            <a:pPr algn="ctr"/>
-            <a:endParaRPr lang="en-US" sz="1050"/>
-          </a:p>
-        </p:txBody>
-      </p:sp>
-      <p:cxnSp>
-        <p:nvCxnSpPr>
-          <p:cNvPr id="64" name="Elbow Connector 63"/>
-          <p:cNvCxnSpPr>
-            <a:stCxn id="63" idx="3"/>
-            <a:endCxn id="62" idx="1"/>
-          </p:cNvCxnSpPr>
-          <p:nvPr/>
-        </p:nvCxnSpPr>
-        <p:spPr>
-          <a:xfrm>
-            <a:off x="5959675" y="3028783"/>
-            <a:ext cx="354002" cy="2663"/>
-          </a:xfrm>
-          <a:prstGeom prst="bentConnector3">
-            <a:avLst/>
-          </a:prstGeom>
-          <a:ln w="19050">
-            <a:solidFill>
-              <a:srgbClr val="7030A0"/>
-            </a:solidFill>
-            <a:headEnd type="none" w="med" len="med"/>
-            <a:tailEnd type="arrow" w="med" len="med"/>
-          </a:ln>
-          <a:effectLst/>
-        </p:spPr>
-        <p:style>
-          <a:lnRef idx="1">
-            <a:schemeClr val="accent2"/>
-          </a:lnRef>
-          <a:fillRef idx="2">
-            <a:schemeClr val="accent2"/>
-          </a:fillRef>
-          <a:effectRef idx="1">
-            <a:schemeClr val="accent2"/>
-          </a:effectRef>
-          <a:fontRef idx="minor">
-            <a:schemeClr val="dk1"/>
-          </a:fontRef>
-        </p:style>
-      </p:cxnSp>
-      <p:sp>
-        <p:nvSpPr>
-          <p:cNvPr id="72" name="Rectangle 8"/>
-          <p:cNvSpPr/>
-          <p:nvPr/>
-        </p:nvSpPr>
-        <p:spPr>
-          <a:xfrm>
-            <a:off x="5128257" y="3429000"/>
-            <a:ext cx="1156969" cy="346760"/>
-          </a:xfrm>
-          <a:prstGeom prst="rect">
-            <a:avLst/>
-          </a:prstGeom>
-          <a:ln w="19050">
-            <a:solidFill>
-              <a:srgbClr val="7030A0"/>
-            </a:solidFill>
-          </a:ln>
-          <a:effectLst/>
-        </p:spPr>
-        <p:style>
-          <a:lnRef idx="1">
-            <a:schemeClr val="accent4"/>
-          </a:lnRef>
-          <a:fillRef idx="2">
-            <a:schemeClr val="accent4"/>
-          </a:fillRef>
-          <a:effectRef idx="1">
-            <a:schemeClr val="accent4"/>
-          </a:effectRef>
-          <a:fontRef idx="minor">
-            <a:schemeClr val="dk1"/>
-          </a:fontRef>
-        </p:style>
-        <p:txBody>
-          <a:bodyPr rtlCol="0" anchor="ctr"/>
-          <a:lstStyle/>
-          <a:p>
-            <a:pPr algn="ctr"/>
-            <a:r>
-              <a:rPr lang="en-US" sz="1050" dirty="0" smtClean="0">
-                <a:solidFill>
-                  <a:srgbClr val="7030A0"/>
-                </a:solidFill>
-              </a:rPr>
-              <a:t>&lt;&lt;interface&gt;&gt;</a:t>
-            </a:r>
-            <a:br>
-              <a:rPr lang="en-US" sz="1050" dirty="0" smtClean="0">
-                <a:solidFill>
-                  <a:srgbClr val="7030A0"/>
-                </a:solidFill>
-              </a:rPr>
-            </a:br>
-            <a:r>
-              <a:rPr lang="en-US" sz="1050" dirty="0" err="1" smtClean="0">
-                <a:solidFill>
-                  <a:srgbClr val="7030A0"/>
-                </a:solidFill>
-              </a:rPr>
-              <a:t>ReadOnlyActivity</a:t>
-            </a:r>
-            <a:endParaRPr lang="en-SG" sz="1050" dirty="0">
-              <a:solidFill>
-                <a:srgbClr val="7030A0"/>
-              </a:solidFill>
-            </a:endParaRPr>
-          </a:p>
-        </p:txBody>
-      </p:sp>
-      <p:sp>
-        <p:nvSpPr>
-          <p:cNvPr id="76" name="Rectangle 8"/>
-          <p:cNvSpPr/>
-          <p:nvPr/>
-        </p:nvSpPr>
-        <p:spPr>
-          <a:xfrm>
-            <a:off x="7712396" y="2564240"/>
-            <a:ext cx="916675" cy="285782"/>
-          </a:xfrm>
-          <a:prstGeom prst="rect">
-            <a:avLst/>
-          </a:prstGeom>
-          <a:ln w="19050">
-            <a:solidFill>
-              <a:srgbClr val="7030A0"/>
-            </a:solidFill>
-          </a:ln>
-          <a:effectLst/>
-        </p:spPr>
-        <p:style>
-          <a:lnRef idx="1">
-            <a:schemeClr val="accent4"/>
-          </a:lnRef>
-          <a:fillRef idx="2">
-            <a:schemeClr val="accent4"/>
-          </a:fillRef>
-          <a:effectRef idx="1">
-            <a:schemeClr val="accent4"/>
-          </a:effectRef>
-          <a:fontRef idx="minor">
-            <a:schemeClr val="dk1"/>
-          </a:fontRef>
-        </p:style>
-        <p:txBody>
-          <a:bodyPr rtlCol="0" anchor="ctr"/>
-          <a:lstStyle/>
-          <a:p>
-            <a:pPr algn="ctr"/>
-            <a:r>
-              <a:rPr lang="en-US" sz="1050" dirty="0" err="1" smtClean="0">
-                <a:solidFill>
-                  <a:srgbClr val="7030A0"/>
-                </a:solidFill>
-              </a:rPr>
-              <a:t>ActivityType</a:t>
-            </a:r>
-            <a:endParaRPr lang="en-SG" sz="1050" dirty="0">
-              <a:solidFill>
-                <a:srgbClr val="7030A0"/>
-              </a:solidFill>
-            </a:endParaRPr>
-          </a:p>
-        </p:txBody>
-      </p:sp>
-      <p:sp>
-        <p:nvSpPr>
-          <p:cNvPr id="78" name="Flowchart: Decision 96"/>
-          <p:cNvSpPr/>
-          <p:nvPr/>
-        </p:nvSpPr>
-        <p:spPr>
-          <a:xfrm>
-            <a:off x="7041947" y="2948201"/>
-            <a:ext cx="236048" cy="173380"/>
-          </a:xfrm>
-          <a:prstGeom prst="flowChartDecision">
-            <a:avLst/>
-          </a:prstGeom>
-          <a:solidFill>
-            <a:srgbClr val="7030A0"/>
-          </a:solidFill>
-          <a:ln w="19050">
-            <a:solidFill>
-              <a:srgbClr val="7030A0"/>
-            </a:solidFill>
-          </a:ln>
-          <a:effectLst/>
-        </p:spPr>
-        <p:style>
-          <a:lnRef idx="1">
-            <a:schemeClr val="accent6"/>
-          </a:lnRef>
-          <a:fillRef idx="2">
-            <a:schemeClr val="accent6"/>
-          </a:fillRef>
-          <a:effectRef idx="1">
-            <a:schemeClr val="accent6"/>
-          </a:effectRef>
-          <a:fontRef idx="minor">
-            <a:schemeClr val="dk1"/>
-          </a:fontRef>
-        </p:style>
-        <p:txBody>
-          <a:bodyPr rtlCol="0" anchor="ctr"/>
-          <a:lstStyle/>
-          <a:p>
-            <a:pPr algn="ctr"/>
-            <a:endParaRPr lang="en-US" sz="1050"/>
-          </a:p>
-        </p:txBody>
-      </p:sp>
-      <p:cxnSp>
-        <p:nvCxnSpPr>
-          <p:cNvPr id="79" name="Elbow Connector 78"/>
-          <p:cNvCxnSpPr>
-            <a:stCxn id="78" idx="3"/>
-            <a:endCxn id="76" idx="1"/>
-          </p:cNvCxnSpPr>
-          <p:nvPr/>
-        </p:nvCxnSpPr>
-        <p:spPr>
-          <a:xfrm flipV="1">
-            <a:off x="7277995" y="2707131"/>
-            <a:ext cx="434401" cy="327760"/>
-          </a:xfrm>
-          <a:prstGeom prst="bentConnector3">
-            <a:avLst/>
-          </a:prstGeom>
-          <a:ln w="19050">
-            <a:solidFill>
-              <a:srgbClr val="7030A0"/>
-            </a:solidFill>
-            <a:headEnd type="none" w="med" len="med"/>
-            <a:tailEnd type="arrow" w="med" len="med"/>
-          </a:ln>
-          <a:effectLst/>
-        </p:spPr>
-        <p:style>
-          <a:lnRef idx="1">
-            <a:schemeClr val="accent2"/>
-          </a:lnRef>
-          <a:fillRef idx="2">
-            <a:schemeClr val="accent2"/>
-          </a:fillRef>
-          <a:effectRef idx="1">
-            <a:schemeClr val="accent2"/>
-          </a:effectRef>
-          <a:fontRef idx="minor">
-            <a:schemeClr val="dk1"/>
-          </a:fontRef>
-        </p:style>
-      </p:cxnSp>
-      <p:sp>
-        <p:nvSpPr>
-          <p:cNvPr id="80" name="Rectangle 8"/>
-          <p:cNvSpPr/>
-          <p:nvPr/>
-        </p:nvSpPr>
-        <p:spPr>
-          <a:xfrm>
-            <a:off x="7712396" y="2904800"/>
-            <a:ext cx="943475" cy="268199"/>
-          </a:xfrm>
-          <a:prstGeom prst="rect">
-            <a:avLst/>
-          </a:prstGeom>
-          <a:ln w="19050">
-            <a:solidFill>
-              <a:srgbClr val="7030A0"/>
-            </a:solidFill>
-          </a:ln>
-          <a:effectLst/>
-        </p:spPr>
-        <p:style>
-          <a:lnRef idx="1">
-            <a:schemeClr val="accent4"/>
-          </a:lnRef>
-          <a:fillRef idx="2">
-            <a:schemeClr val="accent4"/>
-          </a:fillRef>
-          <a:effectRef idx="1">
-            <a:schemeClr val="accent4"/>
-          </a:effectRef>
-          <a:fontRef idx="minor">
-            <a:schemeClr val="dk1"/>
-          </a:fontRef>
-        </p:style>
-        <p:txBody>
-          <a:bodyPr rtlCol="0" anchor="ctr"/>
-          <a:lstStyle/>
-          <a:p>
-            <a:pPr algn="ctr"/>
-            <a:r>
-              <a:rPr lang="en-US" sz="1050" dirty="0" err="1" smtClean="0">
-                <a:solidFill>
-                  <a:srgbClr val="7030A0"/>
-                </a:solidFill>
-              </a:rPr>
-              <a:t>ActivityName</a:t>
-            </a:r>
-            <a:endParaRPr lang="en-SG" sz="1050" dirty="0">
-              <a:solidFill>
-                <a:srgbClr val="7030A0"/>
-              </a:solidFill>
-            </a:endParaRPr>
-          </a:p>
-        </p:txBody>
-      </p:sp>
-      <p:cxnSp>
-        <p:nvCxnSpPr>
-          <p:cNvPr id="81" name="Elbow Connector 80"/>
-          <p:cNvCxnSpPr>
-            <a:stCxn id="78" idx="3"/>
-            <a:endCxn id="80" idx="1"/>
-          </p:cNvCxnSpPr>
-          <p:nvPr/>
-        </p:nvCxnSpPr>
-        <p:spPr>
-          <a:xfrm>
-            <a:off x="7277995" y="3034891"/>
-            <a:ext cx="434401" cy="4009"/>
-          </a:xfrm>
-          <a:prstGeom prst="bentConnector3">
-            <a:avLst/>
-          </a:prstGeom>
-          <a:ln w="19050">
-            <a:solidFill>
-              <a:srgbClr val="7030A0"/>
-            </a:solidFill>
-            <a:headEnd type="none" w="med" len="med"/>
-            <a:tailEnd type="arrow" w="med" len="med"/>
-          </a:ln>
-          <a:effectLst/>
-        </p:spPr>
-        <p:style>
-          <a:lnRef idx="1">
-            <a:schemeClr val="accent2"/>
-          </a:lnRef>
-          <a:fillRef idx="2">
-            <a:schemeClr val="accent2"/>
-          </a:fillRef>
-          <a:effectRef idx="1">
-            <a:schemeClr val="accent2"/>
-          </a:effectRef>
-          <a:fontRef idx="minor">
-            <a:schemeClr val="dk1"/>
-          </a:fontRef>
-        </p:style>
-      </p:cxnSp>
-      <p:sp>
-        <p:nvSpPr>
-          <p:cNvPr id="83" name="Rectangle 8"/>
-          <p:cNvSpPr/>
-          <p:nvPr/>
-        </p:nvSpPr>
-        <p:spPr>
-          <a:xfrm>
-            <a:off x="7712397" y="3210194"/>
-            <a:ext cx="708186" cy="285783"/>
-          </a:xfrm>
-          <a:prstGeom prst="rect">
-            <a:avLst/>
-          </a:prstGeom>
-          <a:ln w="19050">
-            <a:solidFill>
-              <a:srgbClr val="7030A0"/>
-            </a:solidFill>
-          </a:ln>
-          <a:effectLst/>
-        </p:spPr>
-        <p:style>
-          <a:lnRef idx="1">
-            <a:schemeClr val="accent4"/>
-          </a:lnRef>
-          <a:fillRef idx="2">
-            <a:schemeClr val="accent4"/>
-          </a:fillRef>
-          <a:effectRef idx="1">
-            <a:schemeClr val="accent4"/>
-          </a:effectRef>
-          <a:fontRef idx="minor">
-            <a:schemeClr val="dk1"/>
-          </a:fontRef>
-        </p:style>
-        <p:txBody>
-          <a:bodyPr rtlCol="0" anchor="ctr"/>
-          <a:lstStyle/>
-          <a:p>
-            <a:pPr algn="ctr"/>
-            <a:r>
-              <a:rPr lang="en-US" sz="1050" dirty="0" smtClean="0">
-                <a:solidFill>
-                  <a:srgbClr val="7030A0"/>
-                </a:solidFill>
-              </a:rPr>
-              <a:t>Note</a:t>
-            </a:r>
-            <a:endParaRPr lang="en-SG" sz="1050" dirty="0">
-              <a:solidFill>
-                <a:srgbClr val="7030A0"/>
-              </a:solidFill>
-            </a:endParaRPr>
-          </a:p>
-        </p:txBody>
-      </p:sp>
-      <p:cxnSp>
-        <p:nvCxnSpPr>
-          <p:cNvPr id="84" name="Elbow Connector 83"/>
-          <p:cNvCxnSpPr>
-            <a:stCxn id="78" idx="3"/>
-            <a:endCxn id="83" idx="1"/>
-          </p:cNvCxnSpPr>
-          <p:nvPr/>
-        </p:nvCxnSpPr>
-        <p:spPr>
-          <a:xfrm>
-            <a:off x="7277995" y="3034891"/>
-            <a:ext cx="434402" cy="318195"/>
-          </a:xfrm>
-          <a:prstGeom prst="bentConnector3">
-            <a:avLst/>
-          </a:prstGeom>
-          <a:ln w="19050">
-            <a:solidFill>
-              <a:srgbClr val="7030A0"/>
-            </a:solidFill>
-            <a:headEnd type="none" w="med" len="med"/>
-            <a:tailEnd type="arrow" w="med" len="med"/>
-          </a:ln>
-          <a:effectLst/>
-        </p:spPr>
-        <p:style>
-          <a:lnRef idx="1">
-            <a:schemeClr val="accent2"/>
-          </a:lnRef>
-          <a:fillRef idx="2">
-            <a:schemeClr val="accent2"/>
-          </a:fillRef>
-          <a:effectRef idx="1">
-            <a:schemeClr val="accent2"/>
-          </a:effectRef>
-          <a:fontRef idx="minor">
-            <a:schemeClr val="dk1"/>
-          </a:fontRef>
-        </p:style>
-      </p:cxnSp>
-      <p:sp>
-        <p:nvSpPr>
-          <p:cNvPr id="85" name="Rectangle 8"/>
-          <p:cNvSpPr/>
-          <p:nvPr/>
-        </p:nvSpPr>
-        <p:spPr>
-          <a:xfrm>
-            <a:off x="7712396" y="3533172"/>
-            <a:ext cx="822003" cy="282736"/>
-          </a:xfrm>
-          <a:prstGeom prst="rect">
-            <a:avLst/>
-          </a:prstGeom>
-          <a:ln w="19050">
-            <a:solidFill>
-              <a:srgbClr val="7030A0"/>
-            </a:solidFill>
-          </a:ln>
-          <a:effectLst/>
-        </p:spPr>
-        <p:style>
-          <a:lnRef idx="1">
-            <a:schemeClr val="accent4"/>
-          </a:lnRef>
-          <a:fillRef idx="2">
-            <a:schemeClr val="accent4"/>
-          </a:fillRef>
-          <a:effectRef idx="1">
-            <a:schemeClr val="accent4"/>
-          </a:effectRef>
-          <a:fontRef idx="minor">
-            <a:schemeClr val="dk1"/>
-          </a:fontRef>
-        </p:style>
-        <p:txBody>
-          <a:bodyPr rtlCol="0" anchor="ctr"/>
-          <a:lstStyle/>
-          <a:p>
-            <a:pPr algn="ctr"/>
-            <a:r>
-              <a:rPr lang="en-US" sz="1050" dirty="0" smtClean="0">
-                <a:solidFill>
-                  <a:srgbClr val="7030A0"/>
-                </a:solidFill>
-              </a:rPr>
-              <a:t>Completed</a:t>
-            </a:r>
-            <a:endParaRPr lang="en-SG" sz="1050" dirty="0">
-              <a:solidFill>
-                <a:srgbClr val="7030A0"/>
-              </a:solidFill>
-            </a:endParaRPr>
-          </a:p>
-        </p:txBody>
-      </p:sp>
-      <p:cxnSp>
-        <p:nvCxnSpPr>
-          <p:cNvPr id="86" name="Elbow Connector 85"/>
-          <p:cNvCxnSpPr>
-            <a:stCxn id="78" idx="3"/>
-            <a:endCxn id="85" idx="1"/>
-          </p:cNvCxnSpPr>
-          <p:nvPr/>
-        </p:nvCxnSpPr>
-        <p:spPr>
-          <a:xfrm>
-            <a:off x="7277995" y="3034891"/>
-            <a:ext cx="434401" cy="639649"/>
-          </a:xfrm>
-          <a:prstGeom prst="bentConnector3">
-            <a:avLst/>
-          </a:prstGeom>
-          <a:ln w="19050">
-            <a:solidFill>
-              <a:srgbClr val="7030A0"/>
-            </a:solidFill>
-            <a:headEnd type="none" w="med" len="med"/>
-            <a:tailEnd type="arrow" w="med" len="med"/>
-          </a:ln>
-          <a:effectLst/>
-        </p:spPr>
-        <p:style>
-          <a:lnRef idx="1">
-            <a:schemeClr val="accent2"/>
-          </a:lnRef>
-          <a:fillRef idx="2">
-            <a:schemeClr val="accent2"/>
-          </a:fillRef>
-          <a:effectRef idx="1">
-            <a:schemeClr val="accent2"/>
-          </a:effectRef>
-          <a:fontRef idx="minor">
-            <a:schemeClr val="dk1"/>
-          </a:fontRef>
-        </p:style>
-      </p:cxnSp>
-      <p:cxnSp>
-        <p:nvCxnSpPr>
-          <p:cNvPr id="97" name="Elbow Connector 63"/>
-          <p:cNvCxnSpPr>
-            <a:stCxn id="99" idx="3"/>
-          </p:cNvCxnSpPr>
-          <p:nvPr/>
-        </p:nvCxnSpPr>
-        <p:spPr>
-          <a:xfrm rot="16200000" flipH="1">
-            <a:off x="3279321" y="2485431"/>
-            <a:ext cx="293825" cy="1"/>
-          </a:xfrm>
-          <a:prstGeom prst="bentConnector3">
-            <a:avLst>
-              <a:gd name="adj1" fmla="val 50000"/>
-            </a:avLst>
-          </a:prstGeom>
-          <a:ln w="19050">
-            <a:solidFill>
-              <a:srgbClr val="7030A0"/>
-            </a:solidFill>
-            <a:prstDash val="sysDot"/>
-            <a:headEnd type="none" w="med" len="med"/>
-            <a:tailEnd type="none" w="med" len="med"/>
-          </a:ln>
-          <a:effectLst/>
-        </p:spPr>
-        <p:style>
-          <a:lnRef idx="1">
-            <a:schemeClr val="accent2"/>
-          </a:lnRef>
-          <a:fillRef idx="2">
-            <a:schemeClr val="accent2"/>
-          </a:fillRef>
-          <a:effectRef idx="1">
-            <a:schemeClr val="accent2"/>
-          </a:effectRef>
-          <a:fontRef idx="minor">
-            <a:schemeClr val="dk1"/>
-          </a:fontRef>
-        </p:style>
-      </p:cxnSp>
-      <p:sp>
-        <p:nvSpPr>
-          <p:cNvPr id="99" name="Isosceles Triangle 102"/>
-          <p:cNvSpPr/>
-          <p:nvPr/>
-        </p:nvSpPr>
-        <p:spPr>
-          <a:xfrm rot="10800000" flipV="1">
-            <a:off x="3290981" y="2162997"/>
-            <a:ext cx="270504" cy="175523"/>
-          </a:xfrm>
-          <a:prstGeom prst="triangle">
-            <a:avLst/>
-          </a:prstGeom>
-          <a:ln w="19050">
-            <a:solidFill>
-              <a:srgbClr val="7030A0"/>
-            </a:solidFill>
-          </a:ln>
-          <a:effectLst/>
-        </p:spPr>
-        <p:style>
-          <a:lnRef idx="1">
-            <a:schemeClr val="accent4"/>
-          </a:lnRef>
-          <a:fillRef idx="2">
-            <a:schemeClr val="accent4"/>
-          </a:fillRef>
-          <a:effectRef idx="1">
-            <a:schemeClr val="accent4"/>
-          </a:effectRef>
-          <a:fontRef idx="minor">
-            <a:schemeClr val="dk1"/>
-          </a:fontRef>
-        </p:style>
-        <p:txBody>
-          <a:bodyPr rtlCol="0" anchor="ctr"/>
-          <a:lstStyle/>
-          <a:p>
-            <a:pPr algn="ctr"/>
-            <a:endParaRPr lang="en-SG" sz="1050" b="1">
-              <a:solidFill>
-                <a:srgbClr val="92D050"/>
-              </a:solidFill>
-            </a:endParaRPr>
-          </a:p>
-        </p:txBody>
-      </p:sp>
-      <p:sp>
-        <p:nvSpPr>
-          <p:cNvPr id="100" name="Rectangle 8"/>
-          <p:cNvSpPr/>
-          <p:nvPr/>
-        </p:nvSpPr>
-        <p:spPr>
-          <a:xfrm>
-            <a:off x="2660302" y="1806470"/>
-            <a:ext cx="1759297" cy="346760"/>
-          </a:xfrm>
-          <a:prstGeom prst="rect">
-            <a:avLst/>
-          </a:prstGeom>
-          <a:ln w="19050">
-            <a:solidFill>
-              <a:srgbClr val="7030A0"/>
-            </a:solidFill>
-          </a:ln>
-          <a:effectLst/>
-        </p:spPr>
-        <p:style>
-          <a:lnRef idx="1">
-            <a:schemeClr val="accent4"/>
-          </a:lnRef>
-          <a:fillRef idx="2">
-            <a:schemeClr val="accent4"/>
-          </a:fillRef>
-          <a:effectRef idx="1">
-            <a:schemeClr val="accent4"/>
-          </a:effectRef>
-          <a:fontRef idx="minor">
-            <a:schemeClr val="dk1"/>
-          </a:fontRef>
-        </p:style>
-        <p:txBody>
-          <a:bodyPr rtlCol="0" anchor="ctr"/>
-          <a:lstStyle/>
-          <a:p>
-            <a:pPr algn="ctr"/>
-            <a:r>
-              <a:rPr lang="en-US" sz="1050" dirty="0" smtClean="0">
-                <a:solidFill>
-                  <a:srgbClr val="7030A0"/>
-                </a:solidFill>
-              </a:rPr>
-              <a:t>&lt;&lt;interface&gt;&gt;</a:t>
-            </a:r>
-            <a:br>
-              <a:rPr lang="en-US" sz="1050" dirty="0" smtClean="0">
-                <a:solidFill>
-                  <a:srgbClr val="7030A0"/>
-                </a:solidFill>
-              </a:rPr>
-            </a:br>
-            <a:r>
-              <a:rPr lang="en-US" sz="1050" dirty="0" err="1" smtClean="0">
-                <a:solidFill>
-                  <a:srgbClr val="7030A0"/>
-                </a:solidFill>
-              </a:rPr>
-              <a:t>ReadOnlyActivityManager</a:t>
-            </a:r>
-            <a:endParaRPr lang="en-SG" sz="1050" dirty="0">
-              <a:solidFill>
-                <a:srgbClr val="7030A0"/>
-              </a:solidFill>
-            </a:endParaRPr>
-          </a:p>
-        </p:txBody>
-      </p:sp>
-      <p:sp>
-        <p:nvSpPr>
-          <p:cNvPr id="114" name="TextBox 113"/>
-          <p:cNvSpPr txBox="1"/>
-          <p:nvPr/>
-        </p:nvSpPr>
-        <p:spPr>
-          <a:xfrm rot="16200000">
-            <a:off x="6581354" y="3514530"/>
-            <a:ext cx="881018" cy="261610"/>
-          </a:xfrm>
-          <a:prstGeom prst="rect">
-            <a:avLst/>
-          </a:prstGeom>
-          <a:noFill/>
-        </p:spPr>
-        <p:txBody>
-          <a:bodyPr wrap="square" rtlCol="0">
+        </p:spPr>
+        <p:txBody>
+          <a:bodyPr wrap="square" lIns="0" tIns="0" rIns="0" bIns="0" rtlCol="0">
             <a:spAutoFit/>
           </a:bodyPr>
-          <a:lstStyle/>
-          <a:p>
-            <a:pPr algn="r"/>
-            <a:r>
-              <a:rPr lang="en-US" sz="1100" dirty="0" smtClean="0">
-                <a:solidFill>
-                  <a:srgbClr val="7030A0"/>
-                </a:solidFill>
-              </a:rPr>
-              <a:t>filtered list</a:t>
-            </a:r>
-            <a:endParaRPr lang="en-SG" sz="1100" dirty="0">
-              <a:solidFill>
-                <a:srgbClr val="7030A0"/>
-              </a:solidFill>
-            </a:endParaRPr>
-          </a:p>
-        </p:txBody>
-      </p:sp>
-      <p:sp>
-        <p:nvSpPr>
-          <p:cNvPr id="122" name="Rectangle 8"/>
-          <p:cNvSpPr/>
-          <p:nvPr/>
-        </p:nvSpPr>
-        <p:spPr>
-          <a:xfrm>
-            <a:off x="2057400" y="4239491"/>
-            <a:ext cx="1775949" cy="346760"/>
-          </a:xfrm>
-          <a:prstGeom prst="rect">
-            <a:avLst/>
-          </a:prstGeom>
-          <a:ln w="19050">
-            <a:solidFill>
-              <a:srgbClr val="7030A0"/>
-            </a:solidFill>
-          </a:ln>
-          <a:effectLst/>
-        </p:spPr>
-        <p:style>
-          <a:lnRef idx="1">
-            <a:schemeClr val="accent4"/>
-          </a:lnRef>
-          <a:fillRef idx="2">
-            <a:schemeClr val="accent4"/>
-          </a:fillRef>
-          <a:effectRef idx="1">
-            <a:schemeClr val="accent4"/>
-          </a:effectRef>
-          <a:fontRef idx="minor">
-            <a:schemeClr val="dk1"/>
-          </a:fontRef>
-        </p:style>
-        <p:txBody>
-          <a:bodyPr rtlCol="0" anchor="ctr"/>
-          <a:lstStyle/>
-          <a:p>
-            <a:pPr algn="ctr"/>
-            <a:r>
-              <a:rPr lang="en-US" sz="1050" dirty="0" smtClean="0">
-                <a:solidFill>
-                  <a:srgbClr val="7030A0"/>
-                </a:solidFill>
-              </a:rPr>
-              <a:t>&lt;&lt;interface&gt;&gt;</a:t>
-            </a:r>
-            <a:r>
-              <a:rPr lang="en-US" sz="1050" dirty="0">
-                <a:solidFill>
-                  <a:srgbClr val="7030A0"/>
-                </a:solidFill>
-              </a:rPr>
-              <a:t/>
-            </a:r>
-            <a:br>
-              <a:rPr lang="en-US" sz="1050" dirty="0">
-                <a:solidFill>
-                  <a:srgbClr val="7030A0"/>
-                </a:solidFill>
-              </a:rPr>
-            </a:br>
-            <a:r>
-              <a:rPr lang="en-US" sz="1050" dirty="0" err="1" smtClean="0">
-                <a:solidFill>
-                  <a:srgbClr val="7030A0"/>
-                </a:solidFill>
-              </a:rPr>
-              <a:t>UnmodifiableObservableList</a:t>
-            </a:r>
-            <a:endParaRPr lang="en-SG" sz="1050" dirty="0">
-              <a:solidFill>
-                <a:srgbClr val="7030A0"/>
-              </a:solidFill>
-            </a:endParaRPr>
-          </a:p>
-        </p:txBody>
-      </p:sp>
-      <p:cxnSp>
-        <p:nvCxnSpPr>
-          <p:cNvPr id="124" name="Elbow Connector 122"/>
-          <p:cNvCxnSpPr>
-            <a:stCxn id="119" idx="1"/>
-            <a:endCxn id="122" idx="1"/>
-          </p:cNvCxnSpPr>
-          <p:nvPr/>
-        </p:nvCxnSpPr>
-        <p:spPr>
-          <a:xfrm rot="16200000" flipH="1">
-            <a:off x="1364475" y="3719945"/>
-            <a:ext cx="831471" cy="554380"/>
-          </a:xfrm>
-          <a:prstGeom prst="bentConnector2">
-            <a:avLst/>
-          </a:prstGeom>
-          <a:ln w="19050">
-            <a:solidFill>
-              <a:srgbClr val="7030A0"/>
-            </a:solidFill>
-            <a:prstDash val="sysDot"/>
-            <a:headEnd type="none" w="med" len="med"/>
-            <a:tailEnd type="arrow" w="med" len="med"/>
-          </a:ln>
-          <a:effectLst/>
-        </p:spPr>
-        <p:style>
-          <a:lnRef idx="1">
-            <a:schemeClr val="accent2"/>
-          </a:lnRef>
-          <a:fillRef idx="2">
-            <a:schemeClr val="accent2"/>
-          </a:fillRef>
-          <a:effectRef idx="1">
-            <a:schemeClr val="accent2"/>
-          </a:effectRef>
-          <a:fontRef idx="minor">
-            <a:schemeClr val="dk1"/>
-          </a:fontRef>
-        </p:style>
-      </p:cxnSp>
-      <p:sp>
-        <p:nvSpPr>
-          <p:cNvPr id="13" name="TextBox 12"/>
-          <p:cNvSpPr txBox="1"/>
-          <p:nvPr/>
-        </p:nvSpPr>
-        <p:spPr>
-          <a:xfrm>
-            <a:off x="2866327" y="2648407"/>
-            <a:ext cx="1147560" cy="253916"/>
-          </a:xfrm>
-          <a:prstGeom prst="rect">
-            <a:avLst/>
-          </a:prstGeom>
-          <a:noFill/>
-        </p:spPr>
-        <p:txBody>
-          <a:bodyPr wrap="square" rtlCol="0">
-            <a:spAutoFit/>
-          </a:bodyPr>
-          <a:lstStyle/>
-          <a:p>
-            <a:r>
-              <a:rPr lang="en-US" sz="1050" dirty="0" err="1" smtClean="0">
-                <a:solidFill>
-                  <a:srgbClr val="7030A0"/>
-                </a:solidFill>
-              </a:rPr>
-              <a:t>ActivityManager</a:t>
-            </a:r>
-            <a:endParaRPr lang="en-US" sz="1050" dirty="0"/>
+          <a:lstStyle>
+            <a:defPPr>
+              <a:defRPr lang="en-US"/>
+            </a:defPPr>
+            <a:lvl1pPr algn="r">
+              <a:defRPr sz="1400">
+                <a:solidFill>
+                  <a:srgbClr val="0070C0"/>
+                </a:solidFill>
+              </a:defRPr>
+            </a:lvl1pPr>
+          </a:lstStyle>
+          <a:p>
+            <a:r>
+              <a:rPr lang="en-US" sz="900" dirty="0" smtClean="0"/>
+              <a:t>parse</a:t>
+            </a:r>
+            <a:r>
+              <a:rPr lang="en-US" sz="900" dirty="0" smtClean="0"/>
+              <a:t>(“</a:t>
+            </a:r>
+            <a:r>
+              <a:rPr lang="en-US" sz="900" dirty="0" smtClean="0"/>
+              <a:t>task by: tomorrow</a:t>
+            </a:r>
+            <a:r>
+              <a:rPr lang="en-US" sz="900" dirty="0" smtClean="0"/>
+              <a:t>”)</a:t>
+            </a:r>
+            <a:endParaRPr lang="en-US" sz="900" dirty="0"/>
           </a:p>
         </p:txBody>
       </p:sp>
     </p:spTree>
     <p:extLst>
       <p:ext uri="{BB962C8B-B14F-4D97-AF65-F5344CB8AC3E}">
-        <p14:creationId xmlns:p14="http://schemas.microsoft.com/office/powerpoint/2010/main" val="2396968029"/>
+        <p14:creationId xmlns:p14="http://schemas.microsoft.com/office/powerpoint/2010/main" val="140322493"/>
       </p:ext>
     </p:extLst>
   </p:cSld>
   <p:clrMapOvr>
     <a:masterClrMapping/>
   </p:clrMapOvr>
-  <p:timing>
-    <p:tnLst>
-      <p:par>
-        <p:cTn id="1" dur="indefinite" restart="never" nodeType="tmRoot"/>
-      </p:par>
-    </p:tnLst>
-  </p:timing>
 </p:sld>
 </file>
 
@@ -18490,8 +20139,8 @@
         </p:nvSpPr>
         <p:spPr>
           <a:xfrm>
-            <a:off x="609600" y="1524000"/>
-            <a:ext cx="9356122" cy="2409418"/>
+            <a:off x="762000" y="1741246"/>
+            <a:ext cx="8100335" cy="2997200"/>
           </a:xfrm>
           <a:prstGeom prst="roundRect">
             <a:avLst>
@@ -18499,7 +20148,7 @@
             </a:avLst>
           </a:prstGeom>
           <a:solidFill>
-            <a:schemeClr val="accent6">
+            <a:schemeClr val="accent4">
               <a:lumMod val="20000"/>
               <a:lumOff val="80000"/>
             </a:schemeClr>
@@ -18530,18 +20179,14 @@
             <a:r>
               <a:rPr lang="en-US" sz="1200" b="1" dirty="0" smtClean="0">
                 <a:solidFill>
-                  <a:schemeClr val="accent6">
-                    <a:lumMod val="75000"/>
-                  </a:schemeClr>
+                  <a:srgbClr val="7030A0"/>
                 </a:solidFill>
               </a:rPr>
-              <a:t>Storage</a:t>
+              <a:t>Model</a:t>
             </a:r>
             <a:endParaRPr lang="en-SG" sz="1200" b="1" dirty="0">
               <a:solidFill>
-                <a:schemeClr val="accent6">
-                  <a:lumMod val="75000"/>
-                </a:schemeClr>
+                <a:srgbClr val="7030A0"/>
               </a:solidFill>
             </a:endParaRPr>
           </a:p>
@@ -18555,22 +20200,18 @@
         </p:nvSpPr>
         <p:spPr>
           <a:xfrm>
-            <a:off x="2702871" y="3158440"/>
-            <a:ext cx="1516409" cy="346760"/>
+            <a:off x="2877180" y="3158440"/>
+            <a:ext cx="1093635" cy="346760"/>
           </a:xfrm>
           <a:prstGeom prst="rect">
             <a:avLst/>
           </a:prstGeom>
           <a:solidFill>
-            <a:schemeClr val="accent6">
-              <a:lumMod val="75000"/>
-            </a:schemeClr>
+            <a:srgbClr val="7030A0"/>
           </a:solidFill>
           <a:ln w="19050">
             <a:solidFill>
-              <a:schemeClr val="accent6">
-                <a:lumMod val="75000"/>
-              </a:schemeClr>
+              <a:srgbClr val="7030A0"/>
             </a:solidFill>
           </a:ln>
           <a:effectLst/>
@@ -18595,27 +20236,12 @@
           <a:p>
             <a:pPr algn="ctr"/>
             <a:r>
-              <a:rPr lang="en-US" sz="1050" dirty="0" smtClean="0">
+              <a:rPr lang="en-US" sz="1050" dirty="0" err="1" smtClean="0">
                 <a:solidFill>
                   <a:schemeClr val="bg1"/>
                 </a:solidFill>
               </a:rPr>
-              <a:t>&lt;&lt;interface&gt;&gt;</a:t>
-            </a:r>
-            <a:br>
-              <a:rPr lang="en-US" sz="1050" dirty="0" smtClean="0">
-                <a:solidFill>
-                  <a:schemeClr val="bg1"/>
-                </a:solidFill>
-              </a:rPr>
-            </a:br>
-            <a:r>
-              <a:rPr lang="en-US" sz="1050" dirty="0" err="1" smtClean="0">
-                <a:solidFill>
-                  <a:schemeClr val="bg1"/>
-                </a:solidFill>
-              </a:rPr>
-              <a:t>ActivityManagerStorage</a:t>
+              <a:t>UserPref</a:t>
             </a:r>
             <a:endParaRPr lang="en-SG" sz="1050" dirty="0">
               <a:solidFill>
@@ -18633,22 +20259,18 @@
         </p:nvSpPr>
         <p:spPr>
           <a:xfrm rot="16200000">
-            <a:off x="1610243" y="2868687"/>
+            <a:off x="1683963" y="2868687"/>
             <a:ext cx="1093635" cy="346760"/>
           </a:xfrm>
           <a:prstGeom prst="rect">
             <a:avLst/>
           </a:prstGeom>
           <a:solidFill>
-            <a:schemeClr val="accent6">
-              <a:lumMod val="75000"/>
-            </a:schemeClr>
+            <a:srgbClr val="7030A0"/>
           </a:solidFill>
           <a:ln w="19050">
             <a:solidFill>
-              <a:schemeClr val="accent6">
-                <a:lumMod val="75000"/>
-              </a:schemeClr>
+              <a:srgbClr val="7030A0"/>
             </a:solidFill>
           </a:ln>
           <a:effectLst/>
@@ -18678,7 +20300,7 @@
                   <a:schemeClr val="bg1"/>
                 </a:solidFill>
               </a:rPr>
-              <a:t>StorageManager</a:t>
+              <a:t>ModelManager</a:t>
             </a:r>
             <a:endParaRPr lang="en-SG" sz="1050" dirty="0">
               <a:solidFill>
@@ -18688,6 +20310,92 @@
           </a:p>
         </p:txBody>
       </p:sp>
+      <p:cxnSp>
+        <p:nvCxnSpPr>
+          <p:cNvPr id="53" name="Elbow Connector 63"/>
+          <p:cNvCxnSpPr>
+            <a:stCxn id="71" idx="3"/>
+            <a:endCxn id="62" idx="2"/>
+          </p:cNvCxnSpPr>
+          <p:nvPr/>
+        </p:nvCxnSpPr>
+        <p:spPr>
+          <a:xfrm flipV="1">
+            <a:off x="6477000" y="3204826"/>
+            <a:ext cx="190770" cy="405819"/>
+          </a:xfrm>
+          <a:prstGeom prst="bentConnector2">
+            <a:avLst/>
+          </a:prstGeom>
+          <a:ln w="19050">
+            <a:solidFill>
+              <a:srgbClr val="7030A0"/>
+            </a:solidFill>
+            <a:prstDash val="sysDot"/>
+            <a:headEnd type="none" w="med" len="med"/>
+            <a:tailEnd type="none" w="med" len="med"/>
+          </a:ln>
+          <a:effectLst/>
+        </p:spPr>
+        <p:style>
+          <a:lnRef idx="1">
+            <a:schemeClr val="accent2"/>
+          </a:lnRef>
+          <a:fillRef idx="2">
+            <a:schemeClr val="accent2"/>
+          </a:fillRef>
+          <a:effectRef idx="1">
+            <a:schemeClr val="accent2"/>
+          </a:effectRef>
+          <a:fontRef idx="minor">
+            <a:schemeClr val="dk1"/>
+          </a:fontRef>
+        </p:style>
+      </p:cxnSp>
+      <p:cxnSp>
+        <p:nvCxnSpPr>
+          <p:cNvPr id="107" name="Elbow Connector 106"/>
+          <p:cNvCxnSpPr>
+            <a:stCxn id="9" idx="1"/>
+          </p:cNvCxnSpPr>
+          <p:nvPr/>
+        </p:nvCxnSpPr>
+        <p:spPr>
+          <a:xfrm rot="5400000" flipH="1" flipV="1">
+            <a:off x="4360065" y="1080909"/>
+            <a:ext cx="378691" cy="4637261"/>
+          </a:xfrm>
+          <a:prstGeom prst="bentConnector4">
+            <a:avLst>
+              <a:gd name="adj1" fmla="val -101829"/>
+              <a:gd name="adj2" fmla="val 99976"/>
+            </a:avLst>
+          </a:prstGeom>
+          <a:ln w="19050">
+            <a:solidFill>
+              <a:srgbClr val="7030A0"/>
+            </a:solidFill>
+            <a:prstDash val="solid"/>
+            <a:headEnd type="none" w="med" len="med"/>
+            <a:tailEnd type="arrow" w="med" len="med"/>
+          </a:ln>
+          <a:effectLst/>
+        </p:spPr>
+        <p:style>
+          <a:lnRef idx="1">
+            <a:schemeClr val="accent2"/>
+          </a:lnRef>
+          <a:fillRef idx="2">
+            <a:schemeClr val="accent2"/>
+          </a:fillRef>
+          <a:effectRef idx="1">
+            <a:schemeClr val="accent2"/>
+          </a:effectRef>
+          <a:fontRef idx="minor">
+            <a:schemeClr val="dk1"/>
+          </a:fontRef>
+        </p:style>
+      </p:cxnSp>
       <p:sp>
         <p:nvSpPr>
           <p:cNvPr id="119" name="Rectangle 62"/>
@@ -18696,22 +20404,18 @@
         </p:nvSpPr>
         <p:spPr>
           <a:xfrm rot="16200000">
-            <a:off x="882939" y="2868687"/>
+            <a:off x="956202" y="2861202"/>
             <a:ext cx="1093635" cy="346760"/>
           </a:xfrm>
           <a:prstGeom prst="rect">
             <a:avLst/>
           </a:prstGeom>
           <a:solidFill>
-            <a:schemeClr val="accent6">
-              <a:lumMod val="75000"/>
-            </a:schemeClr>
+            <a:srgbClr val="7030A0"/>
           </a:solidFill>
           <a:ln w="19050">
             <a:solidFill>
-              <a:schemeClr val="accent6">
-                <a:lumMod val="75000"/>
-              </a:schemeClr>
+              <a:srgbClr val="7030A0"/>
             </a:solidFill>
           </a:ln>
           <a:effectLst/>
@@ -18752,7 +20456,7 @@
                   <a:schemeClr val="bg1"/>
                 </a:solidFill>
               </a:rPr>
-              <a:t>Storage</a:t>
+              <a:t>Model</a:t>
             </a:r>
             <a:endParaRPr lang="en-SG" sz="1050" dirty="0">
               <a:solidFill>
@@ -18770,35 +20474,31 @@
         </p:nvSpPr>
         <p:spPr>
           <a:xfrm rot="16200000">
-            <a:off x="1554728" y="2952291"/>
+            <a:off x="1626910" y="2952291"/>
             <a:ext cx="270504" cy="175523"/>
           </a:xfrm>
           <a:prstGeom prst="triangle">
             <a:avLst/>
           </a:prstGeom>
           <a:solidFill>
-            <a:schemeClr val="accent6">
-              <a:lumMod val="75000"/>
-            </a:schemeClr>
+            <a:srgbClr val="7030A0"/>
           </a:solidFill>
           <a:ln w="19050">
             <a:solidFill>
-              <a:schemeClr val="accent6">
-                <a:lumMod val="75000"/>
-              </a:schemeClr>
-            </a:solidFill>
-          </a:ln>
-          <a:effectLst/>
-        </p:spPr>
-        <p:style>
-          <a:lnRef idx="1">
-            <a:schemeClr val="accent2"/>
-          </a:lnRef>
-          <a:fillRef idx="2">
-            <a:schemeClr val="accent2"/>
-          </a:fillRef>
-          <a:effectRef idx="1">
-            <a:schemeClr val="accent2"/>
+              <a:srgbClr val="7030A0"/>
+            </a:solidFill>
+          </a:ln>
+          <a:effectLst/>
+        </p:spPr>
+        <p:style>
+          <a:lnRef idx="1">
+            <a:schemeClr val="accent6"/>
+          </a:lnRef>
+          <a:fillRef idx="2">
+            <a:schemeClr val="accent6"/>
+          </a:fillRef>
+          <a:effectRef idx="1">
+            <a:schemeClr val="accent6"/>
           </a:effectRef>
           <a:fontRef idx="minor">
             <a:schemeClr val="dk1"/>
@@ -18809,11 +20509,7 @@
           <a:lstStyle/>
           <a:p>
             <a:pPr algn="ctr"/>
-            <a:endParaRPr lang="en-SG" sz="1050">
-              <a:solidFill>
-                <a:schemeClr val="bg1"/>
-              </a:solidFill>
-            </a:endParaRPr>
+            <a:endParaRPr lang="en-SG" sz="1050"/>
           </a:p>
         </p:txBody>
       </p:sp>
@@ -18827,18 +20523,16 @@
           <p:nvPr/>
         </p:nvCxnSpPr>
         <p:spPr>
-          <a:xfrm flipV="1">
-            <a:off x="2571901" y="3331820"/>
-            <a:ext cx="130970" cy="14838"/>
+          <a:xfrm>
+            <a:off x="2656370" y="3326536"/>
+            <a:ext cx="220810" cy="5284"/>
           </a:xfrm>
           <a:prstGeom prst="straightConnector1">
             <a:avLst/>
           </a:prstGeom>
           <a:ln w="19050">
             <a:solidFill>
-              <a:schemeClr val="accent6">
-                <a:lumMod val="75000"/>
-              </a:schemeClr>
+              <a:srgbClr val="7030A0"/>
             </a:solidFill>
             <a:headEnd type="none" w="med" len="med"/>
             <a:tailEnd type="arrow" w="med" len="med"/>
@@ -18860,6 +20554,57 @@
           </a:fontRef>
         </p:style>
       </p:cxnSp>
+      <p:sp>
+        <p:nvSpPr>
+          <p:cNvPr id="71" name="Isosceles Triangle 102"/>
+          <p:cNvSpPr/>
+          <p:nvPr/>
+        </p:nvSpPr>
+        <p:spPr>
+          <a:xfrm rot="5400000" flipV="1">
+            <a:off x="6253986" y="3522883"/>
+            <a:ext cx="270504" cy="175523"/>
+          </a:xfrm>
+          <a:prstGeom prst="triangle">
+            <a:avLst/>
+          </a:prstGeom>
+          <a:solidFill>
+            <a:srgbClr val="7030A0"/>
+          </a:solidFill>
+          <a:ln w="19050">
+            <a:solidFill>
+              <a:srgbClr val="7030A0"/>
+            </a:solidFill>
+          </a:ln>
+          <a:effectLst/>
+        </p:spPr>
+        <p:style>
+          <a:lnRef idx="1">
+            <a:schemeClr val="accent4"/>
+          </a:lnRef>
+          <a:fillRef idx="2">
+            <a:schemeClr val="accent4"/>
+          </a:fillRef>
+          <a:effectRef idx="1">
+            <a:schemeClr val="accent4"/>
+          </a:effectRef>
+          <a:fontRef idx="minor">
+            <a:schemeClr val="dk1"/>
+          </a:fontRef>
+        </p:style>
+        <p:txBody>
+          <a:bodyPr rtlCol="0" anchor="ctr"/>
+          <a:lstStyle/>
+          <a:p>
+            <a:pPr algn="ctr"/>
+            <a:endParaRPr lang="en-SG" sz="1050" b="1">
+              <a:solidFill>
+                <a:srgbClr val="92D050"/>
+              </a:solidFill>
+            </a:endParaRPr>
+          </a:p>
+        </p:txBody>
+      </p:sp>
       <p:cxnSp>
         <p:nvCxnSpPr>
           <p:cNvPr id="75" name="Elbow Connector 122"/>
@@ -18913,7 +20658,7 @@
         </p:nvCxnSpPr>
         <p:spPr>
           <a:xfrm flipV="1">
-            <a:off x="1777742" y="3040052"/>
+            <a:off x="1849924" y="3040052"/>
             <a:ext cx="216105" cy="1"/>
           </a:xfrm>
           <a:prstGeom prst="line">
@@ -18921,9 +20666,7 @@
           </a:prstGeom>
           <a:ln w="19050">
             <a:solidFill>
-              <a:schemeClr val="accent6">
-                <a:lumMod val="75000"/>
-              </a:schemeClr>
+              <a:srgbClr val="7030A0"/>
             </a:solidFill>
             <a:prstDash val="sysDot"/>
             <a:headEnd type="none" w="med" len="med"/>
@@ -18954,7 +20697,7 @@
         </p:nvSpPr>
         <p:spPr>
           <a:xfrm>
-            <a:off x="2335853" y="3259968"/>
+            <a:off x="2420322" y="3239846"/>
             <a:ext cx="236048" cy="173380"/>
           </a:xfrm>
           <a:prstGeom prst="flowChartDecision">
@@ -18963,22 +20706,20 @@
           <a:noFill/>
           <a:ln w="19050">
             <a:solidFill>
-              <a:schemeClr val="accent6">
-                <a:lumMod val="75000"/>
-              </a:schemeClr>
-            </a:solidFill>
-          </a:ln>
-          <a:effectLst/>
-        </p:spPr>
-        <p:style>
-          <a:lnRef idx="1">
-            <a:schemeClr val="accent2"/>
-          </a:lnRef>
-          <a:fillRef idx="2">
-            <a:schemeClr val="accent2"/>
-          </a:fillRef>
-          <a:effectRef idx="1">
-            <a:schemeClr val="accent2"/>
+              <a:srgbClr val="7030A0"/>
+            </a:solidFill>
+          </a:ln>
+          <a:effectLst/>
+        </p:spPr>
+        <p:style>
+          <a:lnRef idx="1">
+            <a:schemeClr val="accent6"/>
+          </a:lnRef>
+          <a:fillRef idx="2">
+            <a:schemeClr val="accent6"/>
+          </a:fillRef>
+          <a:effectRef idx="1">
+            <a:schemeClr val="accent6"/>
           </a:effectRef>
           <a:fontRef idx="minor">
             <a:schemeClr val="dk1"/>
@@ -18989,27 +20730,948 @@
           <a:lstStyle/>
           <a:p>
             <a:pPr algn="ctr"/>
-            <a:endParaRPr lang="en-US" sz="1050">
+            <a:endParaRPr lang="en-US" sz="1050"/>
+          </a:p>
+        </p:txBody>
+      </p:sp>
+      <p:sp>
+        <p:nvSpPr>
+          <p:cNvPr id="46" name="Rectangle 8"/>
+          <p:cNvSpPr/>
+          <p:nvPr/>
+        </p:nvSpPr>
+        <p:spPr>
+          <a:xfrm>
+            <a:off x="2879490" y="2627420"/>
+            <a:ext cx="1093635" cy="346760"/>
+          </a:xfrm>
+          <a:prstGeom prst="rect">
+            <a:avLst/>
+          </a:prstGeom>
+          <a:ln w="19050">
+            <a:solidFill>
+              <a:srgbClr val="7030A0"/>
+            </a:solidFill>
+          </a:ln>
+          <a:effectLst/>
+        </p:spPr>
+        <p:style>
+          <a:lnRef idx="1">
+            <a:schemeClr val="accent4"/>
+          </a:lnRef>
+          <a:fillRef idx="2">
+            <a:schemeClr val="accent4"/>
+          </a:fillRef>
+          <a:effectRef idx="1">
+            <a:schemeClr val="accent4"/>
+          </a:effectRef>
+          <a:fontRef idx="minor">
+            <a:schemeClr val="dk1"/>
+          </a:fontRef>
+        </p:style>
+        <p:txBody>
+          <a:bodyPr rtlCol="0" anchor="ctr"/>
+          <a:lstStyle/>
+          <a:p>
+            <a:pPr algn="ctr"/>
+            <a:endParaRPr lang="en-SG" sz="1050" dirty="0">
               <a:solidFill>
-                <a:schemeClr val="bg1"/>
+                <a:srgbClr val="7030A0"/>
               </a:solidFill>
             </a:endParaRPr>
           </a:p>
         </p:txBody>
       </p:sp>
+      <p:cxnSp>
+        <p:nvCxnSpPr>
+          <p:cNvPr id="47" name="Straight Arrow Connector 46"/>
+          <p:cNvCxnSpPr>
+            <a:stCxn id="48" idx="3"/>
+            <a:endCxn id="46" idx="1"/>
+          </p:cNvCxnSpPr>
+          <p:nvPr/>
+        </p:nvCxnSpPr>
+        <p:spPr>
+          <a:xfrm>
+            <a:off x="2658680" y="2795516"/>
+            <a:ext cx="220810" cy="5284"/>
+          </a:xfrm>
+          <a:prstGeom prst="straightConnector1">
+            <a:avLst/>
+          </a:prstGeom>
+          <a:ln w="19050">
+            <a:solidFill>
+              <a:srgbClr val="7030A0"/>
+            </a:solidFill>
+            <a:headEnd type="none" w="med" len="med"/>
+            <a:tailEnd type="arrow" w="med" len="med"/>
+          </a:ln>
+          <a:effectLst/>
+        </p:spPr>
+        <p:style>
+          <a:lnRef idx="1">
+            <a:schemeClr val="accent2"/>
+          </a:lnRef>
+          <a:fillRef idx="2">
+            <a:schemeClr val="accent2"/>
+          </a:fillRef>
+          <a:effectRef idx="1">
+            <a:schemeClr val="accent2"/>
+          </a:effectRef>
+          <a:fontRef idx="minor">
+            <a:schemeClr val="dk1"/>
+          </a:fontRef>
+        </p:style>
+      </p:cxnSp>
+      <p:sp>
+        <p:nvSpPr>
+          <p:cNvPr id="48" name="Flowchart: Decision 96"/>
+          <p:cNvSpPr/>
+          <p:nvPr/>
+        </p:nvSpPr>
+        <p:spPr>
+          <a:xfrm>
+            <a:off x="2422632" y="2708826"/>
+            <a:ext cx="236048" cy="173380"/>
+          </a:xfrm>
+          <a:prstGeom prst="flowChartDecision">
+            <a:avLst/>
+          </a:prstGeom>
+          <a:noFill/>
+          <a:ln w="19050">
+            <a:solidFill>
+              <a:srgbClr val="7030A0"/>
+            </a:solidFill>
+          </a:ln>
+          <a:effectLst/>
+        </p:spPr>
+        <p:style>
+          <a:lnRef idx="1">
+            <a:schemeClr val="accent6"/>
+          </a:lnRef>
+          <a:fillRef idx="2">
+            <a:schemeClr val="accent6"/>
+          </a:fillRef>
+          <a:effectRef idx="1">
+            <a:schemeClr val="accent6"/>
+          </a:effectRef>
+          <a:fontRef idx="minor">
+            <a:schemeClr val="dk1"/>
+          </a:fontRef>
+        </p:style>
+        <p:txBody>
+          <a:bodyPr rtlCol="0" anchor="ctr"/>
+          <a:lstStyle/>
+          <a:p>
+            <a:pPr algn="ctr"/>
+            <a:endParaRPr lang="en-US" sz="1050"/>
+          </a:p>
+        </p:txBody>
+      </p:sp>
+      <p:sp>
+        <p:nvSpPr>
+          <p:cNvPr id="49" name="Rectangle 8"/>
+          <p:cNvSpPr/>
+          <p:nvPr/>
+        </p:nvSpPr>
+        <p:spPr>
+          <a:xfrm>
+            <a:off x="4487017" y="2847371"/>
+            <a:ext cx="1229307" cy="346760"/>
+          </a:xfrm>
+          <a:prstGeom prst="rect">
+            <a:avLst/>
+          </a:prstGeom>
+          <a:ln w="19050">
+            <a:solidFill>
+              <a:srgbClr val="7030A0"/>
+            </a:solidFill>
+          </a:ln>
+          <a:effectLst/>
+        </p:spPr>
+        <p:style>
+          <a:lnRef idx="1">
+            <a:schemeClr val="accent4"/>
+          </a:lnRef>
+          <a:fillRef idx="2">
+            <a:schemeClr val="accent4"/>
+          </a:fillRef>
+          <a:effectRef idx="1">
+            <a:schemeClr val="accent4"/>
+          </a:effectRef>
+          <a:fontRef idx="minor">
+            <a:schemeClr val="dk1"/>
+          </a:fontRef>
+        </p:style>
+        <p:txBody>
+          <a:bodyPr rtlCol="0" anchor="ctr"/>
+          <a:lstStyle/>
+          <a:p>
+            <a:pPr algn="ctr"/>
+            <a:r>
+              <a:rPr lang="en-US" sz="1050" dirty="0" err="1" smtClean="0">
+                <a:solidFill>
+                  <a:srgbClr val="7030A0"/>
+                </a:solidFill>
+              </a:rPr>
+              <a:t>UniqueActivityList</a:t>
+            </a:r>
+            <a:endParaRPr lang="en-SG" sz="1050" dirty="0">
+              <a:solidFill>
+                <a:srgbClr val="7030A0"/>
+              </a:solidFill>
+            </a:endParaRPr>
+          </a:p>
+        </p:txBody>
+      </p:sp>
+      <p:sp>
+        <p:nvSpPr>
+          <p:cNvPr id="51" name="Flowchart: Decision 96"/>
+          <p:cNvSpPr/>
+          <p:nvPr/>
+        </p:nvSpPr>
+        <p:spPr>
+          <a:xfrm>
+            <a:off x="3984303" y="2673991"/>
+            <a:ext cx="236048" cy="173380"/>
+          </a:xfrm>
+          <a:prstGeom prst="flowChartDecision">
+            <a:avLst/>
+          </a:prstGeom>
+          <a:solidFill>
+            <a:srgbClr val="7030A0"/>
+          </a:solidFill>
+          <a:ln w="19050">
+            <a:solidFill>
+              <a:srgbClr val="7030A0"/>
+            </a:solidFill>
+          </a:ln>
+          <a:effectLst/>
+        </p:spPr>
+        <p:style>
+          <a:lnRef idx="1">
+            <a:schemeClr val="accent6"/>
+          </a:lnRef>
+          <a:fillRef idx="2">
+            <a:schemeClr val="accent6"/>
+          </a:fillRef>
+          <a:effectRef idx="1">
+            <a:schemeClr val="accent6"/>
+          </a:effectRef>
+          <a:fontRef idx="minor">
+            <a:schemeClr val="dk1"/>
+          </a:fontRef>
+        </p:style>
+        <p:txBody>
+          <a:bodyPr rtlCol="0" anchor="ctr"/>
+          <a:lstStyle/>
+          <a:p>
+            <a:pPr algn="ctr"/>
+            <a:endParaRPr lang="en-US" sz="1050"/>
+          </a:p>
+        </p:txBody>
+      </p:sp>
+      <p:cxnSp>
+        <p:nvCxnSpPr>
+          <p:cNvPr id="30" name="Elbow Connector 29"/>
+          <p:cNvCxnSpPr>
+            <a:stCxn id="51" idx="3"/>
+            <a:endCxn id="49" idx="1"/>
+          </p:cNvCxnSpPr>
+          <p:nvPr/>
+        </p:nvCxnSpPr>
+        <p:spPr>
+          <a:xfrm>
+            <a:off x="4220351" y="2760681"/>
+            <a:ext cx="266666" cy="260070"/>
+          </a:xfrm>
+          <a:prstGeom prst="bentConnector3">
+            <a:avLst/>
+          </a:prstGeom>
+          <a:ln w="19050">
+            <a:solidFill>
+              <a:srgbClr val="7030A0"/>
+            </a:solidFill>
+            <a:headEnd type="none" w="med" len="med"/>
+            <a:tailEnd type="arrow" w="med" len="med"/>
+          </a:ln>
+          <a:effectLst/>
+        </p:spPr>
+        <p:style>
+          <a:lnRef idx="1">
+            <a:schemeClr val="accent2"/>
+          </a:lnRef>
+          <a:fillRef idx="2">
+            <a:schemeClr val="accent2"/>
+          </a:fillRef>
+          <a:effectRef idx="1">
+            <a:schemeClr val="accent2"/>
+          </a:effectRef>
+          <a:fontRef idx="minor">
+            <a:schemeClr val="dk1"/>
+          </a:fontRef>
+        </p:style>
+      </p:cxnSp>
+      <p:sp>
+        <p:nvSpPr>
+          <p:cNvPr id="62" name="Rectangle 8"/>
+          <p:cNvSpPr/>
+          <p:nvPr/>
+        </p:nvSpPr>
+        <p:spPr>
+          <a:xfrm>
+            <a:off x="6313677" y="2858066"/>
+            <a:ext cx="708186" cy="346760"/>
+          </a:xfrm>
+          <a:prstGeom prst="rect">
+            <a:avLst/>
+          </a:prstGeom>
+          <a:ln w="19050">
+            <a:solidFill>
+              <a:srgbClr val="7030A0"/>
+            </a:solidFill>
+          </a:ln>
+          <a:effectLst/>
+        </p:spPr>
+        <p:style>
+          <a:lnRef idx="1">
+            <a:schemeClr val="accent4"/>
+          </a:lnRef>
+          <a:fillRef idx="2">
+            <a:schemeClr val="accent4"/>
+          </a:fillRef>
+          <a:effectRef idx="1">
+            <a:schemeClr val="accent4"/>
+          </a:effectRef>
+          <a:fontRef idx="minor">
+            <a:schemeClr val="dk1"/>
+          </a:fontRef>
+        </p:style>
+        <p:txBody>
+          <a:bodyPr rtlCol="0" anchor="ctr"/>
+          <a:lstStyle/>
+          <a:p>
+            <a:pPr algn="ctr"/>
+            <a:r>
+              <a:rPr lang="en-US" sz="1050" dirty="0" smtClean="0">
+                <a:solidFill>
+                  <a:srgbClr val="7030A0"/>
+                </a:solidFill>
+              </a:rPr>
+              <a:t>Activity</a:t>
+            </a:r>
+            <a:endParaRPr lang="en-SG" sz="1050" dirty="0">
+              <a:solidFill>
+                <a:srgbClr val="7030A0"/>
+              </a:solidFill>
+            </a:endParaRPr>
+          </a:p>
+        </p:txBody>
+      </p:sp>
+      <p:sp>
+        <p:nvSpPr>
+          <p:cNvPr id="63" name="Flowchart: Decision 96"/>
+          <p:cNvSpPr/>
+          <p:nvPr/>
+        </p:nvSpPr>
+        <p:spPr>
+          <a:xfrm>
+            <a:off x="5723627" y="2942093"/>
+            <a:ext cx="236048" cy="173380"/>
+          </a:xfrm>
+          <a:prstGeom prst="flowChartDecision">
+            <a:avLst/>
+          </a:prstGeom>
+          <a:noFill/>
+          <a:ln w="19050">
+            <a:solidFill>
+              <a:srgbClr val="7030A0"/>
+            </a:solidFill>
+          </a:ln>
+          <a:effectLst/>
+        </p:spPr>
+        <p:style>
+          <a:lnRef idx="1">
+            <a:schemeClr val="accent6"/>
+          </a:lnRef>
+          <a:fillRef idx="2">
+            <a:schemeClr val="accent6"/>
+          </a:fillRef>
+          <a:effectRef idx="1">
+            <a:schemeClr val="accent6"/>
+          </a:effectRef>
+          <a:fontRef idx="minor">
+            <a:schemeClr val="dk1"/>
+          </a:fontRef>
+        </p:style>
+        <p:txBody>
+          <a:bodyPr rtlCol="0" anchor="ctr"/>
+          <a:lstStyle/>
+          <a:p>
+            <a:pPr algn="ctr"/>
+            <a:endParaRPr lang="en-US" sz="1050"/>
+          </a:p>
+        </p:txBody>
+      </p:sp>
+      <p:cxnSp>
+        <p:nvCxnSpPr>
+          <p:cNvPr id="64" name="Elbow Connector 63"/>
+          <p:cNvCxnSpPr>
+            <a:stCxn id="63" idx="3"/>
+            <a:endCxn id="62" idx="1"/>
+          </p:cNvCxnSpPr>
+          <p:nvPr/>
+        </p:nvCxnSpPr>
+        <p:spPr>
+          <a:xfrm>
+            <a:off x="5959675" y="3028783"/>
+            <a:ext cx="354002" cy="2663"/>
+          </a:xfrm>
+          <a:prstGeom prst="bentConnector3">
+            <a:avLst/>
+          </a:prstGeom>
+          <a:ln w="19050">
+            <a:solidFill>
+              <a:srgbClr val="7030A0"/>
+            </a:solidFill>
+            <a:headEnd type="none" w="med" len="med"/>
+            <a:tailEnd type="arrow" w="med" len="med"/>
+          </a:ln>
+          <a:effectLst/>
+        </p:spPr>
+        <p:style>
+          <a:lnRef idx="1">
+            <a:schemeClr val="accent2"/>
+          </a:lnRef>
+          <a:fillRef idx="2">
+            <a:schemeClr val="accent2"/>
+          </a:fillRef>
+          <a:effectRef idx="1">
+            <a:schemeClr val="accent2"/>
+          </a:effectRef>
+          <a:fontRef idx="minor">
+            <a:schemeClr val="dk1"/>
+          </a:fontRef>
+        </p:style>
+      </p:cxnSp>
+      <p:sp>
+        <p:nvSpPr>
+          <p:cNvPr id="72" name="Rectangle 8"/>
+          <p:cNvSpPr/>
+          <p:nvPr/>
+        </p:nvSpPr>
+        <p:spPr>
+          <a:xfrm>
+            <a:off x="5128257" y="3429000"/>
+            <a:ext cx="1156969" cy="346760"/>
+          </a:xfrm>
+          <a:prstGeom prst="rect">
+            <a:avLst/>
+          </a:prstGeom>
+          <a:ln w="19050">
+            <a:solidFill>
+              <a:srgbClr val="7030A0"/>
+            </a:solidFill>
+          </a:ln>
+          <a:effectLst/>
+        </p:spPr>
+        <p:style>
+          <a:lnRef idx="1">
+            <a:schemeClr val="accent4"/>
+          </a:lnRef>
+          <a:fillRef idx="2">
+            <a:schemeClr val="accent4"/>
+          </a:fillRef>
+          <a:effectRef idx="1">
+            <a:schemeClr val="accent4"/>
+          </a:effectRef>
+          <a:fontRef idx="minor">
+            <a:schemeClr val="dk1"/>
+          </a:fontRef>
+        </p:style>
+        <p:txBody>
+          <a:bodyPr rtlCol="0" anchor="ctr"/>
+          <a:lstStyle/>
+          <a:p>
+            <a:pPr algn="ctr"/>
+            <a:r>
+              <a:rPr lang="en-US" sz="1050" dirty="0" smtClean="0">
+                <a:solidFill>
+                  <a:srgbClr val="7030A0"/>
+                </a:solidFill>
+              </a:rPr>
+              <a:t>&lt;&lt;interface&gt;&gt;</a:t>
+            </a:r>
+            <a:br>
+              <a:rPr lang="en-US" sz="1050" dirty="0" smtClean="0">
+                <a:solidFill>
+                  <a:srgbClr val="7030A0"/>
+                </a:solidFill>
+              </a:rPr>
+            </a:br>
+            <a:r>
+              <a:rPr lang="en-US" sz="1050" dirty="0" err="1" smtClean="0">
+                <a:solidFill>
+                  <a:srgbClr val="7030A0"/>
+                </a:solidFill>
+              </a:rPr>
+              <a:t>ReadOnlyActivity</a:t>
+            </a:r>
+            <a:endParaRPr lang="en-SG" sz="1050" dirty="0">
+              <a:solidFill>
+                <a:srgbClr val="7030A0"/>
+              </a:solidFill>
+            </a:endParaRPr>
+          </a:p>
+        </p:txBody>
+      </p:sp>
+      <p:sp>
+        <p:nvSpPr>
+          <p:cNvPr id="76" name="Rectangle 8"/>
+          <p:cNvSpPr/>
+          <p:nvPr/>
+        </p:nvSpPr>
+        <p:spPr>
+          <a:xfrm>
+            <a:off x="7712396" y="2564240"/>
+            <a:ext cx="916675" cy="285782"/>
+          </a:xfrm>
+          <a:prstGeom prst="rect">
+            <a:avLst/>
+          </a:prstGeom>
+          <a:ln w="19050">
+            <a:solidFill>
+              <a:srgbClr val="7030A0"/>
+            </a:solidFill>
+          </a:ln>
+          <a:effectLst/>
+        </p:spPr>
+        <p:style>
+          <a:lnRef idx="1">
+            <a:schemeClr val="accent4"/>
+          </a:lnRef>
+          <a:fillRef idx="2">
+            <a:schemeClr val="accent4"/>
+          </a:fillRef>
+          <a:effectRef idx="1">
+            <a:schemeClr val="accent4"/>
+          </a:effectRef>
+          <a:fontRef idx="minor">
+            <a:schemeClr val="dk1"/>
+          </a:fontRef>
+        </p:style>
+        <p:txBody>
+          <a:bodyPr rtlCol="0" anchor="ctr"/>
+          <a:lstStyle/>
+          <a:p>
+            <a:pPr algn="ctr"/>
+            <a:r>
+              <a:rPr lang="en-US" sz="1050" dirty="0" err="1" smtClean="0">
+                <a:solidFill>
+                  <a:srgbClr val="7030A0"/>
+                </a:solidFill>
+              </a:rPr>
+              <a:t>ActivityType</a:t>
+            </a:r>
+            <a:endParaRPr lang="en-SG" sz="1050" dirty="0">
+              <a:solidFill>
+                <a:srgbClr val="7030A0"/>
+              </a:solidFill>
+            </a:endParaRPr>
+          </a:p>
+        </p:txBody>
+      </p:sp>
+      <p:sp>
+        <p:nvSpPr>
+          <p:cNvPr id="78" name="Flowchart: Decision 96"/>
+          <p:cNvSpPr/>
+          <p:nvPr/>
+        </p:nvSpPr>
+        <p:spPr>
+          <a:xfrm>
+            <a:off x="7041947" y="2948201"/>
+            <a:ext cx="236048" cy="173380"/>
+          </a:xfrm>
+          <a:prstGeom prst="flowChartDecision">
+            <a:avLst/>
+          </a:prstGeom>
+          <a:solidFill>
+            <a:srgbClr val="7030A0"/>
+          </a:solidFill>
+          <a:ln w="19050">
+            <a:solidFill>
+              <a:srgbClr val="7030A0"/>
+            </a:solidFill>
+          </a:ln>
+          <a:effectLst/>
+        </p:spPr>
+        <p:style>
+          <a:lnRef idx="1">
+            <a:schemeClr val="accent6"/>
+          </a:lnRef>
+          <a:fillRef idx="2">
+            <a:schemeClr val="accent6"/>
+          </a:fillRef>
+          <a:effectRef idx="1">
+            <a:schemeClr val="accent6"/>
+          </a:effectRef>
+          <a:fontRef idx="minor">
+            <a:schemeClr val="dk1"/>
+          </a:fontRef>
+        </p:style>
+        <p:txBody>
+          <a:bodyPr rtlCol="0" anchor="ctr"/>
+          <a:lstStyle/>
+          <a:p>
+            <a:pPr algn="ctr"/>
+            <a:endParaRPr lang="en-US" sz="1050"/>
+          </a:p>
+        </p:txBody>
+      </p:sp>
+      <p:cxnSp>
+        <p:nvCxnSpPr>
+          <p:cNvPr id="79" name="Elbow Connector 78"/>
+          <p:cNvCxnSpPr>
+            <a:stCxn id="78" idx="3"/>
+            <a:endCxn id="76" idx="1"/>
+          </p:cNvCxnSpPr>
+          <p:nvPr/>
+        </p:nvCxnSpPr>
+        <p:spPr>
+          <a:xfrm flipV="1">
+            <a:off x="7277995" y="2707131"/>
+            <a:ext cx="434401" cy="327760"/>
+          </a:xfrm>
+          <a:prstGeom prst="bentConnector3">
+            <a:avLst/>
+          </a:prstGeom>
+          <a:ln w="19050">
+            <a:solidFill>
+              <a:srgbClr val="7030A0"/>
+            </a:solidFill>
+            <a:headEnd type="none" w="med" len="med"/>
+            <a:tailEnd type="arrow" w="med" len="med"/>
+          </a:ln>
+          <a:effectLst/>
+        </p:spPr>
+        <p:style>
+          <a:lnRef idx="1">
+            <a:schemeClr val="accent2"/>
+          </a:lnRef>
+          <a:fillRef idx="2">
+            <a:schemeClr val="accent2"/>
+          </a:fillRef>
+          <a:effectRef idx="1">
+            <a:schemeClr val="accent2"/>
+          </a:effectRef>
+          <a:fontRef idx="minor">
+            <a:schemeClr val="dk1"/>
+          </a:fontRef>
+        </p:style>
+      </p:cxnSp>
+      <p:sp>
+        <p:nvSpPr>
+          <p:cNvPr id="80" name="Rectangle 8"/>
+          <p:cNvSpPr/>
+          <p:nvPr/>
+        </p:nvSpPr>
+        <p:spPr>
+          <a:xfrm>
+            <a:off x="7712396" y="2904800"/>
+            <a:ext cx="943475" cy="268199"/>
+          </a:xfrm>
+          <a:prstGeom prst="rect">
+            <a:avLst/>
+          </a:prstGeom>
+          <a:ln w="19050">
+            <a:solidFill>
+              <a:srgbClr val="7030A0"/>
+            </a:solidFill>
+          </a:ln>
+          <a:effectLst/>
+        </p:spPr>
+        <p:style>
+          <a:lnRef idx="1">
+            <a:schemeClr val="accent4"/>
+          </a:lnRef>
+          <a:fillRef idx="2">
+            <a:schemeClr val="accent4"/>
+          </a:fillRef>
+          <a:effectRef idx="1">
+            <a:schemeClr val="accent4"/>
+          </a:effectRef>
+          <a:fontRef idx="minor">
+            <a:schemeClr val="dk1"/>
+          </a:fontRef>
+        </p:style>
+        <p:txBody>
+          <a:bodyPr rtlCol="0" anchor="ctr"/>
+          <a:lstStyle/>
+          <a:p>
+            <a:pPr algn="ctr"/>
+            <a:r>
+              <a:rPr lang="en-US" sz="1050" dirty="0" err="1" smtClean="0">
+                <a:solidFill>
+                  <a:srgbClr val="7030A0"/>
+                </a:solidFill>
+              </a:rPr>
+              <a:t>ActivityName</a:t>
+            </a:r>
+            <a:endParaRPr lang="en-SG" sz="1050" dirty="0">
+              <a:solidFill>
+                <a:srgbClr val="7030A0"/>
+              </a:solidFill>
+            </a:endParaRPr>
+          </a:p>
+        </p:txBody>
+      </p:sp>
+      <p:cxnSp>
+        <p:nvCxnSpPr>
+          <p:cNvPr id="81" name="Elbow Connector 80"/>
+          <p:cNvCxnSpPr>
+            <a:stCxn id="78" idx="3"/>
+            <a:endCxn id="80" idx="1"/>
+          </p:cNvCxnSpPr>
+          <p:nvPr/>
+        </p:nvCxnSpPr>
+        <p:spPr>
+          <a:xfrm>
+            <a:off x="7277995" y="3034891"/>
+            <a:ext cx="434401" cy="4009"/>
+          </a:xfrm>
+          <a:prstGeom prst="bentConnector3">
+            <a:avLst/>
+          </a:prstGeom>
+          <a:ln w="19050">
+            <a:solidFill>
+              <a:srgbClr val="7030A0"/>
+            </a:solidFill>
+            <a:headEnd type="none" w="med" len="med"/>
+            <a:tailEnd type="arrow" w="med" len="med"/>
+          </a:ln>
+          <a:effectLst/>
+        </p:spPr>
+        <p:style>
+          <a:lnRef idx="1">
+            <a:schemeClr val="accent2"/>
+          </a:lnRef>
+          <a:fillRef idx="2">
+            <a:schemeClr val="accent2"/>
+          </a:fillRef>
+          <a:effectRef idx="1">
+            <a:schemeClr val="accent2"/>
+          </a:effectRef>
+          <a:fontRef idx="minor">
+            <a:schemeClr val="dk1"/>
+          </a:fontRef>
+        </p:style>
+      </p:cxnSp>
+      <p:sp>
+        <p:nvSpPr>
+          <p:cNvPr id="83" name="Rectangle 8"/>
+          <p:cNvSpPr/>
+          <p:nvPr/>
+        </p:nvSpPr>
+        <p:spPr>
+          <a:xfrm>
+            <a:off x="7712397" y="3210194"/>
+            <a:ext cx="708186" cy="285783"/>
+          </a:xfrm>
+          <a:prstGeom prst="rect">
+            <a:avLst/>
+          </a:prstGeom>
+          <a:ln w="19050">
+            <a:solidFill>
+              <a:srgbClr val="7030A0"/>
+            </a:solidFill>
+          </a:ln>
+          <a:effectLst/>
+        </p:spPr>
+        <p:style>
+          <a:lnRef idx="1">
+            <a:schemeClr val="accent4"/>
+          </a:lnRef>
+          <a:fillRef idx="2">
+            <a:schemeClr val="accent4"/>
+          </a:fillRef>
+          <a:effectRef idx="1">
+            <a:schemeClr val="accent4"/>
+          </a:effectRef>
+          <a:fontRef idx="minor">
+            <a:schemeClr val="dk1"/>
+          </a:fontRef>
+        </p:style>
+        <p:txBody>
+          <a:bodyPr rtlCol="0" anchor="ctr"/>
+          <a:lstStyle/>
+          <a:p>
+            <a:pPr algn="ctr"/>
+            <a:r>
+              <a:rPr lang="en-US" sz="1050" dirty="0" smtClean="0">
+                <a:solidFill>
+                  <a:srgbClr val="7030A0"/>
+                </a:solidFill>
+              </a:rPr>
+              <a:t>Note</a:t>
+            </a:r>
+            <a:endParaRPr lang="en-SG" sz="1050" dirty="0">
+              <a:solidFill>
+                <a:srgbClr val="7030A0"/>
+              </a:solidFill>
+            </a:endParaRPr>
+          </a:p>
+        </p:txBody>
+      </p:sp>
+      <p:cxnSp>
+        <p:nvCxnSpPr>
+          <p:cNvPr id="84" name="Elbow Connector 83"/>
+          <p:cNvCxnSpPr>
+            <a:stCxn id="78" idx="3"/>
+            <a:endCxn id="83" idx="1"/>
+          </p:cNvCxnSpPr>
+          <p:nvPr/>
+        </p:nvCxnSpPr>
+        <p:spPr>
+          <a:xfrm>
+            <a:off x="7277995" y="3034891"/>
+            <a:ext cx="434402" cy="318195"/>
+          </a:xfrm>
+          <a:prstGeom prst="bentConnector3">
+            <a:avLst/>
+          </a:prstGeom>
+          <a:ln w="19050">
+            <a:solidFill>
+              <a:srgbClr val="7030A0"/>
+            </a:solidFill>
+            <a:headEnd type="none" w="med" len="med"/>
+            <a:tailEnd type="arrow" w="med" len="med"/>
+          </a:ln>
+          <a:effectLst/>
+        </p:spPr>
+        <p:style>
+          <a:lnRef idx="1">
+            <a:schemeClr val="accent2"/>
+          </a:lnRef>
+          <a:fillRef idx="2">
+            <a:schemeClr val="accent2"/>
+          </a:fillRef>
+          <a:effectRef idx="1">
+            <a:schemeClr val="accent2"/>
+          </a:effectRef>
+          <a:fontRef idx="minor">
+            <a:schemeClr val="dk1"/>
+          </a:fontRef>
+        </p:style>
+      </p:cxnSp>
+      <p:sp>
+        <p:nvSpPr>
+          <p:cNvPr id="85" name="Rectangle 8"/>
+          <p:cNvSpPr/>
+          <p:nvPr/>
+        </p:nvSpPr>
+        <p:spPr>
+          <a:xfrm>
+            <a:off x="7712396" y="3533172"/>
+            <a:ext cx="822003" cy="282736"/>
+          </a:xfrm>
+          <a:prstGeom prst="rect">
+            <a:avLst/>
+          </a:prstGeom>
+          <a:ln w="19050">
+            <a:solidFill>
+              <a:srgbClr val="7030A0"/>
+            </a:solidFill>
+          </a:ln>
+          <a:effectLst/>
+        </p:spPr>
+        <p:style>
+          <a:lnRef idx="1">
+            <a:schemeClr val="accent4"/>
+          </a:lnRef>
+          <a:fillRef idx="2">
+            <a:schemeClr val="accent4"/>
+          </a:fillRef>
+          <a:effectRef idx="1">
+            <a:schemeClr val="accent4"/>
+          </a:effectRef>
+          <a:fontRef idx="minor">
+            <a:schemeClr val="dk1"/>
+          </a:fontRef>
+        </p:style>
+        <p:txBody>
+          <a:bodyPr rtlCol="0" anchor="ctr"/>
+          <a:lstStyle/>
+          <a:p>
+            <a:pPr algn="ctr"/>
+            <a:r>
+              <a:rPr lang="en-US" sz="1050" dirty="0" smtClean="0">
+                <a:solidFill>
+                  <a:srgbClr val="7030A0"/>
+                </a:solidFill>
+              </a:rPr>
+              <a:t>Completed</a:t>
+            </a:r>
+            <a:endParaRPr lang="en-SG" sz="1050" dirty="0">
+              <a:solidFill>
+                <a:srgbClr val="7030A0"/>
+              </a:solidFill>
+            </a:endParaRPr>
+          </a:p>
+        </p:txBody>
+      </p:sp>
+      <p:cxnSp>
+        <p:nvCxnSpPr>
+          <p:cNvPr id="86" name="Elbow Connector 85"/>
+          <p:cNvCxnSpPr>
+            <a:stCxn id="78" idx="3"/>
+            <a:endCxn id="85" idx="1"/>
+          </p:cNvCxnSpPr>
+          <p:nvPr/>
+        </p:nvCxnSpPr>
+        <p:spPr>
+          <a:xfrm>
+            <a:off x="7277995" y="3034891"/>
+            <a:ext cx="434401" cy="639649"/>
+          </a:xfrm>
+          <a:prstGeom prst="bentConnector3">
+            <a:avLst/>
+          </a:prstGeom>
+          <a:ln w="19050">
+            <a:solidFill>
+              <a:srgbClr val="7030A0"/>
+            </a:solidFill>
+            <a:headEnd type="none" w="med" len="med"/>
+            <a:tailEnd type="arrow" w="med" len="med"/>
+          </a:ln>
+          <a:effectLst/>
+        </p:spPr>
+        <p:style>
+          <a:lnRef idx="1">
+            <a:schemeClr val="accent2"/>
+          </a:lnRef>
+          <a:fillRef idx="2">
+            <a:schemeClr val="accent2"/>
+          </a:fillRef>
+          <a:effectRef idx="1">
+            <a:schemeClr val="accent2"/>
+          </a:effectRef>
+          <a:fontRef idx="minor">
+            <a:schemeClr val="dk1"/>
+          </a:fontRef>
+        </p:style>
+      </p:cxnSp>
       <p:cxnSp>
         <p:nvCxnSpPr>
           <p:cNvPr id="97" name="Elbow Connector 63"/>
           <p:cNvCxnSpPr>
             <a:stCxn id="99" idx="3"/>
-            <a:endCxn id="50" idx="1"/>
           </p:cNvCxnSpPr>
           <p:nvPr/>
         </p:nvCxnSpPr>
         <p:spPr>
-          <a:xfrm flipV="1">
-            <a:off x="4398041" y="3331820"/>
-            <a:ext cx="100898" cy="1"/>
+          <a:xfrm rot="16200000" flipH="1">
+            <a:off x="3279321" y="2485431"/>
+            <a:ext cx="293825" cy="1"/>
           </a:xfrm>
           <a:prstGeom prst="bentConnector3">
             <a:avLst>
@@ -19018,9 +21680,7 @@
           </a:prstGeom>
           <a:ln w="19050">
             <a:solidFill>
-              <a:schemeClr val="accent6">
-                <a:lumMod val="75000"/>
-              </a:schemeClr>
+              <a:srgbClr val="7030A0"/>
             </a:solidFill>
             <a:prstDash val="sysDot"/>
             <a:headEnd type="none" w="med" len="med"/>
@@ -19050,36 +21710,29 @@
           <p:nvPr/>
         </p:nvSpPr>
         <p:spPr>
-          <a:xfrm rot="5400000" flipV="1">
-            <a:off x="4175027" y="3244059"/>
+          <a:xfrm rot="10800000" flipV="1">
+            <a:off x="3290981" y="2162997"/>
             <a:ext cx="270504" cy="175523"/>
           </a:xfrm>
           <a:prstGeom prst="triangle">
             <a:avLst/>
           </a:prstGeom>
-          <a:solidFill>
-            <a:schemeClr val="accent6">
-              <a:lumMod val="75000"/>
-            </a:schemeClr>
-          </a:solidFill>
-          <a:ln w="19050">
-            <a:solidFill>
-              <a:schemeClr val="accent6">
-                <a:lumMod val="75000"/>
-              </a:schemeClr>
-            </a:solidFill>
-          </a:ln>
-          <a:effectLst/>
-        </p:spPr>
-        <p:style>
-          <a:lnRef idx="1">
-            <a:schemeClr val="accent2"/>
-          </a:lnRef>
-          <a:fillRef idx="2">
-            <a:schemeClr val="accent2"/>
-          </a:fillRef>
-          <a:effectRef idx="1">
-            <a:schemeClr val="accent2"/>
+          <a:ln w="19050">
+            <a:solidFill>
+              <a:srgbClr val="7030A0"/>
+            </a:solidFill>
+          </a:ln>
+          <a:effectLst/>
+        </p:spPr>
+        <p:style>
+          <a:lnRef idx="1">
+            <a:schemeClr val="accent4"/>
+          </a:lnRef>
+          <a:fillRef idx="2">
+            <a:schemeClr val="accent4"/>
+          </a:fillRef>
+          <a:effectRef idx="1">
+            <a:schemeClr val="accent4"/>
           </a:effectRef>
           <a:fontRef idx="minor">
             <a:schemeClr val="dk1"/>
@@ -19090,9 +21743,198 @@
           <a:lstStyle/>
           <a:p>
             <a:pPr algn="ctr"/>
-            <a:endParaRPr lang="en-SG" sz="1050">
+            <a:endParaRPr lang="en-SG" sz="1050" b="1">
               <a:solidFill>
-                <a:schemeClr val="bg1"/>
+                <a:srgbClr val="92D050"/>
+              </a:solidFill>
+            </a:endParaRPr>
+          </a:p>
+        </p:txBody>
+      </p:sp>
+      <p:sp>
+        <p:nvSpPr>
+          <p:cNvPr id="100" name="Rectangle 8"/>
+          <p:cNvSpPr/>
+          <p:nvPr/>
+        </p:nvSpPr>
+        <p:spPr>
+          <a:xfrm>
+            <a:off x="2660302" y="1806470"/>
+            <a:ext cx="1759297" cy="346760"/>
+          </a:xfrm>
+          <a:prstGeom prst="rect">
+            <a:avLst/>
+          </a:prstGeom>
+          <a:ln w="19050">
+            <a:solidFill>
+              <a:srgbClr val="7030A0"/>
+            </a:solidFill>
+          </a:ln>
+          <a:effectLst/>
+        </p:spPr>
+        <p:style>
+          <a:lnRef idx="1">
+            <a:schemeClr val="accent4"/>
+          </a:lnRef>
+          <a:fillRef idx="2">
+            <a:schemeClr val="accent4"/>
+          </a:fillRef>
+          <a:effectRef idx="1">
+            <a:schemeClr val="accent4"/>
+          </a:effectRef>
+          <a:fontRef idx="minor">
+            <a:schemeClr val="dk1"/>
+          </a:fontRef>
+        </p:style>
+        <p:txBody>
+          <a:bodyPr rtlCol="0" anchor="ctr"/>
+          <a:lstStyle/>
+          <a:p>
+            <a:pPr algn="ctr"/>
+            <a:r>
+              <a:rPr lang="en-US" sz="1050" dirty="0" smtClean="0">
+                <a:solidFill>
+                  <a:srgbClr val="7030A0"/>
+                </a:solidFill>
+              </a:rPr>
+              <a:t>&lt;&lt;interface&gt;&gt;</a:t>
+            </a:r>
+            <a:br>
+              <a:rPr lang="en-US" sz="1050" dirty="0" smtClean="0">
+                <a:solidFill>
+                  <a:srgbClr val="7030A0"/>
+                </a:solidFill>
+              </a:rPr>
+            </a:br>
+            <a:r>
+              <a:rPr lang="en-US" sz="1050" dirty="0" err="1" smtClean="0">
+                <a:solidFill>
+                  <a:srgbClr val="7030A0"/>
+                </a:solidFill>
+              </a:rPr>
+              <a:t>ReadOnlyActivityManager</a:t>
+            </a:r>
+            <a:endParaRPr lang="en-SG" sz="1050" dirty="0">
+              <a:solidFill>
+                <a:srgbClr val="7030A0"/>
+              </a:solidFill>
+            </a:endParaRPr>
+          </a:p>
+        </p:txBody>
+      </p:sp>
+      <p:sp>
+        <p:nvSpPr>
+          <p:cNvPr id="114" name="TextBox 113"/>
+          <p:cNvSpPr txBox="1"/>
+          <p:nvPr/>
+        </p:nvSpPr>
+        <p:spPr>
+          <a:xfrm rot="16200000">
+            <a:off x="6581354" y="3514530"/>
+            <a:ext cx="881018" cy="261610"/>
+          </a:xfrm>
+          <a:prstGeom prst="rect">
+            <a:avLst/>
+          </a:prstGeom>
+          <a:noFill/>
+        </p:spPr>
+        <p:txBody>
+          <a:bodyPr wrap="square" rtlCol="0">
+            <a:spAutoFit/>
+          </a:bodyPr>
+          <a:lstStyle/>
+          <a:p>
+            <a:pPr algn="r"/>
+            <a:r>
+              <a:rPr lang="en-US" sz="1100" dirty="0" smtClean="0">
+                <a:solidFill>
+                  <a:srgbClr val="7030A0"/>
+                </a:solidFill>
+              </a:rPr>
+              <a:t>filtered list</a:t>
+            </a:r>
+            <a:endParaRPr lang="en-SG" sz="1100" dirty="0">
+              <a:solidFill>
+                <a:srgbClr val="7030A0"/>
+              </a:solidFill>
+            </a:endParaRPr>
+          </a:p>
+        </p:txBody>
+      </p:sp>
+      <p:sp>
+        <p:nvSpPr>
+          <p:cNvPr id="122" name="Rectangle 8"/>
+          <p:cNvSpPr/>
+          <p:nvPr/>
+        </p:nvSpPr>
+        <p:spPr>
+          <a:xfrm>
+            <a:off x="2057400" y="4239491"/>
+            <a:ext cx="1775949" cy="346760"/>
+          </a:xfrm>
+          <a:prstGeom prst="rect">
+            <a:avLst/>
+          </a:prstGeom>
+          <a:ln w="19050">
+            <a:solidFill>
+              <a:srgbClr val="7030A0"/>
+            </a:solidFill>
+          </a:ln>
+          <a:effectLst/>
+        </p:spPr>
+        <p:style>
+          <a:lnRef idx="1">
+            <a:schemeClr val="accent4"/>
+          </a:lnRef>
+          <a:fillRef idx="2">
+            <a:schemeClr val="accent4"/>
+          </a:fillRef>
+          <a:effectRef idx="1">
+            <a:schemeClr val="accent4"/>
+          </a:effectRef>
+          <a:fontRef idx="minor">
+            <a:schemeClr val="dk1"/>
+          </a:fontRef>
+        </p:style>
+        <p:txBody>
+          <a:bodyPr rtlCol="0" anchor="ctr"/>
+          <a:lstStyle/>
+          <a:p>
+            <a:pPr algn="ctr"/>
+            <a:r>
+              <a:rPr lang="en-US" sz="1050" dirty="0" smtClean="0">
+                <a:solidFill>
+                  <a:srgbClr val="7030A0"/>
+                </a:solidFill>
+              </a:rPr>
+              <a:t>&lt;&lt;interface&gt;&gt;</a:t>
+            </a:r>
+            <a:r>
+              <a:rPr lang="en-US" sz="1050" dirty="0">
+                <a:solidFill>
+                  <a:srgbClr val="7030A0"/>
+                </a:solidFill>
+              </a:rPr>
+              <a:t/>
+            </a:r>
+            <a:br>
+              <a:rPr lang="en-US" sz="1050" dirty="0">
+                <a:solidFill>
+                  <a:srgbClr val="7030A0"/>
+                </a:solidFill>
+              </a:rPr>
+            </a:br>
+            <a:r>
+              <a:rPr lang="en-US" sz="1050" dirty="0" err="1" smtClean="0">
+                <a:solidFill>
+                  <a:srgbClr val="7030A0"/>
+                </a:solidFill>
+              </a:rPr>
+              <a:t>UnmodifiableObservableList</a:t>
+            </a:r>
+            <a:endParaRPr lang="en-SG" sz="1050" dirty="0">
+              <a:solidFill>
+                <a:srgbClr val="7030A0"/>
               </a:solidFill>
             </a:endParaRPr>
           </a:p>
@@ -19102,26 +21944,22 @@
         <p:nvCxnSpPr>
           <p:cNvPr id="124" name="Elbow Connector 122"/>
           <p:cNvCxnSpPr>
-            <a:stCxn id="50" idx="3"/>
-            <a:endCxn id="66" idx="1"/>
+            <a:stCxn id="119" idx="1"/>
+            <a:endCxn id="122" idx="1"/>
           </p:cNvCxnSpPr>
           <p:nvPr/>
         </p:nvCxnSpPr>
         <p:spPr>
-          <a:xfrm>
-            <a:off x="5819670" y="3331820"/>
-            <a:ext cx="200130" cy="1970"/>
-          </a:xfrm>
-          <a:prstGeom prst="bentConnector3">
-            <a:avLst>
-              <a:gd name="adj1" fmla="val 50000"/>
-            </a:avLst>
-          </a:prstGeom>
-          <a:ln w="19050">
-            <a:solidFill>
-              <a:schemeClr val="accent6">
-                <a:lumMod val="75000"/>
-              </a:schemeClr>
+          <a:xfrm rot="16200000" flipH="1">
+            <a:off x="1364475" y="3719945"/>
+            <a:ext cx="831471" cy="554380"/>
+          </a:xfrm>
+          <a:prstGeom prst="bentConnector2">
+            <a:avLst/>
+          </a:prstGeom>
+          <a:ln w="19050">
+            <a:solidFill>
+              <a:srgbClr val="7030A0"/>
             </a:solidFill>
             <a:prstDash val="sysDot"/>
             <a:headEnd type="none" w="med" len="med"/>
@@ -19146,897 +21984,42 @@
       </p:cxnSp>
       <p:sp>
         <p:nvSpPr>
-          <p:cNvPr id="50" name="Rectangle 8"/>
-          <p:cNvSpPr/>
-          <p:nvPr/>
-        </p:nvSpPr>
-        <p:spPr>
-          <a:xfrm>
-            <a:off x="4498939" y="3158440"/>
-            <a:ext cx="1320731" cy="346760"/>
+          <p:cNvPr id="13" name="TextBox 12"/>
+          <p:cNvSpPr txBox="1"/>
+          <p:nvPr/>
+        </p:nvSpPr>
+        <p:spPr>
+          <a:xfrm>
+            <a:off x="2866327" y="2648407"/>
+            <a:ext cx="1147560" cy="253916"/>
           </a:xfrm>
           <a:prstGeom prst="rect">
             <a:avLst/>
           </a:prstGeom>
-          <a:ln w="19050"/>
-          <a:effectLst/>
-        </p:spPr>
-        <p:style>
-          <a:lnRef idx="1">
-            <a:schemeClr val="accent6"/>
-          </a:lnRef>
-          <a:fillRef idx="2">
-            <a:schemeClr val="accent6"/>
-          </a:fillRef>
-          <a:effectRef idx="1">
-            <a:schemeClr val="accent6"/>
-          </a:effectRef>
-          <a:fontRef idx="minor">
-            <a:schemeClr val="dk1"/>
-          </a:fontRef>
-        </p:style>
-        <p:txBody>
-          <a:bodyPr rtlCol="0" anchor="ctr"/>
+          <a:noFill/>
+        </p:spPr>
+        <p:txBody>
+          <a:bodyPr wrap="square" rtlCol="0">
+            <a:spAutoFit/>
+          </a:bodyPr>
           <a:lstStyle/>
           <a:p>
-            <a:pPr algn="ctr"/>
-            <a:r>
-              <a:rPr lang="en-US" sz="1050" b="1" dirty="0" err="1" smtClean="0">
-                <a:solidFill>
-                  <a:schemeClr val="accent6">
-                    <a:lumMod val="75000"/>
-                  </a:schemeClr>
-                </a:solidFill>
-              </a:rPr>
-              <a:t>XmlActivityManager</a:t>
-            </a:r>
-            <a:r>
-              <a:rPr lang="en-US" sz="1050" b="1" dirty="0" smtClean="0">
-                <a:solidFill>
-                  <a:schemeClr val="accent6">
-                    <a:lumMod val="75000"/>
-                  </a:schemeClr>
-                </a:solidFill>
-              </a:rPr>
-              <a:t> Storage</a:t>
-            </a:r>
-            <a:endParaRPr lang="en-SG" sz="1050" b="1" dirty="0">
-              <a:solidFill>
-                <a:schemeClr val="accent6">
-                  <a:lumMod val="75000"/>
-                </a:schemeClr>
-              </a:solidFill>
-            </a:endParaRPr>
-          </a:p>
-        </p:txBody>
-      </p:sp>
-      <p:sp>
-        <p:nvSpPr>
-          <p:cNvPr id="52" name="Rectangle 8"/>
-          <p:cNvSpPr/>
-          <p:nvPr/>
-        </p:nvSpPr>
-        <p:spPr>
-          <a:xfrm>
-            <a:off x="2873943" y="2558040"/>
-            <a:ext cx="1323049" cy="346760"/>
-          </a:xfrm>
-          <a:prstGeom prst="rect">
-            <a:avLst/>
-          </a:prstGeom>
-          <a:solidFill>
-            <a:schemeClr val="accent6">
-              <a:lumMod val="75000"/>
-            </a:schemeClr>
-          </a:solidFill>
-          <a:ln w="19050">
-            <a:solidFill>
-              <a:schemeClr val="accent6">
-                <a:lumMod val="75000"/>
-              </a:schemeClr>
-            </a:solidFill>
-          </a:ln>
-          <a:effectLst/>
-        </p:spPr>
-        <p:style>
-          <a:lnRef idx="1">
-            <a:schemeClr val="accent2"/>
-          </a:lnRef>
-          <a:fillRef idx="2">
-            <a:schemeClr val="accent2"/>
-          </a:fillRef>
-          <a:effectRef idx="1">
-            <a:schemeClr val="accent2"/>
-          </a:effectRef>
-          <a:fontRef idx="minor">
-            <a:schemeClr val="dk1"/>
-          </a:fontRef>
-        </p:style>
-        <p:txBody>
-          <a:bodyPr rtlCol="0" anchor="ctr"/>
-          <a:lstStyle/>
-          <a:p>
-            <a:pPr algn="ctr"/>
-            <a:r>
-              <a:rPr lang="en-US" sz="1050" dirty="0" smtClean="0">
-                <a:solidFill>
-                  <a:schemeClr val="bg1"/>
-                </a:solidFill>
-              </a:rPr>
-              <a:t>&lt;&lt;interface&gt;&gt;</a:t>
-            </a:r>
-            <a:br>
-              <a:rPr lang="en-US" sz="1050" dirty="0" smtClean="0">
-                <a:solidFill>
-                  <a:schemeClr val="bg1"/>
-                </a:solidFill>
-              </a:rPr>
-            </a:br>
             <a:r>
               <a:rPr lang="en-US" sz="1050" dirty="0" err="1" smtClean="0">
                 <a:solidFill>
-                  <a:schemeClr val="bg1"/>
-                </a:solidFill>
-              </a:rPr>
-              <a:t>UserPrefsStorage</a:t>
-            </a:r>
-            <a:endParaRPr lang="en-SG" sz="1050" dirty="0">
-              <a:solidFill>
-                <a:schemeClr val="bg1"/>
-              </a:solidFill>
-            </a:endParaRPr>
-          </a:p>
-        </p:txBody>
-      </p:sp>
-      <p:cxnSp>
-        <p:nvCxnSpPr>
-          <p:cNvPr id="54" name="Straight Arrow Connector 53"/>
-          <p:cNvCxnSpPr>
-            <a:stCxn id="56" idx="3"/>
-            <a:endCxn id="52" idx="1"/>
-          </p:cNvCxnSpPr>
-          <p:nvPr/>
-        </p:nvCxnSpPr>
-        <p:spPr>
-          <a:xfrm>
-            <a:off x="2560163" y="2726136"/>
-            <a:ext cx="313780" cy="5284"/>
-          </a:xfrm>
-          <a:prstGeom prst="straightConnector1">
-            <a:avLst/>
-          </a:prstGeom>
-          <a:ln w="19050">
-            <a:solidFill>
-              <a:schemeClr val="accent6">
-                <a:lumMod val="75000"/>
-              </a:schemeClr>
-            </a:solidFill>
-            <a:headEnd type="none" w="med" len="med"/>
-            <a:tailEnd type="arrow" w="med" len="med"/>
-          </a:ln>
-          <a:effectLst/>
-        </p:spPr>
-        <p:style>
-          <a:lnRef idx="1">
-            <a:schemeClr val="accent2"/>
-          </a:lnRef>
-          <a:fillRef idx="2">
-            <a:schemeClr val="accent2"/>
-          </a:fillRef>
-          <a:effectRef idx="1">
-            <a:schemeClr val="accent2"/>
-          </a:effectRef>
-          <a:fontRef idx="minor">
-            <a:schemeClr val="dk1"/>
-          </a:fontRef>
-        </p:style>
-      </p:cxnSp>
-      <p:sp>
-        <p:nvSpPr>
-          <p:cNvPr id="56" name="Flowchart: Decision 96"/>
-          <p:cNvSpPr/>
-          <p:nvPr/>
-        </p:nvSpPr>
-        <p:spPr>
-          <a:xfrm>
-            <a:off x="2324115" y="2639446"/>
-            <a:ext cx="236048" cy="173380"/>
-          </a:xfrm>
-          <a:prstGeom prst="flowChartDecision">
-            <a:avLst/>
-          </a:prstGeom>
-          <a:noFill/>
-          <a:ln w="19050">
-            <a:solidFill>
-              <a:schemeClr val="accent6">
-                <a:lumMod val="75000"/>
-              </a:schemeClr>
-            </a:solidFill>
-          </a:ln>
-          <a:effectLst/>
-        </p:spPr>
-        <p:style>
-          <a:lnRef idx="1">
-            <a:schemeClr val="accent2"/>
-          </a:lnRef>
-          <a:fillRef idx="2">
-            <a:schemeClr val="accent2"/>
-          </a:fillRef>
-          <a:effectRef idx="1">
-            <a:schemeClr val="accent2"/>
-          </a:effectRef>
-          <a:fontRef idx="minor">
-            <a:schemeClr val="dk1"/>
-          </a:fontRef>
-        </p:style>
-        <p:txBody>
-          <a:bodyPr rtlCol="0" anchor="ctr"/>
-          <a:lstStyle/>
-          <a:p>
-            <a:pPr algn="ctr"/>
-            <a:endParaRPr lang="en-US" sz="1050">
-              <a:solidFill>
-                <a:schemeClr val="bg1"/>
-              </a:solidFill>
-            </a:endParaRPr>
-          </a:p>
-        </p:txBody>
-      </p:sp>
-      <p:cxnSp>
-        <p:nvCxnSpPr>
-          <p:cNvPr id="60" name="Elbow Connector 63"/>
-          <p:cNvCxnSpPr>
-            <a:stCxn id="61" idx="3"/>
-            <a:endCxn id="65" idx="1"/>
-          </p:cNvCxnSpPr>
-          <p:nvPr/>
-        </p:nvCxnSpPr>
-        <p:spPr>
-          <a:xfrm flipV="1">
-            <a:off x="4394804" y="2731420"/>
-            <a:ext cx="223324" cy="1"/>
-          </a:xfrm>
-          <a:prstGeom prst="bentConnector3">
-            <a:avLst>
-              <a:gd name="adj1" fmla="val 50000"/>
-            </a:avLst>
-          </a:prstGeom>
-          <a:ln w="19050">
-            <a:solidFill>
-              <a:schemeClr val="accent6">
-                <a:lumMod val="75000"/>
-              </a:schemeClr>
-            </a:solidFill>
-            <a:prstDash val="sysDot"/>
-            <a:headEnd type="none" w="med" len="med"/>
-            <a:tailEnd type="none" w="med" len="med"/>
-          </a:ln>
-          <a:effectLst/>
-        </p:spPr>
-        <p:style>
-          <a:lnRef idx="1">
-            <a:schemeClr val="accent2"/>
-          </a:lnRef>
-          <a:fillRef idx="2">
-            <a:schemeClr val="accent2"/>
-          </a:fillRef>
-          <a:effectRef idx="1">
-            <a:schemeClr val="accent2"/>
-          </a:effectRef>
-          <a:fontRef idx="minor">
-            <a:schemeClr val="dk1"/>
-          </a:fontRef>
-        </p:style>
-      </p:cxnSp>
-      <p:sp>
-        <p:nvSpPr>
-          <p:cNvPr id="61" name="Isosceles Triangle 102"/>
-          <p:cNvSpPr/>
-          <p:nvPr/>
-        </p:nvSpPr>
-        <p:spPr>
-          <a:xfrm rot="5400000" flipV="1">
-            <a:off x="4171790" y="2643659"/>
-            <a:ext cx="270504" cy="175523"/>
-          </a:xfrm>
-          <a:prstGeom prst="triangle">
-            <a:avLst/>
-          </a:prstGeom>
-          <a:solidFill>
-            <a:schemeClr val="accent6">
-              <a:lumMod val="75000"/>
-            </a:schemeClr>
-          </a:solidFill>
-          <a:ln w="19050">
-            <a:solidFill>
-              <a:schemeClr val="accent6">
-                <a:lumMod val="75000"/>
-              </a:schemeClr>
-            </a:solidFill>
-          </a:ln>
-          <a:effectLst/>
-        </p:spPr>
-        <p:style>
-          <a:lnRef idx="1">
-            <a:schemeClr val="accent2"/>
-          </a:lnRef>
-          <a:fillRef idx="2">
-            <a:schemeClr val="accent2"/>
-          </a:fillRef>
-          <a:effectRef idx="1">
-            <a:schemeClr val="accent2"/>
-          </a:effectRef>
-          <a:fontRef idx="minor">
-            <a:schemeClr val="dk1"/>
-          </a:fontRef>
-        </p:style>
-        <p:txBody>
-          <a:bodyPr rtlCol="0" anchor="ctr"/>
-          <a:lstStyle/>
-          <a:p>
-            <a:pPr algn="ctr"/>
-            <a:endParaRPr lang="en-SG" sz="1050">
-              <a:solidFill>
-                <a:schemeClr val="bg1"/>
-              </a:solidFill>
-            </a:endParaRPr>
-          </a:p>
-        </p:txBody>
-      </p:sp>
-      <p:sp>
-        <p:nvSpPr>
-          <p:cNvPr id="65" name="Rectangle 8"/>
-          <p:cNvSpPr/>
-          <p:nvPr/>
-        </p:nvSpPr>
-        <p:spPr>
-          <a:xfrm>
-            <a:off x="4618128" y="2558040"/>
-            <a:ext cx="1093635" cy="346760"/>
-          </a:xfrm>
-          <a:prstGeom prst="rect">
-            <a:avLst/>
-          </a:prstGeom>
-          <a:solidFill>
-            <a:schemeClr val="accent6">
-              <a:lumMod val="75000"/>
-            </a:schemeClr>
-          </a:solidFill>
-          <a:ln w="19050">
-            <a:solidFill>
-              <a:schemeClr val="accent6">
-                <a:lumMod val="75000"/>
-              </a:schemeClr>
-            </a:solidFill>
-          </a:ln>
-          <a:effectLst/>
-        </p:spPr>
-        <p:style>
-          <a:lnRef idx="1">
-            <a:schemeClr val="accent2"/>
-          </a:lnRef>
-          <a:fillRef idx="2">
-            <a:schemeClr val="accent2"/>
-          </a:fillRef>
-          <a:effectRef idx="1">
-            <a:schemeClr val="accent2"/>
-          </a:effectRef>
-          <a:fontRef idx="minor">
-            <a:schemeClr val="dk1"/>
-          </a:fontRef>
-        </p:style>
-        <p:txBody>
-          <a:bodyPr rtlCol="0" anchor="ctr"/>
-          <a:lstStyle/>
-          <a:p>
-            <a:pPr algn="ctr"/>
-            <a:r>
-              <a:rPr lang="en-US" sz="1050" dirty="0" err="1" smtClean="0">
-                <a:solidFill>
-                  <a:schemeClr val="bg1"/>
-                </a:solidFill>
-              </a:rPr>
-              <a:t>JsonUserPrefs</a:t>
-            </a:r>
-            <a:r>
-              <a:rPr lang="en-US" sz="1050" dirty="0" smtClean="0">
-                <a:solidFill>
-                  <a:schemeClr val="bg1"/>
-                </a:solidFill>
-              </a:rPr>
-              <a:t/>
-            </a:r>
-            <a:br>
-              <a:rPr lang="en-US" sz="1050" dirty="0" smtClean="0">
-                <a:solidFill>
-                  <a:schemeClr val="bg1"/>
-                </a:solidFill>
-              </a:rPr>
-            </a:br>
-            <a:r>
-              <a:rPr lang="en-US" sz="1050" dirty="0" smtClean="0">
-                <a:solidFill>
-                  <a:schemeClr val="bg1"/>
-                </a:solidFill>
-              </a:rPr>
-              <a:t>Storage</a:t>
-            </a:r>
-            <a:endParaRPr lang="en-SG" sz="1050" dirty="0">
-              <a:solidFill>
-                <a:schemeClr val="bg1"/>
-              </a:solidFill>
-            </a:endParaRPr>
-          </a:p>
-        </p:txBody>
-      </p:sp>
-      <p:sp>
-        <p:nvSpPr>
-          <p:cNvPr id="66" name="Rectangle 8"/>
-          <p:cNvSpPr/>
-          <p:nvPr/>
-        </p:nvSpPr>
-        <p:spPr>
-          <a:xfrm>
-            <a:off x="6019800" y="3160410"/>
-            <a:ext cx="1200707" cy="346760"/>
-          </a:xfrm>
-          <a:prstGeom prst="rect">
-            <a:avLst/>
-          </a:prstGeom>
-          <a:ln w="19050"/>
-          <a:effectLst/>
-        </p:spPr>
-        <p:style>
-          <a:lnRef idx="1">
-            <a:schemeClr val="accent6"/>
-          </a:lnRef>
-          <a:fillRef idx="2">
-            <a:schemeClr val="accent6"/>
-          </a:fillRef>
-          <a:effectRef idx="1">
-            <a:schemeClr val="accent6"/>
-          </a:effectRef>
-          <a:fontRef idx="minor">
-            <a:schemeClr val="dk1"/>
-          </a:fontRef>
-        </p:style>
-        <p:txBody>
-          <a:bodyPr rtlCol="0" anchor="ctr"/>
-          <a:lstStyle/>
-          <a:p>
-            <a:pPr algn="ctr"/>
-            <a:r>
-              <a:rPr lang="en-US" sz="1050" b="1" dirty="0" err="1" smtClean="0">
-                <a:solidFill>
-                  <a:schemeClr val="accent6">
-                    <a:lumMod val="75000"/>
-                  </a:schemeClr>
-                </a:solidFill>
-              </a:rPr>
-              <a:t>XmlSerializable</a:t>
-            </a:r>
-            <a:r>
-              <a:rPr lang="en-US" sz="1050" b="1" dirty="0" smtClean="0">
-                <a:solidFill>
-                  <a:schemeClr val="accent6">
-                    <a:lumMod val="75000"/>
-                  </a:schemeClr>
-                </a:solidFill>
-              </a:rPr>
-              <a:t/>
-            </a:r>
-            <a:br>
-              <a:rPr lang="en-US" sz="1050" b="1" dirty="0" smtClean="0">
-                <a:solidFill>
-                  <a:schemeClr val="accent6">
-                    <a:lumMod val="75000"/>
-                  </a:schemeClr>
-                </a:solidFill>
-              </a:rPr>
-            </a:br>
-            <a:r>
-              <a:rPr lang="en-US" sz="1050" b="1" dirty="0" err="1" smtClean="0">
-                <a:solidFill>
-                  <a:schemeClr val="accent6">
-                    <a:lumMod val="75000"/>
-                  </a:schemeClr>
+                  <a:srgbClr val="7030A0"/>
                 </a:solidFill>
               </a:rPr>
               <a:t>ActivityManager</a:t>
             </a:r>
-            <a:endParaRPr lang="en-SG" sz="1050" b="1" dirty="0">
-              <a:solidFill>
-                <a:schemeClr val="accent6">
-                  <a:lumMod val="75000"/>
-                </a:schemeClr>
-              </a:solidFill>
-            </a:endParaRPr>
-          </a:p>
-        </p:txBody>
-      </p:sp>
-      <p:cxnSp>
-        <p:nvCxnSpPr>
-          <p:cNvPr id="70" name="Elbow Connector 122"/>
-          <p:cNvCxnSpPr/>
-          <p:nvPr/>
-        </p:nvCxnSpPr>
-        <p:spPr>
-          <a:xfrm rot="16200000" flipV="1">
-            <a:off x="7332727" y="2573273"/>
-            <a:ext cx="346798" cy="839052"/>
-          </a:xfrm>
-          <a:prstGeom prst="bentConnector3">
-            <a:avLst>
-              <a:gd name="adj1" fmla="val 50000"/>
-            </a:avLst>
-          </a:prstGeom>
-          <a:ln w="19050">
-            <a:prstDash val="sysDot"/>
-            <a:headEnd type="none" w="med" len="med"/>
-            <a:tailEnd type="arrow" w="med" len="med"/>
-          </a:ln>
-          <a:effectLst/>
-        </p:spPr>
-        <p:style>
-          <a:lnRef idx="1">
-            <a:schemeClr val="accent6"/>
-          </a:lnRef>
-          <a:fillRef idx="2">
-            <a:schemeClr val="accent6"/>
-          </a:fillRef>
-          <a:effectRef idx="1">
-            <a:schemeClr val="accent6"/>
-          </a:effectRef>
-          <a:fontRef idx="minor">
-            <a:schemeClr val="dk1"/>
-          </a:fontRef>
-        </p:style>
-      </p:cxnSp>
-      <p:sp>
-        <p:nvSpPr>
-          <p:cNvPr id="73" name="Rectangle 8"/>
-          <p:cNvSpPr/>
-          <p:nvPr/>
-        </p:nvSpPr>
-        <p:spPr>
-          <a:xfrm flipH="1">
-            <a:off x="6781800" y="1752600"/>
-            <a:ext cx="914400" cy="1060226"/>
-          </a:xfrm>
-          <a:prstGeom prst="rect">
-            <a:avLst/>
-          </a:prstGeom>
-          <a:ln w="19050"/>
-          <a:effectLst/>
-        </p:spPr>
-        <p:style>
-          <a:lnRef idx="1">
-            <a:schemeClr val="accent6"/>
-          </a:lnRef>
-          <a:fillRef idx="2">
-            <a:schemeClr val="accent6"/>
-          </a:fillRef>
-          <a:effectRef idx="1">
-            <a:schemeClr val="accent6"/>
-          </a:effectRef>
-          <a:fontRef idx="minor">
-            <a:schemeClr val="dk1"/>
-          </a:fontRef>
-        </p:style>
-        <p:txBody>
-          <a:bodyPr rtlCol="0" anchor="ctr"/>
-          <a:lstStyle/>
-          <a:p>
-            <a:pPr algn="ctr"/>
-            <a:r>
-              <a:rPr lang="en-US" sz="1050" b="1" dirty="0" err="1" smtClean="0">
-                <a:solidFill>
-                  <a:schemeClr val="accent6">
-                    <a:lumMod val="75000"/>
-                  </a:schemeClr>
-                </a:solidFill>
-              </a:rPr>
-              <a:t>XmlAdaptedTask</a:t>
-            </a:r>
-            <a:endParaRPr lang="en-SG" sz="1050" b="1" dirty="0">
-              <a:solidFill>
-                <a:schemeClr val="accent6">
-                  <a:lumMod val="75000"/>
-                </a:schemeClr>
-              </a:solidFill>
-            </a:endParaRPr>
-          </a:p>
-        </p:txBody>
-      </p:sp>
-      <p:sp>
-        <p:nvSpPr>
-          <p:cNvPr id="74" name="Rectangle 8"/>
-          <p:cNvSpPr/>
-          <p:nvPr/>
-        </p:nvSpPr>
-        <p:spPr>
-          <a:xfrm>
-            <a:off x="7615738" y="3159624"/>
-            <a:ext cx="1424340" cy="346760"/>
-          </a:xfrm>
-          <a:prstGeom prst="rect">
-            <a:avLst/>
-          </a:prstGeom>
-          <a:ln w="19050"/>
-          <a:effectLst/>
-        </p:spPr>
-        <p:style>
-          <a:lnRef idx="1">
-            <a:schemeClr val="accent6"/>
-          </a:lnRef>
-          <a:fillRef idx="2">
-            <a:schemeClr val="accent6"/>
-          </a:fillRef>
-          <a:effectRef idx="1">
-            <a:schemeClr val="accent6"/>
-          </a:effectRef>
-          <a:fontRef idx="minor">
-            <a:schemeClr val="dk1"/>
-          </a:fontRef>
-        </p:style>
-        <p:txBody>
-          <a:bodyPr rtlCol="0" anchor="ctr"/>
-          <a:lstStyle/>
-          <a:p>
-            <a:pPr algn="ctr"/>
-            <a:r>
-              <a:rPr lang="en-US" sz="1050" b="1" dirty="0" err="1" smtClean="0">
-                <a:solidFill>
-                  <a:schemeClr val="accent6">
-                    <a:lumMod val="75000"/>
-                  </a:schemeClr>
-                </a:solidFill>
-              </a:rPr>
-              <a:t>XmlAdaptedActivity</a:t>
-            </a:r>
-            <a:endParaRPr lang="en-SG" sz="1050" b="1" dirty="0">
-              <a:solidFill>
-                <a:schemeClr val="accent6">
-                  <a:lumMod val="75000"/>
-                </a:schemeClr>
-              </a:solidFill>
-            </a:endParaRPr>
-          </a:p>
-        </p:txBody>
-      </p:sp>
-      <p:cxnSp>
-        <p:nvCxnSpPr>
-          <p:cNvPr id="77" name="Elbow Connector 122"/>
-          <p:cNvCxnSpPr>
-            <a:stCxn id="66" idx="3"/>
-            <a:endCxn id="74" idx="1"/>
-          </p:cNvCxnSpPr>
-          <p:nvPr/>
-        </p:nvCxnSpPr>
-        <p:spPr>
-          <a:xfrm flipV="1">
-            <a:off x="7220507" y="3333004"/>
-            <a:ext cx="395231" cy="786"/>
-          </a:xfrm>
-          <a:prstGeom prst="bentConnector3">
-            <a:avLst>
-              <a:gd name="adj1" fmla="val 50000"/>
-            </a:avLst>
-          </a:prstGeom>
-          <a:ln w="19050">
-            <a:prstDash val="sysDot"/>
-            <a:headEnd type="none" w="med" len="med"/>
-            <a:tailEnd type="arrow" w="med" len="med"/>
-          </a:ln>
-          <a:effectLst/>
-        </p:spPr>
-        <p:style>
-          <a:lnRef idx="1">
-            <a:schemeClr val="accent6"/>
-          </a:lnRef>
-          <a:fillRef idx="2">
-            <a:schemeClr val="accent6"/>
-          </a:fillRef>
-          <a:effectRef idx="1">
-            <a:schemeClr val="accent6"/>
-          </a:effectRef>
-          <a:fontRef idx="minor">
-            <a:schemeClr val="dk1"/>
-          </a:fontRef>
-        </p:style>
-      </p:cxnSp>
-      <p:cxnSp>
-        <p:nvCxnSpPr>
-          <p:cNvPr id="26" name="Elbow Connector 122"/>
-          <p:cNvCxnSpPr/>
-          <p:nvPr/>
-        </p:nvCxnSpPr>
-        <p:spPr>
-          <a:xfrm rot="5400000" flipH="1" flipV="1">
-            <a:off x="8136661" y="2988539"/>
-            <a:ext cx="346798" cy="8519"/>
-          </a:xfrm>
-          <a:prstGeom prst="bentConnector3">
-            <a:avLst>
-              <a:gd name="adj1" fmla="val 50000"/>
-            </a:avLst>
-          </a:prstGeom>
-          <a:ln w="19050">
-            <a:prstDash val="sysDot"/>
-            <a:headEnd type="none" w="med" len="med"/>
-            <a:tailEnd type="arrow" w="med" len="med"/>
-          </a:ln>
-          <a:effectLst/>
-        </p:spPr>
-        <p:style>
-          <a:lnRef idx="1">
-            <a:schemeClr val="accent6"/>
-          </a:lnRef>
-          <a:fillRef idx="2">
-            <a:schemeClr val="accent6"/>
-          </a:fillRef>
-          <a:effectRef idx="1">
-            <a:schemeClr val="accent6"/>
-          </a:effectRef>
-          <a:fontRef idx="minor">
-            <a:schemeClr val="dk1"/>
-          </a:fontRef>
-        </p:style>
-      </p:cxnSp>
-      <p:sp>
-        <p:nvSpPr>
-          <p:cNvPr id="35" name="Rectangle 8"/>
-          <p:cNvSpPr/>
-          <p:nvPr/>
-        </p:nvSpPr>
-        <p:spPr>
-          <a:xfrm flipH="1">
-            <a:off x="8763000" y="1752600"/>
-            <a:ext cx="914400" cy="1060226"/>
-          </a:xfrm>
-          <a:prstGeom prst="rect">
-            <a:avLst/>
-          </a:prstGeom>
-          <a:ln w="19050"/>
-          <a:effectLst/>
-        </p:spPr>
-        <p:style>
-          <a:lnRef idx="1">
-            <a:schemeClr val="accent6"/>
-          </a:lnRef>
-          <a:fillRef idx="2">
-            <a:schemeClr val="accent6"/>
-          </a:fillRef>
-          <a:effectRef idx="1">
-            <a:schemeClr val="accent6"/>
-          </a:effectRef>
-          <a:fontRef idx="minor">
-            <a:schemeClr val="dk1"/>
-          </a:fontRef>
-        </p:style>
-        <p:txBody>
-          <a:bodyPr rtlCol="0" anchor="ctr"/>
-          <a:lstStyle/>
-          <a:p>
-            <a:pPr algn="ctr"/>
-            <a:r>
-              <a:rPr lang="en-US" sz="1050" b="1" dirty="0" err="1" smtClean="0">
-                <a:solidFill>
-                  <a:schemeClr val="accent6">
-                    <a:lumMod val="75000"/>
-                  </a:schemeClr>
-                </a:solidFill>
-              </a:rPr>
-              <a:t>XmlAdaptedFloatingTask</a:t>
-            </a:r>
-            <a:endParaRPr lang="en-SG" sz="1050" b="1" dirty="0">
-              <a:solidFill>
-                <a:schemeClr val="accent6">
-                  <a:lumMod val="75000"/>
-                </a:schemeClr>
-              </a:solidFill>
-            </a:endParaRPr>
-          </a:p>
-        </p:txBody>
-      </p:sp>
-      <p:sp>
-        <p:nvSpPr>
-          <p:cNvPr id="36" name="Rectangle 8"/>
-          <p:cNvSpPr/>
-          <p:nvPr/>
-        </p:nvSpPr>
-        <p:spPr>
-          <a:xfrm flipH="1">
-            <a:off x="7772400" y="1752600"/>
-            <a:ext cx="914400" cy="1060226"/>
-          </a:xfrm>
-          <a:prstGeom prst="rect">
-            <a:avLst/>
-          </a:prstGeom>
-          <a:ln w="19050"/>
-          <a:effectLst/>
-        </p:spPr>
-        <p:style>
-          <a:lnRef idx="1">
-            <a:schemeClr val="accent6"/>
-          </a:lnRef>
-          <a:fillRef idx="2">
-            <a:schemeClr val="accent6"/>
-          </a:fillRef>
-          <a:effectRef idx="1">
-            <a:schemeClr val="accent6"/>
-          </a:effectRef>
-          <a:fontRef idx="minor">
-            <a:schemeClr val="dk1"/>
-          </a:fontRef>
-        </p:style>
-        <p:txBody>
-          <a:bodyPr rtlCol="0" anchor="ctr"/>
-          <a:lstStyle/>
-          <a:p>
-            <a:pPr algn="ctr"/>
-            <a:r>
-              <a:rPr lang="en-US" sz="1050" b="1" dirty="0" err="1" smtClean="0">
-                <a:solidFill>
-                  <a:schemeClr val="accent6">
-                    <a:lumMod val="75000"/>
-                  </a:schemeClr>
-                </a:solidFill>
-              </a:rPr>
-              <a:t>XmlAdaptedEvent</a:t>
-            </a:r>
-            <a:endParaRPr lang="en-SG" sz="1050" b="1" dirty="0">
-              <a:solidFill>
-                <a:schemeClr val="accent6">
-                  <a:lumMod val="75000"/>
-                </a:schemeClr>
-              </a:solidFill>
-            </a:endParaRPr>
-          </a:p>
-        </p:txBody>
-      </p:sp>
-      <p:cxnSp>
-        <p:nvCxnSpPr>
-          <p:cNvPr id="41" name="Elbow Connector 122"/>
-          <p:cNvCxnSpPr/>
-          <p:nvPr/>
-        </p:nvCxnSpPr>
-        <p:spPr>
-          <a:xfrm rot="5400000" flipH="1" flipV="1">
-            <a:off x="8746261" y="2988539"/>
-            <a:ext cx="346798" cy="8519"/>
-          </a:xfrm>
-          <a:prstGeom prst="bentConnector3">
-            <a:avLst>
-              <a:gd name="adj1" fmla="val 74979"/>
-            </a:avLst>
-          </a:prstGeom>
-          <a:ln w="19050">
-            <a:prstDash val="sysDot"/>
-            <a:headEnd type="none" w="med" len="med"/>
-            <a:tailEnd type="arrow" w="med" len="med"/>
-          </a:ln>
-          <a:effectLst/>
-        </p:spPr>
-        <p:style>
-          <a:lnRef idx="1">
-            <a:schemeClr val="accent6"/>
-          </a:lnRef>
-          <a:fillRef idx="2">
-            <a:schemeClr val="accent6"/>
-          </a:fillRef>
-          <a:effectRef idx="1">
-            <a:schemeClr val="accent6"/>
-          </a:effectRef>
-          <a:fontRef idx="minor">
-            <a:schemeClr val="dk1"/>
-          </a:fontRef>
-        </p:style>
-      </p:cxnSp>
+            <a:endParaRPr lang="en-US" sz="1050" dirty="0"/>
+          </a:p>
+        </p:txBody>
+      </p:sp>
     </p:spTree>
     <p:extLst>
       <p:ext uri="{BB962C8B-B14F-4D97-AF65-F5344CB8AC3E}">
-        <p14:creationId xmlns:p14="http://schemas.microsoft.com/office/powerpoint/2010/main" val="1478832369"/>
+        <p14:creationId xmlns:p14="http://schemas.microsoft.com/office/powerpoint/2010/main" val="2396968029"/>
       </p:ext>
     </p:extLst>
   </p:cSld>

--- a/docs/diagrams/Diagrams(CS2103T - V0.3).pptx
+++ b/docs/diagrams/Diagrams(CS2103T - V0.3).pptx
@@ -5,7 +5,7 @@
     <p:sldMasterId id="2147483648" r:id="rId1"/>
   </p:sldMasterIdLst>
   <p:notesMasterIdLst>
-    <p:notesMasterId r:id="rId11"/>
+    <p:notesMasterId r:id="rId12"/>
   </p:notesMasterIdLst>
   <p:sldIdLst>
     <p:sldId id="256" r:id="rId2"/>
@@ -17,6 +17,7 @@
     <p:sldId id="263" r:id="rId8"/>
     <p:sldId id="264" r:id="rId9"/>
     <p:sldId id="265" r:id="rId10"/>
+    <p:sldId id="268" r:id="rId11"/>
   </p:sldIdLst>
   <p:sldSz cx="9144000" cy="6858000" type="screen4x3"/>
   <p:notesSz cx="6858000" cy="9144000"/>
@@ -3522,6 +3523,1179 @@
     <p:extLst>
       <p:ext uri="{BB962C8B-B14F-4D97-AF65-F5344CB8AC3E}">
         <p14:creationId xmlns:p14="http://schemas.microsoft.com/office/powerpoint/2010/main" val="2960930635"/>
+      </p:ext>
+    </p:extLst>
+  </p:cSld>
+  <p:clrMapOvr>
+    <a:masterClrMapping/>
+  </p:clrMapOvr>
+</p:sld>
+</file>
+
+<file path=ppt/slides/slide10.xml><?xml version="1.0" encoding="utf-8"?>
+<p:sld xmlns:a="http://schemas.openxmlformats.org/drawingml/2006/main" xmlns:r="http://schemas.openxmlformats.org/officeDocument/2006/relationships" xmlns:p="http://schemas.openxmlformats.org/presentationml/2006/main">
+  <p:cSld>
+    <p:spTree>
+      <p:nvGrpSpPr>
+        <p:cNvPr id="1" name=""/>
+        <p:cNvGrpSpPr/>
+        <p:nvPr/>
+      </p:nvGrpSpPr>
+      <p:grpSpPr>
+        <a:xfrm>
+          <a:off x="0" y="0"/>
+          <a:ext cx="0" cy="0"/>
+          <a:chOff x="0" y="0"/>
+          <a:chExt cx="0" cy="0"/>
+        </a:xfrm>
+      </p:grpSpPr>
+      <p:sp>
+        <p:nvSpPr>
+          <p:cNvPr id="2" name="Rectangle 62"/>
+          <p:cNvSpPr/>
+          <p:nvPr/>
+        </p:nvSpPr>
+        <p:spPr>
+          <a:xfrm>
+            <a:off x="1847025" y="607926"/>
+            <a:ext cx="1093635" cy="346760"/>
+          </a:xfrm>
+          <a:prstGeom prst="rect">
+            <a:avLst/>
+          </a:prstGeom>
+          <a:solidFill>
+            <a:srgbClr val="00B050"/>
+          </a:solidFill>
+          <a:ln w="19050">
+            <a:solidFill>
+              <a:srgbClr val="00B050"/>
+            </a:solidFill>
+          </a:ln>
+          <a:effectLst/>
+        </p:spPr>
+        <p:style>
+          <a:lnRef idx="1">
+            <a:schemeClr val="accent2"/>
+          </a:lnRef>
+          <a:fillRef idx="2">
+            <a:schemeClr val="accent2"/>
+          </a:fillRef>
+          <a:effectRef idx="1">
+            <a:schemeClr val="accent2"/>
+          </a:effectRef>
+          <a:fontRef idx="minor">
+            <a:schemeClr val="dk1"/>
+          </a:fontRef>
+        </p:style>
+        <p:txBody>
+          <a:bodyPr rtlCol="0" anchor="ctr"/>
+          <a:lstStyle/>
+          <a:p>
+            <a:pPr algn="ctr"/>
+            <a:r>
+              <a:rPr lang="en-US" sz="1600" dirty="0" smtClean="0">
+                <a:solidFill>
+                  <a:schemeClr val="bg1"/>
+                </a:solidFill>
+              </a:rPr>
+              <a:t>:UI</a:t>
+            </a:r>
+            <a:endParaRPr lang="en-SG" sz="1600" dirty="0">
+              <a:solidFill>
+                <a:schemeClr val="bg1"/>
+              </a:solidFill>
+            </a:endParaRPr>
+          </a:p>
+        </p:txBody>
+      </p:sp>
+      <p:cxnSp>
+        <p:nvCxnSpPr>
+          <p:cNvPr id="3" name="Straight Connector 2"/>
+          <p:cNvCxnSpPr/>
+          <p:nvPr/>
+        </p:nvCxnSpPr>
+        <p:spPr>
+          <a:xfrm>
+            <a:off x="2393842" y="971597"/>
+            <a:ext cx="0" cy="1723059"/>
+          </a:xfrm>
+          <a:prstGeom prst="line">
+            <a:avLst/>
+          </a:prstGeom>
+          <a:ln w="19050">
+            <a:solidFill>
+              <a:srgbClr val="00B050"/>
+            </a:solidFill>
+            <a:prstDash val="sysDash"/>
+          </a:ln>
+          <a:effectLst/>
+        </p:spPr>
+        <p:style>
+          <a:lnRef idx="1">
+            <a:schemeClr val="accent1"/>
+          </a:lnRef>
+          <a:fillRef idx="2">
+            <a:schemeClr val="accent1"/>
+          </a:fillRef>
+          <a:effectRef idx="1">
+            <a:schemeClr val="accent1"/>
+          </a:effectRef>
+          <a:fontRef idx="minor">
+            <a:schemeClr val="dk1"/>
+          </a:fontRef>
+        </p:style>
+      </p:cxnSp>
+      <p:sp>
+        <p:nvSpPr>
+          <p:cNvPr id="4" name="Rectangle 3"/>
+          <p:cNvSpPr/>
+          <p:nvPr/>
+        </p:nvSpPr>
+        <p:spPr>
+          <a:xfrm>
+            <a:off x="2321834" y="1322292"/>
+            <a:ext cx="152400" cy="1019910"/>
+          </a:xfrm>
+          <a:prstGeom prst="rect">
+            <a:avLst/>
+          </a:prstGeom>
+          <a:solidFill>
+            <a:srgbClr val="00B050"/>
+          </a:solidFill>
+          <a:ln>
+            <a:solidFill>
+              <a:srgbClr val="00B050"/>
+            </a:solidFill>
+          </a:ln>
+          <a:effectLst/>
+        </p:spPr>
+        <p:style>
+          <a:lnRef idx="1">
+            <a:schemeClr val="accent3"/>
+          </a:lnRef>
+          <a:fillRef idx="2">
+            <a:schemeClr val="accent3"/>
+          </a:fillRef>
+          <a:effectRef idx="1">
+            <a:schemeClr val="accent3"/>
+          </a:effectRef>
+          <a:fontRef idx="minor">
+            <a:schemeClr val="dk1"/>
+          </a:fontRef>
+        </p:style>
+        <p:txBody>
+          <a:bodyPr rtlCol="0" anchor="ctr"/>
+          <a:lstStyle/>
+          <a:p>
+            <a:pPr algn="ctr"/>
+            <a:endParaRPr lang="en-SG" sz="1400">
+              <a:solidFill>
+                <a:schemeClr val="dk1"/>
+              </a:solidFill>
+            </a:endParaRPr>
+          </a:p>
+        </p:txBody>
+      </p:sp>
+      <p:grpSp>
+        <p:nvGrpSpPr>
+          <p:cNvPr id="5" name="Actor"/>
+          <p:cNvGrpSpPr/>
+          <p:nvPr/>
+        </p:nvGrpSpPr>
+        <p:grpSpPr>
+          <a:xfrm>
+            <a:off x="887565" y="533400"/>
+            <a:ext cx="324036" cy="573410"/>
+            <a:chOff x="3239901" y="4149080"/>
+            <a:chExt cx="648072" cy="1146820"/>
+          </a:xfrm>
+        </p:grpSpPr>
+        <p:sp>
+          <p:nvSpPr>
+            <p:cNvPr id="6" name="Flowchart: Connector 7"/>
+            <p:cNvSpPr/>
+            <p:nvPr/>
+          </p:nvSpPr>
+          <p:spPr>
+            <a:xfrm>
+              <a:off x="3419872" y="4149080"/>
+              <a:ext cx="288032" cy="288032"/>
+            </a:xfrm>
+            <a:prstGeom prst="flowChartConnector">
+              <a:avLst/>
+            </a:prstGeom>
+            <a:solidFill>
+              <a:schemeClr val="bg1">
+                <a:lumMod val="85000"/>
+              </a:schemeClr>
+            </a:solidFill>
+            <a:ln w="28575">
+              <a:solidFill>
+                <a:schemeClr val="tx1"/>
+              </a:solidFill>
+            </a:ln>
+            <a:effectLst/>
+          </p:spPr>
+          <p:style>
+            <a:lnRef idx="1">
+              <a:schemeClr val="accent4"/>
+            </a:lnRef>
+            <a:fillRef idx="2">
+              <a:schemeClr val="accent4"/>
+            </a:fillRef>
+            <a:effectRef idx="1">
+              <a:schemeClr val="accent4"/>
+            </a:effectRef>
+            <a:fontRef idx="minor">
+              <a:schemeClr val="dk1"/>
+            </a:fontRef>
+          </p:style>
+          <p:txBody>
+            <a:bodyPr rtlCol="0" anchor="ctr"/>
+            <a:lstStyle/>
+            <a:p>
+              <a:pPr algn="ctr"/>
+              <a:endParaRPr lang="en-SG"/>
+            </a:p>
+          </p:txBody>
+        </p:sp>
+        <p:cxnSp>
+          <p:nvCxnSpPr>
+            <p:cNvPr id="7" name="Straight Connector 6"/>
+            <p:cNvCxnSpPr>
+              <a:stCxn id="8" idx="4"/>
+            </p:cNvCxnSpPr>
+            <p:nvPr/>
+          </p:nvCxnSpPr>
+          <p:spPr>
+            <a:xfrm>
+              <a:off x="3563888" y="4437112"/>
+              <a:ext cx="0" cy="504056"/>
+            </a:xfrm>
+            <a:prstGeom prst="line">
+              <a:avLst/>
+            </a:prstGeom>
+            <a:ln w="28575">
+              <a:solidFill>
+                <a:schemeClr val="tx1"/>
+              </a:solidFill>
+            </a:ln>
+            <a:effectLst/>
+          </p:spPr>
+          <p:style>
+            <a:lnRef idx="1">
+              <a:schemeClr val="accent4"/>
+            </a:lnRef>
+            <a:fillRef idx="2">
+              <a:schemeClr val="accent4"/>
+            </a:fillRef>
+            <a:effectRef idx="1">
+              <a:schemeClr val="accent4"/>
+            </a:effectRef>
+            <a:fontRef idx="minor">
+              <a:schemeClr val="dk1"/>
+            </a:fontRef>
+          </p:style>
+        </p:cxnSp>
+        <p:sp>
+          <p:nvSpPr>
+            <p:cNvPr id="8" name="Freeform 7"/>
+            <p:cNvSpPr/>
+            <p:nvPr/>
+          </p:nvSpPr>
+          <p:spPr>
+            <a:xfrm>
+              <a:off x="3324225" y="4933950"/>
+              <a:ext cx="479425" cy="361950"/>
+            </a:xfrm>
+            <a:custGeom>
+              <a:avLst/>
+              <a:gdLst>
+                <a:gd name="connsiteX0" fmla="*/ 0 w 479425"/>
+                <a:gd name="connsiteY0" fmla="*/ 355600 h 361950"/>
+                <a:gd name="connsiteX1" fmla="*/ 241300 w 479425"/>
+                <a:gd name="connsiteY1" fmla="*/ 0 h 361950"/>
+                <a:gd name="connsiteX2" fmla="*/ 479425 w 479425"/>
+                <a:gd name="connsiteY2" fmla="*/ 361950 h 361950"/>
+              </a:gdLst>
+              <a:ahLst/>
+              <a:cxnLst>
+                <a:cxn ang="0">
+                  <a:pos x="connsiteX0" y="connsiteY0"/>
+                </a:cxn>
+                <a:cxn ang="0">
+                  <a:pos x="connsiteX1" y="connsiteY1"/>
+                </a:cxn>
+                <a:cxn ang="0">
+                  <a:pos x="connsiteX2" y="connsiteY2"/>
+                </a:cxn>
+              </a:cxnLst>
+              <a:rect l="l" t="t" r="r" b="b"/>
+              <a:pathLst>
+                <a:path w="479425" h="361950">
+                  <a:moveTo>
+                    <a:pt x="0" y="355600"/>
+                  </a:moveTo>
+                  <a:lnTo>
+                    <a:pt x="241300" y="0"/>
+                  </a:lnTo>
+                  <a:lnTo>
+                    <a:pt x="479425" y="361950"/>
+                  </a:lnTo>
+                </a:path>
+              </a:pathLst>
+            </a:custGeom>
+            <a:noFill/>
+            <a:ln w="28575">
+              <a:solidFill>
+                <a:schemeClr val="tx1"/>
+              </a:solidFill>
+            </a:ln>
+            <a:effectLst/>
+          </p:spPr>
+          <p:style>
+            <a:lnRef idx="1">
+              <a:schemeClr val="accent4"/>
+            </a:lnRef>
+            <a:fillRef idx="2">
+              <a:schemeClr val="accent4"/>
+            </a:fillRef>
+            <a:effectRef idx="1">
+              <a:schemeClr val="accent4"/>
+            </a:effectRef>
+            <a:fontRef idx="minor">
+              <a:schemeClr val="dk1"/>
+            </a:fontRef>
+          </p:style>
+          <p:txBody>
+            <a:bodyPr rtlCol="0" anchor="ctr"/>
+            <a:lstStyle/>
+            <a:p>
+              <a:pPr algn="ctr"/>
+              <a:endParaRPr lang="en-SG"/>
+            </a:p>
+          </p:txBody>
+        </p:sp>
+        <p:cxnSp>
+          <p:nvCxnSpPr>
+            <p:cNvPr id="9" name="Straight Connector 8"/>
+            <p:cNvCxnSpPr/>
+            <p:nvPr/>
+          </p:nvCxnSpPr>
+          <p:spPr>
+            <a:xfrm>
+              <a:off x="3239901" y="4509120"/>
+              <a:ext cx="648072" cy="0"/>
+            </a:xfrm>
+            <a:prstGeom prst="line">
+              <a:avLst/>
+            </a:prstGeom>
+            <a:ln w="28575">
+              <a:solidFill>
+                <a:schemeClr val="tx1"/>
+              </a:solidFill>
+            </a:ln>
+            <a:effectLst/>
+          </p:spPr>
+          <p:style>
+            <a:lnRef idx="1">
+              <a:schemeClr val="accent4"/>
+            </a:lnRef>
+            <a:fillRef idx="2">
+              <a:schemeClr val="accent4"/>
+            </a:fillRef>
+            <a:effectRef idx="1">
+              <a:schemeClr val="accent4"/>
+            </a:effectRef>
+            <a:fontRef idx="minor">
+              <a:schemeClr val="dk1"/>
+            </a:fontRef>
+          </p:style>
+        </p:cxnSp>
+      </p:grpSp>
+      <p:sp>
+        <p:nvSpPr>
+          <p:cNvPr id="10" name="Rectangle 62"/>
+          <p:cNvSpPr/>
+          <p:nvPr/>
+        </p:nvSpPr>
+        <p:spPr>
+          <a:xfrm>
+            <a:off x="3630765" y="611613"/>
+            <a:ext cx="1093635" cy="346760"/>
+          </a:xfrm>
+          <a:prstGeom prst="rect">
+            <a:avLst/>
+          </a:prstGeom>
+          <a:solidFill>
+            <a:srgbClr val="0070C0"/>
+          </a:solidFill>
+          <a:ln w="19050">
+            <a:solidFill>
+              <a:srgbClr val="0070C0"/>
+            </a:solidFill>
+          </a:ln>
+          <a:effectLst/>
+        </p:spPr>
+        <p:style>
+          <a:lnRef idx="1">
+            <a:schemeClr val="accent2"/>
+          </a:lnRef>
+          <a:fillRef idx="2">
+            <a:schemeClr val="accent2"/>
+          </a:fillRef>
+          <a:effectRef idx="1">
+            <a:schemeClr val="accent2"/>
+          </a:effectRef>
+          <a:fontRef idx="minor">
+            <a:schemeClr val="dk1"/>
+          </a:fontRef>
+        </p:style>
+        <p:txBody>
+          <a:bodyPr rtlCol="0" anchor="ctr"/>
+          <a:lstStyle/>
+          <a:p>
+            <a:pPr algn="ctr"/>
+            <a:r>
+              <a:rPr lang="en-US" sz="1600" dirty="0" smtClean="0">
+                <a:solidFill>
+                  <a:schemeClr val="bg1"/>
+                </a:solidFill>
+              </a:rPr>
+              <a:t>:Logic</a:t>
+            </a:r>
+            <a:endParaRPr lang="en-SG" sz="1600" dirty="0">
+              <a:solidFill>
+                <a:schemeClr val="bg1"/>
+              </a:solidFill>
+            </a:endParaRPr>
+          </a:p>
+        </p:txBody>
+      </p:sp>
+      <p:cxnSp>
+        <p:nvCxnSpPr>
+          <p:cNvPr id="11" name="Straight Connector 10"/>
+          <p:cNvCxnSpPr/>
+          <p:nvPr/>
+        </p:nvCxnSpPr>
+        <p:spPr>
+          <a:xfrm>
+            <a:off x="4159973" y="975284"/>
+            <a:ext cx="0" cy="1723059"/>
+          </a:xfrm>
+          <a:prstGeom prst="line">
+            <a:avLst/>
+          </a:prstGeom>
+          <a:ln w="19050">
+            <a:solidFill>
+              <a:srgbClr val="0070C0"/>
+            </a:solidFill>
+            <a:prstDash val="sysDash"/>
+          </a:ln>
+          <a:effectLst/>
+        </p:spPr>
+        <p:style>
+          <a:lnRef idx="1">
+            <a:schemeClr val="accent1"/>
+          </a:lnRef>
+          <a:fillRef idx="2">
+            <a:schemeClr val="accent1"/>
+          </a:fillRef>
+          <a:effectRef idx="1">
+            <a:schemeClr val="accent1"/>
+          </a:effectRef>
+          <a:fontRef idx="minor">
+            <a:schemeClr val="dk1"/>
+          </a:fontRef>
+        </p:style>
+      </p:cxnSp>
+      <p:sp>
+        <p:nvSpPr>
+          <p:cNvPr id="12" name="Rectangle 11"/>
+          <p:cNvSpPr/>
+          <p:nvPr/>
+        </p:nvSpPr>
+        <p:spPr>
+          <a:xfrm>
+            <a:off x="4087965" y="1433477"/>
+            <a:ext cx="144016" cy="832525"/>
+          </a:xfrm>
+          <a:prstGeom prst="rect">
+            <a:avLst/>
+          </a:prstGeom>
+          <a:solidFill>
+            <a:srgbClr val="0070C0"/>
+          </a:solidFill>
+          <a:ln>
+            <a:solidFill>
+              <a:srgbClr val="0070C0"/>
+            </a:solidFill>
+          </a:ln>
+          <a:effectLst/>
+        </p:spPr>
+        <p:style>
+          <a:lnRef idx="1">
+            <a:schemeClr val="accent3"/>
+          </a:lnRef>
+          <a:fillRef idx="2">
+            <a:schemeClr val="accent3"/>
+          </a:fillRef>
+          <a:effectRef idx="1">
+            <a:schemeClr val="accent3"/>
+          </a:effectRef>
+          <a:fontRef idx="minor">
+            <a:schemeClr val="dk1"/>
+          </a:fontRef>
+        </p:style>
+        <p:txBody>
+          <a:bodyPr rtlCol="0" anchor="ctr"/>
+          <a:lstStyle/>
+          <a:p>
+            <a:pPr algn="ctr"/>
+            <a:endParaRPr lang="en-SG" sz="1400">
+              <a:solidFill>
+                <a:schemeClr val="dk1"/>
+              </a:solidFill>
+            </a:endParaRPr>
+          </a:p>
+        </p:txBody>
+      </p:sp>
+      <p:sp>
+        <p:nvSpPr>
+          <p:cNvPr id="13" name="Rectangle 62"/>
+          <p:cNvSpPr/>
+          <p:nvPr/>
+        </p:nvSpPr>
+        <p:spPr>
+          <a:xfrm>
+            <a:off x="6983565" y="607926"/>
+            <a:ext cx="1093635" cy="346760"/>
+          </a:xfrm>
+          <a:prstGeom prst="rect">
+            <a:avLst/>
+          </a:prstGeom>
+          <a:solidFill>
+            <a:srgbClr val="7030A0"/>
+          </a:solidFill>
+          <a:ln w="19050">
+            <a:solidFill>
+              <a:srgbClr val="7030A0"/>
+            </a:solidFill>
+          </a:ln>
+          <a:effectLst/>
+        </p:spPr>
+        <p:style>
+          <a:lnRef idx="1">
+            <a:schemeClr val="accent2"/>
+          </a:lnRef>
+          <a:fillRef idx="2">
+            <a:schemeClr val="accent2"/>
+          </a:fillRef>
+          <a:effectRef idx="1">
+            <a:schemeClr val="accent2"/>
+          </a:effectRef>
+          <a:fontRef idx="minor">
+            <a:schemeClr val="dk1"/>
+          </a:fontRef>
+        </p:style>
+        <p:txBody>
+          <a:bodyPr rtlCol="0" anchor="ctr"/>
+          <a:lstStyle/>
+          <a:p>
+            <a:pPr algn="ctr"/>
+            <a:r>
+              <a:rPr lang="en-US" sz="1600" dirty="0" smtClean="0">
+                <a:solidFill>
+                  <a:schemeClr val="bg1"/>
+                </a:solidFill>
+              </a:rPr>
+              <a:t>:Model</a:t>
+            </a:r>
+            <a:endParaRPr lang="en-SG" sz="1600" dirty="0">
+              <a:solidFill>
+                <a:schemeClr val="bg1"/>
+              </a:solidFill>
+            </a:endParaRPr>
+          </a:p>
+        </p:txBody>
+      </p:sp>
+      <p:cxnSp>
+        <p:nvCxnSpPr>
+          <p:cNvPr id="14" name="Straight Connector 13"/>
+          <p:cNvCxnSpPr/>
+          <p:nvPr/>
+        </p:nvCxnSpPr>
+        <p:spPr>
+          <a:xfrm>
+            <a:off x="7530382" y="971597"/>
+            <a:ext cx="0" cy="1723059"/>
+          </a:xfrm>
+          <a:prstGeom prst="line">
+            <a:avLst/>
+          </a:prstGeom>
+          <a:ln w="19050">
+            <a:solidFill>
+              <a:srgbClr val="7030A0"/>
+            </a:solidFill>
+            <a:prstDash val="sysDash"/>
+          </a:ln>
+          <a:effectLst/>
+        </p:spPr>
+        <p:style>
+          <a:lnRef idx="1">
+            <a:schemeClr val="accent1"/>
+          </a:lnRef>
+          <a:fillRef idx="2">
+            <a:schemeClr val="accent1"/>
+          </a:fillRef>
+          <a:effectRef idx="1">
+            <a:schemeClr val="accent1"/>
+          </a:effectRef>
+          <a:fontRef idx="minor">
+            <a:schemeClr val="dk1"/>
+          </a:fontRef>
+        </p:style>
+      </p:cxnSp>
+      <p:sp>
+        <p:nvSpPr>
+          <p:cNvPr id="15" name="Rectangle 14"/>
+          <p:cNvSpPr/>
+          <p:nvPr/>
+        </p:nvSpPr>
+        <p:spPr>
+          <a:xfrm>
+            <a:off x="7458374" y="1538408"/>
+            <a:ext cx="142006" cy="651394"/>
+          </a:xfrm>
+          <a:prstGeom prst="rect">
+            <a:avLst/>
+          </a:prstGeom>
+          <a:solidFill>
+            <a:srgbClr val="7030A0"/>
+          </a:solidFill>
+          <a:ln>
+            <a:solidFill>
+              <a:srgbClr val="7030A0"/>
+            </a:solidFill>
+          </a:ln>
+          <a:effectLst/>
+        </p:spPr>
+        <p:style>
+          <a:lnRef idx="1">
+            <a:schemeClr val="accent3"/>
+          </a:lnRef>
+          <a:fillRef idx="2">
+            <a:schemeClr val="accent3"/>
+          </a:fillRef>
+          <a:effectRef idx="1">
+            <a:schemeClr val="accent3"/>
+          </a:effectRef>
+          <a:fontRef idx="minor">
+            <a:schemeClr val="dk1"/>
+          </a:fontRef>
+        </p:style>
+        <p:txBody>
+          <a:bodyPr rtlCol="0" anchor="ctr"/>
+          <a:lstStyle/>
+          <a:p>
+            <a:pPr algn="ctr"/>
+            <a:endParaRPr lang="en-SG" sz="1400">
+              <a:solidFill>
+                <a:schemeClr val="dk1"/>
+              </a:solidFill>
+            </a:endParaRPr>
+          </a:p>
+        </p:txBody>
+      </p:sp>
+      <p:cxnSp>
+        <p:nvCxnSpPr>
+          <p:cNvPr id="16" name="Straight Arrow Connector 15"/>
+          <p:cNvCxnSpPr/>
+          <p:nvPr/>
+        </p:nvCxnSpPr>
+        <p:spPr>
+          <a:xfrm>
+            <a:off x="1201983" y="1325979"/>
+            <a:ext cx="1119851" cy="0"/>
+          </a:xfrm>
+          <a:prstGeom prst="straightConnector1">
+            <a:avLst/>
+          </a:prstGeom>
+          <a:ln w="19050">
+            <a:solidFill>
+              <a:schemeClr val="tx1"/>
+            </a:solidFill>
+            <a:tailEnd type="arrow"/>
+          </a:ln>
+        </p:spPr>
+        <p:style>
+          <a:lnRef idx="1">
+            <a:schemeClr val="accent1"/>
+          </a:lnRef>
+          <a:fillRef idx="0">
+            <a:schemeClr val="accent1"/>
+          </a:fillRef>
+          <a:effectRef idx="0">
+            <a:schemeClr val="accent1"/>
+          </a:effectRef>
+          <a:fontRef idx="minor">
+            <a:schemeClr val="tx1"/>
+          </a:fontRef>
+        </p:style>
+      </p:cxnSp>
+      <p:sp>
+        <p:nvSpPr>
+          <p:cNvPr id="17" name="TextBox 16"/>
+          <p:cNvSpPr txBox="1"/>
+          <p:nvPr/>
+        </p:nvSpPr>
+        <p:spPr>
+          <a:xfrm>
+            <a:off x="1201983" y="1345880"/>
+            <a:ext cx="860170" cy="215444"/>
+          </a:xfrm>
+          <a:prstGeom prst="rect">
+            <a:avLst/>
+          </a:prstGeom>
+          <a:noFill/>
+        </p:spPr>
+        <p:txBody>
+          <a:bodyPr wrap="square" lIns="0" tIns="0" rIns="0" bIns="0" rtlCol="0">
+            <a:spAutoFit/>
+          </a:bodyPr>
+          <a:lstStyle/>
+          <a:p>
+            <a:r>
+              <a:rPr lang="en-US" sz="1400" dirty="0" smtClean="0"/>
+              <a:t>undo</a:t>
+            </a:r>
+            <a:endParaRPr lang="en-US" sz="1400" dirty="0"/>
+          </a:p>
+        </p:txBody>
+      </p:sp>
+      <p:cxnSp>
+        <p:nvCxnSpPr>
+          <p:cNvPr id="18" name="Straight Arrow Connector 17"/>
+          <p:cNvCxnSpPr/>
+          <p:nvPr/>
+        </p:nvCxnSpPr>
+        <p:spPr>
+          <a:xfrm flipV="1">
+            <a:off x="2474234" y="1433477"/>
+            <a:ext cx="1461331" cy="1"/>
+          </a:xfrm>
+          <a:prstGeom prst="straightConnector1">
+            <a:avLst/>
+          </a:prstGeom>
+          <a:ln w="19050">
+            <a:solidFill>
+              <a:srgbClr val="00B050"/>
+            </a:solidFill>
+            <a:tailEnd type="arrow"/>
+          </a:ln>
+        </p:spPr>
+        <p:style>
+          <a:lnRef idx="1">
+            <a:schemeClr val="accent1"/>
+          </a:lnRef>
+          <a:fillRef idx="0">
+            <a:schemeClr val="accent1"/>
+          </a:fillRef>
+          <a:effectRef idx="0">
+            <a:schemeClr val="accent1"/>
+          </a:effectRef>
+          <a:fontRef idx="minor">
+            <a:schemeClr val="tx1"/>
+          </a:fontRef>
+        </p:style>
+      </p:cxnSp>
+      <p:sp>
+        <p:nvSpPr>
+          <p:cNvPr id="19" name="TextBox 18"/>
+          <p:cNvSpPr txBox="1"/>
+          <p:nvPr/>
+        </p:nvSpPr>
+        <p:spPr>
+          <a:xfrm>
+            <a:off x="2640165" y="1524000"/>
+            <a:ext cx="1838418" cy="215444"/>
+          </a:xfrm>
+          <a:prstGeom prst="rect">
+            <a:avLst/>
+          </a:prstGeom>
+          <a:noFill/>
+        </p:spPr>
+        <p:txBody>
+          <a:bodyPr wrap="square" lIns="0" tIns="0" rIns="0" bIns="0" rtlCol="0">
+            <a:spAutoFit/>
+          </a:bodyPr>
+          <a:lstStyle/>
+          <a:p>
+            <a:r>
+              <a:rPr lang="en-US" sz="1400" dirty="0" smtClean="0">
+                <a:solidFill>
+                  <a:srgbClr val="0070C0"/>
+                </a:solidFill>
+              </a:rPr>
+              <a:t>execute</a:t>
+            </a:r>
+            <a:r>
+              <a:rPr lang="en-US" sz="1400" dirty="0" smtClean="0">
+                <a:solidFill>
+                  <a:srgbClr val="0070C0"/>
+                </a:solidFill>
+              </a:rPr>
+              <a:t>(“undo”)</a:t>
+            </a:r>
+            <a:endParaRPr lang="en-US" sz="1400" dirty="0">
+              <a:solidFill>
+                <a:srgbClr val="0070C0"/>
+              </a:solidFill>
+            </a:endParaRPr>
+          </a:p>
+        </p:txBody>
+      </p:sp>
+      <p:cxnSp>
+        <p:nvCxnSpPr>
+          <p:cNvPr id="20" name="Straight Arrow Connector 19"/>
+          <p:cNvCxnSpPr/>
+          <p:nvPr/>
+        </p:nvCxnSpPr>
+        <p:spPr>
+          <a:xfrm>
+            <a:off x="4595429" y="1447800"/>
+            <a:ext cx="2619598" cy="2"/>
+          </a:xfrm>
+          <a:prstGeom prst="straightConnector1">
+            <a:avLst/>
+          </a:prstGeom>
+          <a:ln w="19050">
+            <a:solidFill>
+              <a:srgbClr val="0070C0"/>
+            </a:solidFill>
+            <a:tailEnd type="arrow"/>
+          </a:ln>
+        </p:spPr>
+        <p:style>
+          <a:lnRef idx="1">
+            <a:schemeClr val="accent1"/>
+          </a:lnRef>
+          <a:fillRef idx="0">
+            <a:schemeClr val="accent1"/>
+          </a:fillRef>
+          <a:effectRef idx="0">
+            <a:schemeClr val="accent1"/>
+          </a:effectRef>
+          <a:fontRef idx="minor">
+            <a:schemeClr val="tx1"/>
+          </a:fontRef>
+        </p:style>
+      </p:cxnSp>
+      <p:sp>
+        <p:nvSpPr>
+          <p:cNvPr id="21" name="TextBox 20"/>
+          <p:cNvSpPr txBox="1"/>
+          <p:nvPr/>
+        </p:nvSpPr>
+        <p:spPr>
+          <a:xfrm>
+            <a:off x="4642221" y="1828800"/>
+            <a:ext cx="2567765" cy="215444"/>
+          </a:xfrm>
+          <a:prstGeom prst="rect">
+            <a:avLst/>
+          </a:prstGeom>
+          <a:noFill/>
+        </p:spPr>
+        <p:txBody>
+          <a:bodyPr wrap="square" lIns="0" tIns="0" rIns="0" bIns="0" rtlCol="0">
+            <a:spAutoFit/>
+          </a:bodyPr>
+          <a:lstStyle/>
+          <a:p>
+            <a:r>
+              <a:rPr lang="en-US" sz="1400" dirty="0" err="1" smtClean="0">
+                <a:solidFill>
+                  <a:srgbClr val="7030A0"/>
+                </a:solidFill>
+              </a:rPr>
+              <a:t>retreivePreviousStateInUndoStack</a:t>
+            </a:r>
+            <a:endParaRPr lang="en-US" sz="1400" dirty="0">
+              <a:solidFill>
+                <a:srgbClr val="7030A0"/>
+              </a:solidFill>
+            </a:endParaRPr>
+          </a:p>
+        </p:txBody>
+      </p:sp>
+      <p:cxnSp>
+        <p:nvCxnSpPr>
+          <p:cNvPr id="23" name="Straight Arrow Connector 22"/>
+          <p:cNvCxnSpPr/>
+          <p:nvPr/>
+        </p:nvCxnSpPr>
+        <p:spPr>
+          <a:xfrm>
+            <a:off x="4595429" y="1600200"/>
+            <a:ext cx="2619598" cy="1398"/>
+          </a:xfrm>
+          <a:prstGeom prst="straightConnector1">
+            <a:avLst/>
+          </a:prstGeom>
+          <a:ln w="19050">
+            <a:solidFill>
+              <a:srgbClr val="7030A0"/>
+            </a:solidFill>
+            <a:prstDash val="sysDash"/>
+            <a:headEnd type="arrow" w="med" len="med"/>
+            <a:tailEnd type="none" w="med" len="med"/>
+          </a:ln>
+        </p:spPr>
+        <p:style>
+          <a:lnRef idx="1">
+            <a:schemeClr val="accent1"/>
+          </a:lnRef>
+          <a:fillRef idx="0">
+            <a:schemeClr val="accent1"/>
+          </a:fillRef>
+          <a:effectRef idx="0">
+            <a:schemeClr val="accent1"/>
+          </a:effectRef>
+          <a:fontRef idx="minor">
+            <a:schemeClr val="tx1"/>
+          </a:fontRef>
+        </p:style>
+      </p:cxnSp>
+      <p:cxnSp>
+        <p:nvCxnSpPr>
+          <p:cNvPr id="24" name="Straight Arrow Connector 23"/>
+          <p:cNvCxnSpPr/>
+          <p:nvPr/>
+        </p:nvCxnSpPr>
+        <p:spPr>
+          <a:xfrm>
+            <a:off x="2474234" y="2266002"/>
+            <a:ext cx="1461331" cy="0"/>
+          </a:xfrm>
+          <a:prstGeom prst="straightConnector1">
+            <a:avLst/>
+          </a:prstGeom>
+          <a:ln w="19050">
+            <a:solidFill>
+              <a:srgbClr val="0070C0"/>
+            </a:solidFill>
+            <a:prstDash val="sysDash"/>
+            <a:headEnd type="arrow" w="med" len="med"/>
+            <a:tailEnd type="none" w="med" len="med"/>
+          </a:ln>
+        </p:spPr>
+        <p:style>
+          <a:lnRef idx="1">
+            <a:schemeClr val="accent1"/>
+          </a:lnRef>
+          <a:fillRef idx="0">
+            <a:schemeClr val="accent1"/>
+          </a:fillRef>
+          <a:effectRef idx="0">
+            <a:schemeClr val="accent1"/>
+          </a:effectRef>
+          <a:fontRef idx="minor">
+            <a:schemeClr val="tx1"/>
+          </a:fontRef>
+        </p:style>
+      </p:cxnSp>
+      <p:cxnSp>
+        <p:nvCxnSpPr>
+          <p:cNvPr id="25" name="Straight Arrow Connector 24"/>
+          <p:cNvCxnSpPr/>
+          <p:nvPr/>
+        </p:nvCxnSpPr>
+        <p:spPr>
+          <a:xfrm>
+            <a:off x="1125783" y="2342202"/>
+            <a:ext cx="1196051" cy="0"/>
+          </a:xfrm>
+          <a:prstGeom prst="straightConnector1">
+            <a:avLst/>
+          </a:prstGeom>
+          <a:ln w="19050">
+            <a:solidFill>
+              <a:srgbClr val="00B050"/>
+            </a:solidFill>
+            <a:prstDash val="sysDash"/>
+            <a:headEnd type="arrow" w="med" len="med"/>
+            <a:tailEnd type="none" w="med" len="med"/>
+          </a:ln>
+        </p:spPr>
+        <p:style>
+          <a:lnRef idx="1">
+            <a:schemeClr val="accent1"/>
+          </a:lnRef>
+          <a:fillRef idx="0">
+            <a:schemeClr val="accent1"/>
+          </a:fillRef>
+          <a:effectRef idx="0">
+            <a:schemeClr val="accent1"/>
+          </a:effectRef>
+          <a:fontRef idx="minor">
+            <a:schemeClr val="tx1"/>
+          </a:fontRef>
+        </p:style>
+      </p:cxnSp>
+      <p:cxnSp>
+        <p:nvCxnSpPr>
+          <p:cNvPr id="31" name="Straight Connector 30"/>
+          <p:cNvCxnSpPr/>
+          <p:nvPr/>
+        </p:nvCxnSpPr>
+        <p:spPr>
+          <a:xfrm flipH="1">
+            <a:off x="1049559" y="1099672"/>
+            <a:ext cx="24" cy="1598671"/>
+          </a:xfrm>
+          <a:prstGeom prst="line">
+            <a:avLst/>
+          </a:prstGeom>
+          <a:ln w="19050">
+            <a:solidFill>
+              <a:schemeClr val="tx1"/>
+            </a:solidFill>
+            <a:prstDash val="sysDash"/>
+          </a:ln>
+          <a:effectLst/>
+        </p:spPr>
+        <p:style>
+          <a:lnRef idx="1">
+            <a:schemeClr val="accent1"/>
+          </a:lnRef>
+          <a:fillRef idx="2">
+            <a:schemeClr val="accent1"/>
+          </a:fillRef>
+          <a:effectRef idx="1">
+            <a:schemeClr val="accent1"/>
+          </a:effectRef>
+          <a:fontRef idx="minor">
+            <a:schemeClr val="dk1"/>
+          </a:fontRef>
+        </p:style>
+      </p:cxnSp>
+      <p:cxnSp>
+        <p:nvCxnSpPr>
+          <p:cNvPr id="39" name="Straight Arrow Connector 38"/>
+          <p:cNvCxnSpPr/>
+          <p:nvPr/>
+        </p:nvCxnSpPr>
+        <p:spPr>
+          <a:xfrm>
+            <a:off x="4619402" y="2133600"/>
+            <a:ext cx="2619598" cy="2"/>
+          </a:xfrm>
+          <a:prstGeom prst="straightConnector1">
+            <a:avLst/>
+          </a:prstGeom>
+          <a:ln w="19050">
+            <a:solidFill>
+              <a:srgbClr val="0070C0"/>
+            </a:solidFill>
+            <a:tailEnd type="arrow"/>
+          </a:ln>
+        </p:spPr>
+        <p:style>
+          <a:lnRef idx="1">
+            <a:schemeClr val="accent1"/>
+          </a:lnRef>
+          <a:fillRef idx="0">
+            <a:schemeClr val="accent1"/>
+          </a:fillRef>
+          <a:effectRef idx="0">
+            <a:schemeClr val="accent1"/>
+          </a:effectRef>
+          <a:fontRef idx="minor">
+            <a:schemeClr val="tx1"/>
+          </a:fontRef>
+        </p:style>
+      </p:cxnSp>
+      <p:sp>
+        <p:nvSpPr>
+          <p:cNvPr id="40" name="TextBox 39"/>
+          <p:cNvSpPr txBox="1"/>
+          <p:nvPr/>
+        </p:nvSpPr>
+        <p:spPr>
+          <a:xfrm>
+            <a:off x="4899835" y="1143000"/>
+            <a:ext cx="2567765" cy="215444"/>
+          </a:xfrm>
+          <a:prstGeom prst="rect">
+            <a:avLst/>
+          </a:prstGeom>
+          <a:noFill/>
+        </p:spPr>
+        <p:txBody>
+          <a:bodyPr wrap="square" lIns="0" tIns="0" rIns="0" bIns="0" rtlCol="0">
+            <a:spAutoFit/>
+          </a:bodyPr>
+          <a:lstStyle/>
+          <a:p>
+            <a:r>
+              <a:rPr lang="en-US" sz="1400" dirty="0" err="1" smtClean="0">
+                <a:solidFill>
+                  <a:srgbClr val="7030A0"/>
+                </a:solidFill>
+              </a:rPr>
+              <a:t>checkStateInUndoStack</a:t>
+            </a:r>
+            <a:endParaRPr lang="en-US" sz="1400" dirty="0">
+              <a:solidFill>
+                <a:srgbClr val="7030A0"/>
+              </a:solidFill>
+            </a:endParaRPr>
+          </a:p>
+        </p:txBody>
+      </p:sp>
+      <p:cxnSp>
+        <p:nvCxnSpPr>
+          <p:cNvPr id="41" name="Straight Arrow Connector 40"/>
+          <p:cNvCxnSpPr/>
+          <p:nvPr/>
+        </p:nvCxnSpPr>
+        <p:spPr>
+          <a:xfrm>
+            <a:off x="4572000" y="2286000"/>
+            <a:ext cx="2619598" cy="1398"/>
+          </a:xfrm>
+          <a:prstGeom prst="straightConnector1">
+            <a:avLst/>
+          </a:prstGeom>
+          <a:ln w="19050">
+            <a:solidFill>
+              <a:srgbClr val="7030A0"/>
+            </a:solidFill>
+            <a:prstDash val="sysDash"/>
+            <a:headEnd type="arrow" w="med" len="med"/>
+            <a:tailEnd type="none" w="med" len="med"/>
+          </a:ln>
+        </p:spPr>
+        <p:style>
+          <a:lnRef idx="1">
+            <a:schemeClr val="accent1"/>
+          </a:lnRef>
+          <a:fillRef idx="0">
+            <a:schemeClr val="accent1"/>
+          </a:fillRef>
+          <a:effectRef idx="0">
+            <a:schemeClr val="accent1"/>
+          </a:effectRef>
+          <a:fontRef idx="minor">
+            <a:schemeClr val="tx1"/>
+          </a:fontRef>
+        </p:style>
+      </p:cxnSp>
+    </p:spTree>
+    <p:extLst>
+      <p:ext uri="{BB962C8B-B14F-4D97-AF65-F5344CB8AC3E}">
+        <p14:creationId xmlns:p14="http://schemas.microsoft.com/office/powerpoint/2010/main" val="667122811"/>
       </p:ext>
     </p:extLst>
   </p:cSld>

--- a/docs/diagrams/Diagrams(CS2103T - V0.3).pptx
+++ b/docs/diagrams/Diagrams(CS2103T - V0.3).pptx
@@ -5,7 +5,7 @@
     <p:sldMasterId id="2147483648" r:id="rId1"/>
   </p:sldMasterIdLst>
   <p:notesMasterIdLst>
-    <p:notesMasterId r:id="rId13"/>
+    <p:notesMasterId r:id="rId14"/>
   </p:notesMasterIdLst>
   <p:sldIdLst>
     <p:sldId id="256" r:id="rId2"/>
@@ -16,9 +16,10 @@
     <p:sldId id="261" r:id="rId7"/>
     <p:sldId id="267" r:id="rId8"/>
     <p:sldId id="269" r:id="rId9"/>
-    <p:sldId id="263" r:id="rId10"/>
-    <p:sldId id="264" r:id="rId11"/>
-    <p:sldId id="265" r:id="rId12"/>
+    <p:sldId id="270" r:id="rId10"/>
+    <p:sldId id="263" r:id="rId11"/>
+    <p:sldId id="264" r:id="rId12"/>
+    <p:sldId id="265" r:id="rId13"/>
   </p:sldIdLst>
   <p:sldSz cx="9144000" cy="6858000" type="screen4x3"/>
   <p:notesSz cx="6858000" cy="9144000"/>
@@ -131,6 +132,9 @@
           </p15:clr>
         </p15:guide>
       </p15:sldGuideLst>
+    </p:ext>
+    <p:ext uri="{2D200454-40CA-4A62-9FC3-DE9A4176ACB9}">
+      <p15:notesGuideLst xmlns:p15="http://schemas.microsoft.com/office/powerpoint/2012/main"/>
     </p:ext>
   </p:extLst>
 </p:presentation>
@@ -3642,8 +3646,8 @@
         </p:nvSpPr>
         <p:spPr>
           <a:xfrm>
-            <a:off x="609600" y="1524000"/>
-            <a:ext cx="9356122" cy="2409418"/>
+            <a:off x="762000" y="1741246"/>
+            <a:ext cx="8100335" cy="2997200"/>
           </a:xfrm>
           <a:prstGeom prst="roundRect">
             <a:avLst>
@@ -3651,7 +3655,7 @@
             </a:avLst>
           </a:prstGeom>
           <a:solidFill>
-            <a:schemeClr val="accent6">
+            <a:schemeClr val="accent4">
               <a:lumMod val="20000"/>
               <a:lumOff val="80000"/>
             </a:schemeClr>
@@ -3682,18 +3686,14 @@
             <a:r>
               <a:rPr lang="en-US" sz="1200" b="1" dirty="0" smtClean="0">
                 <a:solidFill>
-                  <a:schemeClr val="accent6">
-                    <a:lumMod val="75000"/>
-                  </a:schemeClr>
+                  <a:srgbClr val="7030A0"/>
                 </a:solidFill>
               </a:rPr>
-              <a:t>Storage</a:t>
+              <a:t>Model</a:t>
             </a:r>
             <a:endParaRPr lang="en-SG" sz="1200" b="1" dirty="0">
               <a:solidFill>
-                <a:schemeClr val="accent6">
-                  <a:lumMod val="75000"/>
-                </a:schemeClr>
+                <a:srgbClr val="7030A0"/>
               </a:solidFill>
             </a:endParaRPr>
           </a:p>
@@ -3707,22 +3707,18 @@
         </p:nvSpPr>
         <p:spPr>
           <a:xfrm>
-            <a:off x="2702871" y="3158440"/>
-            <a:ext cx="1516409" cy="346760"/>
+            <a:off x="2877180" y="3158440"/>
+            <a:ext cx="1093635" cy="346760"/>
           </a:xfrm>
           <a:prstGeom prst="rect">
             <a:avLst/>
           </a:prstGeom>
           <a:solidFill>
-            <a:schemeClr val="accent6">
-              <a:lumMod val="75000"/>
-            </a:schemeClr>
+            <a:srgbClr val="7030A0"/>
           </a:solidFill>
           <a:ln w="19050">
             <a:solidFill>
-              <a:schemeClr val="accent6">
-                <a:lumMod val="75000"/>
-              </a:schemeClr>
+              <a:srgbClr val="7030A0"/>
             </a:solidFill>
           </a:ln>
           <a:effectLst/>
@@ -3747,27 +3743,12 @@
           <a:p>
             <a:pPr algn="ctr"/>
             <a:r>
-              <a:rPr lang="en-US" sz="1050" dirty="0" smtClean="0">
+              <a:rPr lang="en-US" sz="1050" dirty="0" err="1" smtClean="0">
                 <a:solidFill>
                   <a:schemeClr val="bg1"/>
                 </a:solidFill>
               </a:rPr>
-              <a:t>&lt;&lt;interface&gt;&gt;</a:t>
-            </a:r>
-            <a:br>
-              <a:rPr lang="en-US" sz="1050" dirty="0" smtClean="0">
-                <a:solidFill>
-                  <a:schemeClr val="bg1"/>
-                </a:solidFill>
-              </a:rPr>
-            </a:br>
-            <a:r>
-              <a:rPr lang="en-US" sz="1050" dirty="0" err="1" smtClean="0">
-                <a:solidFill>
-                  <a:schemeClr val="bg1"/>
-                </a:solidFill>
-              </a:rPr>
-              <a:t>ActivityManagerStorage</a:t>
+              <a:t>UserPref</a:t>
             </a:r>
             <a:endParaRPr lang="en-SG" sz="1050" dirty="0">
               <a:solidFill>
@@ -3785,22 +3766,18 @@
         </p:nvSpPr>
         <p:spPr>
           <a:xfrm rot="16200000">
-            <a:off x="1610243" y="2868687"/>
+            <a:off x="1683963" y="2868687"/>
             <a:ext cx="1093635" cy="346760"/>
           </a:xfrm>
           <a:prstGeom prst="rect">
             <a:avLst/>
           </a:prstGeom>
           <a:solidFill>
-            <a:schemeClr val="accent6">
-              <a:lumMod val="75000"/>
-            </a:schemeClr>
+            <a:srgbClr val="7030A0"/>
           </a:solidFill>
           <a:ln w="19050">
             <a:solidFill>
-              <a:schemeClr val="accent6">
-                <a:lumMod val="75000"/>
-              </a:schemeClr>
+              <a:srgbClr val="7030A0"/>
             </a:solidFill>
           </a:ln>
           <a:effectLst/>
@@ -3830,7 +3807,7 @@
                   <a:schemeClr val="bg1"/>
                 </a:solidFill>
               </a:rPr>
-              <a:t>StorageManager</a:t>
+              <a:t>ModelManager</a:t>
             </a:r>
             <a:endParaRPr lang="en-SG" sz="1050" dirty="0">
               <a:solidFill>
@@ -3840,6 +3817,92 @@
           </a:p>
         </p:txBody>
       </p:sp>
+      <p:cxnSp>
+        <p:nvCxnSpPr>
+          <p:cNvPr id="53" name="Elbow Connector 63"/>
+          <p:cNvCxnSpPr>
+            <a:stCxn id="71" idx="3"/>
+            <a:endCxn id="62" idx="2"/>
+          </p:cNvCxnSpPr>
+          <p:nvPr/>
+        </p:nvCxnSpPr>
+        <p:spPr>
+          <a:xfrm flipV="1">
+            <a:off x="6477000" y="3204826"/>
+            <a:ext cx="190770" cy="405819"/>
+          </a:xfrm>
+          <a:prstGeom prst="bentConnector2">
+            <a:avLst/>
+          </a:prstGeom>
+          <a:ln w="19050">
+            <a:solidFill>
+              <a:srgbClr val="7030A0"/>
+            </a:solidFill>
+            <a:prstDash val="sysDot"/>
+            <a:headEnd type="none" w="med" len="med"/>
+            <a:tailEnd type="none" w="med" len="med"/>
+          </a:ln>
+          <a:effectLst/>
+        </p:spPr>
+        <p:style>
+          <a:lnRef idx="1">
+            <a:schemeClr val="accent2"/>
+          </a:lnRef>
+          <a:fillRef idx="2">
+            <a:schemeClr val="accent2"/>
+          </a:fillRef>
+          <a:effectRef idx="1">
+            <a:schemeClr val="accent2"/>
+          </a:effectRef>
+          <a:fontRef idx="minor">
+            <a:schemeClr val="dk1"/>
+          </a:fontRef>
+        </p:style>
+      </p:cxnSp>
+      <p:cxnSp>
+        <p:nvCxnSpPr>
+          <p:cNvPr id="107" name="Elbow Connector 106"/>
+          <p:cNvCxnSpPr>
+            <a:stCxn id="9" idx="1"/>
+          </p:cNvCxnSpPr>
+          <p:nvPr/>
+        </p:nvCxnSpPr>
+        <p:spPr>
+          <a:xfrm rot="5400000" flipH="1" flipV="1">
+            <a:off x="4360065" y="1080909"/>
+            <a:ext cx="378691" cy="4637261"/>
+          </a:xfrm>
+          <a:prstGeom prst="bentConnector4">
+            <a:avLst>
+              <a:gd name="adj1" fmla="val -101829"/>
+              <a:gd name="adj2" fmla="val 99976"/>
+            </a:avLst>
+          </a:prstGeom>
+          <a:ln w="19050">
+            <a:solidFill>
+              <a:srgbClr val="7030A0"/>
+            </a:solidFill>
+            <a:prstDash val="solid"/>
+            <a:headEnd type="none" w="med" len="med"/>
+            <a:tailEnd type="arrow" w="med" len="med"/>
+          </a:ln>
+          <a:effectLst/>
+        </p:spPr>
+        <p:style>
+          <a:lnRef idx="1">
+            <a:schemeClr val="accent2"/>
+          </a:lnRef>
+          <a:fillRef idx="2">
+            <a:schemeClr val="accent2"/>
+          </a:fillRef>
+          <a:effectRef idx="1">
+            <a:schemeClr val="accent2"/>
+          </a:effectRef>
+          <a:fontRef idx="minor">
+            <a:schemeClr val="dk1"/>
+          </a:fontRef>
+        </p:style>
+      </p:cxnSp>
       <p:sp>
         <p:nvSpPr>
           <p:cNvPr id="119" name="Rectangle 62"/>
@@ -3848,22 +3911,18 @@
         </p:nvSpPr>
         <p:spPr>
           <a:xfrm rot="16200000">
-            <a:off x="882939" y="2868687"/>
+            <a:off x="956202" y="2861202"/>
             <a:ext cx="1093635" cy="346760"/>
           </a:xfrm>
           <a:prstGeom prst="rect">
             <a:avLst/>
           </a:prstGeom>
           <a:solidFill>
-            <a:schemeClr val="accent6">
-              <a:lumMod val="75000"/>
-            </a:schemeClr>
+            <a:srgbClr val="7030A0"/>
           </a:solidFill>
           <a:ln w="19050">
             <a:solidFill>
-              <a:schemeClr val="accent6">
-                <a:lumMod val="75000"/>
-              </a:schemeClr>
+              <a:srgbClr val="7030A0"/>
             </a:solidFill>
           </a:ln>
           <a:effectLst/>
@@ -3904,7 +3963,7 @@
                   <a:schemeClr val="bg1"/>
                 </a:solidFill>
               </a:rPr>
-              <a:t>Storage</a:t>
+              <a:t>Model</a:t>
             </a:r>
             <a:endParaRPr lang="en-SG" sz="1050" dirty="0">
               <a:solidFill>
@@ -3922,35 +3981,31 @@
         </p:nvSpPr>
         <p:spPr>
           <a:xfrm rot="16200000">
-            <a:off x="1554728" y="2952291"/>
+            <a:off x="1626910" y="2952291"/>
             <a:ext cx="270504" cy="175523"/>
           </a:xfrm>
           <a:prstGeom prst="triangle">
             <a:avLst/>
           </a:prstGeom>
           <a:solidFill>
-            <a:schemeClr val="accent6">
-              <a:lumMod val="75000"/>
-            </a:schemeClr>
+            <a:srgbClr val="7030A0"/>
           </a:solidFill>
           <a:ln w="19050">
             <a:solidFill>
-              <a:schemeClr val="accent6">
-                <a:lumMod val="75000"/>
-              </a:schemeClr>
-            </a:solidFill>
-          </a:ln>
-          <a:effectLst/>
-        </p:spPr>
-        <p:style>
-          <a:lnRef idx="1">
-            <a:schemeClr val="accent2"/>
-          </a:lnRef>
-          <a:fillRef idx="2">
-            <a:schemeClr val="accent2"/>
-          </a:fillRef>
-          <a:effectRef idx="1">
-            <a:schemeClr val="accent2"/>
+              <a:srgbClr val="7030A0"/>
+            </a:solidFill>
+          </a:ln>
+          <a:effectLst/>
+        </p:spPr>
+        <p:style>
+          <a:lnRef idx="1">
+            <a:schemeClr val="accent6"/>
+          </a:lnRef>
+          <a:fillRef idx="2">
+            <a:schemeClr val="accent6"/>
+          </a:fillRef>
+          <a:effectRef idx="1">
+            <a:schemeClr val="accent6"/>
           </a:effectRef>
           <a:fontRef idx="minor">
             <a:schemeClr val="dk1"/>
@@ -3961,11 +4016,7 @@
           <a:lstStyle/>
           <a:p>
             <a:pPr algn="ctr"/>
-            <a:endParaRPr lang="en-SG" sz="1050">
-              <a:solidFill>
-                <a:schemeClr val="bg1"/>
-              </a:solidFill>
-            </a:endParaRPr>
+            <a:endParaRPr lang="en-SG" sz="1050"/>
           </a:p>
         </p:txBody>
       </p:sp>
@@ -3979,18 +4030,16 @@
           <p:nvPr/>
         </p:nvCxnSpPr>
         <p:spPr>
-          <a:xfrm flipV="1">
-            <a:off x="2571901" y="3331820"/>
-            <a:ext cx="130970" cy="14838"/>
+          <a:xfrm>
+            <a:off x="2656370" y="3326536"/>
+            <a:ext cx="220810" cy="5284"/>
           </a:xfrm>
           <a:prstGeom prst="straightConnector1">
             <a:avLst/>
           </a:prstGeom>
           <a:ln w="19050">
             <a:solidFill>
-              <a:schemeClr val="accent6">
-                <a:lumMod val="75000"/>
-              </a:schemeClr>
+              <a:srgbClr val="7030A0"/>
             </a:solidFill>
             <a:headEnd type="none" w="med" len="med"/>
             <a:tailEnd type="arrow" w="med" len="med"/>
@@ -4012,6 +4061,57 @@
           </a:fontRef>
         </p:style>
       </p:cxnSp>
+      <p:sp>
+        <p:nvSpPr>
+          <p:cNvPr id="71" name="Isosceles Triangle 102"/>
+          <p:cNvSpPr/>
+          <p:nvPr/>
+        </p:nvSpPr>
+        <p:spPr>
+          <a:xfrm rot="5400000" flipV="1">
+            <a:off x="6253986" y="3522883"/>
+            <a:ext cx="270504" cy="175523"/>
+          </a:xfrm>
+          <a:prstGeom prst="triangle">
+            <a:avLst/>
+          </a:prstGeom>
+          <a:solidFill>
+            <a:srgbClr val="7030A0"/>
+          </a:solidFill>
+          <a:ln w="19050">
+            <a:solidFill>
+              <a:srgbClr val="7030A0"/>
+            </a:solidFill>
+          </a:ln>
+          <a:effectLst/>
+        </p:spPr>
+        <p:style>
+          <a:lnRef idx="1">
+            <a:schemeClr val="accent4"/>
+          </a:lnRef>
+          <a:fillRef idx="2">
+            <a:schemeClr val="accent4"/>
+          </a:fillRef>
+          <a:effectRef idx="1">
+            <a:schemeClr val="accent4"/>
+          </a:effectRef>
+          <a:fontRef idx="minor">
+            <a:schemeClr val="dk1"/>
+          </a:fontRef>
+        </p:style>
+        <p:txBody>
+          <a:bodyPr rtlCol="0" anchor="ctr"/>
+          <a:lstStyle/>
+          <a:p>
+            <a:pPr algn="ctr"/>
+            <a:endParaRPr lang="en-SG" sz="1050" b="1">
+              <a:solidFill>
+                <a:srgbClr val="92D050"/>
+              </a:solidFill>
+            </a:endParaRPr>
+          </a:p>
+        </p:txBody>
+      </p:sp>
       <p:cxnSp>
         <p:nvCxnSpPr>
           <p:cNvPr id="75" name="Elbow Connector 122"/>
@@ -4065,7 +4165,7 @@
         </p:nvCxnSpPr>
         <p:spPr>
           <a:xfrm flipV="1">
-            <a:off x="1777742" y="3040052"/>
+            <a:off x="1849924" y="3040052"/>
             <a:ext cx="216105" cy="1"/>
           </a:xfrm>
           <a:prstGeom prst="line">
@@ -4073,9 +4173,7 @@
           </a:prstGeom>
           <a:ln w="19050">
             <a:solidFill>
-              <a:schemeClr val="accent6">
-                <a:lumMod val="75000"/>
-              </a:schemeClr>
+              <a:srgbClr val="7030A0"/>
             </a:solidFill>
             <a:prstDash val="sysDot"/>
             <a:headEnd type="none" w="med" len="med"/>
@@ -4106,7 +4204,7 @@
         </p:nvSpPr>
         <p:spPr>
           <a:xfrm>
-            <a:off x="2335853" y="3259968"/>
+            <a:off x="2420322" y="3239846"/>
             <a:ext cx="236048" cy="173380"/>
           </a:xfrm>
           <a:prstGeom prst="flowChartDecision">
@@ -4115,22 +4213,20 @@
           <a:noFill/>
           <a:ln w="19050">
             <a:solidFill>
-              <a:schemeClr val="accent6">
-                <a:lumMod val="75000"/>
-              </a:schemeClr>
-            </a:solidFill>
-          </a:ln>
-          <a:effectLst/>
-        </p:spPr>
-        <p:style>
-          <a:lnRef idx="1">
-            <a:schemeClr val="accent2"/>
-          </a:lnRef>
-          <a:fillRef idx="2">
-            <a:schemeClr val="accent2"/>
-          </a:fillRef>
-          <a:effectRef idx="1">
-            <a:schemeClr val="accent2"/>
+              <a:srgbClr val="7030A0"/>
+            </a:solidFill>
+          </a:ln>
+          <a:effectLst/>
+        </p:spPr>
+        <p:style>
+          <a:lnRef idx="1">
+            <a:schemeClr val="accent6"/>
+          </a:lnRef>
+          <a:fillRef idx="2">
+            <a:schemeClr val="accent6"/>
+          </a:fillRef>
+          <a:effectRef idx="1">
+            <a:schemeClr val="accent6"/>
           </a:effectRef>
           <a:fontRef idx="minor">
             <a:schemeClr val="dk1"/>
@@ -4141,27 +4237,948 @@
           <a:lstStyle/>
           <a:p>
             <a:pPr algn="ctr"/>
-            <a:endParaRPr lang="en-US" sz="1050">
+            <a:endParaRPr lang="en-US" sz="1050"/>
+          </a:p>
+        </p:txBody>
+      </p:sp>
+      <p:sp>
+        <p:nvSpPr>
+          <p:cNvPr id="46" name="Rectangle 8"/>
+          <p:cNvSpPr/>
+          <p:nvPr/>
+        </p:nvSpPr>
+        <p:spPr>
+          <a:xfrm>
+            <a:off x="2879490" y="2627420"/>
+            <a:ext cx="1093635" cy="346760"/>
+          </a:xfrm>
+          <a:prstGeom prst="rect">
+            <a:avLst/>
+          </a:prstGeom>
+          <a:ln w="19050">
+            <a:solidFill>
+              <a:srgbClr val="7030A0"/>
+            </a:solidFill>
+          </a:ln>
+          <a:effectLst/>
+        </p:spPr>
+        <p:style>
+          <a:lnRef idx="1">
+            <a:schemeClr val="accent4"/>
+          </a:lnRef>
+          <a:fillRef idx="2">
+            <a:schemeClr val="accent4"/>
+          </a:fillRef>
+          <a:effectRef idx="1">
+            <a:schemeClr val="accent4"/>
+          </a:effectRef>
+          <a:fontRef idx="minor">
+            <a:schemeClr val="dk1"/>
+          </a:fontRef>
+        </p:style>
+        <p:txBody>
+          <a:bodyPr rtlCol="0" anchor="ctr"/>
+          <a:lstStyle/>
+          <a:p>
+            <a:pPr algn="ctr"/>
+            <a:endParaRPr lang="en-SG" sz="1050" dirty="0">
               <a:solidFill>
-                <a:schemeClr val="bg1"/>
+                <a:srgbClr val="7030A0"/>
               </a:solidFill>
             </a:endParaRPr>
           </a:p>
         </p:txBody>
       </p:sp>
+      <p:cxnSp>
+        <p:nvCxnSpPr>
+          <p:cNvPr id="47" name="Straight Arrow Connector 46"/>
+          <p:cNvCxnSpPr>
+            <a:stCxn id="48" idx="3"/>
+            <a:endCxn id="46" idx="1"/>
+          </p:cNvCxnSpPr>
+          <p:nvPr/>
+        </p:nvCxnSpPr>
+        <p:spPr>
+          <a:xfrm>
+            <a:off x="2658680" y="2795516"/>
+            <a:ext cx="220810" cy="5284"/>
+          </a:xfrm>
+          <a:prstGeom prst="straightConnector1">
+            <a:avLst/>
+          </a:prstGeom>
+          <a:ln w="19050">
+            <a:solidFill>
+              <a:srgbClr val="7030A0"/>
+            </a:solidFill>
+            <a:headEnd type="none" w="med" len="med"/>
+            <a:tailEnd type="arrow" w="med" len="med"/>
+          </a:ln>
+          <a:effectLst/>
+        </p:spPr>
+        <p:style>
+          <a:lnRef idx="1">
+            <a:schemeClr val="accent2"/>
+          </a:lnRef>
+          <a:fillRef idx="2">
+            <a:schemeClr val="accent2"/>
+          </a:fillRef>
+          <a:effectRef idx="1">
+            <a:schemeClr val="accent2"/>
+          </a:effectRef>
+          <a:fontRef idx="minor">
+            <a:schemeClr val="dk1"/>
+          </a:fontRef>
+        </p:style>
+      </p:cxnSp>
+      <p:sp>
+        <p:nvSpPr>
+          <p:cNvPr id="48" name="Flowchart: Decision 96"/>
+          <p:cNvSpPr/>
+          <p:nvPr/>
+        </p:nvSpPr>
+        <p:spPr>
+          <a:xfrm>
+            <a:off x="2422632" y="2708826"/>
+            <a:ext cx="236048" cy="173380"/>
+          </a:xfrm>
+          <a:prstGeom prst="flowChartDecision">
+            <a:avLst/>
+          </a:prstGeom>
+          <a:noFill/>
+          <a:ln w="19050">
+            <a:solidFill>
+              <a:srgbClr val="7030A0"/>
+            </a:solidFill>
+          </a:ln>
+          <a:effectLst/>
+        </p:spPr>
+        <p:style>
+          <a:lnRef idx="1">
+            <a:schemeClr val="accent6"/>
+          </a:lnRef>
+          <a:fillRef idx="2">
+            <a:schemeClr val="accent6"/>
+          </a:fillRef>
+          <a:effectRef idx="1">
+            <a:schemeClr val="accent6"/>
+          </a:effectRef>
+          <a:fontRef idx="minor">
+            <a:schemeClr val="dk1"/>
+          </a:fontRef>
+        </p:style>
+        <p:txBody>
+          <a:bodyPr rtlCol="0" anchor="ctr"/>
+          <a:lstStyle/>
+          <a:p>
+            <a:pPr algn="ctr"/>
+            <a:endParaRPr lang="en-US" sz="1050"/>
+          </a:p>
+        </p:txBody>
+      </p:sp>
+      <p:sp>
+        <p:nvSpPr>
+          <p:cNvPr id="49" name="Rectangle 8"/>
+          <p:cNvSpPr/>
+          <p:nvPr/>
+        </p:nvSpPr>
+        <p:spPr>
+          <a:xfrm>
+            <a:off x="4487017" y="2847371"/>
+            <a:ext cx="1229307" cy="346760"/>
+          </a:xfrm>
+          <a:prstGeom prst="rect">
+            <a:avLst/>
+          </a:prstGeom>
+          <a:ln w="19050">
+            <a:solidFill>
+              <a:srgbClr val="7030A0"/>
+            </a:solidFill>
+          </a:ln>
+          <a:effectLst/>
+        </p:spPr>
+        <p:style>
+          <a:lnRef idx="1">
+            <a:schemeClr val="accent4"/>
+          </a:lnRef>
+          <a:fillRef idx="2">
+            <a:schemeClr val="accent4"/>
+          </a:fillRef>
+          <a:effectRef idx="1">
+            <a:schemeClr val="accent4"/>
+          </a:effectRef>
+          <a:fontRef idx="minor">
+            <a:schemeClr val="dk1"/>
+          </a:fontRef>
+        </p:style>
+        <p:txBody>
+          <a:bodyPr rtlCol="0" anchor="ctr"/>
+          <a:lstStyle/>
+          <a:p>
+            <a:pPr algn="ctr"/>
+            <a:r>
+              <a:rPr lang="en-US" sz="1050" dirty="0" err="1" smtClean="0">
+                <a:solidFill>
+                  <a:srgbClr val="7030A0"/>
+                </a:solidFill>
+              </a:rPr>
+              <a:t>UniqueActivityList</a:t>
+            </a:r>
+            <a:endParaRPr lang="en-SG" sz="1050" dirty="0">
+              <a:solidFill>
+                <a:srgbClr val="7030A0"/>
+              </a:solidFill>
+            </a:endParaRPr>
+          </a:p>
+        </p:txBody>
+      </p:sp>
+      <p:sp>
+        <p:nvSpPr>
+          <p:cNvPr id="51" name="Flowchart: Decision 96"/>
+          <p:cNvSpPr/>
+          <p:nvPr/>
+        </p:nvSpPr>
+        <p:spPr>
+          <a:xfrm>
+            <a:off x="3984303" y="2673991"/>
+            <a:ext cx="236048" cy="173380"/>
+          </a:xfrm>
+          <a:prstGeom prst="flowChartDecision">
+            <a:avLst/>
+          </a:prstGeom>
+          <a:solidFill>
+            <a:srgbClr val="7030A0"/>
+          </a:solidFill>
+          <a:ln w="19050">
+            <a:solidFill>
+              <a:srgbClr val="7030A0"/>
+            </a:solidFill>
+          </a:ln>
+          <a:effectLst/>
+        </p:spPr>
+        <p:style>
+          <a:lnRef idx="1">
+            <a:schemeClr val="accent6"/>
+          </a:lnRef>
+          <a:fillRef idx="2">
+            <a:schemeClr val="accent6"/>
+          </a:fillRef>
+          <a:effectRef idx="1">
+            <a:schemeClr val="accent6"/>
+          </a:effectRef>
+          <a:fontRef idx="minor">
+            <a:schemeClr val="dk1"/>
+          </a:fontRef>
+        </p:style>
+        <p:txBody>
+          <a:bodyPr rtlCol="0" anchor="ctr"/>
+          <a:lstStyle/>
+          <a:p>
+            <a:pPr algn="ctr"/>
+            <a:endParaRPr lang="en-US" sz="1050"/>
+          </a:p>
+        </p:txBody>
+      </p:sp>
+      <p:cxnSp>
+        <p:nvCxnSpPr>
+          <p:cNvPr id="30" name="Elbow Connector 29"/>
+          <p:cNvCxnSpPr>
+            <a:stCxn id="51" idx="3"/>
+            <a:endCxn id="49" idx="1"/>
+          </p:cNvCxnSpPr>
+          <p:nvPr/>
+        </p:nvCxnSpPr>
+        <p:spPr>
+          <a:xfrm>
+            <a:off x="4220351" y="2760681"/>
+            <a:ext cx="266666" cy="260070"/>
+          </a:xfrm>
+          <a:prstGeom prst="bentConnector3">
+            <a:avLst/>
+          </a:prstGeom>
+          <a:ln w="19050">
+            <a:solidFill>
+              <a:srgbClr val="7030A0"/>
+            </a:solidFill>
+            <a:headEnd type="none" w="med" len="med"/>
+            <a:tailEnd type="arrow" w="med" len="med"/>
+          </a:ln>
+          <a:effectLst/>
+        </p:spPr>
+        <p:style>
+          <a:lnRef idx="1">
+            <a:schemeClr val="accent2"/>
+          </a:lnRef>
+          <a:fillRef idx="2">
+            <a:schemeClr val="accent2"/>
+          </a:fillRef>
+          <a:effectRef idx="1">
+            <a:schemeClr val="accent2"/>
+          </a:effectRef>
+          <a:fontRef idx="minor">
+            <a:schemeClr val="dk1"/>
+          </a:fontRef>
+        </p:style>
+      </p:cxnSp>
+      <p:sp>
+        <p:nvSpPr>
+          <p:cNvPr id="62" name="Rectangle 8"/>
+          <p:cNvSpPr/>
+          <p:nvPr/>
+        </p:nvSpPr>
+        <p:spPr>
+          <a:xfrm>
+            <a:off x="6313677" y="2858066"/>
+            <a:ext cx="708186" cy="346760"/>
+          </a:xfrm>
+          <a:prstGeom prst="rect">
+            <a:avLst/>
+          </a:prstGeom>
+          <a:ln w="19050">
+            <a:solidFill>
+              <a:srgbClr val="7030A0"/>
+            </a:solidFill>
+          </a:ln>
+          <a:effectLst/>
+        </p:spPr>
+        <p:style>
+          <a:lnRef idx="1">
+            <a:schemeClr val="accent4"/>
+          </a:lnRef>
+          <a:fillRef idx="2">
+            <a:schemeClr val="accent4"/>
+          </a:fillRef>
+          <a:effectRef idx="1">
+            <a:schemeClr val="accent4"/>
+          </a:effectRef>
+          <a:fontRef idx="minor">
+            <a:schemeClr val="dk1"/>
+          </a:fontRef>
+        </p:style>
+        <p:txBody>
+          <a:bodyPr rtlCol="0" anchor="ctr"/>
+          <a:lstStyle/>
+          <a:p>
+            <a:pPr algn="ctr"/>
+            <a:r>
+              <a:rPr lang="en-US" sz="1050" dirty="0" smtClean="0">
+                <a:solidFill>
+                  <a:srgbClr val="7030A0"/>
+                </a:solidFill>
+              </a:rPr>
+              <a:t>Activity</a:t>
+            </a:r>
+            <a:endParaRPr lang="en-SG" sz="1050" dirty="0">
+              <a:solidFill>
+                <a:srgbClr val="7030A0"/>
+              </a:solidFill>
+            </a:endParaRPr>
+          </a:p>
+        </p:txBody>
+      </p:sp>
+      <p:sp>
+        <p:nvSpPr>
+          <p:cNvPr id="63" name="Flowchart: Decision 96"/>
+          <p:cNvSpPr/>
+          <p:nvPr/>
+        </p:nvSpPr>
+        <p:spPr>
+          <a:xfrm>
+            <a:off x="5723627" y="2942093"/>
+            <a:ext cx="236048" cy="173380"/>
+          </a:xfrm>
+          <a:prstGeom prst="flowChartDecision">
+            <a:avLst/>
+          </a:prstGeom>
+          <a:noFill/>
+          <a:ln w="19050">
+            <a:solidFill>
+              <a:srgbClr val="7030A0"/>
+            </a:solidFill>
+          </a:ln>
+          <a:effectLst/>
+        </p:spPr>
+        <p:style>
+          <a:lnRef idx="1">
+            <a:schemeClr val="accent6"/>
+          </a:lnRef>
+          <a:fillRef idx="2">
+            <a:schemeClr val="accent6"/>
+          </a:fillRef>
+          <a:effectRef idx="1">
+            <a:schemeClr val="accent6"/>
+          </a:effectRef>
+          <a:fontRef idx="minor">
+            <a:schemeClr val="dk1"/>
+          </a:fontRef>
+        </p:style>
+        <p:txBody>
+          <a:bodyPr rtlCol="0" anchor="ctr"/>
+          <a:lstStyle/>
+          <a:p>
+            <a:pPr algn="ctr"/>
+            <a:endParaRPr lang="en-US" sz="1050"/>
+          </a:p>
+        </p:txBody>
+      </p:sp>
+      <p:cxnSp>
+        <p:nvCxnSpPr>
+          <p:cNvPr id="64" name="Elbow Connector 63"/>
+          <p:cNvCxnSpPr>
+            <a:stCxn id="63" idx="3"/>
+            <a:endCxn id="62" idx="1"/>
+          </p:cNvCxnSpPr>
+          <p:nvPr/>
+        </p:nvCxnSpPr>
+        <p:spPr>
+          <a:xfrm>
+            <a:off x="5959675" y="3028783"/>
+            <a:ext cx="354002" cy="2663"/>
+          </a:xfrm>
+          <a:prstGeom prst="bentConnector3">
+            <a:avLst/>
+          </a:prstGeom>
+          <a:ln w="19050">
+            <a:solidFill>
+              <a:srgbClr val="7030A0"/>
+            </a:solidFill>
+            <a:headEnd type="none" w="med" len="med"/>
+            <a:tailEnd type="arrow" w="med" len="med"/>
+          </a:ln>
+          <a:effectLst/>
+        </p:spPr>
+        <p:style>
+          <a:lnRef idx="1">
+            <a:schemeClr val="accent2"/>
+          </a:lnRef>
+          <a:fillRef idx="2">
+            <a:schemeClr val="accent2"/>
+          </a:fillRef>
+          <a:effectRef idx="1">
+            <a:schemeClr val="accent2"/>
+          </a:effectRef>
+          <a:fontRef idx="minor">
+            <a:schemeClr val="dk1"/>
+          </a:fontRef>
+        </p:style>
+      </p:cxnSp>
+      <p:sp>
+        <p:nvSpPr>
+          <p:cNvPr id="72" name="Rectangle 8"/>
+          <p:cNvSpPr/>
+          <p:nvPr/>
+        </p:nvSpPr>
+        <p:spPr>
+          <a:xfrm>
+            <a:off x="5128257" y="3429000"/>
+            <a:ext cx="1156969" cy="346760"/>
+          </a:xfrm>
+          <a:prstGeom prst="rect">
+            <a:avLst/>
+          </a:prstGeom>
+          <a:ln w="19050">
+            <a:solidFill>
+              <a:srgbClr val="7030A0"/>
+            </a:solidFill>
+          </a:ln>
+          <a:effectLst/>
+        </p:spPr>
+        <p:style>
+          <a:lnRef idx="1">
+            <a:schemeClr val="accent4"/>
+          </a:lnRef>
+          <a:fillRef idx="2">
+            <a:schemeClr val="accent4"/>
+          </a:fillRef>
+          <a:effectRef idx="1">
+            <a:schemeClr val="accent4"/>
+          </a:effectRef>
+          <a:fontRef idx="minor">
+            <a:schemeClr val="dk1"/>
+          </a:fontRef>
+        </p:style>
+        <p:txBody>
+          <a:bodyPr rtlCol="0" anchor="ctr"/>
+          <a:lstStyle/>
+          <a:p>
+            <a:pPr algn="ctr"/>
+            <a:r>
+              <a:rPr lang="en-US" sz="1050" dirty="0" smtClean="0">
+                <a:solidFill>
+                  <a:srgbClr val="7030A0"/>
+                </a:solidFill>
+              </a:rPr>
+              <a:t>&lt;&lt;interface&gt;&gt;</a:t>
+            </a:r>
+            <a:br>
+              <a:rPr lang="en-US" sz="1050" dirty="0" smtClean="0">
+                <a:solidFill>
+                  <a:srgbClr val="7030A0"/>
+                </a:solidFill>
+              </a:rPr>
+            </a:br>
+            <a:r>
+              <a:rPr lang="en-US" sz="1050" dirty="0" err="1" smtClean="0">
+                <a:solidFill>
+                  <a:srgbClr val="7030A0"/>
+                </a:solidFill>
+              </a:rPr>
+              <a:t>ReadOnlyActivity</a:t>
+            </a:r>
+            <a:endParaRPr lang="en-SG" sz="1050" dirty="0">
+              <a:solidFill>
+                <a:srgbClr val="7030A0"/>
+              </a:solidFill>
+            </a:endParaRPr>
+          </a:p>
+        </p:txBody>
+      </p:sp>
+      <p:sp>
+        <p:nvSpPr>
+          <p:cNvPr id="76" name="Rectangle 8"/>
+          <p:cNvSpPr/>
+          <p:nvPr/>
+        </p:nvSpPr>
+        <p:spPr>
+          <a:xfrm>
+            <a:off x="7712396" y="2564240"/>
+            <a:ext cx="916675" cy="285782"/>
+          </a:xfrm>
+          <a:prstGeom prst="rect">
+            <a:avLst/>
+          </a:prstGeom>
+          <a:ln w="19050">
+            <a:solidFill>
+              <a:srgbClr val="7030A0"/>
+            </a:solidFill>
+          </a:ln>
+          <a:effectLst/>
+        </p:spPr>
+        <p:style>
+          <a:lnRef idx="1">
+            <a:schemeClr val="accent4"/>
+          </a:lnRef>
+          <a:fillRef idx="2">
+            <a:schemeClr val="accent4"/>
+          </a:fillRef>
+          <a:effectRef idx="1">
+            <a:schemeClr val="accent4"/>
+          </a:effectRef>
+          <a:fontRef idx="minor">
+            <a:schemeClr val="dk1"/>
+          </a:fontRef>
+        </p:style>
+        <p:txBody>
+          <a:bodyPr rtlCol="0" anchor="ctr"/>
+          <a:lstStyle/>
+          <a:p>
+            <a:pPr algn="ctr"/>
+            <a:r>
+              <a:rPr lang="en-US" sz="1050" dirty="0" err="1" smtClean="0">
+                <a:solidFill>
+                  <a:srgbClr val="7030A0"/>
+                </a:solidFill>
+              </a:rPr>
+              <a:t>ActivityType</a:t>
+            </a:r>
+            <a:endParaRPr lang="en-SG" sz="1050" dirty="0">
+              <a:solidFill>
+                <a:srgbClr val="7030A0"/>
+              </a:solidFill>
+            </a:endParaRPr>
+          </a:p>
+        </p:txBody>
+      </p:sp>
+      <p:sp>
+        <p:nvSpPr>
+          <p:cNvPr id="78" name="Flowchart: Decision 96"/>
+          <p:cNvSpPr/>
+          <p:nvPr/>
+        </p:nvSpPr>
+        <p:spPr>
+          <a:xfrm>
+            <a:off x="7041947" y="2948201"/>
+            <a:ext cx="236048" cy="173380"/>
+          </a:xfrm>
+          <a:prstGeom prst="flowChartDecision">
+            <a:avLst/>
+          </a:prstGeom>
+          <a:solidFill>
+            <a:srgbClr val="7030A0"/>
+          </a:solidFill>
+          <a:ln w="19050">
+            <a:solidFill>
+              <a:srgbClr val="7030A0"/>
+            </a:solidFill>
+          </a:ln>
+          <a:effectLst/>
+        </p:spPr>
+        <p:style>
+          <a:lnRef idx="1">
+            <a:schemeClr val="accent6"/>
+          </a:lnRef>
+          <a:fillRef idx="2">
+            <a:schemeClr val="accent6"/>
+          </a:fillRef>
+          <a:effectRef idx="1">
+            <a:schemeClr val="accent6"/>
+          </a:effectRef>
+          <a:fontRef idx="minor">
+            <a:schemeClr val="dk1"/>
+          </a:fontRef>
+        </p:style>
+        <p:txBody>
+          <a:bodyPr rtlCol="0" anchor="ctr"/>
+          <a:lstStyle/>
+          <a:p>
+            <a:pPr algn="ctr"/>
+            <a:endParaRPr lang="en-US" sz="1050"/>
+          </a:p>
+        </p:txBody>
+      </p:sp>
+      <p:cxnSp>
+        <p:nvCxnSpPr>
+          <p:cNvPr id="79" name="Elbow Connector 78"/>
+          <p:cNvCxnSpPr>
+            <a:stCxn id="78" idx="3"/>
+            <a:endCxn id="76" idx="1"/>
+          </p:cNvCxnSpPr>
+          <p:nvPr/>
+        </p:nvCxnSpPr>
+        <p:spPr>
+          <a:xfrm flipV="1">
+            <a:off x="7277995" y="2707131"/>
+            <a:ext cx="434401" cy="327760"/>
+          </a:xfrm>
+          <a:prstGeom prst="bentConnector3">
+            <a:avLst/>
+          </a:prstGeom>
+          <a:ln w="19050">
+            <a:solidFill>
+              <a:srgbClr val="7030A0"/>
+            </a:solidFill>
+            <a:headEnd type="none" w="med" len="med"/>
+            <a:tailEnd type="arrow" w="med" len="med"/>
+          </a:ln>
+          <a:effectLst/>
+        </p:spPr>
+        <p:style>
+          <a:lnRef idx="1">
+            <a:schemeClr val="accent2"/>
+          </a:lnRef>
+          <a:fillRef idx="2">
+            <a:schemeClr val="accent2"/>
+          </a:fillRef>
+          <a:effectRef idx="1">
+            <a:schemeClr val="accent2"/>
+          </a:effectRef>
+          <a:fontRef idx="minor">
+            <a:schemeClr val="dk1"/>
+          </a:fontRef>
+        </p:style>
+      </p:cxnSp>
+      <p:sp>
+        <p:nvSpPr>
+          <p:cNvPr id="80" name="Rectangle 8"/>
+          <p:cNvSpPr/>
+          <p:nvPr/>
+        </p:nvSpPr>
+        <p:spPr>
+          <a:xfrm>
+            <a:off x="7712396" y="2904800"/>
+            <a:ext cx="943475" cy="268199"/>
+          </a:xfrm>
+          <a:prstGeom prst="rect">
+            <a:avLst/>
+          </a:prstGeom>
+          <a:ln w="19050">
+            <a:solidFill>
+              <a:srgbClr val="7030A0"/>
+            </a:solidFill>
+          </a:ln>
+          <a:effectLst/>
+        </p:spPr>
+        <p:style>
+          <a:lnRef idx="1">
+            <a:schemeClr val="accent4"/>
+          </a:lnRef>
+          <a:fillRef idx="2">
+            <a:schemeClr val="accent4"/>
+          </a:fillRef>
+          <a:effectRef idx="1">
+            <a:schemeClr val="accent4"/>
+          </a:effectRef>
+          <a:fontRef idx="minor">
+            <a:schemeClr val="dk1"/>
+          </a:fontRef>
+        </p:style>
+        <p:txBody>
+          <a:bodyPr rtlCol="0" anchor="ctr"/>
+          <a:lstStyle/>
+          <a:p>
+            <a:pPr algn="ctr"/>
+            <a:r>
+              <a:rPr lang="en-US" sz="1050" dirty="0" err="1" smtClean="0">
+                <a:solidFill>
+                  <a:srgbClr val="7030A0"/>
+                </a:solidFill>
+              </a:rPr>
+              <a:t>ActivityName</a:t>
+            </a:r>
+            <a:endParaRPr lang="en-SG" sz="1050" dirty="0">
+              <a:solidFill>
+                <a:srgbClr val="7030A0"/>
+              </a:solidFill>
+            </a:endParaRPr>
+          </a:p>
+        </p:txBody>
+      </p:sp>
+      <p:cxnSp>
+        <p:nvCxnSpPr>
+          <p:cNvPr id="81" name="Elbow Connector 80"/>
+          <p:cNvCxnSpPr>
+            <a:stCxn id="78" idx="3"/>
+            <a:endCxn id="80" idx="1"/>
+          </p:cNvCxnSpPr>
+          <p:nvPr/>
+        </p:nvCxnSpPr>
+        <p:spPr>
+          <a:xfrm>
+            <a:off x="7277995" y="3034891"/>
+            <a:ext cx="434401" cy="4009"/>
+          </a:xfrm>
+          <a:prstGeom prst="bentConnector3">
+            <a:avLst/>
+          </a:prstGeom>
+          <a:ln w="19050">
+            <a:solidFill>
+              <a:srgbClr val="7030A0"/>
+            </a:solidFill>
+            <a:headEnd type="none" w="med" len="med"/>
+            <a:tailEnd type="arrow" w="med" len="med"/>
+          </a:ln>
+          <a:effectLst/>
+        </p:spPr>
+        <p:style>
+          <a:lnRef idx="1">
+            <a:schemeClr val="accent2"/>
+          </a:lnRef>
+          <a:fillRef idx="2">
+            <a:schemeClr val="accent2"/>
+          </a:fillRef>
+          <a:effectRef idx="1">
+            <a:schemeClr val="accent2"/>
+          </a:effectRef>
+          <a:fontRef idx="minor">
+            <a:schemeClr val="dk1"/>
+          </a:fontRef>
+        </p:style>
+      </p:cxnSp>
+      <p:sp>
+        <p:nvSpPr>
+          <p:cNvPr id="83" name="Rectangle 8"/>
+          <p:cNvSpPr/>
+          <p:nvPr/>
+        </p:nvSpPr>
+        <p:spPr>
+          <a:xfrm>
+            <a:off x="7712397" y="3210194"/>
+            <a:ext cx="708186" cy="285783"/>
+          </a:xfrm>
+          <a:prstGeom prst="rect">
+            <a:avLst/>
+          </a:prstGeom>
+          <a:ln w="19050">
+            <a:solidFill>
+              <a:srgbClr val="7030A0"/>
+            </a:solidFill>
+          </a:ln>
+          <a:effectLst/>
+        </p:spPr>
+        <p:style>
+          <a:lnRef idx="1">
+            <a:schemeClr val="accent4"/>
+          </a:lnRef>
+          <a:fillRef idx="2">
+            <a:schemeClr val="accent4"/>
+          </a:fillRef>
+          <a:effectRef idx="1">
+            <a:schemeClr val="accent4"/>
+          </a:effectRef>
+          <a:fontRef idx="minor">
+            <a:schemeClr val="dk1"/>
+          </a:fontRef>
+        </p:style>
+        <p:txBody>
+          <a:bodyPr rtlCol="0" anchor="ctr"/>
+          <a:lstStyle/>
+          <a:p>
+            <a:pPr algn="ctr"/>
+            <a:r>
+              <a:rPr lang="en-US" sz="1050" dirty="0" smtClean="0">
+                <a:solidFill>
+                  <a:srgbClr val="7030A0"/>
+                </a:solidFill>
+              </a:rPr>
+              <a:t>Note</a:t>
+            </a:r>
+            <a:endParaRPr lang="en-SG" sz="1050" dirty="0">
+              <a:solidFill>
+                <a:srgbClr val="7030A0"/>
+              </a:solidFill>
+            </a:endParaRPr>
+          </a:p>
+        </p:txBody>
+      </p:sp>
+      <p:cxnSp>
+        <p:nvCxnSpPr>
+          <p:cNvPr id="84" name="Elbow Connector 83"/>
+          <p:cNvCxnSpPr>
+            <a:stCxn id="78" idx="3"/>
+            <a:endCxn id="83" idx="1"/>
+          </p:cNvCxnSpPr>
+          <p:nvPr/>
+        </p:nvCxnSpPr>
+        <p:spPr>
+          <a:xfrm>
+            <a:off x="7277995" y="3034891"/>
+            <a:ext cx="434402" cy="318195"/>
+          </a:xfrm>
+          <a:prstGeom prst="bentConnector3">
+            <a:avLst/>
+          </a:prstGeom>
+          <a:ln w="19050">
+            <a:solidFill>
+              <a:srgbClr val="7030A0"/>
+            </a:solidFill>
+            <a:headEnd type="none" w="med" len="med"/>
+            <a:tailEnd type="arrow" w="med" len="med"/>
+          </a:ln>
+          <a:effectLst/>
+        </p:spPr>
+        <p:style>
+          <a:lnRef idx="1">
+            <a:schemeClr val="accent2"/>
+          </a:lnRef>
+          <a:fillRef idx="2">
+            <a:schemeClr val="accent2"/>
+          </a:fillRef>
+          <a:effectRef idx="1">
+            <a:schemeClr val="accent2"/>
+          </a:effectRef>
+          <a:fontRef idx="minor">
+            <a:schemeClr val="dk1"/>
+          </a:fontRef>
+        </p:style>
+      </p:cxnSp>
+      <p:sp>
+        <p:nvSpPr>
+          <p:cNvPr id="85" name="Rectangle 8"/>
+          <p:cNvSpPr/>
+          <p:nvPr/>
+        </p:nvSpPr>
+        <p:spPr>
+          <a:xfrm>
+            <a:off x="7712396" y="3533172"/>
+            <a:ext cx="822003" cy="282736"/>
+          </a:xfrm>
+          <a:prstGeom prst="rect">
+            <a:avLst/>
+          </a:prstGeom>
+          <a:ln w="19050">
+            <a:solidFill>
+              <a:srgbClr val="7030A0"/>
+            </a:solidFill>
+          </a:ln>
+          <a:effectLst/>
+        </p:spPr>
+        <p:style>
+          <a:lnRef idx="1">
+            <a:schemeClr val="accent4"/>
+          </a:lnRef>
+          <a:fillRef idx="2">
+            <a:schemeClr val="accent4"/>
+          </a:fillRef>
+          <a:effectRef idx="1">
+            <a:schemeClr val="accent4"/>
+          </a:effectRef>
+          <a:fontRef idx="minor">
+            <a:schemeClr val="dk1"/>
+          </a:fontRef>
+        </p:style>
+        <p:txBody>
+          <a:bodyPr rtlCol="0" anchor="ctr"/>
+          <a:lstStyle/>
+          <a:p>
+            <a:pPr algn="ctr"/>
+            <a:r>
+              <a:rPr lang="en-US" sz="1050" dirty="0" smtClean="0">
+                <a:solidFill>
+                  <a:srgbClr val="7030A0"/>
+                </a:solidFill>
+              </a:rPr>
+              <a:t>Completed</a:t>
+            </a:r>
+            <a:endParaRPr lang="en-SG" sz="1050" dirty="0">
+              <a:solidFill>
+                <a:srgbClr val="7030A0"/>
+              </a:solidFill>
+            </a:endParaRPr>
+          </a:p>
+        </p:txBody>
+      </p:sp>
+      <p:cxnSp>
+        <p:nvCxnSpPr>
+          <p:cNvPr id="86" name="Elbow Connector 85"/>
+          <p:cNvCxnSpPr>
+            <a:stCxn id="78" idx="3"/>
+            <a:endCxn id="85" idx="1"/>
+          </p:cNvCxnSpPr>
+          <p:nvPr/>
+        </p:nvCxnSpPr>
+        <p:spPr>
+          <a:xfrm>
+            <a:off x="7277995" y="3034891"/>
+            <a:ext cx="434401" cy="639649"/>
+          </a:xfrm>
+          <a:prstGeom prst="bentConnector3">
+            <a:avLst/>
+          </a:prstGeom>
+          <a:ln w="19050">
+            <a:solidFill>
+              <a:srgbClr val="7030A0"/>
+            </a:solidFill>
+            <a:headEnd type="none" w="med" len="med"/>
+            <a:tailEnd type="arrow" w="med" len="med"/>
+          </a:ln>
+          <a:effectLst/>
+        </p:spPr>
+        <p:style>
+          <a:lnRef idx="1">
+            <a:schemeClr val="accent2"/>
+          </a:lnRef>
+          <a:fillRef idx="2">
+            <a:schemeClr val="accent2"/>
+          </a:fillRef>
+          <a:effectRef idx="1">
+            <a:schemeClr val="accent2"/>
+          </a:effectRef>
+          <a:fontRef idx="minor">
+            <a:schemeClr val="dk1"/>
+          </a:fontRef>
+        </p:style>
+      </p:cxnSp>
       <p:cxnSp>
         <p:nvCxnSpPr>
           <p:cNvPr id="97" name="Elbow Connector 63"/>
           <p:cNvCxnSpPr>
             <a:stCxn id="99" idx="3"/>
-            <a:endCxn id="50" idx="1"/>
           </p:cNvCxnSpPr>
           <p:nvPr/>
         </p:nvCxnSpPr>
         <p:spPr>
-          <a:xfrm flipV="1">
-            <a:off x="4398041" y="3331820"/>
-            <a:ext cx="100898" cy="1"/>
+          <a:xfrm rot="16200000" flipH="1">
+            <a:off x="3279321" y="2485431"/>
+            <a:ext cx="293825" cy="1"/>
           </a:xfrm>
           <a:prstGeom prst="bentConnector3">
             <a:avLst>
@@ -4170,9 +5187,7 @@
           </a:prstGeom>
           <a:ln w="19050">
             <a:solidFill>
-              <a:schemeClr val="accent6">
-                <a:lumMod val="75000"/>
-              </a:schemeClr>
+              <a:srgbClr val="7030A0"/>
             </a:solidFill>
             <a:prstDash val="sysDot"/>
             <a:headEnd type="none" w="med" len="med"/>
@@ -4202,36 +5217,29 @@
           <p:nvPr/>
         </p:nvSpPr>
         <p:spPr>
-          <a:xfrm rot="5400000" flipV="1">
-            <a:off x="4175027" y="3244059"/>
+          <a:xfrm rot="10800000" flipV="1">
+            <a:off x="3290981" y="2162997"/>
             <a:ext cx="270504" cy="175523"/>
           </a:xfrm>
           <a:prstGeom prst="triangle">
             <a:avLst/>
           </a:prstGeom>
-          <a:solidFill>
-            <a:schemeClr val="accent6">
-              <a:lumMod val="75000"/>
-            </a:schemeClr>
-          </a:solidFill>
-          <a:ln w="19050">
-            <a:solidFill>
-              <a:schemeClr val="accent6">
-                <a:lumMod val="75000"/>
-              </a:schemeClr>
-            </a:solidFill>
-          </a:ln>
-          <a:effectLst/>
-        </p:spPr>
-        <p:style>
-          <a:lnRef idx="1">
-            <a:schemeClr val="accent2"/>
-          </a:lnRef>
-          <a:fillRef idx="2">
-            <a:schemeClr val="accent2"/>
-          </a:fillRef>
-          <a:effectRef idx="1">
-            <a:schemeClr val="accent2"/>
+          <a:ln w="19050">
+            <a:solidFill>
+              <a:srgbClr val="7030A0"/>
+            </a:solidFill>
+          </a:ln>
+          <a:effectLst/>
+        </p:spPr>
+        <p:style>
+          <a:lnRef idx="1">
+            <a:schemeClr val="accent4"/>
+          </a:lnRef>
+          <a:fillRef idx="2">
+            <a:schemeClr val="accent4"/>
+          </a:fillRef>
+          <a:effectRef idx="1">
+            <a:schemeClr val="accent4"/>
           </a:effectRef>
           <a:fontRef idx="minor">
             <a:schemeClr val="dk1"/>
@@ -4242,9 +5250,198 @@
           <a:lstStyle/>
           <a:p>
             <a:pPr algn="ctr"/>
-            <a:endParaRPr lang="en-SG" sz="1050">
+            <a:endParaRPr lang="en-SG" sz="1050" b="1">
               <a:solidFill>
-                <a:schemeClr val="bg1"/>
+                <a:srgbClr val="92D050"/>
+              </a:solidFill>
+            </a:endParaRPr>
+          </a:p>
+        </p:txBody>
+      </p:sp>
+      <p:sp>
+        <p:nvSpPr>
+          <p:cNvPr id="100" name="Rectangle 8"/>
+          <p:cNvSpPr/>
+          <p:nvPr/>
+        </p:nvSpPr>
+        <p:spPr>
+          <a:xfrm>
+            <a:off x="2660302" y="1806470"/>
+            <a:ext cx="1759297" cy="346760"/>
+          </a:xfrm>
+          <a:prstGeom prst="rect">
+            <a:avLst/>
+          </a:prstGeom>
+          <a:ln w="19050">
+            <a:solidFill>
+              <a:srgbClr val="7030A0"/>
+            </a:solidFill>
+          </a:ln>
+          <a:effectLst/>
+        </p:spPr>
+        <p:style>
+          <a:lnRef idx="1">
+            <a:schemeClr val="accent4"/>
+          </a:lnRef>
+          <a:fillRef idx="2">
+            <a:schemeClr val="accent4"/>
+          </a:fillRef>
+          <a:effectRef idx="1">
+            <a:schemeClr val="accent4"/>
+          </a:effectRef>
+          <a:fontRef idx="minor">
+            <a:schemeClr val="dk1"/>
+          </a:fontRef>
+        </p:style>
+        <p:txBody>
+          <a:bodyPr rtlCol="0" anchor="ctr"/>
+          <a:lstStyle/>
+          <a:p>
+            <a:pPr algn="ctr"/>
+            <a:r>
+              <a:rPr lang="en-US" sz="1050" dirty="0" smtClean="0">
+                <a:solidFill>
+                  <a:srgbClr val="7030A0"/>
+                </a:solidFill>
+              </a:rPr>
+              <a:t>&lt;&lt;interface&gt;&gt;</a:t>
+            </a:r>
+            <a:br>
+              <a:rPr lang="en-US" sz="1050" dirty="0" smtClean="0">
+                <a:solidFill>
+                  <a:srgbClr val="7030A0"/>
+                </a:solidFill>
+              </a:rPr>
+            </a:br>
+            <a:r>
+              <a:rPr lang="en-US" sz="1050" dirty="0" err="1" smtClean="0">
+                <a:solidFill>
+                  <a:srgbClr val="7030A0"/>
+                </a:solidFill>
+              </a:rPr>
+              <a:t>ReadOnlyActivityManager</a:t>
+            </a:r>
+            <a:endParaRPr lang="en-SG" sz="1050" dirty="0">
+              <a:solidFill>
+                <a:srgbClr val="7030A0"/>
+              </a:solidFill>
+            </a:endParaRPr>
+          </a:p>
+        </p:txBody>
+      </p:sp>
+      <p:sp>
+        <p:nvSpPr>
+          <p:cNvPr id="114" name="TextBox 113"/>
+          <p:cNvSpPr txBox="1"/>
+          <p:nvPr/>
+        </p:nvSpPr>
+        <p:spPr>
+          <a:xfrm rot="16200000">
+            <a:off x="6581354" y="3514530"/>
+            <a:ext cx="881018" cy="261610"/>
+          </a:xfrm>
+          <a:prstGeom prst="rect">
+            <a:avLst/>
+          </a:prstGeom>
+          <a:noFill/>
+        </p:spPr>
+        <p:txBody>
+          <a:bodyPr wrap="square" rtlCol="0">
+            <a:spAutoFit/>
+          </a:bodyPr>
+          <a:lstStyle/>
+          <a:p>
+            <a:pPr algn="r"/>
+            <a:r>
+              <a:rPr lang="en-US" sz="1100" dirty="0" smtClean="0">
+                <a:solidFill>
+                  <a:srgbClr val="7030A0"/>
+                </a:solidFill>
+              </a:rPr>
+              <a:t>filtered list</a:t>
+            </a:r>
+            <a:endParaRPr lang="en-SG" sz="1100" dirty="0">
+              <a:solidFill>
+                <a:srgbClr val="7030A0"/>
+              </a:solidFill>
+            </a:endParaRPr>
+          </a:p>
+        </p:txBody>
+      </p:sp>
+      <p:sp>
+        <p:nvSpPr>
+          <p:cNvPr id="122" name="Rectangle 8"/>
+          <p:cNvSpPr/>
+          <p:nvPr/>
+        </p:nvSpPr>
+        <p:spPr>
+          <a:xfrm>
+            <a:off x="2057400" y="4239491"/>
+            <a:ext cx="1775949" cy="346760"/>
+          </a:xfrm>
+          <a:prstGeom prst="rect">
+            <a:avLst/>
+          </a:prstGeom>
+          <a:ln w="19050">
+            <a:solidFill>
+              <a:srgbClr val="7030A0"/>
+            </a:solidFill>
+          </a:ln>
+          <a:effectLst/>
+        </p:spPr>
+        <p:style>
+          <a:lnRef idx="1">
+            <a:schemeClr val="accent4"/>
+          </a:lnRef>
+          <a:fillRef idx="2">
+            <a:schemeClr val="accent4"/>
+          </a:fillRef>
+          <a:effectRef idx="1">
+            <a:schemeClr val="accent4"/>
+          </a:effectRef>
+          <a:fontRef idx="minor">
+            <a:schemeClr val="dk1"/>
+          </a:fontRef>
+        </p:style>
+        <p:txBody>
+          <a:bodyPr rtlCol="0" anchor="ctr"/>
+          <a:lstStyle/>
+          <a:p>
+            <a:pPr algn="ctr"/>
+            <a:r>
+              <a:rPr lang="en-US" sz="1050" dirty="0" smtClean="0">
+                <a:solidFill>
+                  <a:srgbClr val="7030A0"/>
+                </a:solidFill>
+              </a:rPr>
+              <a:t>&lt;&lt;interface&gt;&gt;</a:t>
+            </a:r>
+            <a:r>
+              <a:rPr lang="en-US" sz="1050" dirty="0">
+                <a:solidFill>
+                  <a:srgbClr val="7030A0"/>
+                </a:solidFill>
+              </a:rPr>
+              <a:t/>
+            </a:r>
+            <a:br>
+              <a:rPr lang="en-US" sz="1050" dirty="0">
+                <a:solidFill>
+                  <a:srgbClr val="7030A0"/>
+                </a:solidFill>
+              </a:rPr>
+            </a:br>
+            <a:r>
+              <a:rPr lang="en-US" sz="1050" dirty="0" err="1" smtClean="0">
+                <a:solidFill>
+                  <a:srgbClr val="7030A0"/>
+                </a:solidFill>
+              </a:rPr>
+              <a:t>UnmodifiableObservableList</a:t>
+            </a:r>
+            <a:endParaRPr lang="en-SG" sz="1050" dirty="0">
+              <a:solidFill>
+                <a:srgbClr val="7030A0"/>
               </a:solidFill>
             </a:endParaRPr>
           </a:p>
@@ -4254,26 +5451,22 @@
         <p:nvCxnSpPr>
           <p:cNvPr id="124" name="Elbow Connector 122"/>
           <p:cNvCxnSpPr>
-            <a:stCxn id="50" idx="3"/>
-            <a:endCxn id="66" idx="1"/>
+            <a:stCxn id="119" idx="1"/>
+            <a:endCxn id="122" idx="1"/>
           </p:cNvCxnSpPr>
           <p:nvPr/>
         </p:nvCxnSpPr>
         <p:spPr>
-          <a:xfrm>
-            <a:off x="5819670" y="3331820"/>
-            <a:ext cx="200130" cy="1970"/>
-          </a:xfrm>
-          <a:prstGeom prst="bentConnector3">
-            <a:avLst>
-              <a:gd name="adj1" fmla="val 50000"/>
-            </a:avLst>
-          </a:prstGeom>
-          <a:ln w="19050">
-            <a:solidFill>
-              <a:schemeClr val="accent6">
-                <a:lumMod val="75000"/>
-              </a:schemeClr>
+          <a:xfrm rot="16200000" flipH="1">
+            <a:off x="1364475" y="3719945"/>
+            <a:ext cx="831471" cy="554380"/>
+          </a:xfrm>
+          <a:prstGeom prst="bentConnector2">
+            <a:avLst/>
+          </a:prstGeom>
+          <a:ln w="19050">
+            <a:solidFill>
+              <a:srgbClr val="7030A0"/>
             </a:solidFill>
             <a:prstDash val="sysDot"/>
             <a:headEnd type="none" w="med" len="med"/>
@@ -4298,897 +5491,42 @@
       </p:cxnSp>
       <p:sp>
         <p:nvSpPr>
-          <p:cNvPr id="50" name="Rectangle 8"/>
-          <p:cNvSpPr/>
-          <p:nvPr/>
-        </p:nvSpPr>
-        <p:spPr>
-          <a:xfrm>
-            <a:off x="4498939" y="3158440"/>
-            <a:ext cx="1320731" cy="346760"/>
+          <p:cNvPr id="13" name="TextBox 12"/>
+          <p:cNvSpPr txBox="1"/>
+          <p:nvPr/>
+        </p:nvSpPr>
+        <p:spPr>
+          <a:xfrm>
+            <a:off x="2866327" y="2648407"/>
+            <a:ext cx="1147560" cy="253916"/>
           </a:xfrm>
           <a:prstGeom prst="rect">
             <a:avLst/>
           </a:prstGeom>
-          <a:ln w="19050"/>
-          <a:effectLst/>
-        </p:spPr>
-        <p:style>
-          <a:lnRef idx="1">
-            <a:schemeClr val="accent6"/>
-          </a:lnRef>
-          <a:fillRef idx="2">
-            <a:schemeClr val="accent6"/>
-          </a:fillRef>
-          <a:effectRef idx="1">
-            <a:schemeClr val="accent6"/>
-          </a:effectRef>
-          <a:fontRef idx="minor">
-            <a:schemeClr val="dk1"/>
-          </a:fontRef>
-        </p:style>
-        <p:txBody>
-          <a:bodyPr rtlCol="0" anchor="ctr"/>
+          <a:noFill/>
+        </p:spPr>
+        <p:txBody>
+          <a:bodyPr wrap="square" rtlCol="0">
+            <a:spAutoFit/>
+          </a:bodyPr>
           <a:lstStyle/>
           <a:p>
-            <a:pPr algn="ctr"/>
-            <a:r>
-              <a:rPr lang="en-US" sz="1050" b="1" dirty="0" err="1" smtClean="0">
-                <a:solidFill>
-                  <a:schemeClr val="accent6">
-                    <a:lumMod val="75000"/>
-                  </a:schemeClr>
-                </a:solidFill>
-              </a:rPr>
-              <a:t>XmlActivityManager</a:t>
-            </a:r>
-            <a:r>
-              <a:rPr lang="en-US" sz="1050" b="1" dirty="0" smtClean="0">
-                <a:solidFill>
-                  <a:schemeClr val="accent6">
-                    <a:lumMod val="75000"/>
-                  </a:schemeClr>
-                </a:solidFill>
-              </a:rPr>
-              <a:t> Storage</a:t>
-            </a:r>
-            <a:endParaRPr lang="en-SG" sz="1050" b="1" dirty="0">
-              <a:solidFill>
-                <a:schemeClr val="accent6">
-                  <a:lumMod val="75000"/>
-                </a:schemeClr>
-              </a:solidFill>
-            </a:endParaRPr>
-          </a:p>
-        </p:txBody>
-      </p:sp>
-      <p:sp>
-        <p:nvSpPr>
-          <p:cNvPr id="52" name="Rectangle 8"/>
-          <p:cNvSpPr/>
-          <p:nvPr/>
-        </p:nvSpPr>
-        <p:spPr>
-          <a:xfrm>
-            <a:off x="2873943" y="2558040"/>
-            <a:ext cx="1323049" cy="346760"/>
-          </a:xfrm>
-          <a:prstGeom prst="rect">
-            <a:avLst/>
-          </a:prstGeom>
-          <a:solidFill>
-            <a:schemeClr val="accent6">
-              <a:lumMod val="75000"/>
-            </a:schemeClr>
-          </a:solidFill>
-          <a:ln w="19050">
-            <a:solidFill>
-              <a:schemeClr val="accent6">
-                <a:lumMod val="75000"/>
-              </a:schemeClr>
-            </a:solidFill>
-          </a:ln>
-          <a:effectLst/>
-        </p:spPr>
-        <p:style>
-          <a:lnRef idx="1">
-            <a:schemeClr val="accent2"/>
-          </a:lnRef>
-          <a:fillRef idx="2">
-            <a:schemeClr val="accent2"/>
-          </a:fillRef>
-          <a:effectRef idx="1">
-            <a:schemeClr val="accent2"/>
-          </a:effectRef>
-          <a:fontRef idx="minor">
-            <a:schemeClr val="dk1"/>
-          </a:fontRef>
-        </p:style>
-        <p:txBody>
-          <a:bodyPr rtlCol="0" anchor="ctr"/>
-          <a:lstStyle/>
-          <a:p>
-            <a:pPr algn="ctr"/>
-            <a:r>
-              <a:rPr lang="en-US" sz="1050" dirty="0" smtClean="0">
-                <a:solidFill>
-                  <a:schemeClr val="bg1"/>
-                </a:solidFill>
-              </a:rPr>
-              <a:t>&lt;&lt;interface&gt;&gt;</a:t>
-            </a:r>
-            <a:br>
-              <a:rPr lang="en-US" sz="1050" dirty="0" smtClean="0">
-                <a:solidFill>
-                  <a:schemeClr val="bg1"/>
-                </a:solidFill>
-              </a:rPr>
-            </a:br>
             <a:r>
               <a:rPr lang="en-US" sz="1050" dirty="0" err="1" smtClean="0">
                 <a:solidFill>
-                  <a:schemeClr val="bg1"/>
-                </a:solidFill>
-              </a:rPr>
-              <a:t>UserPrefsStorage</a:t>
-            </a:r>
-            <a:endParaRPr lang="en-SG" sz="1050" dirty="0">
-              <a:solidFill>
-                <a:schemeClr val="bg1"/>
-              </a:solidFill>
-            </a:endParaRPr>
-          </a:p>
-        </p:txBody>
-      </p:sp>
-      <p:cxnSp>
-        <p:nvCxnSpPr>
-          <p:cNvPr id="54" name="Straight Arrow Connector 53"/>
-          <p:cNvCxnSpPr>
-            <a:stCxn id="56" idx="3"/>
-            <a:endCxn id="52" idx="1"/>
-          </p:cNvCxnSpPr>
-          <p:nvPr/>
-        </p:nvCxnSpPr>
-        <p:spPr>
-          <a:xfrm>
-            <a:off x="2560163" y="2726136"/>
-            <a:ext cx="313780" cy="5284"/>
-          </a:xfrm>
-          <a:prstGeom prst="straightConnector1">
-            <a:avLst/>
-          </a:prstGeom>
-          <a:ln w="19050">
-            <a:solidFill>
-              <a:schemeClr val="accent6">
-                <a:lumMod val="75000"/>
-              </a:schemeClr>
-            </a:solidFill>
-            <a:headEnd type="none" w="med" len="med"/>
-            <a:tailEnd type="arrow" w="med" len="med"/>
-          </a:ln>
-          <a:effectLst/>
-        </p:spPr>
-        <p:style>
-          <a:lnRef idx="1">
-            <a:schemeClr val="accent2"/>
-          </a:lnRef>
-          <a:fillRef idx="2">
-            <a:schemeClr val="accent2"/>
-          </a:fillRef>
-          <a:effectRef idx="1">
-            <a:schemeClr val="accent2"/>
-          </a:effectRef>
-          <a:fontRef idx="minor">
-            <a:schemeClr val="dk1"/>
-          </a:fontRef>
-        </p:style>
-      </p:cxnSp>
-      <p:sp>
-        <p:nvSpPr>
-          <p:cNvPr id="56" name="Flowchart: Decision 96"/>
-          <p:cNvSpPr/>
-          <p:nvPr/>
-        </p:nvSpPr>
-        <p:spPr>
-          <a:xfrm>
-            <a:off x="2324115" y="2639446"/>
-            <a:ext cx="236048" cy="173380"/>
-          </a:xfrm>
-          <a:prstGeom prst="flowChartDecision">
-            <a:avLst/>
-          </a:prstGeom>
-          <a:noFill/>
-          <a:ln w="19050">
-            <a:solidFill>
-              <a:schemeClr val="accent6">
-                <a:lumMod val="75000"/>
-              </a:schemeClr>
-            </a:solidFill>
-          </a:ln>
-          <a:effectLst/>
-        </p:spPr>
-        <p:style>
-          <a:lnRef idx="1">
-            <a:schemeClr val="accent2"/>
-          </a:lnRef>
-          <a:fillRef idx="2">
-            <a:schemeClr val="accent2"/>
-          </a:fillRef>
-          <a:effectRef idx="1">
-            <a:schemeClr val="accent2"/>
-          </a:effectRef>
-          <a:fontRef idx="minor">
-            <a:schemeClr val="dk1"/>
-          </a:fontRef>
-        </p:style>
-        <p:txBody>
-          <a:bodyPr rtlCol="0" anchor="ctr"/>
-          <a:lstStyle/>
-          <a:p>
-            <a:pPr algn="ctr"/>
-            <a:endParaRPr lang="en-US" sz="1050">
-              <a:solidFill>
-                <a:schemeClr val="bg1"/>
-              </a:solidFill>
-            </a:endParaRPr>
-          </a:p>
-        </p:txBody>
-      </p:sp>
-      <p:cxnSp>
-        <p:nvCxnSpPr>
-          <p:cNvPr id="60" name="Elbow Connector 63"/>
-          <p:cNvCxnSpPr>
-            <a:stCxn id="61" idx="3"/>
-            <a:endCxn id="65" idx="1"/>
-          </p:cNvCxnSpPr>
-          <p:nvPr/>
-        </p:nvCxnSpPr>
-        <p:spPr>
-          <a:xfrm flipV="1">
-            <a:off x="4394804" y="2731420"/>
-            <a:ext cx="223324" cy="1"/>
-          </a:xfrm>
-          <a:prstGeom prst="bentConnector3">
-            <a:avLst>
-              <a:gd name="adj1" fmla="val 50000"/>
-            </a:avLst>
-          </a:prstGeom>
-          <a:ln w="19050">
-            <a:solidFill>
-              <a:schemeClr val="accent6">
-                <a:lumMod val="75000"/>
-              </a:schemeClr>
-            </a:solidFill>
-            <a:prstDash val="sysDot"/>
-            <a:headEnd type="none" w="med" len="med"/>
-            <a:tailEnd type="none" w="med" len="med"/>
-          </a:ln>
-          <a:effectLst/>
-        </p:spPr>
-        <p:style>
-          <a:lnRef idx="1">
-            <a:schemeClr val="accent2"/>
-          </a:lnRef>
-          <a:fillRef idx="2">
-            <a:schemeClr val="accent2"/>
-          </a:fillRef>
-          <a:effectRef idx="1">
-            <a:schemeClr val="accent2"/>
-          </a:effectRef>
-          <a:fontRef idx="minor">
-            <a:schemeClr val="dk1"/>
-          </a:fontRef>
-        </p:style>
-      </p:cxnSp>
-      <p:sp>
-        <p:nvSpPr>
-          <p:cNvPr id="61" name="Isosceles Triangle 102"/>
-          <p:cNvSpPr/>
-          <p:nvPr/>
-        </p:nvSpPr>
-        <p:spPr>
-          <a:xfrm rot="5400000" flipV="1">
-            <a:off x="4171790" y="2643659"/>
-            <a:ext cx="270504" cy="175523"/>
-          </a:xfrm>
-          <a:prstGeom prst="triangle">
-            <a:avLst/>
-          </a:prstGeom>
-          <a:solidFill>
-            <a:schemeClr val="accent6">
-              <a:lumMod val="75000"/>
-            </a:schemeClr>
-          </a:solidFill>
-          <a:ln w="19050">
-            <a:solidFill>
-              <a:schemeClr val="accent6">
-                <a:lumMod val="75000"/>
-              </a:schemeClr>
-            </a:solidFill>
-          </a:ln>
-          <a:effectLst/>
-        </p:spPr>
-        <p:style>
-          <a:lnRef idx="1">
-            <a:schemeClr val="accent2"/>
-          </a:lnRef>
-          <a:fillRef idx="2">
-            <a:schemeClr val="accent2"/>
-          </a:fillRef>
-          <a:effectRef idx="1">
-            <a:schemeClr val="accent2"/>
-          </a:effectRef>
-          <a:fontRef idx="minor">
-            <a:schemeClr val="dk1"/>
-          </a:fontRef>
-        </p:style>
-        <p:txBody>
-          <a:bodyPr rtlCol="0" anchor="ctr"/>
-          <a:lstStyle/>
-          <a:p>
-            <a:pPr algn="ctr"/>
-            <a:endParaRPr lang="en-SG" sz="1050">
-              <a:solidFill>
-                <a:schemeClr val="bg1"/>
-              </a:solidFill>
-            </a:endParaRPr>
-          </a:p>
-        </p:txBody>
-      </p:sp>
-      <p:sp>
-        <p:nvSpPr>
-          <p:cNvPr id="65" name="Rectangle 8"/>
-          <p:cNvSpPr/>
-          <p:nvPr/>
-        </p:nvSpPr>
-        <p:spPr>
-          <a:xfrm>
-            <a:off x="4618128" y="2558040"/>
-            <a:ext cx="1093635" cy="346760"/>
-          </a:xfrm>
-          <a:prstGeom prst="rect">
-            <a:avLst/>
-          </a:prstGeom>
-          <a:solidFill>
-            <a:schemeClr val="accent6">
-              <a:lumMod val="75000"/>
-            </a:schemeClr>
-          </a:solidFill>
-          <a:ln w="19050">
-            <a:solidFill>
-              <a:schemeClr val="accent6">
-                <a:lumMod val="75000"/>
-              </a:schemeClr>
-            </a:solidFill>
-          </a:ln>
-          <a:effectLst/>
-        </p:spPr>
-        <p:style>
-          <a:lnRef idx="1">
-            <a:schemeClr val="accent2"/>
-          </a:lnRef>
-          <a:fillRef idx="2">
-            <a:schemeClr val="accent2"/>
-          </a:fillRef>
-          <a:effectRef idx="1">
-            <a:schemeClr val="accent2"/>
-          </a:effectRef>
-          <a:fontRef idx="minor">
-            <a:schemeClr val="dk1"/>
-          </a:fontRef>
-        </p:style>
-        <p:txBody>
-          <a:bodyPr rtlCol="0" anchor="ctr"/>
-          <a:lstStyle/>
-          <a:p>
-            <a:pPr algn="ctr"/>
-            <a:r>
-              <a:rPr lang="en-US" sz="1050" dirty="0" err="1" smtClean="0">
-                <a:solidFill>
-                  <a:schemeClr val="bg1"/>
-                </a:solidFill>
-              </a:rPr>
-              <a:t>JsonUserPrefs</a:t>
-            </a:r>
-            <a:r>
-              <a:rPr lang="en-US" sz="1050" dirty="0" smtClean="0">
-                <a:solidFill>
-                  <a:schemeClr val="bg1"/>
-                </a:solidFill>
-              </a:rPr>
-              <a:t/>
-            </a:r>
-            <a:br>
-              <a:rPr lang="en-US" sz="1050" dirty="0" smtClean="0">
-                <a:solidFill>
-                  <a:schemeClr val="bg1"/>
-                </a:solidFill>
-              </a:rPr>
-            </a:br>
-            <a:r>
-              <a:rPr lang="en-US" sz="1050" dirty="0" smtClean="0">
-                <a:solidFill>
-                  <a:schemeClr val="bg1"/>
-                </a:solidFill>
-              </a:rPr>
-              <a:t>Storage</a:t>
-            </a:r>
-            <a:endParaRPr lang="en-SG" sz="1050" dirty="0">
-              <a:solidFill>
-                <a:schemeClr val="bg1"/>
-              </a:solidFill>
-            </a:endParaRPr>
-          </a:p>
-        </p:txBody>
-      </p:sp>
-      <p:sp>
-        <p:nvSpPr>
-          <p:cNvPr id="66" name="Rectangle 8"/>
-          <p:cNvSpPr/>
-          <p:nvPr/>
-        </p:nvSpPr>
-        <p:spPr>
-          <a:xfrm>
-            <a:off x="6019800" y="3160410"/>
-            <a:ext cx="1200707" cy="346760"/>
-          </a:xfrm>
-          <a:prstGeom prst="rect">
-            <a:avLst/>
-          </a:prstGeom>
-          <a:ln w="19050"/>
-          <a:effectLst/>
-        </p:spPr>
-        <p:style>
-          <a:lnRef idx="1">
-            <a:schemeClr val="accent6"/>
-          </a:lnRef>
-          <a:fillRef idx="2">
-            <a:schemeClr val="accent6"/>
-          </a:fillRef>
-          <a:effectRef idx="1">
-            <a:schemeClr val="accent6"/>
-          </a:effectRef>
-          <a:fontRef idx="minor">
-            <a:schemeClr val="dk1"/>
-          </a:fontRef>
-        </p:style>
-        <p:txBody>
-          <a:bodyPr rtlCol="0" anchor="ctr"/>
-          <a:lstStyle/>
-          <a:p>
-            <a:pPr algn="ctr"/>
-            <a:r>
-              <a:rPr lang="en-US" sz="1050" b="1" dirty="0" err="1" smtClean="0">
-                <a:solidFill>
-                  <a:schemeClr val="accent6">
-                    <a:lumMod val="75000"/>
-                  </a:schemeClr>
-                </a:solidFill>
-              </a:rPr>
-              <a:t>XmlSerializable</a:t>
-            </a:r>
-            <a:r>
-              <a:rPr lang="en-US" sz="1050" b="1" dirty="0" smtClean="0">
-                <a:solidFill>
-                  <a:schemeClr val="accent6">
-                    <a:lumMod val="75000"/>
-                  </a:schemeClr>
-                </a:solidFill>
-              </a:rPr>
-              <a:t/>
-            </a:r>
-            <a:br>
-              <a:rPr lang="en-US" sz="1050" b="1" dirty="0" smtClean="0">
-                <a:solidFill>
-                  <a:schemeClr val="accent6">
-                    <a:lumMod val="75000"/>
-                  </a:schemeClr>
-                </a:solidFill>
-              </a:rPr>
-            </a:br>
-            <a:r>
-              <a:rPr lang="en-US" sz="1050" b="1" dirty="0" err="1" smtClean="0">
-                <a:solidFill>
-                  <a:schemeClr val="accent6">
-                    <a:lumMod val="75000"/>
-                  </a:schemeClr>
+                  <a:srgbClr val="7030A0"/>
                 </a:solidFill>
               </a:rPr>
               <a:t>ActivityManager</a:t>
             </a:r>
-            <a:endParaRPr lang="en-SG" sz="1050" b="1" dirty="0">
-              <a:solidFill>
-                <a:schemeClr val="accent6">
-                  <a:lumMod val="75000"/>
-                </a:schemeClr>
-              </a:solidFill>
-            </a:endParaRPr>
-          </a:p>
-        </p:txBody>
-      </p:sp>
-      <p:cxnSp>
-        <p:nvCxnSpPr>
-          <p:cNvPr id="70" name="Elbow Connector 122"/>
-          <p:cNvCxnSpPr/>
-          <p:nvPr/>
-        </p:nvCxnSpPr>
-        <p:spPr>
-          <a:xfrm rot="16200000" flipV="1">
-            <a:off x="7332727" y="2573273"/>
-            <a:ext cx="346798" cy="839052"/>
-          </a:xfrm>
-          <a:prstGeom prst="bentConnector3">
-            <a:avLst>
-              <a:gd name="adj1" fmla="val 50000"/>
-            </a:avLst>
-          </a:prstGeom>
-          <a:ln w="19050">
-            <a:prstDash val="sysDot"/>
-            <a:headEnd type="none" w="med" len="med"/>
-            <a:tailEnd type="arrow" w="med" len="med"/>
-          </a:ln>
-          <a:effectLst/>
-        </p:spPr>
-        <p:style>
-          <a:lnRef idx="1">
-            <a:schemeClr val="accent6"/>
-          </a:lnRef>
-          <a:fillRef idx="2">
-            <a:schemeClr val="accent6"/>
-          </a:fillRef>
-          <a:effectRef idx="1">
-            <a:schemeClr val="accent6"/>
-          </a:effectRef>
-          <a:fontRef idx="minor">
-            <a:schemeClr val="dk1"/>
-          </a:fontRef>
-        </p:style>
-      </p:cxnSp>
-      <p:sp>
-        <p:nvSpPr>
-          <p:cNvPr id="73" name="Rectangle 8"/>
-          <p:cNvSpPr/>
-          <p:nvPr/>
-        </p:nvSpPr>
-        <p:spPr>
-          <a:xfrm flipH="1">
-            <a:off x="6781800" y="1752600"/>
-            <a:ext cx="914400" cy="1060226"/>
-          </a:xfrm>
-          <a:prstGeom prst="rect">
-            <a:avLst/>
-          </a:prstGeom>
-          <a:ln w="19050"/>
-          <a:effectLst/>
-        </p:spPr>
-        <p:style>
-          <a:lnRef idx="1">
-            <a:schemeClr val="accent6"/>
-          </a:lnRef>
-          <a:fillRef idx="2">
-            <a:schemeClr val="accent6"/>
-          </a:fillRef>
-          <a:effectRef idx="1">
-            <a:schemeClr val="accent6"/>
-          </a:effectRef>
-          <a:fontRef idx="minor">
-            <a:schemeClr val="dk1"/>
-          </a:fontRef>
-        </p:style>
-        <p:txBody>
-          <a:bodyPr rtlCol="0" anchor="ctr"/>
-          <a:lstStyle/>
-          <a:p>
-            <a:pPr algn="ctr"/>
-            <a:r>
-              <a:rPr lang="en-US" sz="1050" b="1" dirty="0" err="1" smtClean="0">
-                <a:solidFill>
-                  <a:schemeClr val="accent6">
-                    <a:lumMod val="75000"/>
-                  </a:schemeClr>
-                </a:solidFill>
-              </a:rPr>
-              <a:t>XmlAdaptedTask</a:t>
-            </a:r>
-            <a:endParaRPr lang="en-SG" sz="1050" b="1" dirty="0">
-              <a:solidFill>
-                <a:schemeClr val="accent6">
-                  <a:lumMod val="75000"/>
-                </a:schemeClr>
-              </a:solidFill>
-            </a:endParaRPr>
-          </a:p>
-        </p:txBody>
-      </p:sp>
-      <p:sp>
-        <p:nvSpPr>
-          <p:cNvPr id="74" name="Rectangle 8"/>
-          <p:cNvSpPr/>
-          <p:nvPr/>
-        </p:nvSpPr>
-        <p:spPr>
-          <a:xfrm>
-            <a:off x="7615738" y="3159624"/>
-            <a:ext cx="1424340" cy="346760"/>
-          </a:xfrm>
-          <a:prstGeom prst="rect">
-            <a:avLst/>
-          </a:prstGeom>
-          <a:ln w="19050"/>
-          <a:effectLst/>
-        </p:spPr>
-        <p:style>
-          <a:lnRef idx="1">
-            <a:schemeClr val="accent6"/>
-          </a:lnRef>
-          <a:fillRef idx="2">
-            <a:schemeClr val="accent6"/>
-          </a:fillRef>
-          <a:effectRef idx="1">
-            <a:schemeClr val="accent6"/>
-          </a:effectRef>
-          <a:fontRef idx="minor">
-            <a:schemeClr val="dk1"/>
-          </a:fontRef>
-        </p:style>
-        <p:txBody>
-          <a:bodyPr rtlCol="0" anchor="ctr"/>
-          <a:lstStyle/>
-          <a:p>
-            <a:pPr algn="ctr"/>
-            <a:r>
-              <a:rPr lang="en-US" sz="1050" b="1" dirty="0" err="1" smtClean="0">
-                <a:solidFill>
-                  <a:schemeClr val="accent6">
-                    <a:lumMod val="75000"/>
-                  </a:schemeClr>
-                </a:solidFill>
-              </a:rPr>
-              <a:t>XmlAdaptedActivity</a:t>
-            </a:r>
-            <a:endParaRPr lang="en-SG" sz="1050" b="1" dirty="0">
-              <a:solidFill>
-                <a:schemeClr val="accent6">
-                  <a:lumMod val="75000"/>
-                </a:schemeClr>
-              </a:solidFill>
-            </a:endParaRPr>
-          </a:p>
-        </p:txBody>
-      </p:sp>
-      <p:cxnSp>
-        <p:nvCxnSpPr>
-          <p:cNvPr id="77" name="Elbow Connector 122"/>
-          <p:cNvCxnSpPr>
-            <a:stCxn id="66" idx="3"/>
-            <a:endCxn id="74" idx="1"/>
-          </p:cNvCxnSpPr>
-          <p:nvPr/>
-        </p:nvCxnSpPr>
-        <p:spPr>
-          <a:xfrm flipV="1">
-            <a:off x="7220507" y="3333004"/>
-            <a:ext cx="395231" cy="786"/>
-          </a:xfrm>
-          <a:prstGeom prst="bentConnector3">
-            <a:avLst>
-              <a:gd name="adj1" fmla="val 50000"/>
-            </a:avLst>
-          </a:prstGeom>
-          <a:ln w="19050">
-            <a:prstDash val="sysDot"/>
-            <a:headEnd type="none" w="med" len="med"/>
-            <a:tailEnd type="arrow" w="med" len="med"/>
-          </a:ln>
-          <a:effectLst/>
-        </p:spPr>
-        <p:style>
-          <a:lnRef idx="1">
-            <a:schemeClr val="accent6"/>
-          </a:lnRef>
-          <a:fillRef idx="2">
-            <a:schemeClr val="accent6"/>
-          </a:fillRef>
-          <a:effectRef idx="1">
-            <a:schemeClr val="accent6"/>
-          </a:effectRef>
-          <a:fontRef idx="minor">
-            <a:schemeClr val="dk1"/>
-          </a:fontRef>
-        </p:style>
-      </p:cxnSp>
-      <p:cxnSp>
-        <p:nvCxnSpPr>
-          <p:cNvPr id="26" name="Elbow Connector 122"/>
-          <p:cNvCxnSpPr/>
-          <p:nvPr/>
-        </p:nvCxnSpPr>
-        <p:spPr>
-          <a:xfrm rot="5400000" flipH="1" flipV="1">
-            <a:off x="8136661" y="2988539"/>
-            <a:ext cx="346798" cy="8519"/>
-          </a:xfrm>
-          <a:prstGeom prst="bentConnector3">
-            <a:avLst>
-              <a:gd name="adj1" fmla="val 50000"/>
-            </a:avLst>
-          </a:prstGeom>
-          <a:ln w="19050">
-            <a:prstDash val="sysDot"/>
-            <a:headEnd type="none" w="med" len="med"/>
-            <a:tailEnd type="arrow" w="med" len="med"/>
-          </a:ln>
-          <a:effectLst/>
-        </p:spPr>
-        <p:style>
-          <a:lnRef idx="1">
-            <a:schemeClr val="accent6"/>
-          </a:lnRef>
-          <a:fillRef idx="2">
-            <a:schemeClr val="accent6"/>
-          </a:fillRef>
-          <a:effectRef idx="1">
-            <a:schemeClr val="accent6"/>
-          </a:effectRef>
-          <a:fontRef idx="minor">
-            <a:schemeClr val="dk1"/>
-          </a:fontRef>
-        </p:style>
-      </p:cxnSp>
-      <p:sp>
-        <p:nvSpPr>
-          <p:cNvPr id="35" name="Rectangle 8"/>
-          <p:cNvSpPr/>
-          <p:nvPr/>
-        </p:nvSpPr>
-        <p:spPr>
-          <a:xfrm flipH="1">
-            <a:off x="8763000" y="1752600"/>
-            <a:ext cx="914400" cy="1060226"/>
-          </a:xfrm>
-          <a:prstGeom prst="rect">
-            <a:avLst/>
-          </a:prstGeom>
-          <a:ln w="19050"/>
-          <a:effectLst/>
-        </p:spPr>
-        <p:style>
-          <a:lnRef idx="1">
-            <a:schemeClr val="accent6"/>
-          </a:lnRef>
-          <a:fillRef idx="2">
-            <a:schemeClr val="accent6"/>
-          </a:fillRef>
-          <a:effectRef idx="1">
-            <a:schemeClr val="accent6"/>
-          </a:effectRef>
-          <a:fontRef idx="minor">
-            <a:schemeClr val="dk1"/>
-          </a:fontRef>
-        </p:style>
-        <p:txBody>
-          <a:bodyPr rtlCol="0" anchor="ctr"/>
-          <a:lstStyle/>
-          <a:p>
-            <a:pPr algn="ctr"/>
-            <a:r>
-              <a:rPr lang="en-US" sz="1050" b="1" dirty="0" err="1" smtClean="0">
-                <a:solidFill>
-                  <a:schemeClr val="accent6">
-                    <a:lumMod val="75000"/>
-                  </a:schemeClr>
-                </a:solidFill>
-              </a:rPr>
-              <a:t>XmlAdaptedFloatingTask</a:t>
-            </a:r>
-            <a:endParaRPr lang="en-SG" sz="1050" b="1" dirty="0">
-              <a:solidFill>
-                <a:schemeClr val="accent6">
-                  <a:lumMod val="75000"/>
-                </a:schemeClr>
-              </a:solidFill>
-            </a:endParaRPr>
-          </a:p>
-        </p:txBody>
-      </p:sp>
-      <p:sp>
-        <p:nvSpPr>
-          <p:cNvPr id="36" name="Rectangle 8"/>
-          <p:cNvSpPr/>
-          <p:nvPr/>
-        </p:nvSpPr>
-        <p:spPr>
-          <a:xfrm flipH="1">
-            <a:off x="7772400" y="1752600"/>
-            <a:ext cx="914400" cy="1060226"/>
-          </a:xfrm>
-          <a:prstGeom prst="rect">
-            <a:avLst/>
-          </a:prstGeom>
-          <a:ln w="19050"/>
-          <a:effectLst/>
-        </p:spPr>
-        <p:style>
-          <a:lnRef idx="1">
-            <a:schemeClr val="accent6"/>
-          </a:lnRef>
-          <a:fillRef idx="2">
-            <a:schemeClr val="accent6"/>
-          </a:fillRef>
-          <a:effectRef idx="1">
-            <a:schemeClr val="accent6"/>
-          </a:effectRef>
-          <a:fontRef idx="minor">
-            <a:schemeClr val="dk1"/>
-          </a:fontRef>
-        </p:style>
-        <p:txBody>
-          <a:bodyPr rtlCol="0" anchor="ctr"/>
-          <a:lstStyle/>
-          <a:p>
-            <a:pPr algn="ctr"/>
-            <a:r>
-              <a:rPr lang="en-US" sz="1050" b="1" dirty="0" err="1" smtClean="0">
-                <a:solidFill>
-                  <a:schemeClr val="accent6">
-                    <a:lumMod val="75000"/>
-                  </a:schemeClr>
-                </a:solidFill>
-              </a:rPr>
-              <a:t>XmlAdaptedEvent</a:t>
-            </a:r>
-            <a:endParaRPr lang="en-SG" sz="1050" b="1" dirty="0">
-              <a:solidFill>
-                <a:schemeClr val="accent6">
-                  <a:lumMod val="75000"/>
-                </a:schemeClr>
-              </a:solidFill>
-            </a:endParaRPr>
-          </a:p>
-        </p:txBody>
-      </p:sp>
-      <p:cxnSp>
-        <p:nvCxnSpPr>
-          <p:cNvPr id="41" name="Elbow Connector 122"/>
-          <p:cNvCxnSpPr/>
-          <p:nvPr/>
-        </p:nvCxnSpPr>
-        <p:spPr>
-          <a:xfrm rot="5400000" flipH="1" flipV="1">
-            <a:off x="8746261" y="2988539"/>
-            <a:ext cx="346798" cy="8519"/>
-          </a:xfrm>
-          <a:prstGeom prst="bentConnector3">
-            <a:avLst>
-              <a:gd name="adj1" fmla="val 74979"/>
-            </a:avLst>
-          </a:prstGeom>
-          <a:ln w="19050">
-            <a:prstDash val="sysDot"/>
-            <a:headEnd type="none" w="med" len="med"/>
-            <a:tailEnd type="arrow" w="med" len="med"/>
-          </a:ln>
-          <a:effectLst/>
-        </p:spPr>
-        <p:style>
-          <a:lnRef idx="1">
-            <a:schemeClr val="accent6"/>
-          </a:lnRef>
-          <a:fillRef idx="2">
-            <a:schemeClr val="accent6"/>
-          </a:fillRef>
-          <a:effectRef idx="1">
-            <a:schemeClr val="accent6"/>
-          </a:effectRef>
-          <a:fontRef idx="minor">
-            <a:schemeClr val="dk1"/>
-          </a:fontRef>
-        </p:style>
-      </p:cxnSp>
+            <a:endParaRPr lang="en-US" sz="1050" dirty="0"/>
+          </a:p>
+        </p:txBody>
+      </p:sp>
     </p:spTree>
     <p:extLst>
       <p:ext uri="{BB962C8B-B14F-4D97-AF65-F5344CB8AC3E}">
-        <p14:creationId xmlns:p14="http://schemas.microsoft.com/office/powerpoint/2010/main" val="1478832369"/>
+        <p14:creationId xmlns:p14="http://schemas.microsoft.com/office/powerpoint/2010/main" val="2396968029"/>
       </p:ext>
     </p:extLst>
   </p:cSld>
@@ -5224,6 +5562,1594 @@
       </p:grpSpPr>
       <p:sp>
         <p:nvSpPr>
+          <p:cNvPr id="118" name="Rectangle 65"/>
+          <p:cNvSpPr/>
+          <p:nvPr/>
+        </p:nvSpPr>
+        <p:spPr>
+          <a:xfrm>
+            <a:off x="609600" y="1524000"/>
+            <a:ext cx="9356122" cy="2409418"/>
+          </a:xfrm>
+          <a:prstGeom prst="roundRect">
+            <a:avLst>
+              <a:gd name="adj" fmla="val 3484"/>
+            </a:avLst>
+          </a:prstGeom>
+          <a:solidFill>
+            <a:schemeClr val="accent6">
+              <a:lumMod val="20000"/>
+              <a:lumOff val="80000"/>
+            </a:schemeClr>
+          </a:solidFill>
+          <a:ln w="19050">
+            <a:noFill/>
+          </a:ln>
+          <a:effectLst/>
+        </p:spPr>
+        <p:style>
+          <a:lnRef idx="1">
+            <a:schemeClr val="accent2"/>
+          </a:lnRef>
+          <a:fillRef idx="2">
+            <a:schemeClr val="accent2"/>
+          </a:fillRef>
+          <a:effectRef idx="1">
+            <a:schemeClr val="accent2"/>
+          </a:effectRef>
+          <a:fontRef idx="minor">
+            <a:schemeClr val="dk1"/>
+          </a:fontRef>
+        </p:style>
+        <p:txBody>
+          <a:bodyPr rtlCol="0" anchor="t"/>
+          <a:lstStyle/>
+          <a:p>
+            <a:r>
+              <a:rPr lang="en-US" sz="1200" b="1" dirty="0" smtClean="0">
+                <a:solidFill>
+                  <a:schemeClr val="accent6">
+                    <a:lumMod val="75000"/>
+                  </a:schemeClr>
+                </a:solidFill>
+              </a:rPr>
+              <a:t>Storage</a:t>
+            </a:r>
+            <a:endParaRPr lang="en-SG" sz="1200" b="1" dirty="0">
+              <a:solidFill>
+                <a:schemeClr val="accent6">
+                  <a:lumMod val="75000"/>
+                </a:schemeClr>
+              </a:solidFill>
+            </a:endParaRPr>
+          </a:p>
+        </p:txBody>
+      </p:sp>
+      <p:sp>
+        <p:nvSpPr>
+          <p:cNvPr id="2" name="Rectangle 8"/>
+          <p:cNvSpPr/>
+          <p:nvPr/>
+        </p:nvSpPr>
+        <p:spPr>
+          <a:xfrm>
+            <a:off x="2702871" y="3158440"/>
+            <a:ext cx="1516409" cy="346760"/>
+          </a:xfrm>
+          <a:prstGeom prst="rect">
+            <a:avLst/>
+          </a:prstGeom>
+          <a:solidFill>
+            <a:schemeClr val="accent6">
+              <a:lumMod val="75000"/>
+            </a:schemeClr>
+          </a:solidFill>
+          <a:ln w="19050">
+            <a:solidFill>
+              <a:schemeClr val="accent6">
+                <a:lumMod val="75000"/>
+              </a:schemeClr>
+            </a:solidFill>
+          </a:ln>
+          <a:effectLst/>
+        </p:spPr>
+        <p:style>
+          <a:lnRef idx="1">
+            <a:schemeClr val="accent2"/>
+          </a:lnRef>
+          <a:fillRef idx="2">
+            <a:schemeClr val="accent2"/>
+          </a:fillRef>
+          <a:effectRef idx="1">
+            <a:schemeClr val="accent2"/>
+          </a:effectRef>
+          <a:fontRef idx="minor">
+            <a:schemeClr val="dk1"/>
+          </a:fontRef>
+        </p:style>
+        <p:txBody>
+          <a:bodyPr rtlCol="0" anchor="ctr"/>
+          <a:lstStyle/>
+          <a:p>
+            <a:pPr algn="ctr"/>
+            <a:r>
+              <a:rPr lang="en-US" sz="1050" dirty="0" smtClean="0">
+                <a:solidFill>
+                  <a:schemeClr val="bg1"/>
+                </a:solidFill>
+              </a:rPr>
+              <a:t>&lt;&lt;interface&gt;&gt;</a:t>
+            </a:r>
+            <a:br>
+              <a:rPr lang="en-US" sz="1050" dirty="0" smtClean="0">
+                <a:solidFill>
+                  <a:schemeClr val="bg1"/>
+                </a:solidFill>
+              </a:rPr>
+            </a:br>
+            <a:r>
+              <a:rPr lang="en-US" sz="1050" dirty="0" err="1" smtClean="0">
+                <a:solidFill>
+                  <a:schemeClr val="bg1"/>
+                </a:solidFill>
+              </a:rPr>
+              <a:t>ActivityManagerStorage</a:t>
+            </a:r>
+            <a:endParaRPr lang="en-SG" sz="1050" dirty="0">
+              <a:solidFill>
+                <a:schemeClr val="bg1"/>
+              </a:solidFill>
+            </a:endParaRPr>
+          </a:p>
+        </p:txBody>
+      </p:sp>
+      <p:sp>
+        <p:nvSpPr>
+          <p:cNvPr id="9" name="Rectangle 62"/>
+          <p:cNvSpPr/>
+          <p:nvPr/>
+        </p:nvSpPr>
+        <p:spPr>
+          <a:xfrm rot="16200000">
+            <a:off x="1610243" y="2868687"/>
+            <a:ext cx="1093635" cy="346760"/>
+          </a:xfrm>
+          <a:prstGeom prst="rect">
+            <a:avLst/>
+          </a:prstGeom>
+          <a:solidFill>
+            <a:schemeClr val="accent6">
+              <a:lumMod val="75000"/>
+            </a:schemeClr>
+          </a:solidFill>
+          <a:ln w="19050">
+            <a:solidFill>
+              <a:schemeClr val="accent6">
+                <a:lumMod val="75000"/>
+              </a:schemeClr>
+            </a:solidFill>
+          </a:ln>
+          <a:effectLst/>
+        </p:spPr>
+        <p:style>
+          <a:lnRef idx="1">
+            <a:schemeClr val="accent2"/>
+          </a:lnRef>
+          <a:fillRef idx="2">
+            <a:schemeClr val="accent2"/>
+          </a:fillRef>
+          <a:effectRef idx="1">
+            <a:schemeClr val="accent2"/>
+          </a:effectRef>
+          <a:fontRef idx="minor">
+            <a:schemeClr val="dk1"/>
+          </a:fontRef>
+        </p:style>
+        <p:txBody>
+          <a:bodyPr rtlCol="0" anchor="ctr"/>
+          <a:lstStyle/>
+          <a:p>
+            <a:pPr algn="ctr"/>
+            <a:r>
+              <a:rPr lang="en-US" sz="1050" dirty="0" err="1" smtClean="0">
+                <a:solidFill>
+                  <a:schemeClr val="bg1"/>
+                </a:solidFill>
+              </a:rPr>
+              <a:t>StorageManager</a:t>
+            </a:r>
+            <a:endParaRPr lang="en-SG" sz="1050" dirty="0">
+              <a:solidFill>
+                <a:schemeClr val="bg1"/>
+              </a:solidFill>
+            </a:endParaRPr>
+          </a:p>
+        </p:txBody>
+      </p:sp>
+      <p:sp>
+        <p:nvSpPr>
+          <p:cNvPr id="119" name="Rectangle 62"/>
+          <p:cNvSpPr/>
+          <p:nvPr/>
+        </p:nvSpPr>
+        <p:spPr>
+          <a:xfrm rot="16200000">
+            <a:off x="882939" y="2868687"/>
+            <a:ext cx="1093635" cy="346760"/>
+          </a:xfrm>
+          <a:prstGeom prst="rect">
+            <a:avLst/>
+          </a:prstGeom>
+          <a:solidFill>
+            <a:schemeClr val="accent6">
+              <a:lumMod val="75000"/>
+            </a:schemeClr>
+          </a:solidFill>
+          <a:ln w="19050">
+            <a:solidFill>
+              <a:schemeClr val="accent6">
+                <a:lumMod val="75000"/>
+              </a:schemeClr>
+            </a:solidFill>
+          </a:ln>
+          <a:effectLst/>
+        </p:spPr>
+        <p:style>
+          <a:lnRef idx="1">
+            <a:schemeClr val="accent2"/>
+          </a:lnRef>
+          <a:fillRef idx="2">
+            <a:schemeClr val="accent2"/>
+          </a:fillRef>
+          <a:effectRef idx="1">
+            <a:schemeClr val="accent2"/>
+          </a:effectRef>
+          <a:fontRef idx="minor">
+            <a:schemeClr val="dk1"/>
+          </a:fontRef>
+        </p:style>
+        <p:txBody>
+          <a:bodyPr rtlCol="0" anchor="ctr"/>
+          <a:lstStyle/>
+          <a:p>
+            <a:pPr algn="ctr"/>
+            <a:r>
+              <a:rPr lang="en-US" sz="1050" dirty="0">
+                <a:solidFill>
+                  <a:schemeClr val="bg1"/>
+                </a:solidFill>
+              </a:rPr>
+              <a:t>&lt;&lt;interface&gt;&gt;</a:t>
+            </a:r>
+          </a:p>
+          <a:p>
+            <a:pPr algn="ctr"/>
+            <a:r>
+              <a:rPr lang="en-US" sz="1050" dirty="0" smtClean="0">
+                <a:solidFill>
+                  <a:schemeClr val="bg1"/>
+                </a:solidFill>
+              </a:rPr>
+              <a:t>Storage</a:t>
+            </a:r>
+            <a:endParaRPr lang="en-SG" sz="1050" dirty="0">
+              <a:solidFill>
+                <a:schemeClr val="bg1"/>
+              </a:solidFill>
+            </a:endParaRPr>
+          </a:p>
+        </p:txBody>
+      </p:sp>
+      <p:sp>
+        <p:nvSpPr>
+          <p:cNvPr id="120" name="Isosceles Triangle 102"/>
+          <p:cNvSpPr/>
+          <p:nvPr/>
+        </p:nvSpPr>
+        <p:spPr>
+          <a:xfrm rot="16200000">
+            <a:off x="1554728" y="2952291"/>
+            <a:ext cx="270504" cy="175523"/>
+          </a:xfrm>
+          <a:prstGeom prst="triangle">
+            <a:avLst/>
+          </a:prstGeom>
+          <a:solidFill>
+            <a:schemeClr val="accent6">
+              <a:lumMod val="75000"/>
+            </a:schemeClr>
+          </a:solidFill>
+          <a:ln w="19050">
+            <a:solidFill>
+              <a:schemeClr val="accent6">
+                <a:lumMod val="75000"/>
+              </a:schemeClr>
+            </a:solidFill>
+          </a:ln>
+          <a:effectLst/>
+        </p:spPr>
+        <p:style>
+          <a:lnRef idx="1">
+            <a:schemeClr val="accent2"/>
+          </a:lnRef>
+          <a:fillRef idx="2">
+            <a:schemeClr val="accent2"/>
+          </a:fillRef>
+          <a:effectRef idx="1">
+            <a:schemeClr val="accent2"/>
+          </a:effectRef>
+          <a:fontRef idx="minor">
+            <a:schemeClr val="dk1"/>
+          </a:fontRef>
+        </p:style>
+        <p:txBody>
+          <a:bodyPr rtlCol="0" anchor="ctr"/>
+          <a:lstStyle/>
+          <a:p>
+            <a:pPr algn="ctr"/>
+            <a:endParaRPr lang="en-SG" sz="1050">
+              <a:solidFill>
+                <a:schemeClr val="bg1"/>
+              </a:solidFill>
+            </a:endParaRPr>
+          </a:p>
+        </p:txBody>
+      </p:sp>
+      <p:cxnSp>
+        <p:nvCxnSpPr>
+          <p:cNvPr id="58" name="Straight Arrow Connector 57"/>
+          <p:cNvCxnSpPr>
+            <a:stCxn id="42" idx="3"/>
+            <a:endCxn id="2" idx="1"/>
+          </p:cNvCxnSpPr>
+          <p:nvPr/>
+        </p:nvCxnSpPr>
+        <p:spPr>
+          <a:xfrm flipV="1">
+            <a:off x="2571901" y="3331820"/>
+            <a:ext cx="130970" cy="14838"/>
+          </a:xfrm>
+          <a:prstGeom prst="straightConnector1">
+            <a:avLst/>
+          </a:prstGeom>
+          <a:ln w="19050">
+            <a:solidFill>
+              <a:schemeClr val="accent6">
+                <a:lumMod val="75000"/>
+              </a:schemeClr>
+            </a:solidFill>
+            <a:headEnd type="none" w="med" len="med"/>
+            <a:tailEnd type="arrow" w="med" len="med"/>
+          </a:ln>
+          <a:effectLst/>
+        </p:spPr>
+        <p:style>
+          <a:lnRef idx="1">
+            <a:schemeClr val="accent2"/>
+          </a:lnRef>
+          <a:fillRef idx="2">
+            <a:schemeClr val="accent2"/>
+          </a:fillRef>
+          <a:effectRef idx="1">
+            <a:schemeClr val="accent2"/>
+          </a:effectRef>
+          <a:fontRef idx="minor">
+            <a:schemeClr val="dk1"/>
+          </a:fontRef>
+        </p:style>
+      </p:cxnSp>
+      <p:cxnSp>
+        <p:nvCxnSpPr>
+          <p:cNvPr id="75" name="Elbow Connector 122"/>
+          <p:cNvCxnSpPr/>
+          <p:nvPr/>
+        </p:nvCxnSpPr>
+        <p:spPr>
+          <a:xfrm>
+            <a:off x="910091" y="3040053"/>
+            <a:ext cx="419548" cy="2860"/>
+          </a:xfrm>
+          <a:prstGeom prst="bentConnector3">
+            <a:avLst>
+              <a:gd name="adj1" fmla="val 50000"/>
+            </a:avLst>
+          </a:prstGeom>
+          <a:ln w="19050">
+            <a:solidFill>
+              <a:schemeClr val="bg1">
+                <a:lumMod val="75000"/>
+              </a:schemeClr>
+            </a:solidFill>
+            <a:prstDash val="sysDot"/>
+            <a:headEnd type="none" w="med" len="med"/>
+            <a:tailEnd type="arrow" w="med" len="med"/>
+          </a:ln>
+          <a:effectLst/>
+        </p:spPr>
+        <p:style>
+          <a:lnRef idx="1">
+            <a:schemeClr val="accent2"/>
+          </a:lnRef>
+          <a:fillRef idx="2">
+            <a:schemeClr val="accent2"/>
+          </a:fillRef>
+          <a:effectRef idx="1">
+            <a:schemeClr val="accent2"/>
+          </a:effectRef>
+          <a:fontRef idx="minor">
+            <a:schemeClr val="dk1"/>
+          </a:fontRef>
+        </p:style>
+      </p:cxnSp>
+      <p:cxnSp>
+        <p:nvCxnSpPr>
+          <p:cNvPr id="21" name="Straight Connector 20"/>
+          <p:cNvCxnSpPr>
+            <a:stCxn id="120" idx="3"/>
+          </p:cNvCxnSpPr>
+          <p:nvPr/>
+        </p:nvCxnSpPr>
+        <p:spPr>
+          <a:xfrm flipV="1">
+            <a:off x="1777742" y="3040052"/>
+            <a:ext cx="216105" cy="1"/>
+          </a:xfrm>
+          <a:prstGeom prst="line">
+            <a:avLst/>
+          </a:prstGeom>
+          <a:ln w="19050">
+            <a:solidFill>
+              <a:schemeClr val="accent6">
+                <a:lumMod val="75000"/>
+              </a:schemeClr>
+            </a:solidFill>
+            <a:prstDash val="sysDot"/>
+            <a:headEnd type="none" w="med" len="med"/>
+            <a:tailEnd type="none" w="med" len="med"/>
+          </a:ln>
+          <a:effectLst/>
+        </p:spPr>
+        <p:style>
+          <a:lnRef idx="1">
+            <a:schemeClr val="accent2"/>
+          </a:lnRef>
+          <a:fillRef idx="2">
+            <a:schemeClr val="accent2"/>
+          </a:fillRef>
+          <a:effectRef idx="1">
+            <a:schemeClr val="accent2"/>
+          </a:effectRef>
+          <a:fontRef idx="minor">
+            <a:schemeClr val="dk1"/>
+          </a:fontRef>
+        </p:style>
+      </p:cxnSp>
+      <p:sp>
+        <p:nvSpPr>
+          <p:cNvPr id="42" name="Flowchart: Decision 96"/>
+          <p:cNvSpPr/>
+          <p:nvPr/>
+        </p:nvSpPr>
+        <p:spPr>
+          <a:xfrm>
+            <a:off x="2335853" y="3259968"/>
+            <a:ext cx="236048" cy="173380"/>
+          </a:xfrm>
+          <a:prstGeom prst="flowChartDecision">
+            <a:avLst/>
+          </a:prstGeom>
+          <a:noFill/>
+          <a:ln w="19050">
+            <a:solidFill>
+              <a:schemeClr val="accent6">
+                <a:lumMod val="75000"/>
+              </a:schemeClr>
+            </a:solidFill>
+          </a:ln>
+          <a:effectLst/>
+        </p:spPr>
+        <p:style>
+          <a:lnRef idx="1">
+            <a:schemeClr val="accent2"/>
+          </a:lnRef>
+          <a:fillRef idx="2">
+            <a:schemeClr val="accent2"/>
+          </a:fillRef>
+          <a:effectRef idx="1">
+            <a:schemeClr val="accent2"/>
+          </a:effectRef>
+          <a:fontRef idx="minor">
+            <a:schemeClr val="dk1"/>
+          </a:fontRef>
+        </p:style>
+        <p:txBody>
+          <a:bodyPr rtlCol="0" anchor="ctr"/>
+          <a:lstStyle/>
+          <a:p>
+            <a:pPr algn="ctr"/>
+            <a:endParaRPr lang="en-US" sz="1050">
+              <a:solidFill>
+                <a:schemeClr val="bg1"/>
+              </a:solidFill>
+            </a:endParaRPr>
+          </a:p>
+        </p:txBody>
+      </p:sp>
+      <p:cxnSp>
+        <p:nvCxnSpPr>
+          <p:cNvPr id="97" name="Elbow Connector 63"/>
+          <p:cNvCxnSpPr>
+            <a:stCxn id="99" idx="3"/>
+            <a:endCxn id="50" idx="1"/>
+          </p:cNvCxnSpPr>
+          <p:nvPr/>
+        </p:nvCxnSpPr>
+        <p:spPr>
+          <a:xfrm flipV="1">
+            <a:off x="4398041" y="3331820"/>
+            <a:ext cx="100898" cy="1"/>
+          </a:xfrm>
+          <a:prstGeom prst="bentConnector3">
+            <a:avLst>
+              <a:gd name="adj1" fmla="val 50000"/>
+            </a:avLst>
+          </a:prstGeom>
+          <a:ln w="19050">
+            <a:solidFill>
+              <a:schemeClr val="accent6">
+                <a:lumMod val="75000"/>
+              </a:schemeClr>
+            </a:solidFill>
+            <a:prstDash val="sysDot"/>
+            <a:headEnd type="none" w="med" len="med"/>
+            <a:tailEnd type="none" w="med" len="med"/>
+          </a:ln>
+          <a:effectLst/>
+        </p:spPr>
+        <p:style>
+          <a:lnRef idx="1">
+            <a:schemeClr val="accent2"/>
+          </a:lnRef>
+          <a:fillRef idx="2">
+            <a:schemeClr val="accent2"/>
+          </a:fillRef>
+          <a:effectRef idx="1">
+            <a:schemeClr val="accent2"/>
+          </a:effectRef>
+          <a:fontRef idx="minor">
+            <a:schemeClr val="dk1"/>
+          </a:fontRef>
+        </p:style>
+      </p:cxnSp>
+      <p:sp>
+        <p:nvSpPr>
+          <p:cNvPr id="99" name="Isosceles Triangle 102"/>
+          <p:cNvSpPr/>
+          <p:nvPr/>
+        </p:nvSpPr>
+        <p:spPr>
+          <a:xfrm rot="5400000" flipV="1">
+            <a:off x="4175027" y="3244059"/>
+            <a:ext cx="270504" cy="175523"/>
+          </a:xfrm>
+          <a:prstGeom prst="triangle">
+            <a:avLst/>
+          </a:prstGeom>
+          <a:solidFill>
+            <a:schemeClr val="accent6">
+              <a:lumMod val="75000"/>
+            </a:schemeClr>
+          </a:solidFill>
+          <a:ln w="19050">
+            <a:solidFill>
+              <a:schemeClr val="accent6">
+                <a:lumMod val="75000"/>
+              </a:schemeClr>
+            </a:solidFill>
+          </a:ln>
+          <a:effectLst/>
+        </p:spPr>
+        <p:style>
+          <a:lnRef idx="1">
+            <a:schemeClr val="accent2"/>
+          </a:lnRef>
+          <a:fillRef idx="2">
+            <a:schemeClr val="accent2"/>
+          </a:fillRef>
+          <a:effectRef idx="1">
+            <a:schemeClr val="accent2"/>
+          </a:effectRef>
+          <a:fontRef idx="minor">
+            <a:schemeClr val="dk1"/>
+          </a:fontRef>
+        </p:style>
+        <p:txBody>
+          <a:bodyPr rtlCol="0" anchor="ctr"/>
+          <a:lstStyle/>
+          <a:p>
+            <a:pPr algn="ctr"/>
+            <a:endParaRPr lang="en-SG" sz="1050">
+              <a:solidFill>
+                <a:schemeClr val="bg1"/>
+              </a:solidFill>
+            </a:endParaRPr>
+          </a:p>
+        </p:txBody>
+      </p:sp>
+      <p:cxnSp>
+        <p:nvCxnSpPr>
+          <p:cNvPr id="124" name="Elbow Connector 122"/>
+          <p:cNvCxnSpPr>
+            <a:stCxn id="50" idx="3"/>
+            <a:endCxn id="66" idx="1"/>
+          </p:cNvCxnSpPr>
+          <p:nvPr/>
+        </p:nvCxnSpPr>
+        <p:spPr>
+          <a:xfrm>
+            <a:off x="5819670" y="3331820"/>
+            <a:ext cx="200130" cy="1970"/>
+          </a:xfrm>
+          <a:prstGeom prst="bentConnector3">
+            <a:avLst>
+              <a:gd name="adj1" fmla="val 50000"/>
+            </a:avLst>
+          </a:prstGeom>
+          <a:ln w="19050">
+            <a:solidFill>
+              <a:schemeClr val="accent6">
+                <a:lumMod val="75000"/>
+              </a:schemeClr>
+            </a:solidFill>
+            <a:prstDash val="sysDot"/>
+            <a:headEnd type="none" w="med" len="med"/>
+            <a:tailEnd type="arrow" w="med" len="med"/>
+          </a:ln>
+          <a:effectLst/>
+        </p:spPr>
+        <p:style>
+          <a:lnRef idx="1">
+            <a:schemeClr val="accent2"/>
+          </a:lnRef>
+          <a:fillRef idx="2">
+            <a:schemeClr val="accent2"/>
+          </a:fillRef>
+          <a:effectRef idx="1">
+            <a:schemeClr val="accent2"/>
+          </a:effectRef>
+          <a:fontRef idx="minor">
+            <a:schemeClr val="dk1"/>
+          </a:fontRef>
+        </p:style>
+      </p:cxnSp>
+      <p:sp>
+        <p:nvSpPr>
+          <p:cNvPr id="50" name="Rectangle 8"/>
+          <p:cNvSpPr/>
+          <p:nvPr/>
+        </p:nvSpPr>
+        <p:spPr>
+          <a:xfrm>
+            <a:off x="4498939" y="3158440"/>
+            <a:ext cx="1320731" cy="346760"/>
+          </a:xfrm>
+          <a:prstGeom prst="rect">
+            <a:avLst/>
+          </a:prstGeom>
+          <a:ln w="19050"/>
+          <a:effectLst/>
+        </p:spPr>
+        <p:style>
+          <a:lnRef idx="1">
+            <a:schemeClr val="accent6"/>
+          </a:lnRef>
+          <a:fillRef idx="2">
+            <a:schemeClr val="accent6"/>
+          </a:fillRef>
+          <a:effectRef idx="1">
+            <a:schemeClr val="accent6"/>
+          </a:effectRef>
+          <a:fontRef idx="minor">
+            <a:schemeClr val="dk1"/>
+          </a:fontRef>
+        </p:style>
+        <p:txBody>
+          <a:bodyPr rtlCol="0" anchor="ctr"/>
+          <a:lstStyle/>
+          <a:p>
+            <a:pPr algn="ctr"/>
+            <a:r>
+              <a:rPr lang="en-US" sz="1050" b="1" dirty="0" err="1" smtClean="0">
+                <a:solidFill>
+                  <a:schemeClr val="accent6">
+                    <a:lumMod val="75000"/>
+                  </a:schemeClr>
+                </a:solidFill>
+              </a:rPr>
+              <a:t>XmlActivityManager</a:t>
+            </a:r>
+            <a:r>
+              <a:rPr lang="en-US" sz="1050" b="1" dirty="0" smtClean="0">
+                <a:solidFill>
+                  <a:schemeClr val="accent6">
+                    <a:lumMod val="75000"/>
+                  </a:schemeClr>
+                </a:solidFill>
+              </a:rPr>
+              <a:t> Storage</a:t>
+            </a:r>
+            <a:endParaRPr lang="en-SG" sz="1050" b="1" dirty="0">
+              <a:solidFill>
+                <a:schemeClr val="accent6">
+                  <a:lumMod val="75000"/>
+                </a:schemeClr>
+              </a:solidFill>
+            </a:endParaRPr>
+          </a:p>
+        </p:txBody>
+      </p:sp>
+      <p:sp>
+        <p:nvSpPr>
+          <p:cNvPr id="52" name="Rectangle 8"/>
+          <p:cNvSpPr/>
+          <p:nvPr/>
+        </p:nvSpPr>
+        <p:spPr>
+          <a:xfrm>
+            <a:off x="2873943" y="2558040"/>
+            <a:ext cx="1323049" cy="346760"/>
+          </a:xfrm>
+          <a:prstGeom prst="rect">
+            <a:avLst/>
+          </a:prstGeom>
+          <a:solidFill>
+            <a:schemeClr val="accent6">
+              <a:lumMod val="75000"/>
+            </a:schemeClr>
+          </a:solidFill>
+          <a:ln w="19050">
+            <a:solidFill>
+              <a:schemeClr val="accent6">
+                <a:lumMod val="75000"/>
+              </a:schemeClr>
+            </a:solidFill>
+          </a:ln>
+          <a:effectLst/>
+        </p:spPr>
+        <p:style>
+          <a:lnRef idx="1">
+            <a:schemeClr val="accent2"/>
+          </a:lnRef>
+          <a:fillRef idx="2">
+            <a:schemeClr val="accent2"/>
+          </a:fillRef>
+          <a:effectRef idx="1">
+            <a:schemeClr val="accent2"/>
+          </a:effectRef>
+          <a:fontRef idx="minor">
+            <a:schemeClr val="dk1"/>
+          </a:fontRef>
+        </p:style>
+        <p:txBody>
+          <a:bodyPr rtlCol="0" anchor="ctr"/>
+          <a:lstStyle/>
+          <a:p>
+            <a:pPr algn="ctr"/>
+            <a:r>
+              <a:rPr lang="en-US" sz="1050" dirty="0" smtClean="0">
+                <a:solidFill>
+                  <a:schemeClr val="bg1"/>
+                </a:solidFill>
+              </a:rPr>
+              <a:t>&lt;&lt;interface&gt;&gt;</a:t>
+            </a:r>
+            <a:br>
+              <a:rPr lang="en-US" sz="1050" dirty="0" smtClean="0">
+                <a:solidFill>
+                  <a:schemeClr val="bg1"/>
+                </a:solidFill>
+              </a:rPr>
+            </a:br>
+            <a:r>
+              <a:rPr lang="en-US" sz="1050" dirty="0" err="1" smtClean="0">
+                <a:solidFill>
+                  <a:schemeClr val="bg1"/>
+                </a:solidFill>
+              </a:rPr>
+              <a:t>UserPrefsStorage</a:t>
+            </a:r>
+            <a:endParaRPr lang="en-SG" sz="1050" dirty="0">
+              <a:solidFill>
+                <a:schemeClr val="bg1"/>
+              </a:solidFill>
+            </a:endParaRPr>
+          </a:p>
+        </p:txBody>
+      </p:sp>
+      <p:cxnSp>
+        <p:nvCxnSpPr>
+          <p:cNvPr id="54" name="Straight Arrow Connector 53"/>
+          <p:cNvCxnSpPr>
+            <a:stCxn id="56" idx="3"/>
+            <a:endCxn id="52" idx="1"/>
+          </p:cNvCxnSpPr>
+          <p:nvPr/>
+        </p:nvCxnSpPr>
+        <p:spPr>
+          <a:xfrm>
+            <a:off x="2560163" y="2726136"/>
+            <a:ext cx="313780" cy="5284"/>
+          </a:xfrm>
+          <a:prstGeom prst="straightConnector1">
+            <a:avLst/>
+          </a:prstGeom>
+          <a:ln w="19050">
+            <a:solidFill>
+              <a:schemeClr val="accent6">
+                <a:lumMod val="75000"/>
+              </a:schemeClr>
+            </a:solidFill>
+            <a:headEnd type="none" w="med" len="med"/>
+            <a:tailEnd type="arrow" w="med" len="med"/>
+          </a:ln>
+          <a:effectLst/>
+        </p:spPr>
+        <p:style>
+          <a:lnRef idx="1">
+            <a:schemeClr val="accent2"/>
+          </a:lnRef>
+          <a:fillRef idx="2">
+            <a:schemeClr val="accent2"/>
+          </a:fillRef>
+          <a:effectRef idx="1">
+            <a:schemeClr val="accent2"/>
+          </a:effectRef>
+          <a:fontRef idx="minor">
+            <a:schemeClr val="dk1"/>
+          </a:fontRef>
+        </p:style>
+      </p:cxnSp>
+      <p:sp>
+        <p:nvSpPr>
+          <p:cNvPr id="56" name="Flowchart: Decision 96"/>
+          <p:cNvSpPr/>
+          <p:nvPr/>
+        </p:nvSpPr>
+        <p:spPr>
+          <a:xfrm>
+            <a:off x="2324115" y="2639446"/>
+            <a:ext cx="236048" cy="173380"/>
+          </a:xfrm>
+          <a:prstGeom prst="flowChartDecision">
+            <a:avLst/>
+          </a:prstGeom>
+          <a:noFill/>
+          <a:ln w="19050">
+            <a:solidFill>
+              <a:schemeClr val="accent6">
+                <a:lumMod val="75000"/>
+              </a:schemeClr>
+            </a:solidFill>
+          </a:ln>
+          <a:effectLst/>
+        </p:spPr>
+        <p:style>
+          <a:lnRef idx="1">
+            <a:schemeClr val="accent2"/>
+          </a:lnRef>
+          <a:fillRef idx="2">
+            <a:schemeClr val="accent2"/>
+          </a:fillRef>
+          <a:effectRef idx="1">
+            <a:schemeClr val="accent2"/>
+          </a:effectRef>
+          <a:fontRef idx="minor">
+            <a:schemeClr val="dk1"/>
+          </a:fontRef>
+        </p:style>
+        <p:txBody>
+          <a:bodyPr rtlCol="0" anchor="ctr"/>
+          <a:lstStyle/>
+          <a:p>
+            <a:pPr algn="ctr"/>
+            <a:endParaRPr lang="en-US" sz="1050">
+              <a:solidFill>
+                <a:schemeClr val="bg1"/>
+              </a:solidFill>
+            </a:endParaRPr>
+          </a:p>
+        </p:txBody>
+      </p:sp>
+      <p:cxnSp>
+        <p:nvCxnSpPr>
+          <p:cNvPr id="60" name="Elbow Connector 63"/>
+          <p:cNvCxnSpPr>
+            <a:stCxn id="61" idx="3"/>
+            <a:endCxn id="65" idx="1"/>
+          </p:cNvCxnSpPr>
+          <p:nvPr/>
+        </p:nvCxnSpPr>
+        <p:spPr>
+          <a:xfrm flipV="1">
+            <a:off x="4394804" y="2731420"/>
+            <a:ext cx="223324" cy="1"/>
+          </a:xfrm>
+          <a:prstGeom prst="bentConnector3">
+            <a:avLst>
+              <a:gd name="adj1" fmla="val 50000"/>
+            </a:avLst>
+          </a:prstGeom>
+          <a:ln w="19050">
+            <a:solidFill>
+              <a:schemeClr val="accent6">
+                <a:lumMod val="75000"/>
+              </a:schemeClr>
+            </a:solidFill>
+            <a:prstDash val="sysDot"/>
+            <a:headEnd type="none" w="med" len="med"/>
+            <a:tailEnd type="none" w="med" len="med"/>
+          </a:ln>
+          <a:effectLst/>
+        </p:spPr>
+        <p:style>
+          <a:lnRef idx="1">
+            <a:schemeClr val="accent2"/>
+          </a:lnRef>
+          <a:fillRef idx="2">
+            <a:schemeClr val="accent2"/>
+          </a:fillRef>
+          <a:effectRef idx="1">
+            <a:schemeClr val="accent2"/>
+          </a:effectRef>
+          <a:fontRef idx="minor">
+            <a:schemeClr val="dk1"/>
+          </a:fontRef>
+        </p:style>
+      </p:cxnSp>
+      <p:sp>
+        <p:nvSpPr>
+          <p:cNvPr id="61" name="Isosceles Triangle 102"/>
+          <p:cNvSpPr/>
+          <p:nvPr/>
+        </p:nvSpPr>
+        <p:spPr>
+          <a:xfrm rot="5400000" flipV="1">
+            <a:off x="4171790" y="2643659"/>
+            <a:ext cx="270504" cy="175523"/>
+          </a:xfrm>
+          <a:prstGeom prst="triangle">
+            <a:avLst/>
+          </a:prstGeom>
+          <a:solidFill>
+            <a:schemeClr val="accent6">
+              <a:lumMod val="75000"/>
+            </a:schemeClr>
+          </a:solidFill>
+          <a:ln w="19050">
+            <a:solidFill>
+              <a:schemeClr val="accent6">
+                <a:lumMod val="75000"/>
+              </a:schemeClr>
+            </a:solidFill>
+          </a:ln>
+          <a:effectLst/>
+        </p:spPr>
+        <p:style>
+          <a:lnRef idx="1">
+            <a:schemeClr val="accent2"/>
+          </a:lnRef>
+          <a:fillRef idx="2">
+            <a:schemeClr val="accent2"/>
+          </a:fillRef>
+          <a:effectRef idx="1">
+            <a:schemeClr val="accent2"/>
+          </a:effectRef>
+          <a:fontRef idx="minor">
+            <a:schemeClr val="dk1"/>
+          </a:fontRef>
+        </p:style>
+        <p:txBody>
+          <a:bodyPr rtlCol="0" anchor="ctr"/>
+          <a:lstStyle/>
+          <a:p>
+            <a:pPr algn="ctr"/>
+            <a:endParaRPr lang="en-SG" sz="1050">
+              <a:solidFill>
+                <a:schemeClr val="bg1"/>
+              </a:solidFill>
+            </a:endParaRPr>
+          </a:p>
+        </p:txBody>
+      </p:sp>
+      <p:sp>
+        <p:nvSpPr>
+          <p:cNvPr id="65" name="Rectangle 8"/>
+          <p:cNvSpPr/>
+          <p:nvPr/>
+        </p:nvSpPr>
+        <p:spPr>
+          <a:xfrm>
+            <a:off x="4618128" y="2558040"/>
+            <a:ext cx="1093635" cy="346760"/>
+          </a:xfrm>
+          <a:prstGeom prst="rect">
+            <a:avLst/>
+          </a:prstGeom>
+          <a:solidFill>
+            <a:schemeClr val="accent6">
+              <a:lumMod val="75000"/>
+            </a:schemeClr>
+          </a:solidFill>
+          <a:ln w="19050">
+            <a:solidFill>
+              <a:schemeClr val="accent6">
+                <a:lumMod val="75000"/>
+              </a:schemeClr>
+            </a:solidFill>
+          </a:ln>
+          <a:effectLst/>
+        </p:spPr>
+        <p:style>
+          <a:lnRef idx="1">
+            <a:schemeClr val="accent2"/>
+          </a:lnRef>
+          <a:fillRef idx="2">
+            <a:schemeClr val="accent2"/>
+          </a:fillRef>
+          <a:effectRef idx="1">
+            <a:schemeClr val="accent2"/>
+          </a:effectRef>
+          <a:fontRef idx="minor">
+            <a:schemeClr val="dk1"/>
+          </a:fontRef>
+        </p:style>
+        <p:txBody>
+          <a:bodyPr rtlCol="0" anchor="ctr"/>
+          <a:lstStyle/>
+          <a:p>
+            <a:pPr algn="ctr"/>
+            <a:r>
+              <a:rPr lang="en-US" sz="1050" dirty="0" err="1" smtClean="0">
+                <a:solidFill>
+                  <a:schemeClr val="bg1"/>
+                </a:solidFill>
+              </a:rPr>
+              <a:t>JsonUserPrefs</a:t>
+            </a:r>
+            <a:r>
+              <a:rPr lang="en-US" sz="1050" dirty="0" smtClean="0">
+                <a:solidFill>
+                  <a:schemeClr val="bg1"/>
+                </a:solidFill>
+              </a:rPr>
+              <a:t/>
+            </a:r>
+            <a:br>
+              <a:rPr lang="en-US" sz="1050" dirty="0" smtClean="0">
+                <a:solidFill>
+                  <a:schemeClr val="bg1"/>
+                </a:solidFill>
+              </a:rPr>
+            </a:br>
+            <a:r>
+              <a:rPr lang="en-US" sz="1050" dirty="0" smtClean="0">
+                <a:solidFill>
+                  <a:schemeClr val="bg1"/>
+                </a:solidFill>
+              </a:rPr>
+              <a:t>Storage</a:t>
+            </a:r>
+            <a:endParaRPr lang="en-SG" sz="1050" dirty="0">
+              <a:solidFill>
+                <a:schemeClr val="bg1"/>
+              </a:solidFill>
+            </a:endParaRPr>
+          </a:p>
+        </p:txBody>
+      </p:sp>
+      <p:sp>
+        <p:nvSpPr>
+          <p:cNvPr id="66" name="Rectangle 8"/>
+          <p:cNvSpPr/>
+          <p:nvPr/>
+        </p:nvSpPr>
+        <p:spPr>
+          <a:xfrm>
+            <a:off x="6019800" y="3160410"/>
+            <a:ext cx="1200707" cy="346760"/>
+          </a:xfrm>
+          <a:prstGeom prst="rect">
+            <a:avLst/>
+          </a:prstGeom>
+          <a:ln w="19050"/>
+          <a:effectLst/>
+        </p:spPr>
+        <p:style>
+          <a:lnRef idx="1">
+            <a:schemeClr val="accent6"/>
+          </a:lnRef>
+          <a:fillRef idx="2">
+            <a:schemeClr val="accent6"/>
+          </a:fillRef>
+          <a:effectRef idx="1">
+            <a:schemeClr val="accent6"/>
+          </a:effectRef>
+          <a:fontRef idx="minor">
+            <a:schemeClr val="dk1"/>
+          </a:fontRef>
+        </p:style>
+        <p:txBody>
+          <a:bodyPr rtlCol="0" anchor="ctr"/>
+          <a:lstStyle/>
+          <a:p>
+            <a:pPr algn="ctr"/>
+            <a:r>
+              <a:rPr lang="en-US" sz="1050" b="1" dirty="0" err="1" smtClean="0">
+                <a:solidFill>
+                  <a:schemeClr val="accent6">
+                    <a:lumMod val="75000"/>
+                  </a:schemeClr>
+                </a:solidFill>
+              </a:rPr>
+              <a:t>XmlSerializable</a:t>
+            </a:r>
+            <a:r>
+              <a:rPr lang="en-US" sz="1050" b="1" dirty="0" smtClean="0">
+                <a:solidFill>
+                  <a:schemeClr val="accent6">
+                    <a:lumMod val="75000"/>
+                  </a:schemeClr>
+                </a:solidFill>
+              </a:rPr>
+              <a:t/>
+            </a:r>
+            <a:br>
+              <a:rPr lang="en-US" sz="1050" b="1" dirty="0" smtClean="0">
+                <a:solidFill>
+                  <a:schemeClr val="accent6">
+                    <a:lumMod val="75000"/>
+                  </a:schemeClr>
+                </a:solidFill>
+              </a:rPr>
+            </a:br>
+            <a:r>
+              <a:rPr lang="en-US" sz="1050" b="1" dirty="0" err="1" smtClean="0">
+                <a:solidFill>
+                  <a:schemeClr val="accent6">
+                    <a:lumMod val="75000"/>
+                  </a:schemeClr>
+                </a:solidFill>
+              </a:rPr>
+              <a:t>ActivityManager</a:t>
+            </a:r>
+            <a:endParaRPr lang="en-SG" sz="1050" b="1" dirty="0">
+              <a:solidFill>
+                <a:schemeClr val="accent6">
+                  <a:lumMod val="75000"/>
+                </a:schemeClr>
+              </a:solidFill>
+            </a:endParaRPr>
+          </a:p>
+        </p:txBody>
+      </p:sp>
+      <p:cxnSp>
+        <p:nvCxnSpPr>
+          <p:cNvPr id="70" name="Elbow Connector 122"/>
+          <p:cNvCxnSpPr/>
+          <p:nvPr/>
+        </p:nvCxnSpPr>
+        <p:spPr>
+          <a:xfrm rot="16200000" flipV="1">
+            <a:off x="7332727" y="2573273"/>
+            <a:ext cx="346798" cy="839052"/>
+          </a:xfrm>
+          <a:prstGeom prst="bentConnector3">
+            <a:avLst>
+              <a:gd name="adj1" fmla="val 50000"/>
+            </a:avLst>
+          </a:prstGeom>
+          <a:ln w="19050">
+            <a:prstDash val="sysDot"/>
+            <a:headEnd type="none" w="med" len="med"/>
+            <a:tailEnd type="arrow" w="med" len="med"/>
+          </a:ln>
+          <a:effectLst/>
+        </p:spPr>
+        <p:style>
+          <a:lnRef idx="1">
+            <a:schemeClr val="accent6"/>
+          </a:lnRef>
+          <a:fillRef idx="2">
+            <a:schemeClr val="accent6"/>
+          </a:fillRef>
+          <a:effectRef idx="1">
+            <a:schemeClr val="accent6"/>
+          </a:effectRef>
+          <a:fontRef idx="minor">
+            <a:schemeClr val="dk1"/>
+          </a:fontRef>
+        </p:style>
+      </p:cxnSp>
+      <p:sp>
+        <p:nvSpPr>
+          <p:cNvPr id="73" name="Rectangle 8"/>
+          <p:cNvSpPr/>
+          <p:nvPr/>
+        </p:nvSpPr>
+        <p:spPr>
+          <a:xfrm flipH="1">
+            <a:off x="6781800" y="1752600"/>
+            <a:ext cx="914400" cy="1060226"/>
+          </a:xfrm>
+          <a:prstGeom prst="rect">
+            <a:avLst/>
+          </a:prstGeom>
+          <a:ln w="19050"/>
+          <a:effectLst/>
+        </p:spPr>
+        <p:style>
+          <a:lnRef idx="1">
+            <a:schemeClr val="accent6"/>
+          </a:lnRef>
+          <a:fillRef idx="2">
+            <a:schemeClr val="accent6"/>
+          </a:fillRef>
+          <a:effectRef idx="1">
+            <a:schemeClr val="accent6"/>
+          </a:effectRef>
+          <a:fontRef idx="minor">
+            <a:schemeClr val="dk1"/>
+          </a:fontRef>
+        </p:style>
+        <p:txBody>
+          <a:bodyPr rtlCol="0" anchor="ctr"/>
+          <a:lstStyle/>
+          <a:p>
+            <a:pPr algn="ctr"/>
+            <a:r>
+              <a:rPr lang="en-US" sz="1050" b="1" dirty="0" err="1" smtClean="0">
+                <a:solidFill>
+                  <a:schemeClr val="accent6">
+                    <a:lumMod val="75000"/>
+                  </a:schemeClr>
+                </a:solidFill>
+              </a:rPr>
+              <a:t>XmlAdaptedTask</a:t>
+            </a:r>
+            <a:endParaRPr lang="en-SG" sz="1050" b="1" dirty="0">
+              <a:solidFill>
+                <a:schemeClr val="accent6">
+                  <a:lumMod val="75000"/>
+                </a:schemeClr>
+              </a:solidFill>
+            </a:endParaRPr>
+          </a:p>
+        </p:txBody>
+      </p:sp>
+      <p:sp>
+        <p:nvSpPr>
+          <p:cNvPr id="74" name="Rectangle 8"/>
+          <p:cNvSpPr/>
+          <p:nvPr/>
+        </p:nvSpPr>
+        <p:spPr>
+          <a:xfrm>
+            <a:off x="7615738" y="3159624"/>
+            <a:ext cx="1424340" cy="346760"/>
+          </a:xfrm>
+          <a:prstGeom prst="rect">
+            <a:avLst/>
+          </a:prstGeom>
+          <a:ln w="19050"/>
+          <a:effectLst/>
+        </p:spPr>
+        <p:style>
+          <a:lnRef idx="1">
+            <a:schemeClr val="accent6"/>
+          </a:lnRef>
+          <a:fillRef idx="2">
+            <a:schemeClr val="accent6"/>
+          </a:fillRef>
+          <a:effectRef idx="1">
+            <a:schemeClr val="accent6"/>
+          </a:effectRef>
+          <a:fontRef idx="minor">
+            <a:schemeClr val="dk1"/>
+          </a:fontRef>
+        </p:style>
+        <p:txBody>
+          <a:bodyPr rtlCol="0" anchor="ctr"/>
+          <a:lstStyle/>
+          <a:p>
+            <a:pPr algn="ctr"/>
+            <a:r>
+              <a:rPr lang="en-US" sz="1050" b="1" dirty="0" err="1" smtClean="0">
+                <a:solidFill>
+                  <a:schemeClr val="accent6">
+                    <a:lumMod val="75000"/>
+                  </a:schemeClr>
+                </a:solidFill>
+              </a:rPr>
+              <a:t>XmlAdaptedActivity</a:t>
+            </a:r>
+            <a:endParaRPr lang="en-SG" sz="1050" b="1" dirty="0">
+              <a:solidFill>
+                <a:schemeClr val="accent6">
+                  <a:lumMod val="75000"/>
+                </a:schemeClr>
+              </a:solidFill>
+            </a:endParaRPr>
+          </a:p>
+        </p:txBody>
+      </p:sp>
+      <p:cxnSp>
+        <p:nvCxnSpPr>
+          <p:cNvPr id="77" name="Elbow Connector 122"/>
+          <p:cNvCxnSpPr>
+            <a:stCxn id="66" idx="3"/>
+            <a:endCxn id="74" idx="1"/>
+          </p:cNvCxnSpPr>
+          <p:nvPr/>
+        </p:nvCxnSpPr>
+        <p:spPr>
+          <a:xfrm flipV="1">
+            <a:off x="7220507" y="3333004"/>
+            <a:ext cx="395231" cy="786"/>
+          </a:xfrm>
+          <a:prstGeom prst="bentConnector3">
+            <a:avLst>
+              <a:gd name="adj1" fmla="val 50000"/>
+            </a:avLst>
+          </a:prstGeom>
+          <a:ln w="19050">
+            <a:prstDash val="sysDot"/>
+            <a:headEnd type="none" w="med" len="med"/>
+            <a:tailEnd type="arrow" w="med" len="med"/>
+          </a:ln>
+          <a:effectLst/>
+        </p:spPr>
+        <p:style>
+          <a:lnRef idx="1">
+            <a:schemeClr val="accent6"/>
+          </a:lnRef>
+          <a:fillRef idx="2">
+            <a:schemeClr val="accent6"/>
+          </a:fillRef>
+          <a:effectRef idx="1">
+            <a:schemeClr val="accent6"/>
+          </a:effectRef>
+          <a:fontRef idx="minor">
+            <a:schemeClr val="dk1"/>
+          </a:fontRef>
+        </p:style>
+      </p:cxnSp>
+      <p:cxnSp>
+        <p:nvCxnSpPr>
+          <p:cNvPr id="26" name="Elbow Connector 122"/>
+          <p:cNvCxnSpPr/>
+          <p:nvPr/>
+        </p:nvCxnSpPr>
+        <p:spPr>
+          <a:xfrm rot="5400000" flipH="1" flipV="1">
+            <a:off x="8136661" y="2988539"/>
+            <a:ext cx="346798" cy="8519"/>
+          </a:xfrm>
+          <a:prstGeom prst="bentConnector3">
+            <a:avLst>
+              <a:gd name="adj1" fmla="val 50000"/>
+            </a:avLst>
+          </a:prstGeom>
+          <a:ln w="19050">
+            <a:prstDash val="sysDot"/>
+            <a:headEnd type="none" w="med" len="med"/>
+            <a:tailEnd type="arrow" w="med" len="med"/>
+          </a:ln>
+          <a:effectLst/>
+        </p:spPr>
+        <p:style>
+          <a:lnRef idx="1">
+            <a:schemeClr val="accent6"/>
+          </a:lnRef>
+          <a:fillRef idx="2">
+            <a:schemeClr val="accent6"/>
+          </a:fillRef>
+          <a:effectRef idx="1">
+            <a:schemeClr val="accent6"/>
+          </a:effectRef>
+          <a:fontRef idx="minor">
+            <a:schemeClr val="dk1"/>
+          </a:fontRef>
+        </p:style>
+      </p:cxnSp>
+      <p:sp>
+        <p:nvSpPr>
+          <p:cNvPr id="35" name="Rectangle 8"/>
+          <p:cNvSpPr/>
+          <p:nvPr/>
+        </p:nvSpPr>
+        <p:spPr>
+          <a:xfrm flipH="1">
+            <a:off x="8763000" y="1752600"/>
+            <a:ext cx="914400" cy="1060226"/>
+          </a:xfrm>
+          <a:prstGeom prst="rect">
+            <a:avLst/>
+          </a:prstGeom>
+          <a:ln w="19050"/>
+          <a:effectLst/>
+        </p:spPr>
+        <p:style>
+          <a:lnRef idx="1">
+            <a:schemeClr val="accent6"/>
+          </a:lnRef>
+          <a:fillRef idx="2">
+            <a:schemeClr val="accent6"/>
+          </a:fillRef>
+          <a:effectRef idx="1">
+            <a:schemeClr val="accent6"/>
+          </a:effectRef>
+          <a:fontRef idx="minor">
+            <a:schemeClr val="dk1"/>
+          </a:fontRef>
+        </p:style>
+        <p:txBody>
+          <a:bodyPr rtlCol="0" anchor="ctr"/>
+          <a:lstStyle/>
+          <a:p>
+            <a:pPr algn="ctr"/>
+            <a:r>
+              <a:rPr lang="en-US" sz="1050" b="1" dirty="0" err="1" smtClean="0">
+                <a:solidFill>
+                  <a:schemeClr val="accent6">
+                    <a:lumMod val="75000"/>
+                  </a:schemeClr>
+                </a:solidFill>
+              </a:rPr>
+              <a:t>XmlAdaptedFloatingTask</a:t>
+            </a:r>
+            <a:endParaRPr lang="en-SG" sz="1050" b="1" dirty="0">
+              <a:solidFill>
+                <a:schemeClr val="accent6">
+                  <a:lumMod val="75000"/>
+                </a:schemeClr>
+              </a:solidFill>
+            </a:endParaRPr>
+          </a:p>
+        </p:txBody>
+      </p:sp>
+      <p:sp>
+        <p:nvSpPr>
+          <p:cNvPr id="36" name="Rectangle 8"/>
+          <p:cNvSpPr/>
+          <p:nvPr/>
+        </p:nvSpPr>
+        <p:spPr>
+          <a:xfrm flipH="1">
+            <a:off x="7772400" y="1752600"/>
+            <a:ext cx="914400" cy="1060226"/>
+          </a:xfrm>
+          <a:prstGeom prst="rect">
+            <a:avLst/>
+          </a:prstGeom>
+          <a:ln w="19050"/>
+          <a:effectLst/>
+        </p:spPr>
+        <p:style>
+          <a:lnRef idx="1">
+            <a:schemeClr val="accent6"/>
+          </a:lnRef>
+          <a:fillRef idx="2">
+            <a:schemeClr val="accent6"/>
+          </a:fillRef>
+          <a:effectRef idx="1">
+            <a:schemeClr val="accent6"/>
+          </a:effectRef>
+          <a:fontRef idx="minor">
+            <a:schemeClr val="dk1"/>
+          </a:fontRef>
+        </p:style>
+        <p:txBody>
+          <a:bodyPr rtlCol="0" anchor="ctr"/>
+          <a:lstStyle/>
+          <a:p>
+            <a:pPr algn="ctr"/>
+            <a:r>
+              <a:rPr lang="en-US" sz="1050" b="1" dirty="0" err="1" smtClean="0">
+                <a:solidFill>
+                  <a:schemeClr val="accent6">
+                    <a:lumMod val="75000"/>
+                  </a:schemeClr>
+                </a:solidFill>
+              </a:rPr>
+              <a:t>XmlAdaptedEvent</a:t>
+            </a:r>
+            <a:endParaRPr lang="en-SG" sz="1050" b="1" dirty="0">
+              <a:solidFill>
+                <a:schemeClr val="accent6">
+                  <a:lumMod val="75000"/>
+                </a:schemeClr>
+              </a:solidFill>
+            </a:endParaRPr>
+          </a:p>
+        </p:txBody>
+      </p:sp>
+      <p:cxnSp>
+        <p:nvCxnSpPr>
+          <p:cNvPr id="41" name="Elbow Connector 122"/>
+          <p:cNvCxnSpPr/>
+          <p:nvPr/>
+        </p:nvCxnSpPr>
+        <p:spPr>
+          <a:xfrm rot="5400000" flipH="1" flipV="1">
+            <a:off x="8746261" y="2988539"/>
+            <a:ext cx="346798" cy="8519"/>
+          </a:xfrm>
+          <a:prstGeom prst="bentConnector3">
+            <a:avLst>
+              <a:gd name="adj1" fmla="val 74979"/>
+            </a:avLst>
+          </a:prstGeom>
+          <a:ln w="19050">
+            <a:prstDash val="sysDot"/>
+            <a:headEnd type="none" w="med" len="med"/>
+            <a:tailEnd type="arrow" w="med" len="med"/>
+          </a:ln>
+          <a:effectLst/>
+        </p:spPr>
+        <p:style>
+          <a:lnRef idx="1">
+            <a:schemeClr val="accent6"/>
+          </a:lnRef>
+          <a:fillRef idx="2">
+            <a:schemeClr val="accent6"/>
+          </a:fillRef>
+          <a:effectRef idx="1">
+            <a:schemeClr val="accent6"/>
+          </a:effectRef>
+          <a:fontRef idx="minor">
+            <a:schemeClr val="dk1"/>
+          </a:fontRef>
+        </p:style>
+      </p:cxnSp>
+    </p:spTree>
+    <p:extLst>
+      <p:ext uri="{BB962C8B-B14F-4D97-AF65-F5344CB8AC3E}">
+        <p14:creationId xmlns:p14="http://schemas.microsoft.com/office/powerpoint/2010/main" val="1478832369"/>
+      </p:ext>
+    </p:extLst>
+  </p:cSld>
+  <p:clrMapOvr>
+    <a:masterClrMapping/>
+  </p:clrMapOvr>
+  <p:timing>
+    <p:tnLst>
+      <p:par>
+        <p:cTn id="1" dur="indefinite" restart="never" nodeType="tmRoot"/>
+      </p:par>
+    </p:tnLst>
+  </p:timing>
+</p:sld>
+</file>
+
+<file path=ppt/slides/slide12.xml><?xml version="1.0" encoding="utf-8"?>
+<p:sld xmlns:a="http://schemas.openxmlformats.org/drawingml/2006/main" xmlns:r="http://schemas.openxmlformats.org/officeDocument/2006/relationships" xmlns:p="http://schemas.openxmlformats.org/presentationml/2006/main">
+  <p:cSld>
+    <p:spTree>
+      <p:nvGrpSpPr>
+        <p:cNvPr id="1" name=""/>
+        <p:cNvGrpSpPr/>
+        <p:nvPr/>
+      </p:nvGrpSpPr>
+      <p:grpSpPr>
+        <a:xfrm>
+          <a:off x="0" y="0"/>
+          <a:ext cx="0" cy="0"/>
+          <a:chOff x="0" y="0"/>
+          <a:chExt cx="0" cy="0"/>
+        </a:xfrm>
+      </p:grpSpPr>
+      <p:sp>
+        <p:nvSpPr>
           <p:cNvPr id="7" name="Rectangle 62"/>
           <p:cNvSpPr/>
           <p:nvPr/>
@@ -5275,15 +7201,7 @@
                   <a:schemeClr val="bg1"/>
                 </a:solidFill>
               </a:rPr>
-              <a:t>:</a:t>
-            </a:r>
-            <a:r>
-              <a:rPr lang="en-US" sz="1600" dirty="0" err="1" smtClean="0">
-                <a:solidFill>
-                  <a:schemeClr val="bg1"/>
-                </a:solidFill>
-              </a:rPr>
-              <a:t>EventsCenter</a:t>
+              <a:t>:EventsCenter</a:t>
             </a:r>
             <a:endParaRPr lang="en-SG" sz="1600" dirty="0">
               <a:solidFill>
@@ -6943,27 +8861,7 @@
                   </a:schemeClr>
                 </a:solidFill>
               </a:rPr>
-              <a:t>post(</a:t>
-            </a:r>
-            <a:r>
-              <a:rPr lang="en-US" sz="1400" dirty="0" err="1" smtClean="0">
-                <a:solidFill>
-                  <a:schemeClr val="accent5">
-                    <a:lumMod val="75000"/>
-                  </a:schemeClr>
-                </a:solidFill>
-              </a:rPr>
-              <a:t>ActivityManagerChangedEvent</a:t>
-            </a:r>
-            <a:r>
-              <a:rPr lang="en-US" sz="1400" dirty="0" smtClean="0">
-                <a:solidFill>
-                  <a:schemeClr val="accent5">
-                    <a:lumMod val="75000"/>
-                  </a:schemeClr>
-                </a:solidFill>
-              </a:rPr>
-              <a:t>()</a:t>
+              <a:t>post(ActivityManagerChangedEvent()</a:t>
             </a:r>
             <a:endParaRPr lang="en-US" sz="1400" dirty="0">
               <a:solidFill>
@@ -9360,20 +11258,12 @@
           <a:lstStyle/>
           <a:p>
             <a:r>
-              <a:rPr lang="en-US" sz="1400" dirty="0" err="1" smtClean="0">
+              <a:rPr lang="en-US" sz="1400" dirty="0" smtClean="0">
                 <a:solidFill>
                   <a:srgbClr val="7030A0"/>
                 </a:solidFill>
               </a:rPr>
-              <a:t>deleteTask</a:t>
-            </a:r>
-            <a:r>
-              <a:rPr lang="en-US" sz="1400" dirty="0" smtClean="0">
-                <a:solidFill>
-                  <a:srgbClr val="7030A0"/>
-                </a:solidFill>
-              </a:rPr>
-              <a:t>(a)</a:t>
+              <a:t>deleteTask(a)</a:t>
             </a:r>
             <a:endParaRPr lang="en-US" sz="1400" dirty="0">
               <a:solidFill>
@@ -9413,27 +11303,7 @@
                   </a:schemeClr>
                 </a:solidFill>
               </a:rPr>
-              <a:t>post(</a:t>
-            </a:r>
-            <a:r>
-              <a:rPr lang="en-US" sz="1400" dirty="0" err="1" smtClean="0">
-                <a:solidFill>
-                  <a:schemeClr val="accent5">
-                    <a:lumMod val="75000"/>
-                  </a:schemeClr>
-                </a:solidFill>
-              </a:rPr>
-              <a:t>ActivityManagerChangedEvent</a:t>
-            </a:r>
-            <a:r>
-              <a:rPr lang="en-US" sz="1400" dirty="0" smtClean="0">
-                <a:solidFill>
-                  <a:schemeClr val="accent5">
-                    <a:lumMod val="75000"/>
-                  </a:schemeClr>
-                </a:solidFill>
-              </a:rPr>
-              <a:t>)</a:t>
+              <a:t>post(ActivityManagerChangedEvent)</a:t>
             </a:r>
             <a:endParaRPr lang="en-US" sz="1400" dirty="0">
               <a:solidFill>
@@ -9612,15 +11482,7 @@
                   <a:schemeClr val="bg1"/>
                 </a:solidFill>
               </a:rPr>
-              <a:t>:</a:t>
-            </a:r>
-            <a:r>
-              <a:rPr lang="en-US" sz="1600" dirty="0" err="1" smtClean="0">
-                <a:solidFill>
-                  <a:schemeClr val="bg1"/>
-                </a:solidFill>
-              </a:rPr>
-              <a:t>EventsCenter</a:t>
+              <a:t>:EventsCenter</a:t>
             </a:r>
             <a:endParaRPr lang="en-SG" sz="1600" dirty="0">
               <a:solidFill>
@@ -9965,8 +11827,8 @@
         </p:nvSpPr>
         <p:spPr>
           <a:xfrm>
-            <a:off x="1617324" y="4771099"/>
-            <a:ext cx="2716635" cy="215444"/>
+            <a:off x="1548260" y="4738433"/>
+            <a:ext cx="3222099" cy="216552"/>
           </a:xfrm>
           <a:prstGeom prst="rect">
             <a:avLst/>
@@ -9987,27 +11849,17 @@
                   </a:schemeClr>
                 </a:solidFill>
               </a:rPr>
-              <a:t>post(</a:t>
-            </a:r>
-            <a:r>
-              <a:rPr lang="en-US" sz="1400" dirty="0" err="1" smtClean="0">
+              <a:t>post(ActivityManagerChangedEvent</a:t>
+            </a:r>
+            <a:r>
+              <a:rPr lang="en-US" sz="1400" dirty="0" smtClean="0">
                 <a:solidFill>
                   <a:schemeClr val="accent5">
                     <a:lumMod val="75000"/>
                   </a:schemeClr>
                 </a:solidFill>
               </a:rPr>
-              <a:t>ActivityManagerChangedEvent</a:t>
-            </a:r>
-            <a:r>
-              <a:rPr lang="en-US" sz="1400" dirty="0" smtClean="0">
-                <a:solidFill>
-                  <a:schemeClr val="accent5">
-                    <a:lumMod val="75000"/>
-                  </a:schemeClr>
-                </a:solidFill>
-              </a:rPr>
-              <a:t>()</a:t>
+              <a:t>())</a:t>
             </a:r>
             <a:endParaRPr lang="en-US" sz="1400" dirty="0">
               <a:solidFill>
@@ -10112,15 +11964,7 @@
                   <a:schemeClr val="bg1"/>
                 </a:solidFill>
               </a:rPr>
-              <a:t>:</a:t>
-            </a:r>
-            <a:r>
-              <a:rPr lang="en-US" sz="1600" dirty="0" err="1" smtClean="0">
-                <a:solidFill>
-                  <a:schemeClr val="bg1"/>
-                </a:solidFill>
-              </a:rPr>
-              <a:t>EventsCenter</a:t>
+              <a:t>:EventsCenter</a:t>
             </a:r>
             <a:endParaRPr lang="en-SG" sz="1600" dirty="0">
               <a:solidFill>
@@ -10232,8 +12076,8 @@
         </p:nvCxnSpPr>
         <p:spPr>
           <a:xfrm>
-            <a:off x="1295400" y="5029200"/>
-            <a:ext cx="3102100" cy="5309"/>
+            <a:off x="2768128" y="5026781"/>
+            <a:ext cx="1680227" cy="5309"/>
           </a:xfrm>
           <a:prstGeom prst="straightConnector1">
             <a:avLst/>
@@ -10362,24 +12206,14 @@
           <a:lstStyle/>
           <a:p>
             <a:r>
-              <a:rPr lang="en-US" sz="1400" dirty="0" err="1" smtClean="0">
+              <a:rPr lang="en-US" sz="1400" dirty="0" smtClean="0">
                 <a:solidFill>
                   <a:schemeClr val="accent6">
                     <a:lumMod val="75000"/>
                   </a:schemeClr>
                 </a:solidFill>
               </a:rPr>
-              <a:t>handleActivityManagerChangedEvent</a:t>
-            </a:r>
-            <a:r>
-              <a:rPr lang="en-US" sz="1400" dirty="0" smtClean="0">
-                <a:solidFill>
-                  <a:schemeClr val="accent6">
-                    <a:lumMod val="75000"/>
-                  </a:schemeClr>
-                </a:solidFill>
-              </a:rPr>
-              <a:t>()</a:t>
+              <a:t>handleActivityManagerChangedEvent()</a:t>
             </a:r>
             <a:endParaRPr lang="en-US" sz="1400" dirty="0">
               <a:solidFill>
@@ -10675,20 +12509,12 @@
           <a:lstStyle/>
           <a:p>
             <a:r>
-              <a:rPr lang="en-US" sz="1400" dirty="0" err="1" smtClean="0">
+              <a:rPr lang="en-US" sz="1400" dirty="0" smtClean="0">
                 <a:solidFill>
                   <a:srgbClr val="00B050"/>
                 </a:solidFill>
               </a:rPr>
-              <a:t>handleActivityManagerChangedEvent</a:t>
-            </a:r>
-            <a:r>
-              <a:rPr lang="en-US" sz="1400" dirty="0" smtClean="0">
-                <a:solidFill>
-                  <a:srgbClr val="00B050"/>
-                </a:solidFill>
-              </a:rPr>
-              <a:t>()</a:t>
+              <a:t>handleActivityManagerChangedEvent()</a:t>
             </a:r>
             <a:endParaRPr lang="en-US" sz="1400" dirty="0">
               <a:solidFill>
@@ -14390,8 +16216,8 @@
         </p:nvSpPr>
         <p:spPr>
           <a:xfrm>
-            <a:off x="1093503" y="2077272"/>
-            <a:ext cx="6288315" cy="2819401"/>
+            <a:off x="749912" y="1882477"/>
+            <a:ext cx="7036456" cy="3928972"/>
           </a:xfrm>
           <a:prstGeom prst="roundRect">
             <a:avLst>
@@ -14759,7 +16585,7 @@
         </p:nvSpPr>
         <p:spPr>
           <a:xfrm>
-            <a:off x="1123983" y="5129148"/>
+            <a:off x="1123983" y="6033805"/>
             <a:ext cx="6288315" cy="328045"/>
           </a:xfrm>
           <a:prstGeom prst="roundRect">
@@ -15235,9 +17061,9 @@
           <p:nvPr/>
         </p:nvCxnSpPr>
         <p:spPr>
-          <a:xfrm flipH="1">
-            <a:off x="5197635" y="4112481"/>
-            <a:ext cx="4072" cy="1016667"/>
+          <a:xfrm>
+            <a:off x="5201707" y="4112481"/>
+            <a:ext cx="41434" cy="1921324"/>
           </a:xfrm>
           <a:prstGeom prst="straightConnector1">
             <a:avLst/>
@@ -15484,9 +17310,9 @@
           <p:nvPr/>
         </p:nvCxnSpPr>
         <p:spPr>
-          <a:xfrm flipH="1">
-            <a:off x="2562035" y="4110380"/>
-            <a:ext cx="1" cy="1018768"/>
+          <a:xfrm>
+            <a:off x="2562036" y="4110380"/>
+            <a:ext cx="7710" cy="1880093"/>
           </a:xfrm>
           <a:prstGeom prst="straightConnector1">
             <a:avLst/>
@@ -16081,8 +17907,8 @@
         </p:nvSpPr>
         <p:spPr>
           <a:xfrm>
-            <a:off x="2636639" y="4479621"/>
-            <a:ext cx="997698" cy="342153"/>
+            <a:off x="2780845" y="4867023"/>
+            <a:ext cx="858670" cy="303707"/>
           </a:xfrm>
           <a:prstGeom prst="rect">
             <a:avLst/>
@@ -16140,7 +17966,7 @@
         </p:nvCxnSpPr>
         <p:spPr>
           <a:xfrm>
-            <a:off x="3354027" y="4139422"/>
+            <a:off x="3769292" y="4133447"/>
             <a:ext cx="0" cy="323105"/>
           </a:xfrm>
           <a:prstGeom prst="straightConnector1">
@@ -16179,7 +18005,7 @@
         </p:nvSpPr>
         <p:spPr>
           <a:xfrm>
-            <a:off x="3111844" y="4156516"/>
+            <a:off x="3519215" y="4207560"/>
             <a:ext cx="555487" cy="230832"/>
           </a:xfrm>
           <a:prstGeom prst="rect">
@@ -16218,7 +18044,7 @@
         </p:nvSpPr>
         <p:spPr>
           <a:xfrm>
-            <a:off x="3973516" y="4470352"/>
+            <a:off x="3376626" y="5302495"/>
             <a:ext cx="1149516" cy="342153"/>
           </a:xfrm>
           <a:prstGeom prst="rect">
@@ -16276,9 +18102,9 @@
           <p:nvPr/>
         </p:nvCxnSpPr>
         <p:spPr>
-          <a:xfrm>
-            <a:off x="3667330" y="4664199"/>
-            <a:ext cx="277744" cy="0"/>
+          <a:xfrm flipH="1">
+            <a:off x="3376469" y="4119177"/>
+            <a:ext cx="157" cy="719931"/>
           </a:xfrm>
           <a:prstGeom prst="straightConnector1">
             <a:avLst/>
@@ -16316,7 +18142,7 @@
         </p:nvSpPr>
         <p:spPr>
           <a:xfrm>
-            <a:off x="3389587" y="4433367"/>
+            <a:off x="2715048" y="4479993"/>
             <a:ext cx="555487" cy="230832"/>
           </a:xfrm>
           <a:prstGeom prst="rect">
@@ -16443,19 +18269,181 @@
           </a:fontRef>
         </p:style>
       </p:cxnSp>
+      <p:sp>
+        <p:nvSpPr>
+          <p:cNvPr id="49" name="Rectangle 62"/>
+          <p:cNvSpPr/>
+          <p:nvPr/>
+        </p:nvSpPr>
+        <p:spPr>
+          <a:xfrm>
+            <a:off x="4145556" y="4877063"/>
+            <a:ext cx="854537" cy="303707"/>
+          </a:xfrm>
+          <a:prstGeom prst="rect">
+            <a:avLst/>
+          </a:prstGeom>
+          <a:solidFill>
+            <a:srgbClr val="0070C0"/>
+          </a:solidFill>
+          <a:ln w="19050">
+            <a:solidFill>
+              <a:srgbClr val="0070C0"/>
+            </a:solidFill>
+          </a:ln>
+          <a:effectLst/>
+        </p:spPr>
+        <p:style>
+          <a:lnRef idx="1">
+            <a:schemeClr val="accent2"/>
+          </a:lnRef>
+          <a:fillRef idx="2">
+            <a:schemeClr val="accent2"/>
+          </a:fillRef>
+          <a:effectRef idx="1">
+            <a:schemeClr val="accent2"/>
+          </a:effectRef>
+          <a:fontRef idx="minor">
+            <a:schemeClr val="dk1"/>
+          </a:fontRef>
+        </p:style>
+        <p:txBody>
+          <a:bodyPr rtlCol="0" anchor="ctr"/>
+          <a:lstStyle/>
+          <a:p>
+            <a:pPr algn="ctr"/>
+            <a:r>
+              <a:rPr lang="en-US" sz="1050" dirty="0" err="1" smtClean="0">
+                <a:solidFill>
+                  <a:schemeClr val="bg1"/>
+                </a:solidFill>
+              </a:rPr>
+              <a:t>EditParser</a:t>
+            </a:r>
+            <a:endParaRPr lang="en-US" sz="1050" dirty="0" smtClean="0">
+              <a:solidFill>
+                <a:schemeClr val="bg1"/>
+              </a:solidFill>
+            </a:endParaRPr>
+          </a:p>
+        </p:txBody>
+      </p:sp>
+      <p:sp>
+        <p:nvSpPr>
+          <p:cNvPr id="50" name="Rectangle 62"/>
+          <p:cNvSpPr/>
+          <p:nvPr/>
+        </p:nvSpPr>
+        <p:spPr>
+          <a:xfrm>
+            <a:off x="3492633" y="4470231"/>
+            <a:ext cx="854537" cy="303707"/>
+          </a:xfrm>
+          <a:prstGeom prst="rect">
+            <a:avLst/>
+          </a:prstGeom>
+          <a:solidFill>
+            <a:srgbClr val="0070C0"/>
+          </a:solidFill>
+          <a:ln w="19050">
+            <a:solidFill>
+              <a:srgbClr val="0070C0"/>
+            </a:solidFill>
+          </a:ln>
+          <a:effectLst/>
+        </p:spPr>
+        <p:style>
+          <a:lnRef idx="1">
+            <a:schemeClr val="accent2"/>
+          </a:lnRef>
+          <a:fillRef idx="2">
+            <a:schemeClr val="accent2"/>
+          </a:fillRef>
+          <a:effectRef idx="1">
+            <a:schemeClr val="accent2"/>
+          </a:effectRef>
+          <a:fontRef idx="minor">
+            <a:schemeClr val="dk1"/>
+          </a:fontRef>
+        </p:style>
+        <p:txBody>
+          <a:bodyPr rtlCol="0" anchor="ctr"/>
+          <a:lstStyle/>
+          <a:p>
+            <a:pPr algn="ctr"/>
+            <a:r>
+              <a:rPr lang="en-US" sz="1050" dirty="0" err="1" smtClean="0">
+                <a:solidFill>
+                  <a:schemeClr val="bg1"/>
+                </a:solidFill>
+              </a:rPr>
+              <a:t>ListParser</a:t>
+            </a:r>
+            <a:endParaRPr lang="en-US" sz="1050" dirty="0" smtClean="0">
+              <a:solidFill>
+                <a:schemeClr val="bg1"/>
+              </a:solidFill>
+            </a:endParaRPr>
+          </a:p>
+        </p:txBody>
+      </p:sp>
+      <p:sp>
+        <p:nvSpPr>
+          <p:cNvPr id="57" name="TextBox 56"/>
+          <p:cNvSpPr txBox="1"/>
+          <p:nvPr/>
+        </p:nvSpPr>
+        <p:spPr>
+          <a:xfrm>
+            <a:off x="4390885" y="4558491"/>
+            <a:ext cx="555487" cy="230832"/>
+          </a:xfrm>
+          <a:prstGeom prst="rect">
+            <a:avLst/>
+          </a:prstGeom>
+          <a:noFill/>
+        </p:spPr>
+        <p:txBody>
+          <a:bodyPr wrap="square" lIns="0" tIns="0" rIns="0" bIns="0" rtlCol="0">
+            <a:noAutofit/>
+          </a:bodyPr>
+          <a:lstStyle/>
+          <a:p>
+            <a:pPr algn="r"/>
+            <a:r>
+              <a:rPr lang="en-US" sz="1100" dirty="0" smtClean="0">
+                <a:solidFill>
+                  <a:srgbClr val="0070C0"/>
+                </a:solidFill>
+              </a:rPr>
+              <a:t>uses</a:t>
+            </a:r>
+            <a:endParaRPr lang="en-SG" sz="1100" dirty="0">
+              <a:solidFill>
+                <a:srgbClr val="0070C0"/>
+              </a:solidFill>
+            </a:endParaRPr>
+          </a:p>
+        </p:txBody>
+      </p:sp>
       <p:cxnSp>
         <p:nvCxnSpPr>
-          <p:cNvPr id="67" name="Straight Arrow Connector 66"/>
-          <p:cNvCxnSpPr/>
+          <p:cNvPr id="60" name="Straight Arrow Connector 59"/>
+          <p:cNvCxnSpPr>
+            <a:stCxn id="42" idx="1"/>
+          </p:cNvCxnSpPr>
           <p:nvPr/>
         </p:nvCxnSpPr>
         <p:spPr>
-          <a:xfrm flipH="1">
-            <a:off x="4962001" y="4169321"/>
-            <a:ext cx="1218590" cy="271677"/>
-          </a:xfrm>
-          <a:prstGeom prst="straightConnector1">
-            <a:avLst/>
+          <a:xfrm rot="10800000" flipH="1" flipV="1">
+            <a:off x="4199936" y="4097956"/>
+            <a:ext cx="422309" cy="741151"/>
+          </a:xfrm>
+          <a:prstGeom prst="bentConnector4">
+            <a:avLst>
+              <a:gd name="adj1" fmla="val -1203"/>
+              <a:gd name="adj2" fmla="val 31740"/>
+            </a:avLst>
           </a:prstGeom>
           <a:ln w="19050">
             <a:solidFill>
@@ -16482,15 +18470,216 @@
           </a:fontRef>
         </p:style>
       </p:cxnSp>
-      <p:sp>
-        <p:nvSpPr>
-          <p:cNvPr id="71" name="TextBox 70"/>
+      <p:cxnSp>
+        <p:nvCxnSpPr>
+          <p:cNvPr id="63" name="Straight Arrow Connector 62"/>
+          <p:cNvCxnSpPr>
+            <a:endCxn id="54" idx="0"/>
+          </p:cNvCxnSpPr>
+          <p:nvPr/>
+        </p:nvCxnSpPr>
+        <p:spPr>
+          <a:xfrm flipH="1">
+            <a:off x="3951384" y="4795604"/>
+            <a:ext cx="9765" cy="506891"/>
+          </a:xfrm>
+          <a:prstGeom prst="straightConnector1">
+            <a:avLst/>
+          </a:prstGeom>
+          <a:ln w="19050">
+            <a:solidFill>
+              <a:srgbClr val="0070C0"/>
+            </a:solidFill>
+            <a:prstDash val="sysDot"/>
+            <a:headEnd type="none" w="med" len="med"/>
+            <a:tailEnd type="arrow" w="med" len="med"/>
+          </a:ln>
+          <a:effectLst/>
+        </p:spPr>
+        <p:style>
+          <a:lnRef idx="1">
+            <a:schemeClr val="accent2"/>
+          </a:lnRef>
+          <a:fillRef idx="2">
+            <a:schemeClr val="accent2"/>
+          </a:fillRef>
+          <a:effectRef idx="1">
+            <a:schemeClr val="accent2"/>
+          </a:effectRef>
+          <a:fontRef idx="minor">
+            <a:schemeClr val="dk1"/>
+          </a:fontRef>
+        </p:style>
+      </p:cxnSp>
+      <p:cxnSp>
+        <p:nvCxnSpPr>
+          <p:cNvPr id="68" name="Straight Arrow Connector 67"/>
+          <p:cNvCxnSpPr/>
+          <p:nvPr/>
+        </p:nvCxnSpPr>
+        <p:spPr>
+          <a:xfrm>
+            <a:off x="2981061" y="5175746"/>
+            <a:ext cx="386258" cy="301264"/>
+          </a:xfrm>
+          <a:prstGeom prst="bentConnector3">
+            <a:avLst>
+              <a:gd name="adj1" fmla="val 2272"/>
+            </a:avLst>
+          </a:prstGeom>
+          <a:ln w="19050">
+            <a:solidFill>
+              <a:srgbClr val="0070C0"/>
+            </a:solidFill>
+            <a:prstDash val="sysDot"/>
+            <a:headEnd type="none" w="med" len="med"/>
+            <a:tailEnd type="arrow" w="med" len="med"/>
+          </a:ln>
+          <a:effectLst/>
+        </p:spPr>
+        <p:style>
+          <a:lnRef idx="1">
+            <a:schemeClr val="accent2"/>
+          </a:lnRef>
+          <a:fillRef idx="2">
+            <a:schemeClr val="accent2"/>
+          </a:fillRef>
+          <a:effectRef idx="1">
+            <a:schemeClr val="accent2"/>
+          </a:effectRef>
+          <a:fontRef idx="minor">
+            <a:schemeClr val="dk1"/>
+          </a:fontRef>
+        </p:style>
+      </p:cxnSp>
+      <p:cxnSp>
+        <p:nvCxnSpPr>
+          <p:cNvPr id="75" name="Straight Arrow Connector 67"/>
+          <p:cNvCxnSpPr>
+            <a:endCxn id="54" idx="3"/>
+          </p:cNvCxnSpPr>
+          <p:nvPr/>
+        </p:nvCxnSpPr>
+        <p:spPr>
+          <a:xfrm rot="5400000">
+            <a:off x="4511452" y="5169339"/>
+            <a:ext cx="318924" cy="289543"/>
+          </a:xfrm>
+          <a:prstGeom prst="bentConnector2">
+            <a:avLst/>
+          </a:prstGeom>
+          <a:ln w="19050">
+            <a:solidFill>
+              <a:srgbClr val="0070C0"/>
+            </a:solidFill>
+            <a:prstDash val="sysDot"/>
+            <a:headEnd type="none" w="med" len="med"/>
+            <a:tailEnd type="arrow" w="med" len="med"/>
+          </a:ln>
+          <a:effectLst/>
+        </p:spPr>
+        <p:style>
+          <a:lnRef idx="1">
+            <a:schemeClr val="accent2"/>
+          </a:lnRef>
+          <a:fillRef idx="2">
+            <a:schemeClr val="accent2"/>
+          </a:fillRef>
+          <a:effectRef idx="1">
+            <a:schemeClr val="accent2"/>
+          </a:effectRef>
+          <a:fontRef idx="minor">
+            <a:schemeClr val="dk1"/>
+          </a:fontRef>
+        </p:style>
+      </p:cxnSp>
+      <p:sp>
+        <p:nvSpPr>
+          <p:cNvPr id="82" name="TextBox 81"/>
           <p:cNvSpPr txBox="1"/>
           <p:nvPr/>
         </p:nvSpPr>
         <p:spPr>
           <a:xfrm>
-            <a:off x="5220966" y="4306417"/>
+            <a:off x="4579376" y="5276074"/>
+            <a:ext cx="555487" cy="230832"/>
+          </a:xfrm>
+          <a:prstGeom prst="rect">
+            <a:avLst/>
+          </a:prstGeom>
+          <a:noFill/>
+        </p:spPr>
+        <p:txBody>
+          <a:bodyPr wrap="square" lIns="0" tIns="0" rIns="0" bIns="0" rtlCol="0">
+            <a:noAutofit/>
+          </a:bodyPr>
+          <a:lstStyle/>
+          <a:p>
+            <a:pPr algn="r"/>
+            <a:r>
+              <a:rPr lang="en-US" sz="1100" dirty="0" smtClean="0">
+                <a:solidFill>
+                  <a:srgbClr val="0070C0"/>
+                </a:solidFill>
+              </a:rPr>
+              <a:t>uses</a:t>
+            </a:r>
+            <a:endParaRPr lang="en-SG" sz="1100" dirty="0">
+              <a:solidFill>
+                <a:srgbClr val="0070C0"/>
+              </a:solidFill>
+            </a:endParaRPr>
+          </a:p>
+        </p:txBody>
+      </p:sp>
+      <p:sp>
+        <p:nvSpPr>
+          <p:cNvPr id="83" name="TextBox 82"/>
+          <p:cNvSpPr txBox="1"/>
+          <p:nvPr/>
+        </p:nvSpPr>
+        <p:spPr>
+          <a:xfrm>
+            <a:off x="3388455" y="4836676"/>
+            <a:ext cx="555487" cy="230832"/>
+          </a:xfrm>
+          <a:prstGeom prst="rect">
+            <a:avLst/>
+          </a:prstGeom>
+          <a:noFill/>
+        </p:spPr>
+        <p:txBody>
+          <a:bodyPr wrap="square" lIns="0" tIns="0" rIns="0" bIns="0" rtlCol="0">
+            <a:noAutofit/>
+          </a:bodyPr>
+          <a:lstStyle/>
+          <a:p>
+            <a:pPr algn="r"/>
+            <a:r>
+              <a:rPr lang="en-US" sz="1100" dirty="0" smtClean="0">
+                <a:solidFill>
+                  <a:srgbClr val="0070C0"/>
+                </a:solidFill>
+              </a:rPr>
+              <a:t>uses</a:t>
+            </a:r>
+            <a:endParaRPr lang="en-SG" sz="1100" dirty="0">
+              <a:solidFill>
+                <a:srgbClr val="0070C0"/>
+              </a:solidFill>
+            </a:endParaRPr>
+          </a:p>
+        </p:txBody>
+      </p:sp>
+      <p:sp>
+        <p:nvSpPr>
+          <p:cNvPr id="84" name="TextBox 83"/>
+          <p:cNvSpPr txBox="1"/>
+          <p:nvPr/>
+        </p:nvSpPr>
+        <p:spPr>
+          <a:xfrm>
+            <a:off x="2398957" y="5284557"/>
             <a:ext cx="555487" cy="230832"/>
           </a:xfrm>
           <a:prstGeom prst="rect">
@@ -17091,8 +19280,8 @@
         </p:nvCxnSpPr>
         <p:spPr>
           <a:xfrm>
-            <a:off x="543018" y="3014599"/>
-            <a:ext cx="1119851" cy="0"/>
+            <a:off x="0" y="3010911"/>
+            <a:ext cx="1662869" cy="3688"/>
           </a:xfrm>
           <a:prstGeom prst="straightConnector1">
             <a:avLst/>
@@ -17163,8 +19352,8 @@
         </p:nvSpPr>
         <p:spPr>
           <a:xfrm>
-            <a:off x="12834" y="2819400"/>
-            <a:ext cx="1424846" cy="430887"/>
+            <a:off x="193660" y="2819400"/>
+            <a:ext cx="1244020" cy="430887"/>
           </a:xfrm>
           <a:prstGeom prst="rect">
             <a:avLst/>
@@ -17356,8 +19545,8 @@
         </p:nvCxnSpPr>
         <p:spPr>
           <a:xfrm>
-            <a:off x="466818" y="5791200"/>
-            <a:ext cx="1196051" cy="0"/>
+            <a:off x="0" y="5791198"/>
+            <a:ext cx="1662869" cy="2"/>
           </a:xfrm>
           <a:prstGeom prst="straightConnector1">
             <a:avLst/>
@@ -17780,20 +19969,12 @@
           </a:lstStyle>
           <a:p>
             <a:r>
-              <a:rPr lang="en-US" dirty="0" err="1" smtClean="0">
+              <a:rPr lang="en-US" dirty="0" smtClean="0">
                 <a:solidFill>
                   <a:srgbClr val="7030A0"/>
                 </a:solidFill>
               </a:rPr>
-              <a:t>deleteTask</a:t>
-            </a:r>
-            <a:r>
-              <a:rPr lang="en-US" dirty="0" smtClean="0">
-                <a:solidFill>
-                  <a:srgbClr val="7030A0"/>
-                </a:solidFill>
-              </a:rPr>
-              <a:t>(a)</a:t>
+              <a:t>deleteTask(a)</a:t>
             </a:r>
             <a:endParaRPr lang="en-US" dirty="0">
               <a:solidFill>
@@ -18768,8 +20949,8 @@
         </p:nvCxnSpPr>
         <p:spPr>
           <a:xfrm>
-            <a:off x="543018" y="3014599"/>
-            <a:ext cx="1119851" cy="0"/>
+            <a:off x="152400" y="3010911"/>
+            <a:ext cx="1510469" cy="3688"/>
           </a:xfrm>
           <a:prstGeom prst="straightConnector1">
             <a:avLst/>
@@ -19034,8 +21215,8 @@
         </p:nvCxnSpPr>
         <p:spPr>
           <a:xfrm>
-            <a:off x="466818" y="5791200"/>
-            <a:ext cx="1196051" cy="0"/>
+            <a:off x="94962" y="5791198"/>
+            <a:ext cx="1567907" cy="19340"/>
           </a:xfrm>
           <a:prstGeom prst="straightConnector1">
             <a:avLst/>
@@ -19842,47 +22023,6 @@
           </a:fontRef>
         </p:style>
       </p:cxnSp>
-      <p:sp>
-        <p:nvSpPr>
-          <p:cNvPr id="37" name="TextBox 36"/>
-          <p:cNvSpPr txBox="1"/>
-          <p:nvPr/>
-        </p:nvSpPr>
-        <p:spPr>
-          <a:xfrm>
-            <a:off x="2818928" y="3733800"/>
-            <a:ext cx="220343" cy="215444"/>
-          </a:xfrm>
-          <a:prstGeom prst="rect">
-            <a:avLst/>
-          </a:prstGeom>
-          <a:noFill/>
-        </p:spPr>
-        <p:txBody>
-          <a:bodyPr wrap="square" lIns="0" tIns="0" rIns="0" bIns="0" rtlCol="0">
-            <a:spAutoFit/>
-          </a:bodyPr>
-          <a:lstStyle>
-            <a:defPPr>
-              <a:defRPr lang="en-US"/>
-            </a:defPPr>
-            <a:lvl1pPr algn="r">
-              <a:defRPr sz="1400">
-                <a:solidFill>
-                  <a:srgbClr val="0070C0"/>
-                </a:solidFill>
-              </a:defRPr>
-            </a:lvl1pPr>
-          </a:lstStyle>
-          <a:p>
-            <a:r>
-              <a:rPr lang="en-US" dirty="0" smtClean="0"/>
-              <a:t>d</a:t>
-            </a:r>
-            <a:endParaRPr lang="en-US" dirty="0"/>
-          </a:p>
-        </p:txBody>
-      </p:sp>
       <p:sp>
         <p:nvSpPr>
           <p:cNvPr id="50" name="Rectangle 62"/>
@@ -20185,14 +22325,14 @@
       </p:grpSpPr>
       <p:sp>
         <p:nvSpPr>
-          <p:cNvPr id="118" name="Rectangle 65"/>
+          <p:cNvPr id="38" name="Rectangle 65"/>
           <p:cNvSpPr/>
           <p:nvPr/>
         </p:nvSpPr>
         <p:spPr>
           <a:xfrm>
-            <a:off x="762000" y="1741246"/>
-            <a:ext cx="8100335" cy="2997200"/>
+            <a:off x="302704" y="2070958"/>
+            <a:ext cx="7772400" cy="4000286"/>
           </a:xfrm>
           <a:prstGeom prst="roundRect">
             <a:avLst>
@@ -20200,7 +22340,7 @@
             </a:avLst>
           </a:prstGeom>
           <a:solidFill>
-            <a:schemeClr val="accent4">
+            <a:schemeClr val="accent1">
               <a:lumMod val="20000"/>
               <a:lumOff val="80000"/>
             </a:schemeClr>
@@ -20229,14 +22369,1224 @@
           <a:lstStyle/>
           <a:p>
             <a:r>
-              <a:rPr lang="en-US" sz="1200" b="1" dirty="0" smtClean="0">
+              <a:rPr lang="en-US" sz="1200" b="1" smtClean="0">
+                <a:solidFill>
+                  <a:srgbClr val="0070C0"/>
+                </a:solidFill>
+              </a:rPr>
+              <a:t>Logic</a:t>
+            </a:r>
+            <a:endParaRPr lang="en-SG" sz="1200" b="1" dirty="0">
+              <a:solidFill>
+                <a:srgbClr val="0070C0"/>
+              </a:solidFill>
+            </a:endParaRPr>
+          </a:p>
+        </p:txBody>
+      </p:sp>
+      <p:sp>
+        <p:nvSpPr>
+          <p:cNvPr id="39" name="Rectangle 62"/>
+          <p:cNvSpPr/>
+          <p:nvPr/>
+        </p:nvSpPr>
+        <p:spPr>
+          <a:xfrm>
+            <a:off x="1007063" y="2296546"/>
+            <a:ext cx="1455629" cy="346760"/>
+          </a:xfrm>
+          <a:prstGeom prst="rect">
+            <a:avLst/>
+          </a:prstGeom>
+          <a:solidFill>
+            <a:srgbClr val="0070C0"/>
+          </a:solidFill>
+          <a:ln w="19050">
+            <a:solidFill>
+              <a:srgbClr val="0070C0"/>
+            </a:solidFill>
+          </a:ln>
+          <a:effectLst/>
+        </p:spPr>
+        <p:style>
+          <a:lnRef idx="1">
+            <a:schemeClr val="accent2"/>
+          </a:lnRef>
+          <a:fillRef idx="2">
+            <a:schemeClr val="accent2"/>
+          </a:fillRef>
+          <a:effectRef idx="1">
+            <a:schemeClr val="accent2"/>
+          </a:effectRef>
+          <a:fontRef idx="minor">
+            <a:schemeClr val="dk1"/>
+          </a:fontRef>
+        </p:style>
+        <p:txBody>
+          <a:bodyPr rtlCol="0" anchor="ctr"/>
+          <a:lstStyle/>
+          <a:p>
+            <a:pPr algn="ctr"/>
+            <a:r>
+              <a:rPr lang="en-US" sz="1600" dirty="0">
+                <a:solidFill>
+                  <a:schemeClr val="bg1"/>
+                </a:solidFill>
+              </a:rPr>
+              <a:t>:</a:t>
+            </a:r>
+            <a:r>
+              <a:rPr lang="en-US" sz="1600" dirty="0" err="1">
+                <a:solidFill>
+                  <a:schemeClr val="bg1"/>
+                </a:solidFill>
+              </a:rPr>
+              <a:t>LogicManager</a:t>
+            </a:r>
+            <a:endParaRPr lang="en-SG" sz="1600" dirty="0">
+              <a:solidFill>
+                <a:schemeClr val="bg1"/>
+              </a:solidFill>
+            </a:endParaRPr>
+          </a:p>
+        </p:txBody>
+      </p:sp>
+      <p:cxnSp>
+        <p:nvCxnSpPr>
+          <p:cNvPr id="40" name="Straight Connector 39"/>
+          <p:cNvCxnSpPr/>
+          <p:nvPr/>
+        </p:nvCxnSpPr>
+        <p:spPr>
+          <a:xfrm>
+            <a:off x="1734877" y="2660217"/>
+            <a:ext cx="0" cy="2597583"/>
+          </a:xfrm>
+          <a:prstGeom prst="line">
+            <a:avLst/>
+          </a:prstGeom>
+          <a:ln w="19050">
+            <a:solidFill>
+              <a:srgbClr val="0070C0"/>
+            </a:solidFill>
+            <a:prstDash val="sysDash"/>
+          </a:ln>
+          <a:effectLst/>
+        </p:spPr>
+        <p:style>
+          <a:lnRef idx="1">
+            <a:schemeClr val="accent1"/>
+          </a:lnRef>
+          <a:fillRef idx="2">
+            <a:schemeClr val="accent1"/>
+          </a:fillRef>
+          <a:effectRef idx="1">
+            <a:schemeClr val="accent1"/>
+          </a:effectRef>
+          <a:fontRef idx="minor">
+            <a:schemeClr val="dk1"/>
+          </a:fontRef>
+        </p:style>
+      </p:cxnSp>
+      <p:sp>
+        <p:nvSpPr>
+          <p:cNvPr id="41" name="Rectangle 40"/>
+          <p:cNvSpPr/>
+          <p:nvPr/>
+        </p:nvSpPr>
+        <p:spPr>
+          <a:xfrm>
+            <a:off x="1662869" y="3010911"/>
+            <a:ext cx="152400" cy="2780287"/>
+          </a:xfrm>
+          <a:prstGeom prst="rect">
+            <a:avLst/>
+          </a:prstGeom>
+          <a:solidFill>
+            <a:srgbClr val="0070C0"/>
+          </a:solidFill>
+          <a:ln>
+            <a:solidFill>
+              <a:srgbClr val="0070C0"/>
+            </a:solidFill>
+          </a:ln>
+          <a:effectLst/>
+        </p:spPr>
+        <p:style>
+          <a:lnRef idx="1">
+            <a:schemeClr val="accent3"/>
+          </a:lnRef>
+          <a:fillRef idx="2">
+            <a:schemeClr val="accent3"/>
+          </a:fillRef>
+          <a:effectRef idx="1">
+            <a:schemeClr val="accent3"/>
+          </a:effectRef>
+          <a:fontRef idx="minor">
+            <a:schemeClr val="dk1"/>
+          </a:fontRef>
+        </p:style>
+        <p:txBody>
+          <a:bodyPr rtlCol="0" anchor="ctr"/>
+          <a:lstStyle/>
+          <a:p>
+            <a:pPr algn="ctr"/>
+            <a:endParaRPr lang="en-SG" sz="1400"/>
+          </a:p>
+        </p:txBody>
+      </p:sp>
+      <p:sp>
+        <p:nvSpPr>
+          <p:cNvPr id="42" name="Rectangle 62"/>
+          <p:cNvSpPr/>
+          <p:nvPr/>
+        </p:nvSpPr>
+        <p:spPr>
+          <a:xfrm>
+            <a:off x="3411783" y="2300233"/>
+            <a:ext cx="1093635" cy="346760"/>
+          </a:xfrm>
+          <a:prstGeom prst="rect">
+            <a:avLst/>
+          </a:prstGeom>
+          <a:solidFill>
+            <a:srgbClr val="0070C0"/>
+          </a:solidFill>
+          <a:ln w="19050">
+            <a:solidFill>
+              <a:srgbClr val="0070C0"/>
+            </a:solidFill>
+          </a:ln>
+          <a:effectLst/>
+        </p:spPr>
+        <p:style>
+          <a:lnRef idx="1">
+            <a:schemeClr val="accent2"/>
+          </a:lnRef>
+          <a:fillRef idx="2">
+            <a:schemeClr val="accent2"/>
+          </a:fillRef>
+          <a:effectRef idx="1">
+            <a:schemeClr val="accent2"/>
+          </a:effectRef>
+          <a:fontRef idx="minor">
+            <a:schemeClr val="dk1"/>
+          </a:fontRef>
+        </p:style>
+        <p:txBody>
+          <a:bodyPr rtlCol="0" anchor="ctr"/>
+          <a:lstStyle/>
+          <a:p>
+            <a:pPr algn="ctr"/>
+            <a:r>
+              <a:rPr lang="en-US" sz="1600" dirty="0" smtClean="0">
+                <a:solidFill>
+                  <a:schemeClr val="bg1"/>
+                </a:solidFill>
+              </a:rPr>
+              <a:t>:Parser</a:t>
+            </a:r>
+            <a:endParaRPr lang="en-SG" sz="1600" dirty="0">
+              <a:solidFill>
+                <a:schemeClr val="bg1"/>
+              </a:solidFill>
+            </a:endParaRPr>
+          </a:p>
+        </p:txBody>
+      </p:sp>
+      <p:cxnSp>
+        <p:nvCxnSpPr>
+          <p:cNvPr id="43" name="Straight Connector 42"/>
+          <p:cNvCxnSpPr/>
+          <p:nvPr/>
+        </p:nvCxnSpPr>
+        <p:spPr>
+          <a:xfrm>
+            <a:off x="3958600" y="2663904"/>
+            <a:ext cx="0" cy="1587652"/>
+          </a:xfrm>
+          <a:prstGeom prst="line">
+            <a:avLst/>
+          </a:prstGeom>
+          <a:ln w="19050">
+            <a:solidFill>
+              <a:srgbClr val="0070C0"/>
+            </a:solidFill>
+            <a:prstDash val="sysDash"/>
+          </a:ln>
+          <a:effectLst/>
+        </p:spPr>
+        <p:style>
+          <a:lnRef idx="1">
+            <a:schemeClr val="accent1"/>
+          </a:lnRef>
+          <a:fillRef idx="2">
+            <a:schemeClr val="accent1"/>
+          </a:fillRef>
+          <a:effectRef idx="1">
+            <a:schemeClr val="accent1"/>
+          </a:effectRef>
+          <a:fontRef idx="minor">
+            <a:schemeClr val="dk1"/>
+          </a:fontRef>
+        </p:style>
+      </p:cxnSp>
+      <p:sp>
+        <p:nvSpPr>
+          <p:cNvPr id="44" name="Rectangle 43"/>
+          <p:cNvSpPr/>
+          <p:nvPr/>
+        </p:nvSpPr>
+        <p:spPr>
+          <a:xfrm>
+            <a:off x="3886592" y="3122097"/>
+            <a:ext cx="144016" cy="832525"/>
+          </a:xfrm>
+          <a:prstGeom prst="rect">
+            <a:avLst/>
+          </a:prstGeom>
+          <a:solidFill>
+            <a:srgbClr val="0070C0"/>
+          </a:solidFill>
+          <a:ln>
+            <a:solidFill>
+              <a:srgbClr val="0070C0"/>
+            </a:solidFill>
+          </a:ln>
+          <a:effectLst/>
+        </p:spPr>
+        <p:style>
+          <a:lnRef idx="1">
+            <a:schemeClr val="accent3"/>
+          </a:lnRef>
+          <a:fillRef idx="2">
+            <a:schemeClr val="accent3"/>
+          </a:fillRef>
+          <a:effectRef idx="1">
+            <a:schemeClr val="accent3"/>
+          </a:effectRef>
+          <a:fontRef idx="minor">
+            <a:schemeClr val="dk1"/>
+          </a:fontRef>
+        </p:style>
+        <p:txBody>
+          <a:bodyPr rtlCol="0" anchor="ctr"/>
+          <a:lstStyle/>
+          <a:p>
+            <a:pPr algn="ctr"/>
+            <a:endParaRPr lang="en-SG" sz="1400">
+              <a:solidFill>
+                <a:schemeClr val="dk1"/>
+              </a:solidFill>
+            </a:endParaRPr>
+          </a:p>
+        </p:txBody>
+      </p:sp>
+      <p:sp>
+        <p:nvSpPr>
+          <p:cNvPr id="45" name="Rectangle 62"/>
+          <p:cNvSpPr/>
+          <p:nvPr/>
+        </p:nvSpPr>
+        <p:spPr>
+          <a:xfrm>
+            <a:off x="5756322" y="2912248"/>
+            <a:ext cx="1093635" cy="461538"/>
+          </a:xfrm>
+          <a:prstGeom prst="rect">
+            <a:avLst/>
+          </a:prstGeom>
+          <a:solidFill>
+            <a:srgbClr val="0070C0"/>
+          </a:solidFill>
+          <a:ln w="19050">
+            <a:solidFill>
+              <a:srgbClr val="0070C0"/>
+            </a:solidFill>
+          </a:ln>
+          <a:effectLst/>
+        </p:spPr>
+        <p:style>
+          <a:lnRef idx="1">
+            <a:schemeClr val="accent2"/>
+          </a:lnRef>
+          <a:fillRef idx="2">
+            <a:schemeClr val="accent2"/>
+          </a:fillRef>
+          <a:effectRef idx="1">
+            <a:schemeClr val="accent2"/>
+          </a:effectRef>
+          <a:fontRef idx="minor">
+            <a:schemeClr val="dk1"/>
+          </a:fontRef>
+        </p:style>
+        <p:txBody>
+          <a:bodyPr rtlCol="0" anchor="ctr"/>
+          <a:lstStyle/>
+          <a:p>
+            <a:pPr algn="ctr"/>
+            <a:r>
+              <a:rPr lang="en-US" sz="1600" dirty="0" smtClean="0">
+                <a:solidFill>
+                  <a:schemeClr val="bg1"/>
+                </a:solidFill>
+              </a:rPr>
+              <a:t>list</a:t>
+            </a:r>
+            <a:r>
+              <a:rPr lang="en-US" sz="1600" dirty="0">
+                <a:solidFill>
+                  <a:schemeClr val="bg1"/>
+                </a:solidFill>
+              </a:rPr>
+              <a:t/>
+            </a:r>
+            <a:br>
+              <a:rPr lang="en-US" sz="1600" dirty="0">
+                <a:solidFill>
+                  <a:schemeClr val="bg1"/>
+                </a:solidFill>
+              </a:rPr>
+            </a:br>
+            <a:r>
+              <a:rPr lang="en-US" sz="1600" dirty="0">
+                <a:solidFill>
+                  <a:schemeClr val="bg1"/>
+                </a:solidFill>
+              </a:rPr>
+              <a:t>Command</a:t>
+            </a:r>
+            <a:endParaRPr lang="en-SG" sz="1600" dirty="0">
+              <a:solidFill>
+                <a:schemeClr val="bg1"/>
+              </a:solidFill>
+            </a:endParaRPr>
+          </a:p>
+        </p:txBody>
+      </p:sp>
+      <p:cxnSp>
+        <p:nvCxnSpPr>
+          <p:cNvPr id="46" name="Straight Connector 45"/>
+          <p:cNvCxnSpPr>
+            <a:endCxn id="58" idx="2"/>
+          </p:cNvCxnSpPr>
+          <p:nvPr/>
+        </p:nvCxnSpPr>
+        <p:spPr>
+          <a:xfrm flipH="1">
+            <a:off x="6272073" y="3324963"/>
+            <a:ext cx="22377" cy="2288425"/>
+          </a:xfrm>
+          <a:prstGeom prst="line">
+            <a:avLst/>
+          </a:prstGeom>
+          <a:ln w="19050">
+            <a:solidFill>
+              <a:srgbClr val="0070C0"/>
+            </a:solidFill>
+            <a:prstDash val="sysDash"/>
+          </a:ln>
+          <a:effectLst/>
+        </p:spPr>
+        <p:style>
+          <a:lnRef idx="1">
+            <a:schemeClr val="accent1"/>
+          </a:lnRef>
+          <a:fillRef idx="2">
+            <a:schemeClr val="accent1"/>
+          </a:fillRef>
+          <a:effectRef idx="1">
+            <a:schemeClr val="accent1"/>
+          </a:effectRef>
+          <a:fontRef idx="minor">
+            <a:schemeClr val="dk1"/>
+          </a:fontRef>
+        </p:style>
+      </p:cxnSp>
+      <p:sp>
+        <p:nvSpPr>
+          <p:cNvPr id="47" name="Rectangle 46"/>
+          <p:cNvSpPr/>
+          <p:nvPr/>
+        </p:nvSpPr>
+        <p:spPr>
+          <a:xfrm>
+            <a:off x="6195873" y="3384612"/>
+            <a:ext cx="152400" cy="276003"/>
+          </a:xfrm>
+          <a:prstGeom prst="rect">
+            <a:avLst/>
+          </a:prstGeom>
+          <a:solidFill>
+            <a:srgbClr val="0070C0"/>
+          </a:solidFill>
+          <a:ln>
+            <a:solidFill>
+              <a:srgbClr val="0070C0"/>
+            </a:solidFill>
+          </a:ln>
+          <a:effectLst/>
+        </p:spPr>
+        <p:style>
+          <a:lnRef idx="1">
+            <a:schemeClr val="accent3"/>
+          </a:lnRef>
+          <a:fillRef idx="2">
+            <a:schemeClr val="accent3"/>
+          </a:fillRef>
+          <a:effectRef idx="1">
+            <a:schemeClr val="accent3"/>
+          </a:effectRef>
+          <a:fontRef idx="minor">
+            <a:schemeClr val="dk1"/>
+          </a:fontRef>
+        </p:style>
+        <p:txBody>
+          <a:bodyPr rtlCol="0" anchor="ctr"/>
+          <a:lstStyle/>
+          <a:p>
+            <a:pPr algn="ctr"/>
+            <a:endParaRPr lang="en-SG" sz="1400"/>
+          </a:p>
+        </p:txBody>
+      </p:sp>
+      <p:cxnSp>
+        <p:nvCxnSpPr>
+          <p:cNvPr id="48" name="Straight Arrow Connector 47"/>
+          <p:cNvCxnSpPr/>
+          <p:nvPr/>
+        </p:nvCxnSpPr>
+        <p:spPr>
+          <a:xfrm flipV="1">
+            <a:off x="94962" y="3014599"/>
+            <a:ext cx="1567907" cy="16007"/>
+          </a:xfrm>
+          <a:prstGeom prst="straightConnector1">
+            <a:avLst/>
+          </a:prstGeom>
+          <a:ln w="19050">
+            <a:solidFill>
+              <a:srgbClr val="00B050"/>
+            </a:solidFill>
+            <a:tailEnd type="arrow"/>
+          </a:ln>
+        </p:spPr>
+        <p:style>
+          <a:lnRef idx="1">
+            <a:schemeClr val="accent1"/>
+          </a:lnRef>
+          <a:fillRef idx="0">
+            <a:schemeClr val="accent1"/>
+          </a:fillRef>
+          <a:effectRef idx="0">
+            <a:schemeClr val="accent1"/>
+          </a:effectRef>
+          <a:fontRef idx="minor">
+            <a:schemeClr val="tx1"/>
+          </a:fontRef>
+        </p:style>
+      </p:cxnSp>
+      <p:cxnSp>
+        <p:nvCxnSpPr>
+          <p:cNvPr id="49" name="Straight Arrow Connector 48"/>
+          <p:cNvCxnSpPr/>
+          <p:nvPr/>
+        </p:nvCxnSpPr>
+        <p:spPr>
+          <a:xfrm flipV="1">
+            <a:off x="1866331" y="3222529"/>
+            <a:ext cx="2007056" cy="4501"/>
+          </a:xfrm>
+          <a:prstGeom prst="straightConnector1">
+            <a:avLst/>
+          </a:prstGeom>
+          <a:ln w="19050">
+            <a:solidFill>
+              <a:srgbClr val="0070C0"/>
+            </a:solidFill>
+            <a:tailEnd type="arrow"/>
+          </a:ln>
+        </p:spPr>
+        <p:style>
+          <a:lnRef idx="1">
+            <a:schemeClr val="accent1"/>
+          </a:lnRef>
+          <a:fillRef idx="0">
+            <a:schemeClr val="accent1"/>
+          </a:fillRef>
+          <a:effectRef idx="0">
+            <a:schemeClr val="accent1"/>
+          </a:effectRef>
+          <a:fontRef idx="minor">
+            <a:schemeClr val="tx1"/>
+          </a:fontRef>
+        </p:style>
+      </p:cxnSp>
+      <p:sp>
+        <p:nvSpPr>
+          <p:cNvPr id="50" name="TextBox 49"/>
+          <p:cNvSpPr txBox="1"/>
+          <p:nvPr/>
+        </p:nvSpPr>
+        <p:spPr>
+          <a:xfrm>
+            <a:off x="302703" y="3067874"/>
+            <a:ext cx="1189327" cy="338554"/>
+          </a:xfrm>
+          <a:prstGeom prst="rect">
+            <a:avLst/>
+          </a:prstGeom>
+          <a:noFill/>
+        </p:spPr>
+        <p:txBody>
+          <a:bodyPr wrap="square" lIns="0" tIns="0" rIns="0" bIns="0" rtlCol="0">
+            <a:spAutoFit/>
+          </a:bodyPr>
+          <a:lstStyle/>
+          <a:p>
+            <a:pPr algn="r"/>
+            <a:r>
+              <a:rPr lang="en-US" sz="1100" dirty="0" smtClean="0">
+                <a:solidFill>
+                  <a:srgbClr val="0070C0"/>
+                </a:solidFill>
+              </a:rPr>
+              <a:t>execute</a:t>
+            </a:r>
+            <a:r>
+              <a:rPr lang="en-US" sz="1100" dirty="0" smtClean="0">
+                <a:solidFill>
+                  <a:srgbClr val="0070C0"/>
+                </a:solidFill>
+              </a:rPr>
+              <a:t>(“list </a:t>
+            </a:r>
+            <a:r>
+              <a:rPr lang="en-US" sz="1100" dirty="0" err="1" smtClean="0">
+                <a:solidFill>
+                  <a:srgbClr val="0070C0"/>
+                </a:solidFill>
+              </a:rPr>
+              <a:t>september</a:t>
+            </a:r>
+            <a:r>
+              <a:rPr lang="en-US" sz="1100" dirty="0" smtClean="0">
+                <a:solidFill>
+                  <a:srgbClr val="0070C0"/>
+                </a:solidFill>
+              </a:rPr>
+              <a:t>”)</a:t>
+            </a:r>
+            <a:endParaRPr lang="en-US" sz="1100" dirty="0">
+              <a:solidFill>
+                <a:srgbClr val="0070C0"/>
+              </a:solidFill>
+            </a:endParaRPr>
+          </a:p>
+        </p:txBody>
+      </p:sp>
+      <p:cxnSp>
+        <p:nvCxnSpPr>
+          <p:cNvPr id="51" name="Straight Arrow Connector 50"/>
+          <p:cNvCxnSpPr/>
+          <p:nvPr/>
+        </p:nvCxnSpPr>
+        <p:spPr>
+          <a:xfrm>
+            <a:off x="4877929" y="3214034"/>
+            <a:ext cx="887113" cy="2643"/>
+          </a:xfrm>
+          <a:prstGeom prst="straightConnector1">
+            <a:avLst/>
+          </a:prstGeom>
+          <a:ln w="19050">
+            <a:solidFill>
+              <a:srgbClr val="0070C0"/>
+            </a:solidFill>
+            <a:tailEnd type="arrow"/>
+          </a:ln>
+        </p:spPr>
+        <p:style>
+          <a:lnRef idx="1">
+            <a:schemeClr val="accent1"/>
+          </a:lnRef>
+          <a:fillRef idx="0">
+            <a:schemeClr val="accent1"/>
+          </a:fillRef>
+          <a:effectRef idx="0">
+            <a:schemeClr val="accent1"/>
+          </a:effectRef>
+          <a:fontRef idx="minor">
+            <a:schemeClr val="tx1"/>
+          </a:fontRef>
+        </p:style>
+      </p:cxnSp>
+      <p:sp>
+        <p:nvSpPr>
+          <p:cNvPr id="52" name="TextBox 51"/>
+          <p:cNvSpPr txBox="1"/>
+          <p:nvPr/>
+        </p:nvSpPr>
+        <p:spPr>
+          <a:xfrm>
+            <a:off x="4892181" y="4314260"/>
+            <a:ext cx="855809" cy="215444"/>
+          </a:xfrm>
+          <a:prstGeom prst="rect">
+            <a:avLst/>
+          </a:prstGeom>
+          <a:noFill/>
+        </p:spPr>
+        <p:txBody>
+          <a:bodyPr wrap="square" lIns="0" tIns="0" rIns="0" bIns="0" rtlCol="0">
+            <a:spAutoFit/>
+          </a:bodyPr>
+          <a:lstStyle>
+            <a:defPPr>
+              <a:defRPr lang="en-US"/>
+            </a:defPPr>
+            <a:lvl1pPr algn="r">
+              <a:defRPr sz="1400">
+                <a:solidFill>
+                  <a:srgbClr val="0070C0"/>
+                </a:solidFill>
+              </a:defRPr>
+            </a:lvl1pPr>
+          </a:lstStyle>
+          <a:p>
+            <a:r>
+              <a:rPr lang="en-US" dirty="0"/>
+              <a:t>execute()</a:t>
+            </a:r>
+          </a:p>
+        </p:txBody>
+      </p:sp>
+      <p:cxnSp>
+        <p:nvCxnSpPr>
+          <p:cNvPr id="53" name="Straight Arrow Connector 52"/>
+          <p:cNvCxnSpPr>
+            <a:endCxn id="47" idx="1"/>
+          </p:cNvCxnSpPr>
+          <p:nvPr/>
+        </p:nvCxnSpPr>
+        <p:spPr>
+          <a:xfrm flipV="1">
+            <a:off x="4894402" y="3522614"/>
+            <a:ext cx="1301471" cy="15746"/>
+          </a:xfrm>
+          <a:prstGeom prst="straightConnector1">
+            <a:avLst/>
+          </a:prstGeom>
+          <a:ln w="19050">
+            <a:solidFill>
+              <a:srgbClr val="0070C0"/>
+            </a:solidFill>
+            <a:prstDash val="sysDash"/>
+            <a:headEnd type="arrow" w="med" len="med"/>
+            <a:tailEnd type="none" w="med" len="med"/>
+          </a:ln>
+        </p:spPr>
+        <p:style>
+          <a:lnRef idx="1">
+            <a:schemeClr val="accent1"/>
+          </a:lnRef>
+          <a:fillRef idx="0">
+            <a:schemeClr val="accent1"/>
+          </a:fillRef>
+          <a:effectRef idx="0">
+            <a:schemeClr val="accent1"/>
+          </a:effectRef>
+          <a:fontRef idx="minor">
+            <a:schemeClr val="tx1"/>
+          </a:fontRef>
+        </p:style>
+      </p:cxnSp>
+      <p:cxnSp>
+        <p:nvCxnSpPr>
+          <p:cNvPr id="54" name="Straight Arrow Connector 53"/>
+          <p:cNvCxnSpPr/>
+          <p:nvPr/>
+        </p:nvCxnSpPr>
+        <p:spPr>
+          <a:xfrm>
+            <a:off x="1815269" y="3954622"/>
+            <a:ext cx="2058118" cy="0"/>
+          </a:xfrm>
+          <a:prstGeom prst="straightConnector1">
+            <a:avLst/>
+          </a:prstGeom>
+          <a:ln w="19050">
+            <a:solidFill>
+              <a:srgbClr val="0070C0"/>
+            </a:solidFill>
+            <a:prstDash val="sysDash"/>
+            <a:headEnd type="arrow" w="med" len="med"/>
+            <a:tailEnd type="none" w="med" len="med"/>
+          </a:ln>
+        </p:spPr>
+        <p:style>
+          <a:lnRef idx="1">
+            <a:schemeClr val="accent1"/>
+          </a:lnRef>
+          <a:fillRef idx="0">
+            <a:schemeClr val="accent1"/>
+          </a:fillRef>
+          <a:effectRef idx="0">
+            <a:schemeClr val="accent1"/>
+          </a:effectRef>
+          <a:fontRef idx="minor">
+            <a:schemeClr val="tx1"/>
+          </a:fontRef>
+        </p:style>
+      </p:cxnSp>
+      <p:cxnSp>
+        <p:nvCxnSpPr>
+          <p:cNvPr id="55" name="Straight Arrow Connector 54"/>
+          <p:cNvCxnSpPr/>
+          <p:nvPr/>
+        </p:nvCxnSpPr>
+        <p:spPr>
+          <a:xfrm>
+            <a:off x="94962" y="5791198"/>
+            <a:ext cx="1567907" cy="2"/>
+          </a:xfrm>
+          <a:prstGeom prst="straightConnector1">
+            <a:avLst/>
+          </a:prstGeom>
+          <a:ln w="19050">
+            <a:solidFill>
+              <a:schemeClr val="accent1"/>
+            </a:solidFill>
+            <a:prstDash val="sysDash"/>
+            <a:headEnd type="arrow" w="med" len="med"/>
+            <a:tailEnd type="none" w="med" len="med"/>
+          </a:ln>
+        </p:spPr>
+        <p:style>
+          <a:lnRef idx="1">
+            <a:schemeClr val="accent1"/>
+          </a:lnRef>
+          <a:fillRef idx="0">
+            <a:schemeClr val="accent1"/>
+          </a:fillRef>
+          <a:effectRef idx="0">
+            <a:schemeClr val="accent1"/>
+          </a:effectRef>
+          <a:fontRef idx="minor">
+            <a:schemeClr val="tx1"/>
+          </a:fontRef>
+        </p:style>
+      </p:cxnSp>
+      <p:sp>
+        <p:nvSpPr>
+          <p:cNvPr id="56" name="Rectangle 62"/>
+          <p:cNvSpPr/>
+          <p:nvPr/>
+        </p:nvSpPr>
+        <p:spPr>
+          <a:xfrm>
+            <a:off x="7938756" y="2317144"/>
+            <a:ext cx="1030504" cy="346760"/>
+          </a:xfrm>
+          <a:prstGeom prst="rect">
+            <a:avLst/>
+          </a:prstGeom>
+          <a:solidFill>
+            <a:schemeClr val="accent4">
+              <a:lumMod val="60000"/>
+              <a:lumOff val="40000"/>
+            </a:schemeClr>
+          </a:solidFill>
+          <a:ln w="19050">
+            <a:solidFill>
+              <a:schemeClr val="accent4">
+                <a:lumMod val="60000"/>
+                <a:lumOff val="40000"/>
+              </a:schemeClr>
+            </a:solidFill>
+          </a:ln>
+          <a:effectLst/>
+        </p:spPr>
+        <p:style>
+          <a:lnRef idx="1">
+            <a:schemeClr val="accent2"/>
+          </a:lnRef>
+          <a:fillRef idx="2">
+            <a:schemeClr val="accent2"/>
+          </a:fillRef>
+          <a:effectRef idx="1">
+            <a:schemeClr val="accent2"/>
+          </a:effectRef>
+          <a:fontRef idx="minor">
+            <a:schemeClr val="dk1"/>
+          </a:fontRef>
+        </p:style>
+        <p:txBody>
+          <a:bodyPr rtlCol="0" anchor="ctr"/>
+          <a:lstStyle/>
+          <a:p>
+            <a:pPr algn="ctr"/>
+            <a:r>
+              <a:rPr lang="en-US" sz="1600" dirty="0">
+                <a:solidFill>
+                  <a:schemeClr val="bg1"/>
+                </a:solidFill>
+              </a:rPr>
+              <a:t>:Model</a:t>
+            </a:r>
+            <a:endParaRPr lang="en-SG" sz="1600" dirty="0">
+              <a:solidFill>
+                <a:schemeClr val="bg1"/>
+              </a:solidFill>
+            </a:endParaRPr>
+          </a:p>
+        </p:txBody>
+      </p:sp>
+      <p:cxnSp>
+        <p:nvCxnSpPr>
+          <p:cNvPr id="57" name="Straight Arrow Connector 56"/>
+          <p:cNvCxnSpPr/>
+          <p:nvPr/>
+        </p:nvCxnSpPr>
+        <p:spPr>
+          <a:xfrm flipV="1">
+            <a:off x="1830085" y="4516457"/>
+            <a:ext cx="4376629" cy="13702"/>
+          </a:xfrm>
+          <a:prstGeom prst="straightConnector1">
+            <a:avLst/>
+          </a:prstGeom>
+          <a:ln w="19050">
+            <a:solidFill>
+              <a:srgbClr val="0070C0"/>
+            </a:solidFill>
+            <a:tailEnd type="arrow"/>
+          </a:ln>
+        </p:spPr>
+        <p:style>
+          <a:lnRef idx="1">
+            <a:schemeClr val="accent1"/>
+          </a:lnRef>
+          <a:fillRef idx="0">
+            <a:schemeClr val="accent1"/>
+          </a:fillRef>
+          <a:effectRef idx="0">
+            <a:schemeClr val="accent1"/>
+          </a:effectRef>
+          <a:fontRef idx="minor">
+            <a:schemeClr val="tx1"/>
+          </a:fontRef>
+        </p:style>
+      </p:cxnSp>
+      <p:sp>
+        <p:nvSpPr>
+          <p:cNvPr id="58" name="Rectangle 57"/>
+          <p:cNvSpPr/>
+          <p:nvPr/>
+        </p:nvSpPr>
+        <p:spPr>
+          <a:xfrm>
+            <a:off x="6195873" y="4422132"/>
+            <a:ext cx="152400" cy="1191256"/>
+          </a:xfrm>
+          <a:prstGeom prst="rect">
+            <a:avLst/>
+          </a:prstGeom>
+          <a:solidFill>
+            <a:srgbClr val="0070C0"/>
+          </a:solidFill>
+          <a:ln>
+            <a:solidFill>
+              <a:srgbClr val="0070C0"/>
+            </a:solidFill>
+          </a:ln>
+          <a:effectLst/>
+        </p:spPr>
+        <p:style>
+          <a:lnRef idx="1">
+            <a:schemeClr val="accent3"/>
+          </a:lnRef>
+          <a:fillRef idx="2">
+            <a:schemeClr val="accent3"/>
+          </a:fillRef>
+          <a:effectRef idx="1">
+            <a:schemeClr val="accent3"/>
+          </a:effectRef>
+          <a:fontRef idx="minor">
+            <a:schemeClr val="dk1"/>
+          </a:fontRef>
+        </p:style>
+        <p:txBody>
+          <a:bodyPr rtlCol="0" anchor="ctr"/>
+          <a:lstStyle/>
+          <a:p>
+            <a:pPr algn="ctr"/>
+            <a:endParaRPr lang="en-SG" sz="1400"/>
+          </a:p>
+        </p:txBody>
+      </p:sp>
+      <p:cxnSp>
+        <p:nvCxnSpPr>
+          <p:cNvPr id="59" name="Straight Connector 58"/>
+          <p:cNvCxnSpPr/>
+          <p:nvPr/>
+        </p:nvCxnSpPr>
+        <p:spPr>
+          <a:xfrm>
+            <a:off x="8454008" y="2655802"/>
+            <a:ext cx="0" cy="2830598"/>
+          </a:xfrm>
+          <a:prstGeom prst="line">
+            <a:avLst/>
+          </a:prstGeom>
+          <a:ln w="19050">
+            <a:solidFill>
+              <a:schemeClr val="accent4">
+                <a:lumMod val="60000"/>
+                <a:lumOff val="40000"/>
+              </a:schemeClr>
+            </a:solidFill>
+            <a:prstDash val="sysDash"/>
+          </a:ln>
+          <a:effectLst/>
+        </p:spPr>
+        <p:style>
+          <a:lnRef idx="1">
+            <a:schemeClr val="accent1"/>
+          </a:lnRef>
+          <a:fillRef idx="2">
+            <a:schemeClr val="accent1"/>
+          </a:fillRef>
+          <a:effectRef idx="1">
+            <a:schemeClr val="accent1"/>
+          </a:effectRef>
+          <a:fontRef idx="minor">
+            <a:schemeClr val="dk1"/>
+          </a:fontRef>
+        </p:style>
+      </p:cxnSp>
+      <p:sp>
+        <p:nvSpPr>
+          <p:cNvPr id="60" name="Rectangle 59"/>
+          <p:cNvSpPr/>
+          <p:nvPr/>
+        </p:nvSpPr>
+        <p:spPr>
+          <a:xfrm>
+            <a:off x="8382000" y="4524597"/>
+            <a:ext cx="152400" cy="276003"/>
+          </a:xfrm>
+          <a:prstGeom prst="rect">
+            <a:avLst/>
+          </a:prstGeom>
+          <a:solidFill>
+            <a:schemeClr val="accent4">
+              <a:lumMod val="60000"/>
+              <a:lumOff val="40000"/>
+            </a:schemeClr>
+          </a:solidFill>
+          <a:ln>
+            <a:solidFill>
+              <a:schemeClr val="accent4">
+                <a:lumMod val="60000"/>
+                <a:lumOff val="40000"/>
+              </a:schemeClr>
+            </a:solidFill>
+          </a:ln>
+          <a:effectLst/>
+        </p:spPr>
+        <p:style>
+          <a:lnRef idx="1">
+            <a:schemeClr val="accent3"/>
+          </a:lnRef>
+          <a:fillRef idx="2">
+            <a:schemeClr val="accent3"/>
+          </a:fillRef>
+          <a:effectRef idx="1">
+            <a:schemeClr val="accent3"/>
+          </a:effectRef>
+          <a:fontRef idx="minor">
+            <a:schemeClr val="dk1"/>
+          </a:fontRef>
+        </p:style>
+        <p:txBody>
+          <a:bodyPr rtlCol="0" anchor="ctr"/>
+          <a:lstStyle/>
+          <a:p>
+            <a:pPr algn="ctr"/>
+            <a:endParaRPr lang="en-SG" sz="1400">
+              <a:solidFill>
+                <a:schemeClr val="dk1"/>
+              </a:solidFill>
+            </a:endParaRPr>
+          </a:p>
+        </p:txBody>
+      </p:sp>
+      <p:cxnSp>
+        <p:nvCxnSpPr>
+          <p:cNvPr id="61" name="Straight Arrow Connector 60"/>
+          <p:cNvCxnSpPr/>
+          <p:nvPr/>
+        </p:nvCxnSpPr>
+        <p:spPr>
+          <a:xfrm flipV="1">
+            <a:off x="6348273" y="4542759"/>
+            <a:ext cx="2019310" cy="3675"/>
+          </a:xfrm>
+          <a:prstGeom prst="straightConnector1">
+            <a:avLst/>
+          </a:prstGeom>
+          <a:ln w="19050">
+            <a:solidFill>
+              <a:srgbClr val="0070C0"/>
+            </a:solidFill>
+            <a:tailEnd type="arrow"/>
+          </a:ln>
+        </p:spPr>
+        <p:style>
+          <a:lnRef idx="1">
+            <a:schemeClr val="accent1"/>
+          </a:lnRef>
+          <a:fillRef idx="0">
+            <a:schemeClr val="accent1"/>
+          </a:fillRef>
+          <a:effectRef idx="0">
+            <a:schemeClr val="accent1"/>
+          </a:effectRef>
+          <a:fontRef idx="minor">
+            <a:schemeClr val="tx1"/>
+          </a:fontRef>
+        </p:style>
+      </p:cxnSp>
+      <p:cxnSp>
+        <p:nvCxnSpPr>
+          <p:cNvPr id="62" name="Straight Arrow Connector 61"/>
+          <p:cNvCxnSpPr/>
+          <p:nvPr/>
+        </p:nvCxnSpPr>
+        <p:spPr>
+          <a:xfrm>
+            <a:off x="6348273" y="4800600"/>
+            <a:ext cx="2105735" cy="0"/>
+          </a:xfrm>
+          <a:prstGeom prst="straightConnector1">
+            <a:avLst/>
+          </a:prstGeom>
+          <a:ln w="19050">
+            <a:solidFill>
+              <a:schemeClr val="accent4">
+                <a:lumMod val="60000"/>
+                <a:lumOff val="40000"/>
+              </a:schemeClr>
+            </a:solidFill>
+            <a:prstDash val="sysDash"/>
+            <a:headEnd type="arrow" w="med" len="med"/>
+            <a:tailEnd type="none" w="med" len="med"/>
+          </a:ln>
+        </p:spPr>
+        <p:style>
+          <a:lnRef idx="1">
+            <a:schemeClr val="accent1"/>
+          </a:lnRef>
+          <a:fillRef idx="0">
+            <a:schemeClr val="accent1"/>
+          </a:fillRef>
+          <a:effectRef idx="0">
+            <a:schemeClr val="accent1"/>
+          </a:effectRef>
+          <a:fontRef idx="minor">
+            <a:schemeClr val="tx1"/>
+          </a:fontRef>
+        </p:style>
+      </p:cxnSp>
+      <p:cxnSp>
+        <p:nvCxnSpPr>
+          <p:cNvPr id="63" name="Straight Arrow Connector 62"/>
+          <p:cNvCxnSpPr/>
+          <p:nvPr/>
+        </p:nvCxnSpPr>
+        <p:spPr>
+          <a:xfrm flipV="1">
+            <a:off x="1866331" y="5427717"/>
+            <a:ext cx="4313208" cy="26323"/>
+          </a:xfrm>
+          <a:prstGeom prst="straightConnector1">
+            <a:avLst/>
+          </a:prstGeom>
+          <a:ln w="19050">
+            <a:solidFill>
+              <a:srgbClr val="0070C0"/>
+            </a:solidFill>
+            <a:prstDash val="sysDash"/>
+            <a:headEnd type="arrow" w="med" len="med"/>
+            <a:tailEnd type="none" w="med" len="med"/>
+          </a:ln>
+        </p:spPr>
+        <p:style>
+          <a:lnRef idx="1">
+            <a:schemeClr val="accent1"/>
+          </a:lnRef>
+          <a:fillRef idx="0">
+            <a:schemeClr val="accent1"/>
+          </a:fillRef>
+          <a:effectRef idx="0">
+            <a:schemeClr val="accent1"/>
+          </a:effectRef>
+          <a:fontRef idx="minor">
+            <a:schemeClr val="tx1"/>
+          </a:fontRef>
+        </p:style>
+      </p:cxnSp>
+      <p:sp>
+        <p:nvSpPr>
+          <p:cNvPr id="64" name="TextBox 63"/>
+          <p:cNvSpPr txBox="1"/>
+          <p:nvPr/>
+        </p:nvSpPr>
+        <p:spPr>
+          <a:xfrm>
+            <a:off x="6858000" y="4278848"/>
+            <a:ext cx="1424846" cy="430887"/>
+          </a:xfrm>
+          <a:prstGeom prst="rect">
+            <a:avLst/>
+          </a:prstGeom>
+          <a:noFill/>
+        </p:spPr>
+        <p:txBody>
+          <a:bodyPr wrap="square" lIns="0" tIns="0" rIns="0" bIns="0" rtlCol="0">
+            <a:spAutoFit/>
+          </a:bodyPr>
+          <a:lstStyle>
+            <a:defPPr>
+              <a:defRPr lang="en-US"/>
+            </a:defPPr>
+            <a:lvl1pPr algn="r">
+              <a:defRPr sz="1400">
+                <a:solidFill>
+                  <a:srgbClr val="0070C0"/>
+                </a:solidFill>
+              </a:defRPr>
+            </a:lvl1pPr>
+          </a:lstStyle>
+          <a:p>
+            <a:r>
+              <a:rPr lang="en-US" dirty="0" err="1" smtClean="0">
                 <a:solidFill>
                   <a:srgbClr val="7030A0"/>
                 </a:solidFill>
               </a:rPr>
-              <a:t>Model</a:t>
-            </a:r>
-            <a:endParaRPr lang="en-SG" sz="1200" b="1" dirty="0">
+              <a:t>updateFilteredLists</a:t>
+            </a:r>
+            <a:r>
+              <a:rPr lang="en-US" dirty="0" smtClean="0">
+                <a:solidFill>
+                  <a:srgbClr val="7030A0"/>
+                </a:solidFill>
+              </a:rPr>
+              <a:t>()</a:t>
+            </a:r>
+            <a:endParaRPr lang="en-US" dirty="0">
               <a:solidFill>
                 <a:srgbClr val="7030A0"/>
               </a:solidFill>
@@ -20246,24 +23596,200 @@
       </p:sp>
       <p:sp>
         <p:nvSpPr>
-          <p:cNvPr id="2" name="Rectangle 8"/>
+          <p:cNvPr id="65" name="TextBox 64"/>
+          <p:cNvSpPr txBox="1"/>
+          <p:nvPr/>
+        </p:nvSpPr>
+        <p:spPr>
+          <a:xfrm>
+            <a:off x="5030379" y="2957677"/>
+            <a:ext cx="640023" cy="215444"/>
+          </a:xfrm>
+          <a:prstGeom prst="rect">
+            <a:avLst/>
+          </a:prstGeom>
+          <a:noFill/>
+        </p:spPr>
+        <p:txBody>
+          <a:bodyPr wrap="square" lIns="0" tIns="0" rIns="0" bIns="0" rtlCol="0">
+            <a:spAutoFit/>
+          </a:bodyPr>
+          <a:lstStyle>
+            <a:defPPr>
+              <a:defRPr lang="en-US"/>
+            </a:defPPr>
+            <a:lvl1pPr algn="r">
+              <a:defRPr sz="1400">
+                <a:solidFill>
+                  <a:srgbClr val="0070C0"/>
+                </a:solidFill>
+              </a:defRPr>
+            </a:lvl1pPr>
+          </a:lstStyle>
+          <a:p>
+            <a:r>
+              <a:rPr lang="en-US" dirty="0" smtClean="0"/>
+              <a:t>create()</a:t>
+            </a:r>
+            <a:endParaRPr lang="en-US" dirty="0"/>
+          </a:p>
+        </p:txBody>
+      </p:sp>
+      <p:sp>
+        <p:nvSpPr>
+          <p:cNvPr id="66" name="TextBox 65"/>
+          <p:cNvSpPr txBox="1"/>
+          <p:nvPr/>
+        </p:nvSpPr>
+        <p:spPr>
+          <a:xfrm>
+            <a:off x="1926630" y="2726150"/>
+            <a:ext cx="1830495" cy="215444"/>
+          </a:xfrm>
+          <a:prstGeom prst="rect">
+            <a:avLst/>
+          </a:prstGeom>
+          <a:noFill/>
+        </p:spPr>
+        <p:txBody>
+          <a:bodyPr wrap="square" lIns="0" tIns="0" rIns="0" bIns="0" rtlCol="0">
+            <a:spAutoFit/>
+          </a:bodyPr>
+          <a:lstStyle>
+            <a:defPPr>
+              <a:defRPr lang="en-US"/>
+            </a:defPPr>
+            <a:lvl1pPr algn="r">
+              <a:defRPr sz="1400">
+                <a:solidFill>
+                  <a:srgbClr val="0070C0"/>
+                </a:solidFill>
+              </a:defRPr>
+            </a:lvl1pPr>
+          </a:lstStyle>
+          <a:p>
+            <a:r>
+              <a:rPr lang="en-US" dirty="0" smtClean="0"/>
+              <a:t>parse</a:t>
+            </a:r>
+            <a:r>
+              <a:rPr lang="en-US" dirty="0" smtClean="0"/>
+              <a:t>(“list </a:t>
+            </a:r>
+            <a:r>
+              <a:rPr lang="en-US" dirty="0" err="1" smtClean="0"/>
+              <a:t>september</a:t>
+            </a:r>
+            <a:r>
+              <a:rPr lang="en-US" dirty="0" smtClean="0"/>
+              <a:t>”)</a:t>
+            </a:r>
+            <a:endParaRPr lang="en-US" dirty="0"/>
+          </a:p>
+        </p:txBody>
+      </p:sp>
+      <p:sp>
+        <p:nvSpPr>
+          <p:cNvPr id="67" name="TextBox 66"/>
+          <p:cNvSpPr txBox="1"/>
+          <p:nvPr/>
+        </p:nvSpPr>
+        <p:spPr>
+          <a:xfrm>
+            <a:off x="3319076" y="5212273"/>
+            <a:ext cx="621216" cy="215444"/>
+          </a:xfrm>
+          <a:prstGeom prst="rect">
+            <a:avLst/>
+          </a:prstGeom>
+          <a:noFill/>
+        </p:spPr>
+        <p:txBody>
+          <a:bodyPr wrap="square" lIns="0" tIns="0" rIns="0" bIns="0" rtlCol="0">
+            <a:spAutoFit/>
+          </a:bodyPr>
+          <a:lstStyle>
+            <a:defPPr>
+              <a:defRPr lang="en-US"/>
+            </a:defPPr>
+            <a:lvl1pPr algn="r">
+              <a:defRPr sz="1400">
+                <a:solidFill>
+                  <a:srgbClr val="0070C0"/>
+                </a:solidFill>
+              </a:defRPr>
+            </a:lvl1pPr>
+          </a:lstStyle>
+          <a:p>
+            <a:r>
+              <a:rPr lang="en-US" dirty="0" smtClean="0"/>
+              <a:t>result</a:t>
+            </a:r>
+            <a:endParaRPr lang="en-US" dirty="0"/>
+          </a:p>
+        </p:txBody>
+      </p:sp>
+      <p:sp>
+        <p:nvSpPr>
+          <p:cNvPr id="68" name="TextBox 67"/>
+          <p:cNvSpPr txBox="1"/>
+          <p:nvPr/>
+        </p:nvSpPr>
+        <p:spPr>
+          <a:xfrm>
+            <a:off x="762001" y="5538488"/>
+            <a:ext cx="762000" cy="215444"/>
+          </a:xfrm>
+          <a:prstGeom prst="rect">
+            <a:avLst/>
+          </a:prstGeom>
+          <a:noFill/>
+        </p:spPr>
+        <p:txBody>
+          <a:bodyPr wrap="square" lIns="0" tIns="0" rIns="0" bIns="0" rtlCol="0">
+            <a:spAutoFit/>
+          </a:bodyPr>
+          <a:lstStyle>
+            <a:defPPr>
+              <a:defRPr lang="en-US"/>
+            </a:defPPr>
+            <a:lvl1pPr algn="r">
+              <a:defRPr sz="1400">
+                <a:solidFill>
+                  <a:srgbClr val="0070C0"/>
+                </a:solidFill>
+              </a:defRPr>
+            </a:lvl1pPr>
+          </a:lstStyle>
+          <a:p>
+            <a:r>
+              <a:rPr lang="en-US" dirty="0" smtClean="0"/>
+              <a:t>result</a:t>
+            </a:r>
+            <a:endParaRPr lang="en-US" dirty="0"/>
+          </a:p>
+        </p:txBody>
+      </p:sp>
+      <p:sp>
+        <p:nvSpPr>
+          <p:cNvPr id="69" name="Rectangle 62"/>
           <p:cNvSpPr/>
           <p:nvPr/>
         </p:nvSpPr>
         <p:spPr>
           <a:xfrm>
-            <a:off x="2877180" y="3158440"/>
-            <a:ext cx="1093635" cy="346760"/>
+            <a:off x="6858000" y="4903721"/>
+            <a:ext cx="1196202" cy="461538"/>
           </a:xfrm>
           <a:prstGeom prst="rect">
             <a:avLst/>
           </a:prstGeom>
           <a:solidFill>
-            <a:srgbClr val="7030A0"/>
+            <a:srgbClr val="0070C0"/>
           </a:solidFill>
           <a:ln w="19050">
             <a:solidFill>
-              <a:srgbClr val="7030A0"/>
+              <a:srgbClr val="0070C0"/>
             </a:solidFill>
           </a:ln>
           <a:effectLst/>
@@ -20288,14 +23814,29 @@
           <a:p>
             <a:pPr algn="ctr"/>
             <a:r>
-              <a:rPr lang="en-US" sz="1050" dirty="0" err="1" smtClean="0">
+              <a:rPr lang="en-US" sz="1100" dirty="0" smtClean="0">
                 <a:solidFill>
                   <a:schemeClr val="bg1"/>
                 </a:solidFill>
               </a:rPr>
-              <a:t>UserPref</a:t>
-            </a:r>
-            <a:endParaRPr lang="en-SG" sz="1050" dirty="0">
+              <a:t>result:</a:t>
+            </a:r>
+            <a:br>
+              <a:rPr lang="en-US" sz="1100" dirty="0" smtClean="0">
+                <a:solidFill>
+                  <a:schemeClr val="bg1"/>
+                </a:solidFill>
+              </a:rPr>
+            </a:br>
+            <a:r>
+              <a:rPr lang="en-US" sz="1100" dirty="0" err="1" smtClean="0">
+                <a:solidFill>
+                  <a:schemeClr val="bg1"/>
+                </a:solidFill>
+              </a:rPr>
+              <a:t>CommandResult</a:t>
+            </a:r>
+            <a:endParaRPr lang="en-SG" sz="1100" dirty="0">
               <a:solidFill>
                 <a:schemeClr val="bg1"/>
               </a:solidFill>
@@ -20305,37 +23846,37 @@
       </p:sp>
       <p:sp>
         <p:nvSpPr>
-          <p:cNvPr id="9" name="Rectangle 62"/>
+          <p:cNvPr id="70" name="Rectangle 69"/>
           <p:cNvSpPr/>
           <p:nvPr/>
         </p:nvSpPr>
         <p:spPr>
-          <a:xfrm rot="16200000">
-            <a:off x="1683963" y="2868687"/>
-            <a:ext cx="1093635" cy="346760"/>
+          <a:xfrm>
+            <a:off x="7436018" y="5387269"/>
+            <a:ext cx="230906" cy="220655"/>
           </a:xfrm>
           <a:prstGeom prst="rect">
             <a:avLst/>
           </a:prstGeom>
           <a:solidFill>
-            <a:srgbClr val="7030A0"/>
+            <a:srgbClr val="0070C0"/>
           </a:solidFill>
-          <a:ln w="19050">
-            <a:solidFill>
-              <a:srgbClr val="7030A0"/>
-            </a:solidFill>
-          </a:ln>
-          <a:effectLst/>
-        </p:spPr>
-        <p:style>
-          <a:lnRef idx="1">
-            <a:schemeClr val="accent2"/>
-          </a:lnRef>
-          <a:fillRef idx="2">
-            <a:schemeClr val="accent2"/>
-          </a:fillRef>
-          <a:effectRef idx="1">
-            <a:schemeClr val="accent2"/>
+          <a:ln>
+            <a:solidFill>
+              <a:srgbClr val="0070C0"/>
+            </a:solidFill>
+          </a:ln>
+          <a:effectLst/>
+        </p:spPr>
+        <p:style>
+          <a:lnRef idx="1">
+            <a:schemeClr val="accent3"/>
+          </a:lnRef>
+          <a:fillRef idx="2">
+            <a:schemeClr val="accent3"/>
+          </a:fillRef>
+          <a:effectRef idx="1">
+            <a:schemeClr val="accent3"/>
           </a:effectRef>
           <a:fontRef idx="minor">
             <a:schemeClr val="dk1"/>
@@ -20346,15 +23887,146 @@
           <a:lstStyle/>
           <a:p>
             <a:pPr algn="ctr"/>
-            <a:r>
-              <a:rPr lang="en-US" sz="1050" dirty="0" err="1" smtClean="0">
+            <a:endParaRPr lang="en-SG" sz="1400"/>
+          </a:p>
+        </p:txBody>
+      </p:sp>
+      <p:cxnSp>
+        <p:nvCxnSpPr>
+          <p:cNvPr id="71" name="Straight Arrow Connector 70"/>
+          <p:cNvCxnSpPr/>
+          <p:nvPr/>
+        </p:nvCxnSpPr>
+        <p:spPr>
+          <a:xfrm>
+            <a:off x="6377906" y="5107866"/>
+            <a:ext cx="447975" cy="0"/>
+          </a:xfrm>
+          <a:prstGeom prst="straightConnector1">
+            <a:avLst/>
+          </a:prstGeom>
+          <a:ln w="19050">
+            <a:solidFill>
+              <a:srgbClr val="0070C0"/>
+            </a:solidFill>
+            <a:tailEnd type="arrow"/>
+          </a:ln>
+        </p:spPr>
+        <p:style>
+          <a:lnRef idx="1">
+            <a:schemeClr val="accent1"/>
+          </a:lnRef>
+          <a:fillRef idx="0">
+            <a:schemeClr val="accent1"/>
+          </a:fillRef>
+          <a:effectRef idx="0">
+            <a:schemeClr val="accent1"/>
+          </a:effectRef>
+          <a:fontRef idx="minor">
+            <a:schemeClr val="tx1"/>
+          </a:fontRef>
+        </p:style>
+      </p:cxnSp>
+      <p:cxnSp>
+        <p:nvCxnSpPr>
+          <p:cNvPr id="72" name="Straight Arrow Connector 71"/>
+          <p:cNvCxnSpPr>
+            <a:endCxn id="70" idx="1"/>
+          </p:cNvCxnSpPr>
+          <p:nvPr/>
+        </p:nvCxnSpPr>
+        <p:spPr>
+          <a:xfrm flipV="1">
+            <a:off x="6348273" y="5497597"/>
+            <a:ext cx="1087745" cy="12885"/>
+          </a:xfrm>
+          <a:prstGeom prst="straightConnector1">
+            <a:avLst/>
+          </a:prstGeom>
+          <a:ln w="19050">
+            <a:solidFill>
+              <a:srgbClr val="0070C0"/>
+            </a:solidFill>
+            <a:prstDash val="sysDash"/>
+            <a:headEnd type="arrow" w="med" len="med"/>
+            <a:tailEnd type="none" w="med" len="med"/>
+          </a:ln>
+        </p:spPr>
+        <p:style>
+          <a:lnRef idx="1">
+            <a:schemeClr val="accent1"/>
+          </a:lnRef>
+          <a:fillRef idx="0">
+            <a:schemeClr val="accent1"/>
+          </a:fillRef>
+          <a:effectRef idx="0">
+            <a:schemeClr val="accent1"/>
+          </a:effectRef>
+          <a:fontRef idx="minor">
+            <a:schemeClr val="tx1"/>
+          </a:fontRef>
+        </p:style>
+      </p:cxnSp>
+      <p:sp>
+        <p:nvSpPr>
+          <p:cNvPr id="73" name="Rectangle 62"/>
+          <p:cNvSpPr/>
+          <p:nvPr/>
+        </p:nvSpPr>
+        <p:spPr>
+          <a:xfrm>
+            <a:off x="4630002" y="2311162"/>
+            <a:ext cx="1093635" cy="346760"/>
+          </a:xfrm>
+          <a:prstGeom prst="rect">
+            <a:avLst/>
+          </a:prstGeom>
+          <a:solidFill>
+            <a:srgbClr val="0070C0"/>
+          </a:solidFill>
+          <a:ln w="19050">
+            <a:solidFill>
+              <a:srgbClr val="0070C0"/>
+            </a:solidFill>
+          </a:ln>
+          <a:effectLst/>
+        </p:spPr>
+        <p:style>
+          <a:lnRef idx="1">
+            <a:schemeClr val="accent2"/>
+          </a:lnRef>
+          <a:fillRef idx="2">
+            <a:schemeClr val="accent2"/>
+          </a:fillRef>
+          <a:effectRef idx="1">
+            <a:schemeClr val="accent2"/>
+          </a:effectRef>
+          <a:fontRef idx="minor">
+            <a:schemeClr val="dk1"/>
+          </a:fontRef>
+        </p:style>
+        <p:txBody>
+          <a:bodyPr rtlCol="0" anchor="ctr"/>
+          <a:lstStyle/>
+          <a:p>
+            <a:pPr algn="ctr"/>
+            <a:r>
+              <a:rPr lang="en-US" sz="1600" dirty="0" smtClean="0">
                 <a:solidFill>
                   <a:schemeClr val="bg1"/>
                 </a:solidFill>
               </a:rPr>
-              <a:t>ModelManager</a:t>
-            </a:r>
-            <a:endParaRPr lang="en-SG" sz="1050" dirty="0">
+              <a:t>:</a:t>
+            </a:r>
+            <a:r>
+              <a:rPr lang="en-US" sz="1600" dirty="0" err="1" smtClean="0">
+                <a:solidFill>
+                  <a:schemeClr val="bg1"/>
+                </a:solidFill>
+              </a:rPr>
+              <a:t>ListParser</a:t>
+            </a:r>
+            <a:endParaRPr lang="en-SG" sz="1600" dirty="0">
               <a:solidFill>
                 <a:schemeClr val="bg1"/>
               </a:solidFill>
@@ -20364,1727 +24036,229 @@
       </p:sp>
       <p:cxnSp>
         <p:nvCxnSpPr>
-          <p:cNvPr id="53" name="Elbow Connector 63"/>
-          <p:cNvCxnSpPr>
-            <a:stCxn id="71" idx="3"/>
-            <a:endCxn id="62" idx="2"/>
-          </p:cNvCxnSpPr>
+          <p:cNvPr id="74" name="Straight Connector 73"/>
+          <p:cNvCxnSpPr/>
           <p:nvPr/>
         </p:nvCxnSpPr>
         <p:spPr>
+          <a:xfrm>
+            <a:off x="4857767" y="2691196"/>
+            <a:ext cx="0" cy="1587652"/>
+          </a:xfrm>
+          <a:prstGeom prst="line">
+            <a:avLst/>
+          </a:prstGeom>
+          <a:ln w="19050">
+            <a:solidFill>
+              <a:srgbClr val="0070C0"/>
+            </a:solidFill>
+            <a:prstDash val="sysDash"/>
+          </a:ln>
+          <a:effectLst/>
+        </p:spPr>
+        <p:style>
+          <a:lnRef idx="1">
+            <a:schemeClr val="accent1"/>
+          </a:lnRef>
+          <a:fillRef idx="2">
+            <a:schemeClr val="accent1"/>
+          </a:fillRef>
+          <a:effectRef idx="1">
+            <a:schemeClr val="accent1"/>
+          </a:effectRef>
+          <a:fontRef idx="minor">
+            <a:schemeClr val="dk1"/>
+          </a:fontRef>
+        </p:style>
+      </p:cxnSp>
+      <p:sp>
+        <p:nvSpPr>
+          <p:cNvPr id="75" name="Rectangle 74"/>
+          <p:cNvSpPr/>
+          <p:nvPr/>
+        </p:nvSpPr>
+        <p:spPr>
+          <a:xfrm>
+            <a:off x="4750386" y="3122097"/>
+            <a:ext cx="144016" cy="832525"/>
+          </a:xfrm>
+          <a:prstGeom prst="rect">
+            <a:avLst/>
+          </a:prstGeom>
+          <a:solidFill>
+            <a:srgbClr val="0070C0"/>
+          </a:solidFill>
+          <a:ln>
+            <a:solidFill>
+              <a:srgbClr val="0070C0"/>
+            </a:solidFill>
+          </a:ln>
+          <a:effectLst/>
+        </p:spPr>
+        <p:style>
+          <a:lnRef idx="1">
+            <a:schemeClr val="accent3"/>
+          </a:lnRef>
+          <a:fillRef idx="2">
+            <a:schemeClr val="accent3"/>
+          </a:fillRef>
+          <a:effectRef idx="1">
+            <a:schemeClr val="accent3"/>
+          </a:effectRef>
+          <a:fontRef idx="minor">
+            <a:schemeClr val="dk1"/>
+          </a:fontRef>
+        </p:style>
+        <p:txBody>
+          <a:bodyPr rtlCol="0" anchor="ctr"/>
+          <a:lstStyle/>
+          <a:p>
+            <a:pPr algn="ctr"/>
+            <a:endParaRPr lang="en-SG" sz="1400">
+              <a:solidFill>
+                <a:schemeClr val="dk1"/>
+              </a:solidFill>
+            </a:endParaRPr>
+          </a:p>
+        </p:txBody>
+      </p:sp>
+      <p:cxnSp>
+        <p:nvCxnSpPr>
+          <p:cNvPr id="76" name="Straight Arrow Connector 75"/>
+          <p:cNvCxnSpPr/>
+          <p:nvPr/>
+        </p:nvCxnSpPr>
+        <p:spPr>
           <a:xfrm flipV="1">
-            <a:off x="6477000" y="3204826"/>
-            <a:ext cx="190770" cy="405819"/>
-          </a:xfrm>
-          <a:prstGeom prst="bentConnector2">
-            <a:avLst/>
-          </a:prstGeom>
-          <a:ln w="19050">
-            <a:solidFill>
-              <a:srgbClr val="7030A0"/>
-            </a:solidFill>
-            <a:prstDash val="sysDot"/>
-            <a:headEnd type="none" w="med" len="med"/>
-            <a:tailEnd type="none" w="med" len="med"/>
-          </a:ln>
-          <a:effectLst/>
-        </p:spPr>
-        <p:style>
-          <a:lnRef idx="1">
-            <a:schemeClr val="accent2"/>
-          </a:lnRef>
-          <a:fillRef idx="2">
-            <a:schemeClr val="accent2"/>
-          </a:fillRef>
-          <a:effectRef idx="1">
-            <a:schemeClr val="accent2"/>
-          </a:effectRef>
-          <a:fontRef idx="minor">
-            <a:schemeClr val="dk1"/>
+            <a:off x="4037111" y="3229154"/>
+            <a:ext cx="703601" cy="23027"/>
+          </a:xfrm>
+          <a:prstGeom prst="straightConnector1">
+            <a:avLst/>
+          </a:prstGeom>
+          <a:ln w="19050">
+            <a:solidFill>
+              <a:srgbClr val="0070C0"/>
+            </a:solidFill>
+            <a:tailEnd type="arrow"/>
+          </a:ln>
+        </p:spPr>
+        <p:style>
+          <a:lnRef idx="1">
+            <a:schemeClr val="accent1"/>
+          </a:lnRef>
+          <a:fillRef idx="0">
+            <a:schemeClr val="accent1"/>
+          </a:fillRef>
+          <a:effectRef idx="0">
+            <a:schemeClr val="accent1"/>
+          </a:effectRef>
+          <a:fontRef idx="minor">
+            <a:schemeClr val="tx1"/>
           </a:fontRef>
         </p:style>
       </p:cxnSp>
       <p:cxnSp>
         <p:nvCxnSpPr>
-          <p:cNvPr id="107" name="Elbow Connector 106"/>
-          <p:cNvCxnSpPr>
-            <a:stCxn id="9" idx="1"/>
-          </p:cNvCxnSpPr>
+          <p:cNvPr id="77" name="Straight Arrow Connector 76"/>
+          <p:cNvCxnSpPr/>
           <p:nvPr/>
         </p:nvCxnSpPr>
         <p:spPr>
-          <a:xfrm rot="5400000" flipH="1" flipV="1">
-            <a:off x="4360065" y="1080909"/>
-            <a:ext cx="378691" cy="4637261"/>
-          </a:xfrm>
-          <a:prstGeom prst="bentConnector4">
-            <a:avLst>
-              <a:gd name="adj1" fmla="val -101829"/>
-              <a:gd name="adj2" fmla="val 99976"/>
-            </a:avLst>
-          </a:prstGeom>
-          <a:ln w="19050">
-            <a:solidFill>
-              <a:srgbClr val="7030A0"/>
-            </a:solidFill>
-            <a:prstDash val="solid"/>
-            <a:headEnd type="none" w="med" len="med"/>
-            <a:tailEnd type="arrow" w="med" len="med"/>
-          </a:ln>
-          <a:effectLst/>
-        </p:spPr>
-        <p:style>
-          <a:lnRef idx="1">
-            <a:schemeClr val="accent2"/>
-          </a:lnRef>
-          <a:fillRef idx="2">
-            <a:schemeClr val="accent2"/>
-          </a:fillRef>
-          <a:effectRef idx="1">
-            <a:schemeClr val="accent2"/>
-          </a:effectRef>
-          <a:fontRef idx="minor">
-            <a:schemeClr val="dk1"/>
+          <a:xfrm flipV="1">
+            <a:off x="4031622" y="3881802"/>
+            <a:ext cx="718764" cy="5378"/>
+          </a:xfrm>
+          <a:prstGeom prst="straightConnector1">
+            <a:avLst/>
+          </a:prstGeom>
+          <a:ln w="19050">
+            <a:solidFill>
+              <a:srgbClr val="0070C0"/>
+            </a:solidFill>
+            <a:prstDash val="sysDash"/>
+            <a:headEnd type="arrow" w="med" len="med"/>
+            <a:tailEnd type="none" w="med" len="med"/>
+          </a:ln>
+        </p:spPr>
+        <p:style>
+          <a:lnRef idx="1">
+            <a:schemeClr val="accent1"/>
+          </a:lnRef>
+          <a:fillRef idx="0">
+            <a:schemeClr val="accent1"/>
+          </a:fillRef>
+          <a:effectRef idx="0">
+            <a:schemeClr val="accent1"/>
+          </a:effectRef>
+          <a:fontRef idx="minor">
+            <a:schemeClr val="tx1"/>
           </a:fontRef>
         </p:style>
       </p:cxnSp>
       <p:sp>
         <p:nvSpPr>
-          <p:cNvPr id="119" name="Rectangle 62"/>
-          <p:cNvSpPr/>
-          <p:nvPr/>
-        </p:nvSpPr>
-        <p:spPr>
-          <a:xfrm rot="16200000">
-            <a:off x="956202" y="2861202"/>
-            <a:ext cx="1093635" cy="346760"/>
+          <p:cNvPr id="78" name="TextBox 77"/>
+          <p:cNvSpPr txBox="1"/>
+          <p:nvPr/>
+        </p:nvSpPr>
+        <p:spPr>
+          <a:xfrm>
+            <a:off x="3937146" y="2859833"/>
+            <a:ext cx="1128712" cy="138499"/>
           </a:xfrm>
           <a:prstGeom prst="rect">
             <a:avLst/>
           </a:prstGeom>
-          <a:solidFill>
-            <a:srgbClr val="7030A0"/>
-          </a:solidFill>
-          <a:ln w="19050">
-            <a:solidFill>
-              <a:srgbClr val="7030A0"/>
-            </a:solidFill>
-          </a:ln>
-          <a:effectLst/>
-        </p:spPr>
-        <p:style>
-          <a:lnRef idx="1">
-            <a:schemeClr val="accent2"/>
-          </a:lnRef>
-          <a:fillRef idx="2">
-            <a:schemeClr val="accent2"/>
-          </a:fillRef>
-          <a:effectRef idx="1">
-            <a:schemeClr val="accent2"/>
-          </a:effectRef>
-          <a:fontRef idx="minor">
-            <a:schemeClr val="dk1"/>
-          </a:fontRef>
-        </p:style>
-        <p:txBody>
-          <a:bodyPr rtlCol="0" anchor="ctr"/>
-          <a:lstStyle/>
-          <a:p>
-            <a:pPr algn="ctr"/>
-            <a:r>
-              <a:rPr lang="en-US" sz="1050" dirty="0">
-                <a:solidFill>
-                  <a:schemeClr val="bg1"/>
-                </a:solidFill>
-              </a:rPr>
-              <a:t>&lt;&lt;interface&gt;&gt;</a:t>
-            </a:r>
-          </a:p>
-          <a:p>
-            <a:pPr algn="ctr"/>
-            <a:r>
-              <a:rPr lang="en-US" sz="1050" dirty="0" smtClean="0">
-                <a:solidFill>
-                  <a:schemeClr val="bg1"/>
-                </a:solidFill>
-              </a:rPr>
-              <a:t>Model</a:t>
-            </a:r>
-            <a:endParaRPr lang="en-SG" sz="1050" dirty="0">
-              <a:solidFill>
-                <a:schemeClr val="bg1"/>
-              </a:solidFill>
-            </a:endParaRPr>
-          </a:p>
-        </p:txBody>
-      </p:sp>
-      <p:sp>
-        <p:nvSpPr>
-          <p:cNvPr id="120" name="Isosceles Triangle 102"/>
-          <p:cNvSpPr/>
-          <p:nvPr/>
-        </p:nvSpPr>
-        <p:spPr>
-          <a:xfrm rot="16200000">
-            <a:off x="1626910" y="2952291"/>
-            <a:ext cx="270504" cy="175523"/>
-          </a:xfrm>
-          <a:prstGeom prst="triangle">
-            <a:avLst/>
-          </a:prstGeom>
-          <a:solidFill>
-            <a:srgbClr val="7030A0"/>
-          </a:solidFill>
-          <a:ln w="19050">
-            <a:solidFill>
-              <a:srgbClr val="7030A0"/>
-            </a:solidFill>
-          </a:ln>
-          <a:effectLst/>
-        </p:spPr>
-        <p:style>
-          <a:lnRef idx="1">
-            <a:schemeClr val="accent6"/>
-          </a:lnRef>
-          <a:fillRef idx="2">
-            <a:schemeClr val="accent6"/>
-          </a:fillRef>
-          <a:effectRef idx="1">
-            <a:schemeClr val="accent6"/>
-          </a:effectRef>
-          <a:fontRef idx="minor">
-            <a:schemeClr val="dk1"/>
-          </a:fontRef>
-        </p:style>
-        <p:txBody>
-          <a:bodyPr rtlCol="0" anchor="ctr"/>
-          <a:lstStyle/>
-          <a:p>
-            <a:pPr algn="ctr"/>
-            <a:endParaRPr lang="en-SG" sz="1050"/>
-          </a:p>
-        </p:txBody>
-      </p:sp>
-      <p:cxnSp>
-        <p:nvCxnSpPr>
-          <p:cNvPr id="58" name="Straight Arrow Connector 57"/>
-          <p:cNvCxnSpPr>
-            <a:stCxn id="42" idx="3"/>
-            <a:endCxn id="2" idx="1"/>
-          </p:cNvCxnSpPr>
-          <p:nvPr/>
-        </p:nvCxnSpPr>
-        <p:spPr>
-          <a:xfrm>
-            <a:off x="2656370" y="3326536"/>
-            <a:ext cx="220810" cy="5284"/>
-          </a:xfrm>
-          <a:prstGeom prst="straightConnector1">
-            <a:avLst/>
-          </a:prstGeom>
-          <a:ln w="19050">
-            <a:solidFill>
-              <a:srgbClr val="7030A0"/>
-            </a:solidFill>
-            <a:headEnd type="none" w="med" len="med"/>
-            <a:tailEnd type="arrow" w="med" len="med"/>
-          </a:ln>
-          <a:effectLst/>
-        </p:spPr>
-        <p:style>
-          <a:lnRef idx="1">
-            <a:schemeClr val="accent2"/>
-          </a:lnRef>
-          <a:fillRef idx="2">
-            <a:schemeClr val="accent2"/>
-          </a:fillRef>
-          <a:effectRef idx="1">
-            <a:schemeClr val="accent2"/>
-          </a:effectRef>
-          <a:fontRef idx="minor">
-            <a:schemeClr val="dk1"/>
-          </a:fontRef>
-        </p:style>
-      </p:cxnSp>
-      <p:sp>
-        <p:nvSpPr>
-          <p:cNvPr id="71" name="Isosceles Triangle 102"/>
-          <p:cNvSpPr/>
-          <p:nvPr/>
-        </p:nvSpPr>
-        <p:spPr>
-          <a:xfrm rot="5400000" flipV="1">
-            <a:off x="6253986" y="3522883"/>
-            <a:ext cx="270504" cy="175523"/>
-          </a:xfrm>
-          <a:prstGeom prst="triangle">
-            <a:avLst/>
-          </a:prstGeom>
-          <a:solidFill>
-            <a:srgbClr val="7030A0"/>
-          </a:solidFill>
-          <a:ln w="19050">
-            <a:solidFill>
-              <a:srgbClr val="7030A0"/>
-            </a:solidFill>
-          </a:ln>
-          <a:effectLst/>
-        </p:spPr>
-        <p:style>
-          <a:lnRef idx="1">
-            <a:schemeClr val="accent4"/>
-          </a:lnRef>
-          <a:fillRef idx="2">
-            <a:schemeClr val="accent4"/>
-          </a:fillRef>
-          <a:effectRef idx="1">
-            <a:schemeClr val="accent4"/>
-          </a:effectRef>
-          <a:fontRef idx="minor">
-            <a:schemeClr val="dk1"/>
-          </a:fontRef>
-        </p:style>
-        <p:txBody>
-          <a:bodyPr rtlCol="0" anchor="ctr"/>
-          <a:lstStyle/>
-          <a:p>
-            <a:pPr algn="ctr"/>
-            <a:endParaRPr lang="en-SG" sz="1050" b="1">
-              <a:solidFill>
-                <a:srgbClr val="92D050"/>
-              </a:solidFill>
-            </a:endParaRPr>
-          </a:p>
-        </p:txBody>
-      </p:sp>
-      <p:cxnSp>
-        <p:nvCxnSpPr>
-          <p:cNvPr id="75" name="Elbow Connector 122"/>
-          <p:cNvCxnSpPr/>
-          <p:nvPr/>
-        </p:nvCxnSpPr>
-        <p:spPr>
-          <a:xfrm>
-            <a:off x="910091" y="3040053"/>
-            <a:ext cx="419548" cy="2860"/>
-          </a:xfrm>
-          <a:prstGeom prst="bentConnector3">
-            <a:avLst>
-              <a:gd name="adj1" fmla="val 50000"/>
-            </a:avLst>
-          </a:prstGeom>
-          <a:ln w="19050">
-            <a:solidFill>
-              <a:schemeClr val="bg1">
-                <a:lumMod val="75000"/>
-              </a:schemeClr>
-            </a:solidFill>
-            <a:prstDash val="sysDot"/>
-            <a:headEnd type="none" w="med" len="med"/>
-            <a:tailEnd type="arrow" w="med" len="med"/>
-          </a:ln>
-          <a:effectLst/>
-        </p:spPr>
-        <p:style>
-          <a:lnRef idx="1">
-            <a:schemeClr val="accent2"/>
-          </a:lnRef>
-          <a:fillRef idx="2">
-            <a:schemeClr val="accent2"/>
-          </a:fillRef>
-          <a:effectRef idx="1">
-            <a:schemeClr val="accent2"/>
-          </a:effectRef>
-          <a:fontRef idx="minor">
-            <a:schemeClr val="dk1"/>
-          </a:fontRef>
-        </p:style>
-      </p:cxnSp>
-      <p:cxnSp>
-        <p:nvCxnSpPr>
-          <p:cNvPr id="21" name="Straight Connector 20"/>
-          <p:cNvCxnSpPr>
-            <a:stCxn id="120" idx="3"/>
-          </p:cNvCxnSpPr>
-          <p:nvPr/>
-        </p:nvCxnSpPr>
-        <p:spPr>
-          <a:xfrm flipV="1">
-            <a:off x="1849924" y="3040052"/>
-            <a:ext cx="216105" cy="1"/>
-          </a:xfrm>
-          <a:prstGeom prst="line">
-            <a:avLst/>
-          </a:prstGeom>
-          <a:ln w="19050">
-            <a:solidFill>
-              <a:srgbClr val="7030A0"/>
-            </a:solidFill>
-            <a:prstDash val="sysDot"/>
-            <a:headEnd type="none" w="med" len="med"/>
-            <a:tailEnd type="none" w="med" len="med"/>
-          </a:ln>
-          <a:effectLst/>
-        </p:spPr>
-        <p:style>
-          <a:lnRef idx="1">
-            <a:schemeClr val="accent2"/>
-          </a:lnRef>
-          <a:fillRef idx="2">
-            <a:schemeClr val="accent2"/>
-          </a:fillRef>
-          <a:effectRef idx="1">
-            <a:schemeClr val="accent2"/>
-          </a:effectRef>
-          <a:fontRef idx="minor">
-            <a:schemeClr val="dk1"/>
-          </a:fontRef>
-        </p:style>
-      </p:cxnSp>
-      <p:sp>
-        <p:nvSpPr>
-          <p:cNvPr id="42" name="Flowchart: Decision 96"/>
-          <p:cNvSpPr/>
-          <p:nvPr/>
-        </p:nvSpPr>
-        <p:spPr>
-          <a:xfrm>
-            <a:off x="2420322" y="3239846"/>
-            <a:ext cx="236048" cy="173380"/>
-          </a:xfrm>
-          <a:prstGeom prst="flowChartDecision">
-            <a:avLst/>
-          </a:prstGeom>
           <a:noFill/>
-          <a:ln w="19050">
-            <a:solidFill>
-              <a:srgbClr val="7030A0"/>
-            </a:solidFill>
-          </a:ln>
-          <a:effectLst/>
-        </p:spPr>
-        <p:style>
-          <a:lnRef idx="1">
-            <a:schemeClr val="accent6"/>
-          </a:lnRef>
-          <a:fillRef idx="2">
-            <a:schemeClr val="accent6"/>
-          </a:fillRef>
-          <a:effectRef idx="1">
-            <a:schemeClr val="accent6"/>
-          </a:effectRef>
-          <a:fontRef idx="minor">
-            <a:schemeClr val="dk1"/>
-          </a:fontRef>
-        </p:style>
-        <p:txBody>
-          <a:bodyPr rtlCol="0" anchor="ctr"/>
-          <a:lstStyle/>
-          <a:p>
-            <a:pPr algn="ctr"/>
-            <a:endParaRPr lang="en-US" sz="1050"/>
-          </a:p>
-        </p:txBody>
-      </p:sp>
-      <p:sp>
-        <p:nvSpPr>
-          <p:cNvPr id="46" name="Rectangle 8"/>
-          <p:cNvSpPr/>
-          <p:nvPr/>
-        </p:nvSpPr>
-        <p:spPr>
-          <a:xfrm>
-            <a:off x="2879490" y="2627420"/>
-            <a:ext cx="1093635" cy="346760"/>
-          </a:xfrm>
-          <a:prstGeom prst="rect">
-            <a:avLst/>
-          </a:prstGeom>
-          <a:ln w="19050">
-            <a:solidFill>
-              <a:srgbClr val="7030A0"/>
-            </a:solidFill>
-          </a:ln>
-          <a:effectLst/>
-        </p:spPr>
-        <p:style>
-          <a:lnRef idx="1">
-            <a:schemeClr val="accent4"/>
-          </a:lnRef>
-          <a:fillRef idx="2">
-            <a:schemeClr val="accent4"/>
-          </a:fillRef>
-          <a:effectRef idx="1">
-            <a:schemeClr val="accent4"/>
-          </a:effectRef>
-          <a:fontRef idx="minor">
-            <a:schemeClr val="dk1"/>
-          </a:fontRef>
-        </p:style>
-        <p:txBody>
-          <a:bodyPr rtlCol="0" anchor="ctr"/>
-          <a:lstStyle/>
-          <a:p>
-            <a:pPr algn="ctr"/>
-            <a:endParaRPr lang="en-SG" sz="1050" dirty="0">
-              <a:solidFill>
-                <a:srgbClr val="7030A0"/>
-              </a:solidFill>
-            </a:endParaRPr>
-          </a:p>
-        </p:txBody>
-      </p:sp>
-      <p:cxnSp>
-        <p:nvCxnSpPr>
-          <p:cNvPr id="47" name="Straight Arrow Connector 46"/>
-          <p:cNvCxnSpPr>
-            <a:stCxn id="48" idx="3"/>
-            <a:endCxn id="46" idx="1"/>
-          </p:cNvCxnSpPr>
-          <p:nvPr/>
-        </p:nvCxnSpPr>
-        <p:spPr>
-          <a:xfrm>
-            <a:off x="2658680" y="2795516"/>
-            <a:ext cx="220810" cy="5284"/>
-          </a:xfrm>
-          <a:prstGeom prst="straightConnector1">
-            <a:avLst/>
-          </a:prstGeom>
-          <a:ln w="19050">
-            <a:solidFill>
-              <a:srgbClr val="7030A0"/>
-            </a:solidFill>
-            <a:headEnd type="none" w="med" len="med"/>
-            <a:tailEnd type="arrow" w="med" len="med"/>
-          </a:ln>
-          <a:effectLst/>
-        </p:spPr>
-        <p:style>
-          <a:lnRef idx="1">
-            <a:schemeClr val="accent2"/>
-          </a:lnRef>
-          <a:fillRef idx="2">
-            <a:schemeClr val="accent2"/>
-          </a:fillRef>
-          <a:effectRef idx="1">
-            <a:schemeClr val="accent2"/>
-          </a:effectRef>
-          <a:fontRef idx="minor">
-            <a:schemeClr val="dk1"/>
-          </a:fontRef>
-        </p:style>
-      </p:cxnSp>
-      <p:sp>
-        <p:nvSpPr>
-          <p:cNvPr id="48" name="Flowchart: Decision 96"/>
-          <p:cNvSpPr/>
-          <p:nvPr/>
-        </p:nvSpPr>
-        <p:spPr>
-          <a:xfrm>
-            <a:off x="2422632" y="2708826"/>
-            <a:ext cx="236048" cy="173380"/>
-          </a:xfrm>
-          <a:prstGeom prst="flowChartDecision">
-            <a:avLst/>
-          </a:prstGeom>
-          <a:noFill/>
-          <a:ln w="19050">
-            <a:solidFill>
-              <a:srgbClr val="7030A0"/>
-            </a:solidFill>
-          </a:ln>
-          <a:effectLst/>
-        </p:spPr>
-        <p:style>
-          <a:lnRef idx="1">
-            <a:schemeClr val="accent6"/>
-          </a:lnRef>
-          <a:fillRef idx="2">
-            <a:schemeClr val="accent6"/>
-          </a:fillRef>
-          <a:effectRef idx="1">
-            <a:schemeClr val="accent6"/>
-          </a:effectRef>
-          <a:fontRef idx="minor">
-            <a:schemeClr val="dk1"/>
-          </a:fontRef>
-        </p:style>
-        <p:txBody>
-          <a:bodyPr rtlCol="0" anchor="ctr"/>
-          <a:lstStyle/>
-          <a:p>
-            <a:pPr algn="ctr"/>
-            <a:endParaRPr lang="en-US" sz="1050"/>
-          </a:p>
-        </p:txBody>
-      </p:sp>
-      <p:sp>
-        <p:nvSpPr>
-          <p:cNvPr id="49" name="Rectangle 8"/>
-          <p:cNvSpPr/>
-          <p:nvPr/>
-        </p:nvSpPr>
-        <p:spPr>
-          <a:xfrm>
-            <a:off x="4487017" y="2847371"/>
-            <a:ext cx="1229307" cy="346760"/>
-          </a:xfrm>
-          <a:prstGeom prst="rect">
-            <a:avLst/>
-          </a:prstGeom>
-          <a:ln w="19050">
-            <a:solidFill>
-              <a:srgbClr val="7030A0"/>
-            </a:solidFill>
-          </a:ln>
-          <a:effectLst/>
-        </p:spPr>
-        <p:style>
-          <a:lnRef idx="1">
-            <a:schemeClr val="accent4"/>
-          </a:lnRef>
-          <a:fillRef idx="2">
-            <a:schemeClr val="accent4"/>
-          </a:fillRef>
-          <a:effectRef idx="1">
-            <a:schemeClr val="accent4"/>
-          </a:effectRef>
-          <a:fontRef idx="minor">
-            <a:schemeClr val="dk1"/>
-          </a:fontRef>
-        </p:style>
-        <p:txBody>
-          <a:bodyPr rtlCol="0" anchor="ctr"/>
-          <a:lstStyle/>
-          <a:p>
-            <a:pPr algn="ctr"/>
-            <a:r>
-              <a:rPr lang="en-US" sz="1050" dirty="0" err="1" smtClean="0">
-                <a:solidFill>
-                  <a:srgbClr val="7030A0"/>
-                </a:solidFill>
-              </a:rPr>
-              <a:t>UniqueActivityList</a:t>
-            </a:r>
-            <a:endParaRPr lang="en-SG" sz="1050" dirty="0">
-              <a:solidFill>
-                <a:srgbClr val="7030A0"/>
-              </a:solidFill>
-            </a:endParaRPr>
-          </a:p>
-        </p:txBody>
-      </p:sp>
-      <p:sp>
-        <p:nvSpPr>
-          <p:cNvPr id="51" name="Flowchart: Decision 96"/>
-          <p:cNvSpPr/>
-          <p:nvPr/>
-        </p:nvSpPr>
-        <p:spPr>
-          <a:xfrm>
-            <a:off x="3984303" y="2673991"/>
-            <a:ext cx="236048" cy="173380"/>
-          </a:xfrm>
-          <a:prstGeom prst="flowChartDecision">
-            <a:avLst/>
-          </a:prstGeom>
-          <a:solidFill>
-            <a:srgbClr val="7030A0"/>
-          </a:solidFill>
-          <a:ln w="19050">
-            <a:solidFill>
-              <a:srgbClr val="7030A0"/>
-            </a:solidFill>
-          </a:ln>
-          <a:effectLst/>
-        </p:spPr>
-        <p:style>
-          <a:lnRef idx="1">
-            <a:schemeClr val="accent6"/>
-          </a:lnRef>
-          <a:fillRef idx="2">
-            <a:schemeClr val="accent6"/>
-          </a:fillRef>
-          <a:effectRef idx="1">
-            <a:schemeClr val="accent6"/>
-          </a:effectRef>
-          <a:fontRef idx="minor">
-            <a:schemeClr val="dk1"/>
-          </a:fontRef>
-        </p:style>
-        <p:txBody>
-          <a:bodyPr rtlCol="0" anchor="ctr"/>
-          <a:lstStyle/>
-          <a:p>
-            <a:pPr algn="ctr"/>
-            <a:endParaRPr lang="en-US" sz="1050"/>
-          </a:p>
-        </p:txBody>
-      </p:sp>
-      <p:cxnSp>
-        <p:nvCxnSpPr>
-          <p:cNvPr id="30" name="Elbow Connector 29"/>
-          <p:cNvCxnSpPr>
-            <a:stCxn id="51" idx="3"/>
-            <a:endCxn id="49" idx="1"/>
-          </p:cNvCxnSpPr>
-          <p:nvPr/>
-        </p:nvCxnSpPr>
-        <p:spPr>
-          <a:xfrm>
-            <a:off x="4220351" y="2760681"/>
-            <a:ext cx="266666" cy="260070"/>
-          </a:xfrm>
-          <a:prstGeom prst="bentConnector3">
-            <a:avLst/>
-          </a:prstGeom>
-          <a:ln w="19050">
-            <a:solidFill>
-              <a:srgbClr val="7030A0"/>
-            </a:solidFill>
-            <a:headEnd type="none" w="med" len="med"/>
-            <a:tailEnd type="arrow" w="med" len="med"/>
-          </a:ln>
-          <a:effectLst/>
-        </p:spPr>
-        <p:style>
-          <a:lnRef idx="1">
-            <a:schemeClr val="accent2"/>
-          </a:lnRef>
-          <a:fillRef idx="2">
-            <a:schemeClr val="accent2"/>
-          </a:fillRef>
-          <a:effectRef idx="1">
-            <a:schemeClr val="accent2"/>
-          </a:effectRef>
-          <a:fontRef idx="minor">
-            <a:schemeClr val="dk1"/>
-          </a:fontRef>
-        </p:style>
-      </p:cxnSp>
-      <p:sp>
-        <p:nvSpPr>
-          <p:cNvPr id="62" name="Rectangle 8"/>
-          <p:cNvSpPr/>
-          <p:nvPr/>
-        </p:nvSpPr>
-        <p:spPr>
-          <a:xfrm>
-            <a:off x="6313677" y="2858066"/>
-            <a:ext cx="708186" cy="346760"/>
-          </a:xfrm>
-          <a:prstGeom prst="rect">
-            <a:avLst/>
-          </a:prstGeom>
-          <a:ln w="19050">
-            <a:solidFill>
-              <a:srgbClr val="7030A0"/>
-            </a:solidFill>
-          </a:ln>
-          <a:effectLst/>
-        </p:spPr>
-        <p:style>
-          <a:lnRef idx="1">
-            <a:schemeClr val="accent4"/>
-          </a:lnRef>
-          <a:fillRef idx="2">
-            <a:schemeClr val="accent4"/>
-          </a:fillRef>
-          <a:effectRef idx="1">
-            <a:schemeClr val="accent4"/>
-          </a:effectRef>
-          <a:fontRef idx="minor">
-            <a:schemeClr val="dk1"/>
-          </a:fontRef>
-        </p:style>
-        <p:txBody>
-          <a:bodyPr rtlCol="0" anchor="ctr"/>
-          <a:lstStyle/>
-          <a:p>
-            <a:pPr algn="ctr"/>
-            <a:r>
-              <a:rPr lang="en-US" sz="1050" dirty="0" smtClean="0">
-                <a:solidFill>
-                  <a:srgbClr val="7030A0"/>
-                </a:solidFill>
-              </a:rPr>
-              <a:t>Activity</a:t>
-            </a:r>
-            <a:endParaRPr lang="en-SG" sz="1050" dirty="0">
-              <a:solidFill>
-                <a:srgbClr val="7030A0"/>
-              </a:solidFill>
-            </a:endParaRPr>
-          </a:p>
-        </p:txBody>
-      </p:sp>
-      <p:sp>
-        <p:nvSpPr>
-          <p:cNvPr id="63" name="Flowchart: Decision 96"/>
-          <p:cNvSpPr/>
-          <p:nvPr/>
-        </p:nvSpPr>
-        <p:spPr>
-          <a:xfrm>
-            <a:off x="5723627" y="2942093"/>
-            <a:ext cx="236048" cy="173380"/>
-          </a:xfrm>
-          <a:prstGeom prst="flowChartDecision">
-            <a:avLst/>
-          </a:prstGeom>
-          <a:noFill/>
-          <a:ln w="19050">
-            <a:solidFill>
-              <a:srgbClr val="7030A0"/>
-            </a:solidFill>
-          </a:ln>
-          <a:effectLst/>
-        </p:spPr>
-        <p:style>
-          <a:lnRef idx="1">
-            <a:schemeClr val="accent6"/>
-          </a:lnRef>
-          <a:fillRef idx="2">
-            <a:schemeClr val="accent6"/>
-          </a:fillRef>
-          <a:effectRef idx="1">
-            <a:schemeClr val="accent6"/>
-          </a:effectRef>
-          <a:fontRef idx="minor">
-            <a:schemeClr val="dk1"/>
-          </a:fontRef>
-        </p:style>
-        <p:txBody>
-          <a:bodyPr rtlCol="0" anchor="ctr"/>
-          <a:lstStyle/>
-          <a:p>
-            <a:pPr algn="ctr"/>
-            <a:endParaRPr lang="en-US" sz="1050"/>
-          </a:p>
-        </p:txBody>
-      </p:sp>
-      <p:cxnSp>
-        <p:nvCxnSpPr>
-          <p:cNvPr id="64" name="Elbow Connector 63"/>
-          <p:cNvCxnSpPr>
-            <a:stCxn id="63" idx="3"/>
-            <a:endCxn id="62" idx="1"/>
-          </p:cNvCxnSpPr>
-          <p:nvPr/>
-        </p:nvCxnSpPr>
-        <p:spPr>
-          <a:xfrm>
-            <a:off x="5959675" y="3028783"/>
-            <a:ext cx="354002" cy="2663"/>
-          </a:xfrm>
-          <a:prstGeom prst="bentConnector3">
-            <a:avLst/>
-          </a:prstGeom>
-          <a:ln w="19050">
-            <a:solidFill>
-              <a:srgbClr val="7030A0"/>
-            </a:solidFill>
-            <a:headEnd type="none" w="med" len="med"/>
-            <a:tailEnd type="arrow" w="med" len="med"/>
-          </a:ln>
-          <a:effectLst/>
-        </p:spPr>
-        <p:style>
-          <a:lnRef idx="1">
-            <a:schemeClr val="accent2"/>
-          </a:lnRef>
-          <a:fillRef idx="2">
-            <a:schemeClr val="accent2"/>
-          </a:fillRef>
-          <a:effectRef idx="1">
-            <a:schemeClr val="accent2"/>
-          </a:effectRef>
-          <a:fontRef idx="minor">
-            <a:schemeClr val="dk1"/>
-          </a:fontRef>
-        </p:style>
-      </p:cxnSp>
-      <p:sp>
-        <p:nvSpPr>
-          <p:cNvPr id="72" name="Rectangle 8"/>
-          <p:cNvSpPr/>
-          <p:nvPr/>
-        </p:nvSpPr>
-        <p:spPr>
-          <a:xfrm>
-            <a:off x="5128257" y="3429000"/>
-            <a:ext cx="1156969" cy="346760"/>
-          </a:xfrm>
-          <a:prstGeom prst="rect">
-            <a:avLst/>
-          </a:prstGeom>
-          <a:ln w="19050">
-            <a:solidFill>
-              <a:srgbClr val="7030A0"/>
-            </a:solidFill>
-          </a:ln>
-          <a:effectLst/>
-        </p:spPr>
-        <p:style>
-          <a:lnRef idx="1">
-            <a:schemeClr val="accent4"/>
-          </a:lnRef>
-          <a:fillRef idx="2">
-            <a:schemeClr val="accent4"/>
-          </a:fillRef>
-          <a:effectRef idx="1">
-            <a:schemeClr val="accent4"/>
-          </a:effectRef>
-          <a:fontRef idx="minor">
-            <a:schemeClr val="dk1"/>
-          </a:fontRef>
-        </p:style>
-        <p:txBody>
-          <a:bodyPr rtlCol="0" anchor="ctr"/>
-          <a:lstStyle/>
-          <a:p>
-            <a:pPr algn="ctr"/>
-            <a:r>
-              <a:rPr lang="en-US" sz="1050" dirty="0" smtClean="0">
-                <a:solidFill>
-                  <a:srgbClr val="7030A0"/>
-                </a:solidFill>
-              </a:rPr>
-              <a:t>&lt;&lt;interface&gt;&gt;</a:t>
-            </a:r>
-            <a:br>
-              <a:rPr lang="en-US" sz="1050" dirty="0" smtClean="0">
-                <a:solidFill>
-                  <a:srgbClr val="7030A0"/>
-                </a:solidFill>
-              </a:rPr>
-            </a:br>
-            <a:r>
-              <a:rPr lang="en-US" sz="1050" dirty="0" err="1" smtClean="0">
-                <a:solidFill>
-                  <a:srgbClr val="7030A0"/>
-                </a:solidFill>
-              </a:rPr>
-              <a:t>ReadOnlyActivity</a:t>
-            </a:r>
-            <a:endParaRPr lang="en-SG" sz="1050" dirty="0">
-              <a:solidFill>
-                <a:srgbClr val="7030A0"/>
-              </a:solidFill>
-            </a:endParaRPr>
-          </a:p>
-        </p:txBody>
-      </p:sp>
-      <p:sp>
-        <p:nvSpPr>
-          <p:cNvPr id="76" name="Rectangle 8"/>
-          <p:cNvSpPr/>
-          <p:nvPr/>
-        </p:nvSpPr>
-        <p:spPr>
-          <a:xfrm>
-            <a:off x="7712396" y="2564240"/>
-            <a:ext cx="916675" cy="285782"/>
-          </a:xfrm>
-          <a:prstGeom prst="rect">
-            <a:avLst/>
-          </a:prstGeom>
-          <a:ln w="19050">
-            <a:solidFill>
-              <a:srgbClr val="7030A0"/>
-            </a:solidFill>
-          </a:ln>
-          <a:effectLst/>
-        </p:spPr>
-        <p:style>
-          <a:lnRef idx="1">
-            <a:schemeClr val="accent4"/>
-          </a:lnRef>
-          <a:fillRef idx="2">
-            <a:schemeClr val="accent4"/>
-          </a:fillRef>
-          <a:effectRef idx="1">
-            <a:schemeClr val="accent4"/>
-          </a:effectRef>
-          <a:fontRef idx="minor">
-            <a:schemeClr val="dk1"/>
-          </a:fontRef>
-        </p:style>
-        <p:txBody>
-          <a:bodyPr rtlCol="0" anchor="ctr"/>
-          <a:lstStyle/>
-          <a:p>
-            <a:pPr algn="ctr"/>
-            <a:r>
-              <a:rPr lang="en-US" sz="1050" dirty="0" err="1" smtClean="0">
-                <a:solidFill>
-                  <a:srgbClr val="7030A0"/>
-                </a:solidFill>
-              </a:rPr>
-              <a:t>ActivityType</a:t>
-            </a:r>
-            <a:endParaRPr lang="en-SG" sz="1050" dirty="0">
-              <a:solidFill>
-                <a:srgbClr val="7030A0"/>
-              </a:solidFill>
-            </a:endParaRPr>
-          </a:p>
-        </p:txBody>
-      </p:sp>
-      <p:sp>
-        <p:nvSpPr>
-          <p:cNvPr id="78" name="Flowchart: Decision 96"/>
-          <p:cNvSpPr/>
-          <p:nvPr/>
-        </p:nvSpPr>
-        <p:spPr>
-          <a:xfrm>
-            <a:off x="7041947" y="2948201"/>
-            <a:ext cx="236048" cy="173380"/>
-          </a:xfrm>
-          <a:prstGeom prst="flowChartDecision">
-            <a:avLst/>
-          </a:prstGeom>
-          <a:solidFill>
-            <a:srgbClr val="7030A0"/>
-          </a:solidFill>
-          <a:ln w="19050">
-            <a:solidFill>
-              <a:srgbClr val="7030A0"/>
-            </a:solidFill>
-          </a:ln>
-          <a:effectLst/>
-        </p:spPr>
-        <p:style>
-          <a:lnRef idx="1">
-            <a:schemeClr val="accent6"/>
-          </a:lnRef>
-          <a:fillRef idx="2">
-            <a:schemeClr val="accent6"/>
-          </a:fillRef>
-          <a:effectRef idx="1">
-            <a:schemeClr val="accent6"/>
-          </a:effectRef>
-          <a:fontRef idx="minor">
-            <a:schemeClr val="dk1"/>
-          </a:fontRef>
-        </p:style>
-        <p:txBody>
-          <a:bodyPr rtlCol="0" anchor="ctr"/>
-          <a:lstStyle/>
-          <a:p>
-            <a:pPr algn="ctr"/>
-            <a:endParaRPr lang="en-US" sz="1050"/>
-          </a:p>
-        </p:txBody>
-      </p:sp>
-      <p:cxnSp>
-        <p:nvCxnSpPr>
-          <p:cNvPr id="79" name="Elbow Connector 78"/>
-          <p:cNvCxnSpPr>
-            <a:stCxn id="78" idx="3"/>
-            <a:endCxn id="76" idx="1"/>
-          </p:cNvCxnSpPr>
-          <p:nvPr/>
-        </p:nvCxnSpPr>
-        <p:spPr>
-          <a:xfrm flipV="1">
-            <a:off x="7277995" y="2707131"/>
-            <a:ext cx="434401" cy="327760"/>
-          </a:xfrm>
-          <a:prstGeom prst="bentConnector3">
-            <a:avLst/>
-          </a:prstGeom>
-          <a:ln w="19050">
-            <a:solidFill>
-              <a:srgbClr val="7030A0"/>
-            </a:solidFill>
-            <a:headEnd type="none" w="med" len="med"/>
-            <a:tailEnd type="arrow" w="med" len="med"/>
-          </a:ln>
-          <a:effectLst/>
-        </p:spPr>
-        <p:style>
-          <a:lnRef idx="1">
-            <a:schemeClr val="accent2"/>
-          </a:lnRef>
-          <a:fillRef idx="2">
-            <a:schemeClr val="accent2"/>
-          </a:fillRef>
-          <a:effectRef idx="1">
-            <a:schemeClr val="accent2"/>
-          </a:effectRef>
-          <a:fontRef idx="minor">
-            <a:schemeClr val="dk1"/>
-          </a:fontRef>
-        </p:style>
-      </p:cxnSp>
-      <p:sp>
-        <p:nvSpPr>
-          <p:cNvPr id="80" name="Rectangle 8"/>
-          <p:cNvSpPr/>
-          <p:nvPr/>
-        </p:nvSpPr>
-        <p:spPr>
-          <a:xfrm>
-            <a:off x="7712396" y="2904800"/>
-            <a:ext cx="943475" cy="268199"/>
-          </a:xfrm>
-          <a:prstGeom prst="rect">
-            <a:avLst/>
-          </a:prstGeom>
-          <a:ln w="19050">
-            <a:solidFill>
-              <a:srgbClr val="7030A0"/>
-            </a:solidFill>
-          </a:ln>
-          <a:effectLst/>
-        </p:spPr>
-        <p:style>
-          <a:lnRef idx="1">
-            <a:schemeClr val="accent4"/>
-          </a:lnRef>
-          <a:fillRef idx="2">
-            <a:schemeClr val="accent4"/>
-          </a:fillRef>
-          <a:effectRef idx="1">
-            <a:schemeClr val="accent4"/>
-          </a:effectRef>
-          <a:fontRef idx="minor">
-            <a:schemeClr val="dk1"/>
-          </a:fontRef>
-        </p:style>
-        <p:txBody>
-          <a:bodyPr rtlCol="0" anchor="ctr"/>
-          <a:lstStyle/>
-          <a:p>
-            <a:pPr algn="ctr"/>
-            <a:r>
-              <a:rPr lang="en-US" sz="1050" dirty="0" err="1" smtClean="0">
-                <a:solidFill>
-                  <a:srgbClr val="7030A0"/>
-                </a:solidFill>
-              </a:rPr>
-              <a:t>ActivityName</a:t>
-            </a:r>
-            <a:endParaRPr lang="en-SG" sz="1050" dirty="0">
-              <a:solidFill>
-                <a:srgbClr val="7030A0"/>
-              </a:solidFill>
-            </a:endParaRPr>
-          </a:p>
-        </p:txBody>
-      </p:sp>
-      <p:cxnSp>
-        <p:nvCxnSpPr>
-          <p:cNvPr id="81" name="Elbow Connector 80"/>
-          <p:cNvCxnSpPr>
-            <a:stCxn id="78" idx="3"/>
-            <a:endCxn id="80" idx="1"/>
-          </p:cNvCxnSpPr>
-          <p:nvPr/>
-        </p:nvCxnSpPr>
-        <p:spPr>
-          <a:xfrm>
-            <a:off x="7277995" y="3034891"/>
-            <a:ext cx="434401" cy="4009"/>
-          </a:xfrm>
-          <a:prstGeom prst="bentConnector3">
-            <a:avLst/>
-          </a:prstGeom>
-          <a:ln w="19050">
-            <a:solidFill>
-              <a:srgbClr val="7030A0"/>
-            </a:solidFill>
-            <a:headEnd type="none" w="med" len="med"/>
-            <a:tailEnd type="arrow" w="med" len="med"/>
-          </a:ln>
-          <a:effectLst/>
-        </p:spPr>
-        <p:style>
-          <a:lnRef idx="1">
-            <a:schemeClr val="accent2"/>
-          </a:lnRef>
-          <a:fillRef idx="2">
-            <a:schemeClr val="accent2"/>
-          </a:fillRef>
-          <a:effectRef idx="1">
-            <a:schemeClr val="accent2"/>
-          </a:effectRef>
-          <a:fontRef idx="minor">
-            <a:schemeClr val="dk1"/>
-          </a:fontRef>
-        </p:style>
-      </p:cxnSp>
-      <p:sp>
-        <p:nvSpPr>
-          <p:cNvPr id="83" name="Rectangle 8"/>
-          <p:cNvSpPr/>
-          <p:nvPr/>
-        </p:nvSpPr>
-        <p:spPr>
-          <a:xfrm>
-            <a:off x="7712397" y="3210194"/>
-            <a:ext cx="708186" cy="285783"/>
-          </a:xfrm>
-          <a:prstGeom prst="rect">
-            <a:avLst/>
-          </a:prstGeom>
-          <a:ln w="19050">
-            <a:solidFill>
-              <a:srgbClr val="7030A0"/>
-            </a:solidFill>
-          </a:ln>
-          <a:effectLst/>
-        </p:spPr>
-        <p:style>
-          <a:lnRef idx="1">
-            <a:schemeClr val="accent4"/>
-          </a:lnRef>
-          <a:fillRef idx="2">
-            <a:schemeClr val="accent4"/>
-          </a:fillRef>
-          <a:effectRef idx="1">
-            <a:schemeClr val="accent4"/>
-          </a:effectRef>
-          <a:fontRef idx="minor">
-            <a:schemeClr val="dk1"/>
-          </a:fontRef>
-        </p:style>
-        <p:txBody>
-          <a:bodyPr rtlCol="0" anchor="ctr"/>
-          <a:lstStyle/>
-          <a:p>
-            <a:pPr algn="ctr"/>
-            <a:r>
-              <a:rPr lang="en-US" sz="1050" dirty="0" smtClean="0">
-                <a:solidFill>
-                  <a:srgbClr val="7030A0"/>
-                </a:solidFill>
-              </a:rPr>
-              <a:t>Note</a:t>
-            </a:r>
-            <a:endParaRPr lang="en-SG" sz="1050" dirty="0">
-              <a:solidFill>
-                <a:srgbClr val="7030A0"/>
-              </a:solidFill>
-            </a:endParaRPr>
-          </a:p>
-        </p:txBody>
-      </p:sp>
-      <p:cxnSp>
-        <p:nvCxnSpPr>
-          <p:cNvPr id="84" name="Elbow Connector 83"/>
-          <p:cNvCxnSpPr>
-            <a:stCxn id="78" idx="3"/>
-            <a:endCxn id="83" idx="1"/>
-          </p:cNvCxnSpPr>
-          <p:nvPr/>
-        </p:nvCxnSpPr>
-        <p:spPr>
-          <a:xfrm>
-            <a:off x="7277995" y="3034891"/>
-            <a:ext cx="434402" cy="318195"/>
-          </a:xfrm>
-          <a:prstGeom prst="bentConnector3">
-            <a:avLst/>
-          </a:prstGeom>
-          <a:ln w="19050">
-            <a:solidFill>
-              <a:srgbClr val="7030A0"/>
-            </a:solidFill>
-            <a:headEnd type="none" w="med" len="med"/>
-            <a:tailEnd type="arrow" w="med" len="med"/>
-          </a:ln>
-          <a:effectLst/>
-        </p:spPr>
-        <p:style>
-          <a:lnRef idx="1">
-            <a:schemeClr val="accent2"/>
-          </a:lnRef>
-          <a:fillRef idx="2">
-            <a:schemeClr val="accent2"/>
-          </a:fillRef>
-          <a:effectRef idx="1">
-            <a:schemeClr val="accent2"/>
-          </a:effectRef>
-          <a:fontRef idx="minor">
-            <a:schemeClr val="dk1"/>
-          </a:fontRef>
-        </p:style>
-      </p:cxnSp>
-      <p:sp>
-        <p:nvSpPr>
-          <p:cNvPr id="85" name="Rectangle 8"/>
-          <p:cNvSpPr/>
-          <p:nvPr/>
-        </p:nvSpPr>
-        <p:spPr>
-          <a:xfrm>
-            <a:off x="7712396" y="3533172"/>
-            <a:ext cx="822003" cy="282736"/>
-          </a:xfrm>
-          <a:prstGeom prst="rect">
-            <a:avLst/>
-          </a:prstGeom>
-          <a:ln w="19050">
-            <a:solidFill>
-              <a:srgbClr val="7030A0"/>
-            </a:solidFill>
-          </a:ln>
-          <a:effectLst/>
-        </p:spPr>
-        <p:style>
-          <a:lnRef idx="1">
-            <a:schemeClr val="accent4"/>
-          </a:lnRef>
-          <a:fillRef idx="2">
-            <a:schemeClr val="accent4"/>
-          </a:fillRef>
-          <a:effectRef idx="1">
-            <a:schemeClr val="accent4"/>
-          </a:effectRef>
-          <a:fontRef idx="minor">
-            <a:schemeClr val="dk1"/>
-          </a:fontRef>
-        </p:style>
-        <p:txBody>
-          <a:bodyPr rtlCol="0" anchor="ctr"/>
-          <a:lstStyle/>
-          <a:p>
-            <a:pPr algn="ctr"/>
-            <a:r>
-              <a:rPr lang="en-US" sz="1050" dirty="0" smtClean="0">
-                <a:solidFill>
-                  <a:srgbClr val="7030A0"/>
-                </a:solidFill>
-              </a:rPr>
-              <a:t>Completed</a:t>
-            </a:r>
-            <a:endParaRPr lang="en-SG" sz="1050" dirty="0">
-              <a:solidFill>
-                <a:srgbClr val="7030A0"/>
-              </a:solidFill>
-            </a:endParaRPr>
-          </a:p>
-        </p:txBody>
-      </p:sp>
-      <p:cxnSp>
-        <p:nvCxnSpPr>
-          <p:cNvPr id="86" name="Elbow Connector 85"/>
-          <p:cNvCxnSpPr>
-            <a:stCxn id="78" idx="3"/>
-            <a:endCxn id="85" idx="1"/>
-          </p:cNvCxnSpPr>
-          <p:nvPr/>
-        </p:nvCxnSpPr>
-        <p:spPr>
-          <a:xfrm>
-            <a:off x="7277995" y="3034891"/>
-            <a:ext cx="434401" cy="639649"/>
-          </a:xfrm>
-          <a:prstGeom prst="bentConnector3">
-            <a:avLst/>
-          </a:prstGeom>
-          <a:ln w="19050">
-            <a:solidFill>
-              <a:srgbClr val="7030A0"/>
-            </a:solidFill>
-            <a:headEnd type="none" w="med" len="med"/>
-            <a:tailEnd type="arrow" w="med" len="med"/>
-          </a:ln>
-          <a:effectLst/>
-        </p:spPr>
-        <p:style>
-          <a:lnRef idx="1">
-            <a:schemeClr val="accent2"/>
-          </a:lnRef>
-          <a:fillRef idx="2">
-            <a:schemeClr val="accent2"/>
-          </a:fillRef>
-          <a:effectRef idx="1">
-            <a:schemeClr val="accent2"/>
-          </a:effectRef>
-          <a:fontRef idx="minor">
-            <a:schemeClr val="dk1"/>
-          </a:fontRef>
-        </p:style>
-      </p:cxnSp>
-      <p:cxnSp>
-        <p:nvCxnSpPr>
-          <p:cNvPr id="97" name="Elbow Connector 63"/>
-          <p:cNvCxnSpPr>
-            <a:stCxn id="99" idx="3"/>
-          </p:cNvCxnSpPr>
-          <p:nvPr/>
-        </p:nvCxnSpPr>
-        <p:spPr>
-          <a:xfrm rot="16200000" flipH="1">
-            <a:off x="3279321" y="2485431"/>
-            <a:ext cx="293825" cy="1"/>
-          </a:xfrm>
-          <a:prstGeom prst="bentConnector3">
-            <a:avLst>
-              <a:gd name="adj1" fmla="val 50000"/>
-            </a:avLst>
-          </a:prstGeom>
-          <a:ln w="19050">
-            <a:solidFill>
-              <a:srgbClr val="7030A0"/>
-            </a:solidFill>
-            <a:prstDash val="sysDot"/>
-            <a:headEnd type="none" w="med" len="med"/>
-            <a:tailEnd type="none" w="med" len="med"/>
-          </a:ln>
-          <a:effectLst/>
-        </p:spPr>
-        <p:style>
-          <a:lnRef idx="1">
-            <a:schemeClr val="accent2"/>
-          </a:lnRef>
-          <a:fillRef idx="2">
-            <a:schemeClr val="accent2"/>
-          </a:fillRef>
-          <a:effectRef idx="1">
-            <a:schemeClr val="accent2"/>
-          </a:effectRef>
-          <a:fontRef idx="minor">
-            <a:schemeClr val="dk1"/>
-          </a:fontRef>
-        </p:style>
-      </p:cxnSp>
-      <p:sp>
-        <p:nvSpPr>
-          <p:cNvPr id="99" name="Isosceles Triangle 102"/>
-          <p:cNvSpPr/>
-          <p:nvPr/>
-        </p:nvSpPr>
-        <p:spPr>
-          <a:xfrm rot="10800000" flipV="1">
-            <a:off x="3290981" y="2162997"/>
-            <a:ext cx="270504" cy="175523"/>
-          </a:xfrm>
-          <a:prstGeom prst="triangle">
-            <a:avLst/>
-          </a:prstGeom>
-          <a:ln w="19050">
-            <a:solidFill>
-              <a:srgbClr val="7030A0"/>
-            </a:solidFill>
-          </a:ln>
-          <a:effectLst/>
-        </p:spPr>
-        <p:style>
-          <a:lnRef idx="1">
-            <a:schemeClr val="accent4"/>
-          </a:lnRef>
-          <a:fillRef idx="2">
-            <a:schemeClr val="accent4"/>
-          </a:fillRef>
-          <a:effectRef idx="1">
-            <a:schemeClr val="accent4"/>
-          </a:effectRef>
-          <a:fontRef idx="minor">
-            <a:schemeClr val="dk1"/>
-          </a:fontRef>
-        </p:style>
-        <p:txBody>
-          <a:bodyPr rtlCol="0" anchor="ctr"/>
-          <a:lstStyle/>
-          <a:p>
-            <a:pPr algn="ctr"/>
-            <a:endParaRPr lang="en-SG" sz="1050" b="1">
-              <a:solidFill>
-                <a:srgbClr val="92D050"/>
-              </a:solidFill>
-            </a:endParaRPr>
-          </a:p>
-        </p:txBody>
-      </p:sp>
-      <p:sp>
-        <p:nvSpPr>
-          <p:cNvPr id="100" name="Rectangle 8"/>
-          <p:cNvSpPr/>
-          <p:nvPr/>
-        </p:nvSpPr>
-        <p:spPr>
-          <a:xfrm>
-            <a:off x="2660302" y="1806470"/>
-            <a:ext cx="1759297" cy="346760"/>
-          </a:xfrm>
-          <a:prstGeom prst="rect">
-            <a:avLst/>
-          </a:prstGeom>
-          <a:ln w="19050">
-            <a:solidFill>
-              <a:srgbClr val="7030A0"/>
-            </a:solidFill>
-          </a:ln>
-          <a:effectLst/>
-        </p:spPr>
-        <p:style>
-          <a:lnRef idx="1">
-            <a:schemeClr val="accent4"/>
-          </a:lnRef>
-          <a:fillRef idx="2">
-            <a:schemeClr val="accent4"/>
-          </a:fillRef>
-          <a:effectRef idx="1">
-            <a:schemeClr val="accent4"/>
-          </a:effectRef>
-          <a:fontRef idx="minor">
-            <a:schemeClr val="dk1"/>
-          </a:fontRef>
-        </p:style>
-        <p:txBody>
-          <a:bodyPr rtlCol="0" anchor="ctr"/>
-          <a:lstStyle/>
-          <a:p>
-            <a:pPr algn="ctr"/>
-            <a:r>
-              <a:rPr lang="en-US" sz="1050" dirty="0" smtClean="0">
-                <a:solidFill>
-                  <a:srgbClr val="7030A0"/>
-                </a:solidFill>
-              </a:rPr>
-              <a:t>&lt;&lt;interface&gt;&gt;</a:t>
-            </a:r>
-            <a:br>
-              <a:rPr lang="en-US" sz="1050" dirty="0" smtClean="0">
-                <a:solidFill>
-                  <a:srgbClr val="7030A0"/>
-                </a:solidFill>
-              </a:rPr>
-            </a:br>
-            <a:r>
-              <a:rPr lang="en-US" sz="1050" dirty="0" err="1" smtClean="0">
-                <a:solidFill>
-                  <a:srgbClr val="7030A0"/>
-                </a:solidFill>
-              </a:rPr>
-              <a:t>ReadOnlyActivityManager</a:t>
-            </a:r>
-            <a:endParaRPr lang="en-SG" sz="1050" dirty="0">
-              <a:solidFill>
-                <a:srgbClr val="7030A0"/>
-              </a:solidFill>
-            </a:endParaRPr>
-          </a:p>
-        </p:txBody>
-      </p:sp>
-      <p:sp>
-        <p:nvSpPr>
-          <p:cNvPr id="114" name="TextBox 113"/>
-          <p:cNvSpPr txBox="1"/>
-          <p:nvPr/>
-        </p:nvSpPr>
-        <p:spPr>
-          <a:xfrm rot="16200000">
-            <a:off x="6581354" y="3514530"/>
-            <a:ext cx="881018" cy="261610"/>
-          </a:xfrm>
-          <a:prstGeom prst="rect">
-            <a:avLst/>
-          </a:prstGeom>
-          <a:noFill/>
-        </p:spPr>
-        <p:txBody>
-          <a:bodyPr wrap="square" rtlCol="0">
+        </p:spPr>
+        <p:txBody>
+          <a:bodyPr wrap="square" lIns="0" tIns="0" rIns="0" bIns="0" rtlCol="0">
             <a:spAutoFit/>
           </a:bodyPr>
-          <a:lstStyle/>
-          <a:p>
-            <a:pPr algn="r"/>
-            <a:r>
-              <a:rPr lang="en-US" sz="1100" dirty="0" smtClean="0">
-                <a:solidFill>
-                  <a:srgbClr val="7030A0"/>
-                </a:solidFill>
-              </a:rPr>
-              <a:t>filtered list</a:t>
-            </a:r>
-            <a:endParaRPr lang="en-SG" sz="1100" dirty="0">
-              <a:solidFill>
-                <a:srgbClr val="7030A0"/>
-              </a:solidFill>
-            </a:endParaRPr>
-          </a:p>
-        </p:txBody>
-      </p:sp>
-      <p:sp>
-        <p:nvSpPr>
-          <p:cNvPr id="122" name="Rectangle 8"/>
-          <p:cNvSpPr/>
-          <p:nvPr/>
-        </p:nvSpPr>
-        <p:spPr>
-          <a:xfrm>
-            <a:off x="2057400" y="4239491"/>
-            <a:ext cx="1775949" cy="346760"/>
-          </a:xfrm>
-          <a:prstGeom prst="rect">
-            <a:avLst/>
-          </a:prstGeom>
-          <a:ln w="19050">
-            <a:solidFill>
-              <a:srgbClr val="7030A0"/>
-            </a:solidFill>
-          </a:ln>
-          <a:effectLst/>
-        </p:spPr>
-        <p:style>
-          <a:lnRef idx="1">
-            <a:schemeClr val="accent4"/>
-          </a:lnRef>
-          <a:fillRef idx="2">
-            <a:schemeClr val="accent4"/>
-          </a:fillRef>
-          <a:effectRef idx="1">
-            <a:schemeClr val="accent4"/>
-          </a:effectRef>
-          <a:fontRef idx="minor">
-            <a:schemeClr val="dk1"/>
-          </a:fontRef>
-        </p:style>
-        <p:txBody>
-          <a:bodyPr rtlCol="0" anchor="ctr"/>
-          <a:lstStyle/>
-          <a:p>
-            <a:pPr algn="ctr"/>
-            <a:r>
-              <a:rPr lang="en-US" sz="1050" dirty="0" smtClean="0">
-                <a:solidFill>
-                  <a:srgbClr val="7030A0"/>
-                </a:solidFill>
-              </a:rPr>
-              <a:t>&lt;&lt;interface&gt;&gt;</a:t>
-            </a:r>
-            <a:r>
-              <a:rPr lang="en-US" sz="1050" dirty="0">
-                <a:solidFill>
-                  <a:srgbClr val="7030A0"/>
-                </a:solidFill>
-              </a:rPr>
-              <a:t/>
-            </a:r>
-            <a:br>
-              <a:rPr lang="en-US" sz="1050" dirty="0">
-                <a:solidFill>
-                  <a:srgbClr val="7030A0"/>
-                </a:solidFill>
-              </a:rPr>
-            </a:br>
-            <a:r>
-              <a:rPr lang="en-US" sz="1050" dirty="0" err="1" smtClean="0">
-                <a:solidFill>
-                  <a:srgbClr val="7030A0"/>
-                </a:solidFill>
-              </a:rPr>
-              <a:t>UnmodifiableObservableList</a:t>
-            </a:r>
-            <a:endParaRPr lang="en-SG" sz="1050" dirty="0">
-              <a:solidFill>
-                <a:srgbClr val="7030A0"/>
-              </a:solidFill>
-            </a:endParaRPr>
-          </a:p>
-        </p:txBody>
-      </p:sp>
-      <p:cxnSp>
-        <p:nvCxnSpPr>
-          <p:cNvPr id="124" name="Elbow Connector 122"/>
-          <p:cNvCxnSpPr>
-            <a:stCxn id="119" idx="1"/>
-            <a:endCxn id="122" idx="1"/>
-          </p:cNvCxnSpPr>
-          <p:nvPr/>
-        </p:nvCxnSpPr>
-        <p:spPr>
-          <a:xfrm rot="16200000" flipH="1">
-            <a:off x="1364475" y="3719945"/>
-            <a:ext cx="831471" cy="554380"/>
-          </a:xfrm>
-          <a:prstGeom prst="bentConnector2">
-            <a:avLst/>
-          </a:prstGeom>
-          <a:ln w="19050">
-            <a:solidFill>
-              <a:srgbClr val="7030A0"/>
-            </a:solidFill>
-            <a:prstDash val="sysDot"/>
-            <a:headEnd type="none" w="med" len="med"/>
-            <a:tailEnd type="arrow" w="med" len="med"/>
-          </a:ln>
-          <a:effectLst/>
-        </p:spPr>
-        <p:style>
-          <a:lnRef idx="1">
-            <a:schemeClr val="accent2"/>
-          </a:lnRef>
-          <a:fillRef idx="2">
-            <a:schemeClr val="accent2"/>
-          </a:fillRef>
-          <a:effectRef idx="1">
-            <a:schemeClr val="accent2"/>
-          </a:effectRef>
-          <a:fontRef idx="minor">
-            <a:schemeClr val="dk1"/>
-          </a:fontRef>
-        </p:style>
-      </p:cxnSp>
-      <p:sp>
-        <p:nvSpPr>
-          <p:cNvPr id="13" name="TextBox 12"/>
-          <p:cNvSpPr txBox="1"/>
-          <p:nvPr/>
-        </p:nvSpPr>
-        <p:spPr>
-          <a:xfrm>
-            <a:off x="2866327" y="2648407"/>
-            <a:ext cx="1147560" cy="253916"/>
-          </a:xfrm>
-          <a:prstGeom prst="rect">
-            <a:avLst/>
-          </a:prstGeom>
-          <a:noFill/>
-        </p:spPr>
-        <p:txBody>
-          <a:bodyPr wrap="square" rtlCol="0">
-            <a:spAutoFit/>
-          </a:bodyPr>
-          <a:lstStyle/>
-          <a:p>
-            <a:r>
-              <a:rPr lang="en-US" sz="1050" dirty="0" err="1" smtClean="0">
-                <a:solidFill>
-                  <a:srgbClr val="7030A0"/>
-                </a:solidFill>
-              </a:rPr>
-              <a:t>ActivityManager</a:t>
-            </a:r>
-            <a:endParaRPr lang="en-US" sz="1050" dirty="0"/>
+          <a:lstStyle>
+            <a:defPPr>
+              <a:defRPr lang="en-US"/>
+            </a:defPPr>
+            <a:lvl1pPr algn="r">
+              <a:defRPr sz="1400">
+                <a:solidFill>
+                  <a:srgbClr val="0070C0"/>
+                </a:solidFill>
+              </a:defRPr>
+            </a:lvl1pPr>
+          </a:lstStyle>
+          <a:p>
+            <a:r>
+              <a:rPr lang="en-US" sz="900" dirty="0" smtClean="0"/>
+              <a:t>parse</a:t>
+            </a:r>
+            <a:r>
+              <a:rPr lang="en-US" sz="900" dirty="0" smtClean="0"/>
+              <a:t>(“</a:t>
+            </a:r>
+            <a:r>
+              <a:rPr lang="en-US" sz="900" dirty="0" err="1" smtClean="0"/>
+              <a:t>september</a:t>
+            </a:r>
+            <a:r>
+              <a:rPr lang="en-US" sz="900" dirty="0" smtClean="0"/>
+              <a:t>”)</a:t>
+            </a:r>
+            <a:endParaRPr lang="en-US" sz="900" dirty="0"/>
           </a:p>
         </p:txBody>
       </p:sp>
     </p:spTree>
     <p:extLst>
       <p:ext uri="{BB962C8B-B14F-4D97-AF65-F5344CB8AC3E}">
-        <p14:creationId xmlns:p14="http://schemas.microsoft.com/office/powerpoint/2010/main" val="2396968029"/>
+        <p14:creationId xmlns:p14="http://schemas.microsoft.com/office/powerpoint/2010/main" val="1044567743"/>
       </p:ext>
     </p:extLst>
   </p:cSld>
   <p:clrMapOvr>
     <a:masterClrMapping/>
   </p:clrMapOvr>
-  <p:timing>
-    <p:tnLst>
-      <p:par>
-        <p:cTn id="1" dur="indefinite" restart="never" nodeType="tmRoot"/>
-      </p:par>
-    </p:tnLst>
-  </p:timing>
 </p:sld>
 </file>
 

--- a/docs/diagrams/Diagrams(CS2103T - V0.3).pptx
+++ b/docs/diagrams/Diagrams(CS2103T - V0.3).pptx
@@ -217,7 +217,7 @@
           <a:p>
             <a:fld id="{F5CC4B3F-88C1-4FFA-B1B6-F41C21DC6924}" type="datetimeFigureOut">
               <a:rPr lang="en-US" smtClean="0"/>
-              <a:t>11/6/16</a:t>
+              <a:t>11/7/16</a:t>
             </a:fld>
             <a:endParaRPr lang="en-US"/>
           </a:p>
@@ -666,7 +666,7 @@
           <a:p>
             <a:fld id="{78C97017-6FC3-485B-9764-EAC9E56C1D49}" type="datetimeFigureOut">
               <a:rPr lang="en-US" smtClean="0"/>
-              <a:t>11/6/16</a:t>
+              <a:t>11/7/16</a:t>
             </a:fld>
             <a:endParaRPr lang="en-US"/>
           </a:p>
@@ -836,7 +836,7 @@
           <a:p>
             <a:fld id="{78C97017-6FC3-485B-9764-EAC9E56C1D49}" type="datetimeFigureOut">
               <a:rPr lang="en-US" smtClean="0"/>
-              <a:t>11/6/16</a:t>
+              <a:t>11/7/16</a:t>
             </a:fld>
             <a:endParaRPr lang="en-US"/>
           </a:p>
@@ -1016,7 +1016,7 @@
           <a:p>
             <a:fld id="{78C97017-6FC3-485B-9764-EAC9E56C1D49}" type="datetimeFigureOut">
               <a:rPr lang="en-US" smtClean="0"/>
-              <a:t>11/6/16</a:t>
+              <a:t>11/7/16</a:t>
             </a:fld>
             <a:endParaRPr lang="en-US"/>
           </a:p>
@@ -1186,7 +1186,7 @@
           <a:p>
             <a:fld id="{78C97017-6FC3-485B-9764-EAC9E56C1D49}" type="datetimeFigureOut">
               <a:rPr lang="en-US" smtClean="0"/>
-              <a:t>11/6/16</a:t>
+              <a:t>11/7/16</a:t>
             </a:fld>
             <a:endParaRPr lang="en-US"/>
           </a:p>
@@ -1432,7 +1432,7 @@
           <a:p>
             <a:fld id="{78C97017-6FC3-485B-9764-EAC9E56C1D49}" type="datetimeFigureOut">
               <a:rPr lang="en-US" smtClean="0"/>
-              <a:t>11/6/16</a:t>
+              <a:t>11/7/16</a:t>
             </a:fld>
             <a:endParaRPr lang="en-US"/>
           </a:p>
@@ -1720,7 +1720,7 @@
           <a:p>
             <a:fld id="{78C97017-6FC3-485B-9764-EAC9E56C1D49}" type="datetimeFigureOut">
               <a:rPr lang="en-US" smtClean="0"/>
-              <a:t>11/6/16</a:t>
+              <a:t>11/7/16</a:t>
             </a:fld>
             <a:endParaRPr lang="en-US"/>
           </a:p>
@@ -2142,7 +2142,7 @@
           <a:p>
             <a:fld id="{78C97017-6FC3-485B-9764-EAC9E56C1D49}" type="datetimeFigureOut">
               <a:rPr lang="en-US" smtClean="0"/>
-              <a:t>11/6/16</a:t>
+              <a:t>11/7/16</a:t>
             </a:fld>
             <a:endParaRPr lang="en-US"/>
           </a:p>
@@ -2260,7 +2260,7 @@
           <a:p>
             <a:fld id="{78C97017-6FC3-485B-9764-EAC9E56C1D49}" type="datetimeFigureOut">
               <a:rPr lang="en-US" smtClean="0"/>
-              <a:t>11/6/16</a:t>
+              <a:t>11/7/16</a:t>
             </a:fld>
             <a:endParaRPr lang="en-US"/>
           </a:p>
@@ -2355,7 +2355,7 @@
           <a:p>
             <a:fld id="{78C97017-6FC3-485B-9764-EAC9E56C1D49}" type="datetimeFigureOut">
               <a:rPr lang="en-US" smtClean="0"/>
-              <a:t>11/6/16</a:t>
+              <a:t>11/7/16</a:t>
             </a:fld>
             <a:endParaRPr lang="en-US"/>
           </a:p>
@@ -2632,7 +2632,7 @@
           <a:p>
             <a:fld id="{78C97017-6FC3-485B-9764-EAC9E56C1D49}" type="datetimeFigureOut">
               <a:rPr lang="en-US" smtClean="0"/>
-              <a:t>11/6/16</a:t>
+              <a:t>11/7/16</a:t>
             </a:fld>
             <a:endParaRPr lang="en-US"/>
           </a:p>
@@ -2885,7 +2885,7 @@
           <a:p>
             <a:fld id="{78C97017-6FC3-485B-9764-EAC9E56C1D49}" type="datetimeFigureOut">
               <a:rPr lang="en-US" smtClean="0"/>
-              <a:t>11/6/16</a:t>
+              <a:t>11/7/16</a:t>
             </a:fld>
             <a:endParaRPr lang="en-US"/>
           </a:p>
@@ -3098,7 +3098,7 @@
           <a:p>
             <a:fld id="{78C97017-6FC3-485B-9764-EAC9E56C1D49}" type="datetimeFigureOut">
               <a:rPr lang="en-US" smtClean="0"/>
-              <a:t>11/6/16</a:t>
+              <a:t>11/7/16</a:t>
             </a:fld>
             <a:endParaRPr lang="en-US"/>
           </a:p>
@@ -4068,7 +4068,7 @@
         </p:nvSpPr>
         <p:spPr>
           <a:xfrm>
-            <a:off x="6983565" y="607926"/>
+            <a:off x="7239000" y="579075"/>
             <a:ext cx="1093635" cy="346760"/>
           </a:xfrm>
           <a:prstGeom prst="rect">
@@ -4127,7 +4127,7 @@
         </p:nvCxnSpPr>
         <p:spPr>
           <a:xfrm>
-            <a:off x="7530382" y="971597"/>
+            <a:off x="7785817" y="942746"/>
             <a:ext cx="0" cy="1723059"/>
           </a:xfrm>
           <a:prstGeom prst="line">
@@ -4164,7 +4164,7 @@
         </p:nvSpPr>
         <p:spPr>
           <a:xfrm>
-            <a:off x="7458374" y="1538408"/>
+            <a:off x="7713809" y="1509557"/>
             <a:ext cx="142006" cy="651394"/>
           </a:xfrm>
           <a:prstGeom prst="rect">
@@ -4337,15 +4337,7 @@
                   <a:srgbClr val="0070C0"/>
                 </a:solidFill>
               </a:rPr>
-              <a:t>execute</a:t>
-            </a:r>
-            <a:r>
-              <a:rPr lang="en-US" sz="1400" dirty="0" smtClean="0">
-                <a:solidFill>
-                  <a:srgbClr val="0070C0"/>
-                </a:solidFill>
-              </a:rPr>
-              <a:t>(“undo”)</a:t>
+              <a:t>execute(“undo”)</a:t>
             </a:r>
             <a:endParaRPr lang="en-US" sz="1400" dirty="0">
               <a:solidFill>
@@ -4399,8 +4391,8 @@
         </p:nvSpPr>
         <p:spPr>
           <a:xfrm>
-            <a:off x="4642221" y="1828800"/>
-            <a:ext cx="2567765" cy="215444"/>
+            <a:off x="4642220" y="1847870"/>
+            <a:ext cx="2999581" cy="215443"/>
           </a:xfrm>
           <a:prstGeom prst="rect">
             <a:avLst/>
